--- a/OOAD/lectures/060--Notation.Part.1.pptx
+++ b/OOAD/lectures/060--Notation.Part.1.pptx
@@ -5,7 +5,7 @@
     <p:sldMasterId id="2147483648" r:id="rId1"/>
   </p:sldMasterIdLst>
   <p:notesMasterIdLst>
-    <p:notesMasterId r:id="rId52"/>
+    <p:notesMasterId r:id="rId54"/>
   </p:notesMasterIdLst>
   <p:sldIdLst>
     <p:sldId id="267" r:id="rId2"/>
@@ -30,34 +30,36 @@
     <p:sldId id="320" r:id="rId21"/>
     <p:sldId id="321" r:id="rId22"/>
     <p:sldId id="318" r:id="rId23"/>
-    <p:sldId id="334" r:id="rId24"/>
-    <p:sldId id="335" r:id="rId25"/>
-    <p:sldId id="336" r:id="rId26"/>
-    <p:sldId id="337" r:id="rId27"/>
-    <p:sldId id="322" r:id="rId28"/>
-    <p:sldId id="339" r:id="rId29"/>
-    <p:sldId id="340" r:id="rId30"/>
-    <p:sldId id="341" r:id="rId31"/>
-    <p:sldId id="323" r:id="rId32"/>
-    <p:sldId id="343" r:id="rId33"/>
-    <p:sldId id="342" r:id="rId34"/>
-    <p:sldId id="344" r:id="rId35"/>
-    <p:sldId id="345" r:id="rId36"/>
-    <p:sldId id="324" r:id="rId37"/>
-    <p:sldId id="347" r:id="rId38"/>
-    <p:sldId id="346" r:id="rId39"/>
-    <p:sldId id="325" r:id="rId40"/>
-    <p:sldId id="348" r:id="rId41"/>
-    <p:sldId id="349" r:id="rId42"/>
-    <p:sldId id="326" r:id="rId43"/>
-    <p:sldId id="350" r:id="rId44"/>
-    <p:sldId id="351" r:id="rId45"/>
-    <p:sldId id="353" r:id="rId46"/>
-    <p:sldId id="352" r:id="rId47"/>
-    <p:sldId id="355" r:id="rId48"/>
-    <p:sldId id="272" r:id="rId49"/>
-    <p:sldId id="291" r:id="rId50"/>
-    <p:sldId id="268" r:id="rId51"/>
+    <p:sldId id="356" r:id="rId24"/>
+    <p:sldId id="334" r:id="rId25"/>
+    <p:sldId id="335" r:id="rId26"/>
+    <p:sldId id="336" r:id="rId27"/>
+    <p:sldId id="337" r:id="rId28"/>
+    <p:sldId id="322" r:id="rId29"/>
+    <p:sldId id="357" r:id="rId30"/>
+    <p:sldId id="339" r:id="rId31"/>
+    <p:sldId id="340" r:id="rId32"/>
+    <p:sldId id="341" r:id="rId33"/>
+    <p:sldId id="323" r:id="rId34"/>
+    <p:sldId id="343" r:id="rId35"/>
+    <p:sldId id="342" r:id="rId36"/>
+    <p:sldId id="344" r:id="rId37"/>
+    <p:sldId id="345" r:id="rId38"/>
+    <p:sldId id="324" r:id="rId39"/>
+    <p:sldId id="347" r:id="rId40"/>
+    <p:sldId id="346" r:id="rId41"/>
+    <p:sldId id="325" r:id="rId42"/>
+    <p:sldId id="348" r:id="rId43"/>
+    <p:sldId id="349" r:id="rId44"/>
+    <p:sldId id="326" r:id="rId45"/>
+    <p:sldId id="350" r:id="rId46"/>
+    <p:sldId id="351" r:id="rId47"/>
+    <p:sldId id="353" r:id="rId48"/>
+    <p:sldId id="352" r:id="rId49"/>
+    <p:sldId id="355" r:id="rId50"/>
+    <p:sldId id="272" r:id="rId51"/>
+    <p:sldId id="291" r:id="rId52"/>
+    <p:sldId id="268" r:id="rId53"/>
   </p:sldIdLst>
   <p:sldSz cx="9144000" cy="6858000" type="screen4x3"/>
   <p:notesSz cx="6858000" cy="9144000"/>
@@ -188,7 +190,7 @@
   </p:defaultTextStyle>
   <p:extLst>
     <p:ext uri="{EFAFB233-063F-42B5-8137-9DF3F51BA10A}">
-      <p15:sldGuideLst xmlns:p15="http://schemas.microsoft.com/office/powerpoint/2012/main" xmlns="">
+      <p15:sldGuideLst xmlns:p15="http://schemas.microsoft.com/office/powerpoint/2012/main">
         <p15:guide id="1" orient="horz" pos="2160">
           <p15:clr>
             <a:srgbClr val="A4A3A4"/>
@@ -255,14 +257,14 @@
           <a:effectLst/>
           <a:extLst>
             <a:ext uri="{909E8E84-426E-40DD-AFC4-6F175D3DCCD1}">
-              <a14:hiddenFill xmlns:a14="http://schemas.microsoft.com/office/drawing/2010/main" xmlns="">
+              <a14:hiddenFill xmlns:a14="http://schemas.microsoft.com/office/drawing/2010/main">
                 <a:solidFill>
                   <a:schemeClr val="accent1"/>
                 </a:solidFill>
               </a14:hiddenFill>
             </a:ext>
             <a:ext uri="{91240B29-F687-4F45-9708-019B960494DF}">
-              <a14:hiddenLine xmlns:a14="http://schemas.microsoft.com/office/drawing/2010/main" xmlns="" w="9525">
+              <a14:hiddenLine xmlns:a14="http://schemas.microsoft.com/office/drawing/2010/main" w="9525">
                 <a:solidFill>
                   <a:schemeClr val="tx1"/>
                 </a:solidFill>
@@ -272,7 +274,7 @@
               </a14:hiddenLine>
             </a:ext>
             <a:ext uri="{AF507438-7753-43E0-B8FC-AC1667EBCBE1}">
-              <a14:hiddenEffects xmlns:a14="http://schemas.microsoft.com/office/drawing/2010/main" xmlns="">
+              <a14:hiddenEffects xmlns:a14="http://schemas.microsoft.com/office/drawing/2010/main">
                 <a:effectLst>
                   <a:outerShdw dist="35921" dir="2700000" algn="ctr" rotWithShape="0">
                     <a:schemeClr val="bg2"/>
@@ -326,14 +328,14 @@
           <a:effectLst/>
           <a:extLst>
             <a:ext uri="{909E8E84-426E-40DD-AFC4-6F175D3DCCD1}">
-              <a14:hiddenFill xmlns:a14="http://schemas.microsoft.com/office/drawing/2010/main" xmlns="">
+              <a14:hiddenFill xmlns:a14="http://schemas.microsoft.com/office/drawing/2010/main">
                 <a:solidFill>
                   <a:schemeClr val="accent1"/>
                 </a:solidFill>
               </a14:hiddenFill>
             </a:ext>
             <a:ext uri="{91240B29-F687-4F45-9708-019B960494DF}">
-              <a14:hiddenLine xmlns:a14="http://schemas.microsoft.com/office/drawing/2010/main" xmlns="" w="9525">
+              <a14:hiddenLine xmlns:a14="http://schemas.microsoft.com/office/drawing/2010/main" w="9525">
                 <a:solidFill>
                   <a:schemeClr val="tx1"/>
                 </a:solidFill>
@@ -343,7 +345,7 @@
               </a14:hiddenLine>
             </a:ext>
             <a:ext uri="{AF507438-7753-43E0-B8FC-AC1667EBCBE1}">
-              <a14:hiddenEffects xmlns:a14="http://schemas.microsoft.com/office/drawing/2010/main" xmlns="">
+              <a14:hiddenEffects xmlns:a14="http://schemas.microsoft.com/office/drawing/2010/main">
                 <a:effectLst>
                   <a:outerShdw dist="35921" dir="2700000" algn="ctr" rotWithShape="0">
                     <a:schemeClr val="bg2"/>
@@ -402,14 +404,14 @@
           <a:effectLst/>
           <a:extLst>
             <a:ext uri="{909E8E84-426E-40DD-AFC4-6F175D3DCCD1}">
-              <a14:hiddenFill xmlns:a14="http://schemas.microsoft.com/office/drawing/2010/main" xmlns="">
+              <a14:hiddenFill xmlns:a14="http://schemas.microsoft.com/office/drawing/2010/main">
                 <a:solidFill>
                   <a:srgbClr val="FFFFFF"/>
                 </a:solidFill>
               </a14:hiddenFill>
             </a:ext>
             <a:ext uri="{AF507438-7753-43E0-B8FC-AC1667EBCBE1}">
-              <a14:hiddenEffects xmlns:a14="http://schemas.microsoft.com/office/drawing/2010/main" xmlns="">
+              <a14:hiddenEffects xmlns:a14="http://schemas.microsoft.com/office/drawing/2010/main">
                 <a:effectLst>
                   <a:outerShdw dist="35921" dir="2700000" algn="ctr" rotWithShape="0">
                     <a:srgbClr val="808080"/>
@@ -418,7 +420,7 @@
               </a14:hiddenEffects>
             </a:ext>
             <a:ext uri="{53640926-AAD7-44D8-BBD7-CCE9431645EC}">
-              <a14:shadowObscured xmlns:a14="http://schemas.microsoft.com/office/drawing/2010/main" xmlns="" val="1"/>
+              <a14:shadowObscured xmlns:a14="http://schemas.microsoft.com/office/drawing/2010/main" val="1"/>
             </a:ext>
           </a:extLst>
         </p:spPr>
@@ -448,14 +450,14 @@
           <a:effectLst/>
           <a:extLst>
             <a:ext uri="{909E8E84-426E-40DD-AFC4-6F175D3DCCD1}">
-              <a14:hiddenFill xmlns:a14="http://schemas.microsoft.com/office/drawing/2010/main" xmlns="">
+              <a14:hiddenFill xmlns:a14="http://schemas.microsoft.com/office/drawing/2010/main">
                 <a:solidFill>
                   <a:schemeClr val="accent1"/>
                 </a:solidFill>
               </a14:hiddenFill>
             </a:ext>
             <a:ext uri="{91240B29-F687-4F45-9708-019B960494DF}">
-              <a14:hiddenLine xmlns:a14="http://schemas.microsoft.com/office/drawing/2010/main" xmlns="" w="9525">
+              <a14:hiddenLine xmlns:a14="http://schemas.microsoft.com/office/drawing/2010/main" w="9525">
                 <a:solidFill>
                   <a:schemeClr val="tx1"/>
                 </a:solidFill>
@@ -465,7 +467,7 @@
               </a14:hiddenLine>
             </a:ext>
             <a:ext uri="{AF507438-7753-43E0-B8FC-AC1667EBCBE1}">
-              <a14:hiddenEffects xmlns:a14="http://schemas.microsoft.com/office/drawing/2010/main" xmlns="">
+              <a14:hiddenEffects xmlns:a14="http://schemas.microsoft.com/office/drawing/2010/main">
                 <a:effectLst>
                   <a:outerShdw dist="35921" dir="2700000" algn="ctr" rotWithShape="0">
                     <a:schemeClr val="bg2"/>
@@ -544,14 +546,14 @@
           <a:effectLst/>
           <a:extLst>
             <a:ext uri="{909E8E84-426E-40DD-AFC4-6F175D3DCCD1}">
-              <a14:hiddenFill xmlns:a14="http://schemas.microsoft.com/office/drawing/2010/main" xmlns="">
+              <a14:hiddenFill xmlns:a14="http://schemas.microsoft.com/office/drawing/2010/main">
                 <a:solidFill>
                   <a:schemeClr val="accent1"/>
                 </a:solidFill>
               </a14:hiddenFill>
             </a:ext>
             <a:ext uri="{91240B29-F687-4F45-9708-019B960494DF}">
-              <a14:hiddenLine xmlns:a14="http://schemas.microsoft.com/office/drawing/2010/main" xmlns="" w="9525">
+              <a14:hiddenLine xmlns:a14="http://schemas.microsoft.com/office/drawing/2010/main" w="9525">
                 <a:solidFill>
                   <a:schemeClr val="tx1"/>
                 </a:solidFill>
@@ -561,7 +563,7 @@
               </a14:hiddenLine>
             </a:ext>
             <a:ext uri="{AF507438-7753-43E0-B8FC-AC1667EBCBE1}">
-              <a14:hiddenEffects xmlns:a14="http://schemas.microsoft.com/office/drawing/2010/main" xmlns="">
+              <a14:hiddenEffects xmlns:a14="http://schemas.microsoft.com/office/drawing/2010/main">
                 <a:effectLst>
                   <a:outerShdw dist="35921" dir="2700000" algn="ctr" rotWithShape="0">
                     <a:schemeClr val="bg2"/>
@@ -615,14 +617,14 @@
           <a:effectLst/>
           <a:extLst>
             <a:ext uri="{909E8E84-426E-40DD-AFC4-6F175D3DCCD1}">
-              <a14:hiddenFill xmlns:a14="http://schemas.microsoft.com/office/drawing/2010/main" xmlns="">
+              <a14:hiddenFill xmlns:a14="http://schemas.microsoft.com/office/drawing/2010/main">
                 <a:solidFill>
                   <a:schemeClr val="accent1"/>
                 </a:solidFill>
               </a14:hiddenFill>
             </a:ext>
             <a:ext uri="{91240B29-F687-4F45-9708-019B960494DF}">
-              <a14:hiddenLine xmlns:a14="http://schemas.microsoft.com/office/drawing/2010/main" xmlns="" w="9525">
+              <a14:hiddenLine xmlns:a14="http://schemas.microsoft.com/office/drawing/2010/main" w="9525">
                 <a:solidFill>
                   <a:schemeClr val="tx1"/>
                 </a:solidFill>
@@ -632,7 +634,7 @@
               </a14:hiddenLine>
             </a:ext>
             <a:ext uri="{AF507438-7753-43E0-B8FC-AC1667EBCBE1}">
-              <a14:hiddenEffects xmlns:a14="http://schemas.microsoft.com/office/drawing/2010/main" xmlns="">
+              <a14:hiddenEffects xmlns:a14="http://schemas.microsoft.com/office/drawing/2010/main">
                 <a:effectLst>
                   <a:outerShdw dist="35921" dir="2700000" algn="ctr" rotWithShape="0">
                     <a:schemeClr val="bg2"/>
@@ -671,7 +673,7 @@
     </p:spTree>
     <p:extLst>
       <p:ext uri="{BB962C8B-B14F-4D97-AF65-F5344CB8AC3E}">
-        <p14:creationId xmlns:p14="http://schemas.microsoft.com/office/powerpoint/2010/main" xmlns="" val="2561324645"/>
+        <p14:creationId xmlns:p14="http://schemas.microsoft.com/office/powerpoint/2010/main" val="2561324645"/>
       </p:ext>
     </p:extLst>
   </p:cSld>
@@ -918,7 +920,7 @@
     </p:spTree>
     <p:extLst>
       <p:ext uri="{BB962C8B-B14F-4D97-AF65-F5344CB8AC3E}">
-        <p14:creationId xmlns:p14="http://schemas.microsoft.com/office/powerpoint/2010/main" xmlns="" val="774378474"/>
+        <p14:creationId xmlns:p14="http://schemas.microsoft.com/office/powerpoint/2010/main" val="774378474"/>
       </p:ext>
     </p:extLst>
   </p:cSld>
@@ -1142,7 +1144,7 @@
     </p:spTree>
     <p:extLst>
       <p:ext uri="{BB962C8B-B14F-4D97-AF65-F5344CB8AC3E}">
-        <p14:creationId xmlns:p14="http://schemas.microsoft.com/office/powerpoint/2010/main" xmlns="" val="2119325229"/>
+        <p14:creationId xmlns:p14="http://schemas.microsoft.com/office/powerpoint/2010/main" val="2119325229"/>
       </p:ext>
     </p:extLst>
   </p:cSld>
@@ -1376,7 +1378,7 @@
     </p:spTree>
     <p:extLst>
       <p:ext uri="{BB962C8B-B14F-4D97-AF65-F5344CB8AC3E}">
-        <p14:creationId xmlns:p14="http://schemas.microsoft.com/office/powerpoint/2010/main" xmlns="" val="1416798921"/>
+        <p14:creationId xmlns:p14="http://schemas.microsoft.com/office/powerpoint/2010/main" val="1416798921"/>
       </p:ext>
     </p:extLst>
   </p:cSld>
@@ -1481,7 +1483,7 @@
     </p:spTree>
     <p:extLst>
       <p:ext uri="{BB962C8B-B14F-4D97-AF65-F5344CB8AC3E}">
-        <p14:creationId xmlns:p14="http://schemas.microsoft.com/office/powerpoint/2010/main" xmlns="" val="427114857"/>
+        <p14:creationId xmlns:p14="http://schemas.microsoft.com/office/powerpoint/2010/main" val="427114857"/>
       </p:ext>
     </p:extLst>
   </p:cSld>
@@ -1608,7 +1610,7 @@
     </p:spTree>
     <p:extLst>
       <p:ext uri="{BB962C8B-B14F-4D97-AF65-F5344CB8AC3E}">
-        <p14:creationId xmlns:p14="http://schemas.microsoft.com/office/powerpoint/2010/main" xmlns="" val="2323214101"/>
+        <p14:creationId xmlns:p14="http://schemas.microsoft.com/office/powerpoint/2010/main" val="2323214101"/>
       </p:ext>
     </p:extLst>
   </p:cSld>
@@ -1775,7 +1777,7 @@
     </p:spTree>
     <p:extLst>
       <p:ext uri="{BB962C8B-B14F-4D97-AF65-F5344CB8AC3E}">
-        <p14:creationId xmlns:p14="http://schemas.microsoft.com/office/powerpoint/2010/main" xmlns="" val="1436748924"/>
+        <p14:creationId xmlns:p14="http://schemas.microsoft.com/office/powerpoint/2010/main" val="1436748924"/>
       </p:ext>
     </p:extLst>
   </p:cSld>
@@ -2077,7 +2079,7 @@
     </p:spTree>
     <p:extLst>
       <p:ext uri="{BB962C8B-B14F-4D97-AF65-F5344CB8AC3E}">
-        <p14:creationId xmlns:p14="http://schemas.microsoft.com/office/powerpoint/2010/main" xmlns="" val="411526916"/>
+        <p14:creationId xmlns:p14="http://schemas.microsoft.com/office/powerpoint/2010/main" val="411526916"/>
       </p:ext>
     </p:extLst>
   </p:cSld>
@@ -2249,7 +2251,7 @@
     </p:spTree>
     <p:extLst>
       <p:ext uri="{BB962C8B-B14F-4D97-AF65-F5344CB8AC3E}">
-        <p14:creationId xmlns:p14="http://schemas.microsoft.com/office/powerpoint/2010/main" xmlns="" val="83722082"/>
+        <p14:creationId xmlns:p14="http://schemas.microsoft.com/office/powerpoint/2010/main" val="83722082"/>
       </p:ext>
     </p:extLst>
   </p:cSld>
@@ -2398,7 +2400,7 @@
     </p:spTree>
     <p:extLst>
       <p:ext uri="{BB962C8B-B14F-4D97-AF65-F5344CB8AC3E}">
-        <p14:creationId xmlns:p14="http://schemas.microsoft.com/office/powerpoint/2010/main" xmlns="" val="2427541265"/>
+        <p14:creationId xmlns:p14="http://schemas.microsoft.com/office/powerpoint/2010/main" val="2427541265"/>
       </p:ext>
     </p:extLst>
   </p:cSld>
@@ -2729,7 +2731,7 @@
     </p:spTree>
     <p:extLst>
       <p:ext uri="{BB962C8B-B14F-4D97-AF65-F5344CB8AC3E}">
-        <p14:creationId xmlns:p14="http://schemas.microsoft.com/office/powerpoint/2010/main" xmlns="" val="3751238671"/>
+        <p14:creationId xmlns:p14="http://schemas.microsoft.com/office/powerpoint/2010/main" val="3751238671"/>
       </p:ext>
     </p:extLst>
   </p:cSld>
@@ -3037,7 +3039,7 @@
     </p:spTree>
     <p:extLst>
       <p:ext uri="{BB962C8B-B14F-4D97-AF65-F5344CB8AC3E}">
-        <p14:creationId xmlns:p14="http://schemas.microsoft.com/office/powerpoint/2010/main" xmlns="" val="2076416566"/>
+        <p14:creationId xmlns:p14="http://schemas.microsoft.com/office/powerpoint/2010/main" val="2076416566"/>
       </p:ext>
     </p:extLst>
   </p:cSld>
@@ -3097,14 +3099,14 @@
           <a:effectLst/>
           <a:extLst>
             <a:ext uri="{909E8E84-426E-40DD-AFC4-6F175D3DCCD1}">
-              <a14:hiddenFill xmlns:a14="http://schemas.microsoft.com/office/drawing/2010/main" xmlns="">
+              <a14:hiddenFill xmlns:a14="http://schemas.microsoft.com/office/drawing/2010/main">
                 <a:solidFill>
                   <a:schemeClr val="accent1"/>
                 </a:solidFill>
               </a14:hiddenFill>
             </a:ext>
             <a:ext uri="{91240B29-F687-4F45-9708-019B960494DF}">
-              <a14:hiddenLine xmlns:a14="http://schemas.microsoft.com/office/drawing/2010/main" xmlns="" w="9525">
+              <a14:hiddenLine xmlns:a14="http://schemas.microsoft.com/office/drawing/2010/main" w="9525">
                 <a:solidFill>
                   <a:schemeClr val="tx1"/>
                 </a:solidFill>
@@ -3114,7 +3116,7 @@
               </a14:hiddenLine>
             </a:ext>
             <a:ext uri="{AF507438-7753-43E0-B8FC-AC1667EBCBE1}">
-              <a14:hiddenEffects xmlns:a14="http://schemas.microsoft.com/office/drawing/2010/main" xmlns="">
+              <a14:hiddenEffects xmlns:a14="http://schemas.microsoft.com/office/drawing/2010/main">
                 <a:effectLst>
                   <a:outerShdw dist="35921" dir="2700000" algn="ctr" rotWithShape="0">
                     <a:schemeClr val="bg2"/>
@@ -3165,14 +3167,14 @@
           <a:effectLst/>
           <a:extLst>
             <a:ext uri="{909E8E84-426E-40DD-AFC4-6F175D3DCCD1}">
-              <a14:hiddenFill xmlns:a14="http://schemas.microsoft.com/office/drawing/2010/main" xmlns="">
+              <a14:hiddenFill xmlns:a14="http://schemas.microsoft.com/office/drawing/2010/main">
                 <a:solidFill>
                   <a:schemeClr val="accent1"/>
                 </a:solidFill>
               </a14:hiddenFill>
             </a:ext>
             <a:ext uri="{91240B29-F687-4F45-9708-019B960494DF}">
-              <a14:hiddenLine xmlns:a14="http://schemas.microsoft.com/office/drawing/2010/main" xmlns="" w="9525">
+              <a14:hiddenLine xmlns:a14="http://schemas.microsoft.com/office/drawing/2010/main" w="9525">
                 <a:solidFill>
                   <a:schemeClr val="tx1"/>
                 </a:solidFill>
@@ -3182,7 +3184,7 @@
               </a14:hiddenLine>
             </a:ext>
             <a:ext uri="{AF507438-7753-43E0-B8FC-AC1667EBCBE1}">
-              <a14:hiddenEffects xmlns:a14="http://schemas.microsoft.com/office/drawing/2010/main" xmlns="">
+              <a14:hiddenEffects xmlns:a14="http://schemas.microsoft.com/office/drawing/2010/main">
                 <a:effectLst>
                   <a:outerShdw dist="35921" dir="2700000" algn="ctr" rotWithShape="0">
                     <a:schemeClr val="bg2"/>
@@ -3730,14 +3732,14 @@
           </a:ln>
           <a:extLst>
             <a:ext uri="{909E8E84-426E-40DD-AFC4-6F175D3DCCD1}">
-              <a14:hiddenFill xmlns:a14="http://schemas.microsoft.com/office/drawing/2010/main" xmlns="">
+              <a14:hiddenFill xmlns:a14="http://schemas.microsoft.com/office/drawing/2010/main">
                 <a:solidFill>
                   <a:srgbClr val="FFFFFF"/>
                 </a:solidFill>
               </a14:hiddenFill>
             </a:ext>
             <a:ext uri="{91240B29-F687-4F45-9708-019B960494DF}">
-              <a14:hiddenLine xmlns:a14="http://schemas.microsoft.com/office/drawing/2010/main" xmlns="" w="9525">
+              <a14:hiddenLine xmlns:a14="http://schemas.microsoft.com/office/drawing/2010/main" w="9525">
                 <a:solidFill>
                   <a:srgbClr val="000000"/>
                 </a:solidFill>
@@ -4060,7 +4062,7 @@
     </p:spTree>
     <p:extLst>
       <p:ext uri="{BB962C8B-B14F-4D97-AF65-F5344CB8AC3E}">
-        <p14:creationId xmlns:p14="http://schemas.microsoft.com/office/powerpoint/2010/main" xmlns="" val="3483042992"/>
+        <p14:creationId xmlns:p14="http://schemas.microsoft.com/office/powerpoint/2010/main" val="3483042992"/>
       </p:ext>
     </p:extLst>
   </p:cSld>
@@ -4247,7 +4249,7 @@
     </p:spTree>
     <p:extLst>
       <p:ext uri="{BB962C8B-B14F-4D97-AF65-F5344CB8AC3E}">
-        <p14:creationId xmlns:p14="http://schemas.microsoft.com/office/powerpoint/2010/main" xmlns="" val="3887888122"/>
+        <p14:creationId xmlns:p14="http://schemas.microsoft.com/office/powerpoint/2010/main" val="3887888122"/>
       </p:ext>
     </p:extLst>
   </p:cSld>
@@ -4281,55 +4283,9 @@
           <a:chExt cx="0" cy="0"/>
         </a:xfrm>
       </p:grpSpPr>
-      <p:sp>
-        <p:nvSpPr>
-          <p:cNvPr id="17410" name="Title 1"/>
-          <p:cNvSpPr>
-            <a:spLocks noGrp="1"/>
-          </p:cNvSpPr>
-          <p:nvPr>
-            <p:ph type="title"/>
-          </p:nvPr>
-        </p:nvSpPr>
-        <p:spPr>
-          <a:xfrm>
-            <a:off x="0" y="0"/>
-            <a:ext cx="4267200" cy="1143000"/>
-          </a:xfrm>
-        </p:spPr>
-        <p:txBody>
-          <a:bodyPr/>
-          <a:lstStyle/>
-          <a:p>
-            <a:r>
-              <a:rPr lang="en-GB" altLang="en-US" sz="3600" dirty="0" smtClean="0"/>
-              <a:t>UML Diagrams</a:t>
-            </a:r>
-          </a:p>
-        </p:txBody>
-      </p:sp>
-      <p:sp>
-        <p:nvSpPr>
-          <p:cNvPr id="17411" name="Content Placeholder 2"/>
-          <p:cNvSpPr>
-            <a:spLocks noGrp="1"/>
-          </p:cNvSpPr>
-          <p:nvPr>
-            <p:ph idx="1"/>
-          </p:nvPr>
-        </p:nvSpPr>
-        <p:spPr/>
-        <p:txBody>
-          <a:bodyPr/>
-          <a:lstStyle/>
-          <a:p>
-            <a:endParaRPr lang="en-GB" altLang="en-US" smtClean="0"/>
-          </a:p>
-        </p:txBody>
-      </p:sp>
       <p:pic>
         <p:nvPicPr>
-          <p:cNvPr id="5" name="Picture 4"/>
+          <p:cNvPr id="3" name="Picture 2"/>
           <p:cNvPicPr>
             <a:picLocks noChangeAspect="1"/>
           </p:cNvPicPr>
@@ -4343,14 +4299,41 @@
         </p:blipFill>
         <p:spPr>
           <a:xfrm>
-            <a:off x="380886" y="2771009"/>
-            <a:ext cx="6705600" cy="3566437"/>
+            <a:off x="457200" y="2667000"/>
+            <a:ext cx="6143625" cy="3528329"/>
           </a:xfrm>
           <a:prstGeom prst="rect">
             <a:avLst/>
           </a:prstGeom>
         </p:spPr>
       </p:pic>
+      <p:sp>
+        <p:nvSpPr>
+          <p:cNvPr id="17410" name="Title 1"/>
+          <p:cNvSpPr>
+            <a:spLocks noGrp="1"/>
+          </p:cNvSpPr>
+          <p:nvPr>
+            <p:ph type="title"/>
+          </p:nvPr>
+        </p:nvSpPr>
+        <p:spPr>
+          <a:xfrm>
+            <a:off x="0" y="0"/>
+            <a:ext cx="4267200" cy="1143000"/>
+          </a:xfrm>
+        </p:spPr>
+        <p:txBody>
+          <a:bodyPr/>
+          <a:lstStyle/>
+          <a:p>
+            <a:r>
+              <a:rPr lang="en-GB" altLang="en-US" sz="3600" dirty="0" smtClean="0"/>
+              <a:t>UML Diagrams</a:t>
+            </a:r>
+          </a:p>
+        </p:txBody>
+      </p:sp>
       <p:pic>
         <p:nvPicPr>
           <p:cNvPr id="2" name="Picture 1"/>
@@ -4456,7 +4439,7 @@
       </p:sp>
       <p:pic>
         <p:nvPicPr>
-          <p:cNvPr id="4" name="Picture 3"/>
+          <p:cNvPr id="5" name="Picture 4"/>
           <p:cNvPicPr>
             <a:picLocks noChangeAspect="1"/>
           </p:cNvPicPr>
@@ -4470,8 +4453,8 @@
         </p:blipFill>
         <p:spPr>
           <a:xfrm>
-            <a:off x="479825" y="1717675"/>
-            <a:ext cx="8184350" cy="4352925"/>
+            <a:off x="569930" y="1778000"/>
+            <a:ext cx="7562850" cy="4343400"/>
           </a:xfrm>
           <a:prstGeom prst="rect">
             <a:avLst/>
@@ -4481,7 +4464,7 @@
     </p:spTree>
     <p:extLst>
       <p:ext uri="{BB962C8B-B14F-4D97-AF65-F5344CB8AC3E}">
-        <p14:creationId xmlns:p14="http://schemas.microsoft.com/office/powerpoint/2010/main" xmlns="" val="1073867721"/>
+        <p14:creationId xmlns:p14="http://schemas.microsoft.com/office/powerpoint/2010/main" val="1073867721"/>
       </p:ext>
     </p:extLst>
   </p:cSld>
@@ -4636,7 +4619,7 @@
     </p:spTree>
     <p:extLst>
       <p:ext uri="{BB962C8B-B14F-4D97-AF65-F5344CB8AC3E}">
-        <p14:creationId xmlns:p14="http://schemas.microsoft.com/office/powerpoint/2010/main" xmlns="" val="981174009"/>
+        <p14:creationId xmlns:p14="http://schemas.microsoft.com/office/powerpoint/2010/main" val="981174009"/>
       </p:ext>
     </p:extLst>
   </p:cSld>
@@ -4694,7 +4677,15 @@
             </a:br>
             <a:r>
               <a:rPr lang="en-GB" dirty="0"/>
-              <a:t>of System Model</a:t>
+              <a:t>of </a:t>
+            </a:r>
+            <a:r>
+              <a:rPr lang="en-GB" dirty="0" smtClean="0"/>
+              <a:t>the System </a:t>
+            </a:r>
+            <a:r>
+              <a:rPr lang="en-GB" dirty="0"/>
+              <a:t>Model</a:t>
             </a:r>
           </a:p>
         </p:txBody>
@@ -4942,7 +4933,7 @@
     </p:spTree>
     <p:extLst>
       <p:ext uri="{BB962C8B-B14F-4D97-AF65-F5344CB8AC3E}">
-        <p14:creationId xmlns:p14="http://schemas.microsoft.com/office/powerpoint/2010/main" xmlns="" val="1819123726"/>
+        <p14:creationId xmlns:p14="http://schemas.microsoft.com/office/powerpoint/2010/main" val="1819123726"/>
       </p:ext>
     </p:extLst>
   </p:cSld>
@@ -5016,7 +5007,7 @@
           <a:p>
             <a:r>
               <a:rPr lang="en-GB" dirty="0" smtClean="0"/>
-              <a:t>Is a Class Diagram a static or dynamic system model view?</a:t>
+              <a:t>Is a “Class Diagram” a static or dynamic system model view?</a:t>
             </a:r>
           </a:p>
           <a:p>
@@ -5085,7 +5076,7 @@
     </p:spTree>
     <p:extLst>
       <p:ext uri="{BB962C8B-B14F-4D97-AF65-F5344CB8AC3E}">
-        <p14:creationId xmlns:p14="http://schemas.microsoft.com/office/powerpoint/2010/main" xmlns="" val="810396881"/>
+        <p14:creationId xmlns:p14="http://schemas.microsoft.com/office/powerpoint/2010/main" val="810396881"/>
       </p:ext>
     </p:extLst>
   </p:cSld>
@@ -5170,7 +5161,7 @@
     </p:spTree>
     <p:extLst>
       <p:ext uri="{BB962C8B-B14F-4D97-AF65-F5344CB8AC3E}">
-        <p14:creationId xmlns:p14="http://schemas.microsoft.com/office/powerpoint/2010/main" xmlns="" val="888501593"/>
+        <p14:creationId xmlns:p14="http://schemas.microsoft.com/office/powerpoint/2010/main" val="888501593"/>
       </p:ext>
     </p:extLst>
   </p:cSld>
@@ -5258,18 +5249,14 @@
             </a:r>
             <a:r>
               <a:rPr lang="en-GB" altLang="en-US" dirty="0"/>
-              <a:t>they’re Static (or </a:t>
+              <a:t>they’re Static </a:t>
             </a:r>
             <a:r>
               <a:rPr lang="en-GB" altLang="en-US" dirty="0" smtClean="0"/>
-              <a:t>Structural) or Dynamic </a:t>
-            </a:r>
-            <a:r>
-              <a:rPr lang="en-GB" altLang="en-US" dirty="0"/>
-              <a:t>(or </a:t>
-            </a:r>
-            <a:r>
-              <a:rPr lang="en-GB" altLang="en-US" dirty="0" err="1"/>
+              <a:t>(Structural) or Dynamic (</a:t>
+            </a:r>
+            <a:r>
+              <a:rPr lang="en-GB" altLang="en-US" dirty="0" err="1" smtClean="0"/>
               <a:t>Behavioral</a:t>
             </a:r>
             <a:r>
@@ -5294,7 +5281,7 @@
           <a:blip r:embed="rId2">
             <a:extLst>
               <a:ext uri="{28A0092B-C50C-407E-A947-70E740481C1C}">
-                <a14:useLocalDpi xmlns:a14="http://schemas.microsoft.com/office/drawing/2010/main" xmlns="" val="0"/>
+                <a14:useLocalDpi xmlns:a14="http://schemas.microsoft.com/office/drawing/2010/main" val="0"/>
               </a:ext>
             </a:extLst>
           </a:blip>
@@ -5317,14 +5304,14 @@
           </a:ln>
           <a:extLst>
             <a:ext uri="{909E8E84-426E-40DD-AFC4-6F175D3DCCD1}">
-              <a14:hiddenFill xmlns:a14="http://schemas.microsoft.com/office/drawing/2010/main" xmlns="">
+              <a14:hiddenFill xmlns:a14="http://schemas.microsoft.com/office/drawing/2010/main">
                 <a:solidFill>
                   <a:srgbClr val="FFFFFF"/>
                 </a:solidFill>
               </a14:hiddenFill>
             </a:ext>
             <a:ext uri="{91240B29-F687-4F45-9708-019B960494DF}">
-              <a14:hiddenLine xmlns:a14="http://schemas.microsoft.com/office/drawing/2010/main" xmlns="" w="9525">
+              <a14:hiddenLine xmlns:a14="http://schemas.microsoft.com/office/drawing/2010/main" w="9525">
                 <a:solidFill>
                   <a:srgbClr val="000000"/>
                 </a:solidFill>
@@ -5339,7 +5326,7 @@
     </p:spTree>
     <p:extLst>
       <p:ext uri="{BB962C8B-B14F-4D97-AF65-F5344CB8AC3E}">
-        <p14:creationId xmlns:p14="http://schemas.microsoft.com/office/powerpoint/2010/main" xmlns="" val="3311647275"/>
+        <p14:creationId xmlns:p14="http://schemas.microsoft.com/office/powerpoint/2010/main" val="3311647275"/>
       </p:ext>
     </p:extLst>
   </p:cSld>
@@ -5528,7 +5515,7 @@
     </p:spTree>
     <p:extLst>
       <p:ext uri="{BB962C8B-B14F-4D97-AF65-F5344CB8AC3E}">
-        <p14:creationId xmlns:p14="http://schemas.microsoft.com/office/powerpoint/2010/main" xmlns="" val="80637703"/>
+        <p14:creationId xmlns:p14="http://schemas.microsoft.com/office/powerpoint/2010/main" val="80637703"/>
       </p:ext>
     </p:extLst>
   </p:cSld>
@@ -5885,7 +5872,7 @@
     </p:spTree>
     <p:extLst>
       <p:ext uri="{BB962C8B-B14F-4D97-AF65-F5344CB8AC3E}">
-        <p14:creationId xmlns:p14="http://schemas.microsoft.com/office/powerpoint/2010/main" xmlns="" val="2944694768"/>
+        <p14:creationId xmlns:p14="http://schemas.microsoft.com/office/powerpoint/2010/main" val="2944694768"/>
       </p:ext>
     </p:extLst>
   </p:cSld>
@@ -6003,7 +5990,7 @@
     </p:spTree>
     <p:extLst>
       <p:ext uri="{BB962C8B-B14F-4D97-AF65-F5344CB8AC3E}">
-        <p14:creationId xmlns:p14="http://schemas.microsoft.com/office/powerpoint/2010/main" xmlns="" val="3562105673"/>
+        <p14:creationId xmlns:p14="http://schemas.microsoft.com/office/powerpoint/2010/main" val="3562105673"/>
       </p:ext>
     </p:extLst>
   </p:cSld>
@@ -6245,7 +6232,7 @@
     </p:spTree>
     <p:extLst>
       <p:ext uri="{BB962C8B-B14F-4D97-AF65-F5344CB8AC3E}">
-        <p14:creationId xmlns:p14="http://schemas.microsoft.com/office/powerpoint/2010/main" xmlns="" val="2749213653"/>
+        <p14:creationId xmlns:p14="http://schemas.microsoft.com/office/powerpoint/2010/main" val="2749213653"/>
       </p:ext>
     </p:extLst>
   </p:cSld>
@@ -6295,8 +6282,8 @@
           <a:lstStyle/>
           <a:p>
             <a:r>
-              <a:rPr lang="en-GB" b="1" dirty="0" smtClean="0"/>
-              <a:t>Visibility</a:t>
+              <a:rPr lang="en-GB" dirty="0" smtClean="0"/>
+              <a:t>Package Diagram</a:t>
             </a:r>
             <a:endParaRPr lang="en-GB" dirty="0"/>
           </a:p>
@@ -6314,56 +6301,73 @@
         </p:nvSpPr>
         <p:spPr/>
         <p:txBody>
-          <a:bodyPr/>
+          <a:bodyPr>
+            <a:normAutofit fontScale="92500" lnSpcReduction="20000"/>
+          </a:bodyPr>
           <a:lstStyle/>
           <a:p>
             <a:r>
-              <a:rPr lang="en-GB" dirty="0" smtClean="0"/>
-              <a:t>Public </a:t>
-            </a:r>
-            <a:r>
-              <a:rPr lang="en-GB" dirty="0"/>
-              <a:t>(+) Visible to elements within its containing package, including</a:t>
-            </a:r>
-            <a:br>
-              <a:rPr lang="en-GB" dirty="0"/>
-            </a:br>
-            <a:r>
-              <a:rPr lang="en-GB" dirty="0"/>
-              <a:t>nested packages, and to external </a:t>
-            </a:r>
-            <a:r>
-              <a:rPr lang="en-GB" dirty="0" smtClean="0"/>
-              <a:t>elements</a:t>
-            </a:r>
-            <a:endParaRPr lang="en-GB" dirty="0"/>
-          </a:p>
-          <a:p>
-            <a:r>
-              <a:rPr lang="en-GB" dirty="0" smtClean="0"/>
-              <a:t>Private </a:t>
-            </a:r>
-            <a:r>
-              <a:rPr lang="en-GB" dirty="0"/>
-              <a:t>(-) Visible only to elements within its containing package and to</a:t>
-            </a:r>
-            <a:br>
-              <a:rPr lang="en-GB" dirty="0"/>
-            </a:br>
-            <a:r>
-              <a:rPr lang="en-GB" dirty="0"/>
-              <a:t>nested packages</a:t>
-            </a:r>
-            <a:br>
-              <a:rPr lang="en-GB" dirty="0"/>
-            </a:br>
-            <a:r>
-              <a:rPr lang="en-GB" dirty="0"/>
-              <a:t/>
-            </a:r>
-            <a:br>
-              <a:rPr lang="en-GB" dirty="0"/>
-            </a:br>
+              <a:rPr lang="en-GB" dirty="0"/>
+              <a:t>A package diagram provides the means to organize the </a:t>
+            </a:r>
+            <a:r>
+              <a:rPr lang="en-GB" dirty="0" err="1"/>
+              <a:t>artifacts</a:t>
+            </a:r>
+            <a:r>
+              <a:rPr lang="en-GB" dirty="0"/>
+              <a:t> of </a:t>
+            </a:r>
+            <a:r>
+              <a:rPr lang="en-GB" dirty="0" smtClean="0"/>
+              <a:t>the development </a:t>
+            </a:r>
+            <a:r>
+              <a:rPr lang="en-GB" dirty="0"/>
+              <a:t>process to clearly present the analysis of the problem </a:t>
+            </a:r>
+            <a:r>
+              <a:rPr lang="en-GB" dirty="0" smtClean="0"/>
+              <a:t>space and </a:t>
+            </a:r>
+            <a:r>
+              <a:rPr lang="en-GB" dirty="0"/>
+              <a:t>the associated </a:t>
+            </a:r>
+            <a:r>
+              <a:rPr lang="en-GB" dirty="0" smtClean="0"/>
+              <a:t>design</a:t>
+            </a:r>
+          </a:p>
+          <a:p>
+            <a:r>
+              <a:rPr lang="en-GB" dirty="0" smtClean="0"/>
+              <a:t>The </a:t>
+            </a:r>
+            <a:r>
+              <a:rPr lang="en-GB" dirty="0"/>
+              <a:t>specific reasons will be varied but will </a:t>
+            </a:r>
+            <a:r>
+              <a:rPr lang="en-GB" dirty="0" smtClean="0"/>
+              <a:t>either focus </a:t>
+            </a:r>
+            <a:r>
+              <a:rPr lang="en-GB" dirty="0"/>
+              <a:t>on physically structuring the visual model itself or on </a:t>
+            </a:r>
+            <a:r>
+              <a:rPr lang="en-GB" dirty="0" smtClean="0"/>
+              <a:t>clearly representing </a:t>
+            </a:r>
+            <a:r>
+              <a:rPr lang="en-GB" dirty="0"/>
+              <a:t>the model elements through multiple </a:t>
+            </a:r>
+            <a:r>
+              <a:rPr lang="en-GB" dirty="0" smtClean="0"/>
+              <a:t>views</a:t>
+            </a:r>
             <a:endParaRPr lang="en-GB" dirty="0"/>
           </a:p>
         </p:txBody>
@@ -6371,20 +6375,13 @@
     </p:spTree>
     <p:extLst>
       <p:ext uri="{BB962C8B-B14F-4D97-AF65-F5344CB8AC3E}">
-        <p14:creationId xmlns:p14="http://schemas.microsoft.com/office/powerpoint/2010/main" xmlns="" val="1834563505"/>
+        <p14:creationId xmlns:p14="http://schemas.microsoft.com/office/powerpoint/2010/main" val="1981870939"/>
       </p:ext>
     </p:extLst>
   </p:cSld>
   <p:clrMapOvr>
     <a:masterClrMapping/>
   </p:clrMapOvr>
-  <p:timing>
-    <p:tnLst>
-      <p:par>
-        <p:cTn id="1" dur="indefinite" restart="never" nodeType="tmRoot"/>
-      </p:par>
-    </p:tnLst>
-  </p:timing>
 </p:sld>
 </file>
 
@@ -6421,8 +6418,8 @@
           <a:lstStyle/>
           <a:p>
             <a:r>
-              <a:rPr lang="en-GB" dirty="0" smtClean="0"/>
-              <a:t>Example</a:t>
+              <a:rPr lang="en-GB" b="1" dirty="0" smtClean="0"/>
+              <a:t>Visibility</a:t>
             </a:r>
             <a:endParaRPr lang="en-GB" dirty="0"/>
           </a:p>
@@ -6443,38 +6440,61 @@
           <a:bodyPr/>
           <a:lstStyle/>
           <a:p>
-            <a:endParaRPr lang="en-GB"/>
-          </a:p>
-        </p:txBody>
-      </p:sp>
-      <p:pic>
-        <p:nvPicPr>
-          <p:cNvPr id="4" name="Picture 3"/>
-          <p:cNvPicPr>
-            <a:picLocks noChangeAspect="1"/>
-          </p:cNvPicPr>
-          <p:nvPr/>
-        </p:nvPicPr>
-        <p:blipFill>
-          <a:blip r:embed="rId2"/>
-          <a:stretch>
-            <a:fillRect/>
-          </a:stretch>
-        </p:blipFill>
-        <p:spPr>
-          <a:xfrm>
-            <a:off x="1524000" y="2209800"/>
-            <a:ext cx="6729908" cy="3248025"/>
-          </a:xfrm>
-          <a:prstGeom prst="rect">
-            <a:avLst/>
-          </a:prstGeom>
-        </p:spPr>
-      </p:pic>
+            <a:r>
+              <a:rPr lang="en-GB" dirty="0" smtClean="0"/>
+              <a:t>Public </a:t>
+            </a:r>
+            <a:r>
+              <a:rPr lang="en-GB" dirty="0"/>
+              <a:t>(+) Visible to elements within its containing package, including</a:t>
+            </a:r>
+            <a:br>
+              <a:rPr lang="en-GB" dirty="0"/>
+            </a:br>
+            <a:r>
+              <a:rPr lang="en-GB" dirty="0"/>
+              <a:t>nested packages, and to external </a:t>
+            </a:r>
+            <a:r>
+              <a:rPr lang="en-GB" dirty="0" smtClean="0"/>
+              <a:t>elements</a:t>
+            </a:r>
+            <a:endParaRPr lang="en-GB" dirty="0"/>
+          </a:p>
+          <a:p>
+            <a:r>
+              <a:rPr lang="en-GB" dirty="0" smtClean="0"/>
+              <a:t>Private </a:t>
+            </a:r>
+            <a:r>
+              <a:rPr lang="en-GB" dirty="0"/>
+              <a:t>(-) Visible only to elements within its containing package and to</a:t>
+            </a:r>
+            <a:br>
+              <a:rPr lang="en-GB" dirty="0"/>
+            </a:br>
+            <a:r>
+              <a:rPr lang="en-GB" dirty="0"/>
+              <a:t>nested packages</a:t>
+            </a:r>
+            <a:br>
+              <a:rPr lang="en-GB" dirty="0"/>
+            </a:br>
+            <a:r>
+              <a:rPr lang="en-GB" dirty="0"/>
+              <a:t/>
+            </a:r>
+            <a:br>
+              <a:rPr lang="en-GB" dirty="0"/>
+            </a:br>
+            <a:endParaRPr lang="en-GB" dirty="0"/>
+          </a:p>
+        </p:txBody>
+      </p:sp>
     </p:spTree>
     <p:extLst>
       <p:ext uri="{BB962C8B-B14F-4D97-AF65-F5344CB8AC3E}">
-        <p14:creationId xmlns:p14="http://schemas.microsoft.com/office/powerpoint/2010/main" xmlns="" val="1873844678"/>
+        <p14:creationId xmlns:p14="http://schemas.microsoft.com/office/powerpoint/2010/main" val="1834563505"/>
       </p:ext>
     </p:extLst>
   </p:cSld>
@@ -6518,23 +6538,14 @@
             <p:ph type="title"/>
           </p:nvPr>
         </p:nvSpPr>
-        <p:spPr>
-          <a:xfrm>
-            <a:off x="381000" y="609600"/>
-            <a:ext cx="8458200" cy="1143000"/>
-          </a:xfrm>
-        </p:spPr>
+        <p:spPr/>
         <p:txBody>
           <a:bodyPr/>
           <a:lstStyle/>
           <a:p>
             <a:r>
-              <a:rPr lang="en-GB" dirty="0"/>
-              <a:t>Dependencies between UML elements (including P</a:t>
-            </a:r>
-            <a:r>
-              <a:rPr lang="en-GB" dirty="0" smtClean="0"/>
-              <a:t>ackages)</a:t>
+              <a:rPr lang="en-GB" dirty="0" smtClean="0"/>
+              <a:t>Example</a:t>
             </a:r>
             <a:endParaRPr lang="en-GB" dirty="0"/>
           </a:p>
@@ -6555,18 +6566,7 @@
           <a:bodyPr/>
           <a:lstStyle/>
           <a:p>
-            <a:r>
-              <a:rPr lang="en-GB" dirty="0"/>
-              <a:t>N</a:t>
-            </a:r>
-            <a:r>
-              <a:rPr lang="en-GB" dirty="0" smtClean="0"/>
-              <a:t>otations </a:t>
-            </a:r>
-            <a:r>
-              <a:rPr lang="en-GB" dirty="0"/>
-              <a:t>for the different types of relationships are as follows</a:t>
-            </a:r>
+            <a:endParaRPr lang="en-GB"/>
           </a:p>
         </p:txBody>
       </p:sp>
@@ -6586,8 +6586,8 @@
         </p:blipFill>
         <p:spPr>
           <a:xfrm>
-            <a:off x="2286000" y="3288626"/>
-            <a:ext cx="4191000" cy="3069841"/>
+            <a:off x="1524000" y="2209800"/>
+            <a:ext cx="6729908" cy="3248025"/>
           </a:xfrm>
           <a:prstGeom prst="rect">
             <a:avLst/>
@@ -6597,7 +6597,7 @@
     </p:spTree>
     <p:extLst>
       <p:ext uri="{BB962C8B-B14F-4D97-AF65-F5344CB8AC3E}">
-        <p14:creationId xmlns:p14="http://schemas.microsoft.com/office/powerpoint/2010/main" xmlns="" val="605885047"/>
+        <p14:creationId xmlns:p14="http://schemas.microsoft.com/office/powerpoint/2010/main" val="1873844678"/>
       </p:ext>
     </p:extLst>
   </p:cSld>
@@ -6643,8 +6643,8 @@
         </p:nvSpPr>
         <p:spPr>
           <a:xfrm>
-            <a:off x="685800" y="189672"/>
-            <a:ext cx="7772400" cy="1143000"/>
+            <a:off x="381000" y="609600"/>
+            <a:ext cx="8458200" cy="1143000"/>
           </a:xfrm>
         </p:spPr>
         <p:txBody>
@@ -6652,8 +6652,12 @@
           <a:lstStyle/>
           <a:p>
             <a:r>
-              <a:rPr lang="en-GB" dirty="0" smtClean="0"/>
-              <a:t>Example</a:t>
+              <a:rPr lang="en-GB" dirty="0"/>
+              <a:t>Dependencies between UML elements (including P</a:t>
+            </a:r>
+            <a:r>
+              <a:rPr lang="en-GB" dirty="0" smtClean="0"/>
+              <a:t>ackages)</a:t>
             </a:r>
             <a:endParaRPr lang="en-GB" dirty="0"/>
           </a:p>
@@ -6674,7 +6678,18 @@
           <a:bodyPr/>
           <a:lstStyle/>
           <a:p>
-            <a:endParaRPr lang="en-GB"/>
+            <a:r>
+              <a:rPr lang="en-GB" dirty="0"/>
+              <a:t>N</a:t>
+            </a:r>
+            <a:r>
+              <a:rPr lang="en-GB" dirty="0" smtClean="0"/>
+              <a:t>otations </a:t>
+            </a:r>
+            <a:r>
+              <a:rPr lang="en-GB" dirty="0"/>
+              <a:t>for the different types of relationships are as follows</a:t>
+            </a:r>
           </a:p>
         </p:txBody>
       </p:sp>
@@ -6694,8 +6709,8 @@
         </p:blipFill>
         <p:spPr>
           <a:xfrm>
-            <a:off x="2171700" y="1447800"/>
-            <a:ext cx="4800600" cy="4991928"/>
+            <a:off x="2286000" y="3288626"/>
+            <a:ext cx="4191000" cy="3069841"/>
           </a:xfrm>
           <a:prstGeom prst="rect">
             <a:avLst/>
@@ -6705,7 +6720,7 @@
     </p:spTree>
     <p:extLst>
       <p:ext uri="{BB962C8B-B14F-4D97-AF65-F5344CB8AC3E}">
-        <p14:creationId xmlns:p14="http://schemas.microsoft.com/office/powerpoint/2010/main" xmlns="" val="3775623167"/>
+        <p14:creationId xmlns:p14="http://schemas.microsoft.com/office/powerpoint/2010/main" val="605885047"/>
       </p:ext>
     </p:extLst>
   </p:cSld>
@@ -6749,15 +6764,21 @@
             <p:ph type="title"/>
           </p:nvPr>
         </p:nvSpPr>
-        <p:spPr/>
+        <p:spPr>
+          <a:xfrm>
+            <a:off x="685800" y="189672"/>
+            <a:ext cx="7772400" cy="1143000"/>
+          </a:xfrm>
+        </p:spPr>
         <p:txBody>
           <a:bodyPr/>
           <a:lstStyle/>
           <a:p>
             <a:r>
-              <a:rPr lang="en-GB" dirty="0"/>
-              <a:t>Component Diagrams</a:t>
-            </a:r>
+              <a:rPr lang="en-GB" dirty="0" smtClean="0"/>
+              <a:t>Example</a:t>
+            </a:r>
+            <a:endParaRPr lang="en-GB" dirty="0"/>
           </a:p>
         </p:txBody>
       </p:sp>
@@ -6771,178 +6792,43 @@
             <p:ph idx="1"/>
           </p:nvPr>
         </p:nvSpPr>
+        <p:spPr/>
+        <p:txBody>
+          <a:bodyPr/>
+          <a:lstStyle/>
+          <a:p>
+            <a:endParaRPr lang="en-GB"/>
+          </a:p>
+        </p:txBody>
+      </p:sp>
+      <p:pic>
+        <p:nvPicPr>
+          <p:cNvPr id="4" name="Picture 3"/>
+          <p:cNvPicPr>
+            <a:picLocks noChangeAspect="1"/>
+          </p:cNvPicPr>
+          <p:nvPr/>
+        </p:nvPicPr>
+        <p:blipFill>
+          <a:blip r:embed="rId2"/>
+          <a:stretch>
+            <a:fillRect/>
+          </a:stretch>
+        </p:blipFill>
         <p:spPr>
           <a:xfrm>
-            <a:off x="685800" y="1981200"/>
-            <a:ext cx="7772400" cy="4419600"/>
+            <a:off x="2171700" y="1447800"/>
+            <a:ext cx="4800600" cy="4991928"/>
           </a:xfrm>
+          <a:prstGeom prst="rect">
+            <a:avLst/>
+          </a:prstGeom>
         </p:spPr>
-        <p:txBody>
-          <a:bodyPr>
-            <a:normAutofit fontScale="70000" lnSpcReduction="20000"/>
-          </a:bodyPr>
-          <a:lstStyle/>
-          <a:p>
-            <a:r>
-              <a:rPr lang="en-GB" dirty="0"/>
-              <a:t>Package </a:t>
-            </a:r>
-            <a:r>
-              <a:rPr lang="en-GB" dirty="0" smtClean="0"/>
-              <a:t>Diagrams</a:t>
-            </a:r>
-            <a:endParaRPr lang="en-GB" dirty="0"/>
-          </a:p>
-          <a:p>
-            <a:r>
-              <a:rPr lang="en-GB" b="1" dirty="0">
-                <a:solidFill>
-                  <a:srgbClr val="FF0000"/>
-                </a:solidFill>
-              </a:rPr>
-              <a:t>Component </a:t>
-            </a:r>
-            <a:r>
-              <a:rPr lang="en-GB" b="1" dirty="0" smtClean="0">
-                <a:solidFill>
-                  <a:srgbClr val="FF0000"/>
-                </a:solidFill>
-              </a:rPr>
-              <a:t>Diagrams</a:t>
-            </a:r>
-            <a:endParaRPr lang="en-GB" b="1" dirty="0">
-              <a:solidFill>
-                <a:srgbClr val="FF0000"/>
-              </a:solidFill>
-            </a:endParaRPr>
-          </a:p>
-          <a:p>
-            <a:r>
-              <a:rPr lang="en-GB" dirty="0"/>
-              <a:t>Deployment </a:t>
-            </a:r>
-            <a:r>
-              <a:rPr lang="en-GB" dirty="0" smtClean="0"/>
-              <a:t>Diagrams</a:t>
-            </a:r>
-            <a:endParaRPr lang="en-GB" dirty="0"/>
-          </a:p>
-          <a:p>
-            <a:r>
-              <a:rPr lang="en-GB" dirty="0"/>
-              <a:t>Use </a:t>
-            </a:r>
-            <a:r>
-              <a:rPr lang="en-GB" dirty="0" smtClean="0"/>
-              <a:t>Case Diagrams</a:t>
-            </a:r>
-            <a:endParaRPr lang="en-GB" dirty="0"/>
-          </a:p>
-          <a:p>
-            <a:r>
-              <a:rPr lang="en-GB" dirty="0"/>
-              <a:t>Activity </a:t>
-            </a:r>
-            <a:r>
-              <a:rPr lang="en-GB" dirty="0" smtClean="0"/>
-              <a:t>Diagrams</a:t>
-            </a:r>
-            <a:endParaRPr lang="en-GB" dirty="0"/>
-          </a:p>
-          <a:p>
-            <a:r>
-              <a:rPr lang="en-GB" dirty="0"/>
-              <a:t>Class </a:t>
-            </a:r>
-            <a:r>
-              <a:rPr lang="en-GB" dirty="0" smtClean="0"/>
-              <a:t>Diagrams</a:t>
-            </a:r>
-            <a:endParaRPr lang="en-GB" dirty="0"/>
-          </a:p>
-          <a:p>
-            <a:r>
-              <a:rPr lang="en-GB" dirty="0"/>
-              <a:t>Sequence </a:t>
-            </a:r>
-            <a:r>
-              <a:rPr lang="en-GB" dirty="0" smtClean="0"/>
-              <a:t>Diagrams</a:t>
-            </a:r>
-            <a:endParaRPr lang="en-GB" dirty="0"/>
-          </a:p>
-          <a:p>
-            <a:r>
-              <a:rPr lang="en-GB" dirty="0"/>
-              <a:t>Interaction </a:t>
-            </a:r>
-            <a:r>
-              <a:rPr lang="en-GB" dirty="0" smtClean="0"/>
-              <a:t>Overview Diagrams</a:t>
-            </a:r>
-            <a:endParaRPr lang="en-GB" dirty="0"/>
-          </a:p>
-          <a:p>
-            <a:r>
-              <a:rPr lang="en-GB" dirty="0"/>
-              <a:t>Composite </a:t>
-            </a:r>
-            <a:r>
-              <a:rPr lang="en-GB" dirty="0" smtClean="0"/>
-              <a:t>Structure Diagrams</a:t>
-            </a:r>
-            <a:endParaRPr lang="en-GB" dirty="0"/>
-          </a:p>
-          <a:p>
-            <a:r>
-              <a:rPr lang="en-GB" dirty="0"/>
-              <a:t>State </a:t>
-            </a:r>
-            <a:r>
-              <a:rPr lang="en-GB" dirty="0" smtClean="0"/>
-              <a:t>Machine Diagrams</a:t>
-            </a:r>
-            <a:endParaRPr lang="en-GB" dirty="0"/>
-          </a:p>
-          <a:p>
-            <a:r>
-              <a:rPr lang="en-GB" dirty="0"/>
-              <a:t>Timing </a:t>
-            </a:r>
-            <a:r>
-              <a:rPr lang="en-GB" dirty="0" smtClean="0"/>
-              <a:t>Diagrams</a:t>
-            </a:r>
-            <a:endParaRPr lang="en-GB" dirty="0"/>
-          </a:p>
-          <a:p>
-            <a:r>
-              <a:rPr lang="en-GB" dirty="0"/>
-              <a:t>Object </a:t>
-            </a:r>
-            <a:r>
-              <a:rPr lang="en-GB" dirty="0" smtClean="0"/>
-              <a:t>Diagrams</a:t>
-            </a:r>
-            <a:endParaRPr lang="en-GB" dirty="0"/>
-          </a:p>
-          <a:p>
-            <a:r>
-              <a:rPr lang="en-GB" dirty="0"/>
-              <a:t>Communication </a:t>
-            </a:r>
-            <a:r>
-              <a:rPr lang="en-GB" dirty="0" smtClean="0"/>
-              <a:t>Diagrams</a:t>
-            </a:r>
-            <a:endParaRPr lang="en-GB" dirty="0"/>
-          </a:p>
-        </p:txBody>
-      </p:sp>
+      </p:pic>
     </p:spTree>
     <p:extLst>
       <p:ext uri="{BB962C8B-B14F-4D97-AF65-F5344CB8AC3E}">
-        <p14:creationId xmlns:p14="http://schemas.microsoft.com/office/powerpoint/2010/main" xmlns="" val="119984085"/>
+        <p14:creationId xmlns:p14="http://schemas.microsoft.com/office/powerpoint/2010/main" val="3775623167"/>
       </p:ext>
     </p:extLst>
   </p:cSld>
@@ -6992,100 +6878,186 @@
           <a:lstStyle/>
           <a:p>
             <a:r>
-              <a:rPr lang="en-GB" b="1" dirty="0"/>
+              <a:rPr lang="en-GB" dirty="0"/>
+              <a:t>Component Diagrams</a:t>
+            </a:r>
+          </a:p>
+        </p:txBody>
+      </p:sp>
+      <p:sp>
+        <p:nvSpPr>
+          <p:cNvPr id="3" name="Content Placeholder 2"/>
+          <p:cNvSpPr>
+            <a:spLocks noGrp="1"/>
+          </p:cNvSpPr>
+          <p:nvPr>
+            <p:ph idx="1"/>
+          </p:nvPr>
+        </p:nvSpPr>
+        <p:spPr>
+          <a:xfrm>
+            <a:off x="685800" y="1981200"/>
+            <a:ext cx="7772400" cy="4419600"/>
+          </a:xfrm>
+        </p:spPr>
+        <p:txBody>
+          <a:bodyPr>
+            <a:normAutofit fontScale="70000" lnSpcReduction="20000"/>
+          </a:bodyPr>
+          <a:lstStyle/>
+          <a:p>
+            <a:r>
+              <a:rPr lang="en-GB" dirty="0"/>
+              <a:t>Package </a:t>
+            </a:r>
+            <a:r>
+              <a:rPr lang="en-GB" dirty="0" smtClean="0"/>
+              <a:t>Diagrams</a:t>
+            </a:r>
+            <a:endParaRPr lang="en-GB" dirty="0"/>
+          </a:p>
+          <a:p>
+            <a:r>
+              <a:rPr lang="en-GB" b="1" dirty="0">
+                <a:solidFill>
+                  <a:srgbClr val="FF0000"/>
+                </a:solidFill>
+              </a:rPr>
               <a:t>Component </a:t>
             </a:r>
             <a:r>
-              <a:rPr lang="en-GB" b="1" dirty="0" smtClean="0"/>
-              <a:t>Notation</a:t>
-            </a:r>
-            <a:endParaRPr lang="en-GB" dirty="0"/>
-          </a:p>
-        </p:txBody>
-      </p:sp>
-      <p:sp>
-        <p:nvSpPr>
-          <p:cNvPr id="3" name="Content Placeholder 2"/>
-          <p:cNvSpPr>
-            <a:spLocks noGrp="1"/>
-          </p:cNvSpPr>
-          <p:nvPr>
-            <p:ph idx="1"/>
-          </p:nvPr>
-        </p:nvSpPr>
-        <p:spPr/>
-        <p:txBody>
-          <a:bodyPr/>
-          <a:lstStyle/>
-          <a:p>
-            <a:r>
-              <a:rPr lang="en-GB" dirty="0"/>
-              <a:t>C</a:t>
-            </a:r>
-            <a:r>
-              <a:rPr lang="en-GB" dirty="0" smtClean="0"/>
-              <a:t>omponent </a:t>
-            </a:r>
-            <a:r>
-              <a:rPr lang="en-GB" dirty="0"/>
-              <a:t>is a structured classifier, its detailed assembly can </a:t>
-            </a:r>
-            <a:r>
-              <a:rPr lang="en-GB" dirty="0" smtClean="0"/>
-              <a:t>be shown </a:t>
-            </a:r>
-            <a:r>
-              <a:rPr lang="en-GB" dirty="0"/>
-              <a:t>with a composite structure using </a:t>
-            </a:r>
-            <a:endParaRPr lang="en-GB" dirty="0" smtClean="0"/>
-          </a:p>
-          <a:p>
-            <a:pPr lvl="1"/>
-            <a:r>
-              <a:rPr lang="en-GB" dirty="0" smtClean="0"/>
-              <a:t>Parts</a:t>
-            </a:r>
-          </a:p>
-          <a:p>
-            <a:pPr lvl="1"/>
-            <a:r>
-              <a:rPr lang="en-GB" dirty="0"/>
-              <a:t>P</a:t>
-            </a:r>
-            <a:r>
-              <a:rPr lang="en-GB" dirty="0" smtClean="0"/>
-              <a:t>orts</a:t>
-            </a:r>
-            <a:r>
-              <a:rPr lang="en-GB" dirty="0"/>
-              <a:t>, </a:t>
-            </a:r>
-            <a:r>
-              <a:rPr lang="en-GB" dirty="0" smtClean="0"/>
-              <a:t>and </a:t>
-            </a:r>
-          </a:p>
-          <a:p>
-            <a:pPr lvl="1"/>
-            <a:r>
-              <a:rPr lang="en-GB" dirty="0" smtClean="0"/>
-              <a:t>Connectors</a:t>
-            </a:r>
-            <a:r>
-              <a:rPr lang="en-GB" dirty="0"/>
-              <a:t/>
-            </a:r>
-            <a:br>
-              <a:rPr lang="en-GB" dirty="0"/>
-            </a:br>
-            <a:r>
-              <a:rPr lang="en-GB" dirty="0"/>
-              <a:t/>
-            </a:r>
-            <a:br>
-              <a:rPr lang="en-GB" dirty="0"/>
-            </a:br>
+              <a:rPr lang="en-GB" b="1" dirty="0" smtClean="0">
+                <a:solidFill>
+                  <a:srgbClr val="FF0000"/>
+                </a:solidFill>
+              </a:rPr>
+              <a:t>Diagrams</a:t>
+            </a:r>
+            <a:endParaRPr lang="en-GB" b="1" dirty="0">
+              <a:solidFill>
+                <a:srgbClr val="FF0000"/>
+              </a:solidFill>
+            </a:endParaRPr>
+          </a:p>
+          <a:p>
+            <a:r>
+              <a:rPr lang="en-GB" dirty="0"/>
+              <a:t>Deployment </a:t>
+            </a:r>
+            <a:r>
+              <a:rPr lang="en-GB" dirty="0" smtClean="0"/>
+              <a:t>Diagrams</a:t>
+            </a:r>
+            <a:endParaRPr lang="en-GB" dirty="0"/>
+          </a:p>
+          <a:p>
+            <a:r>
+              <a:rPr lang="en-GB" dirty="0"/>
+              <a:t>Use </a:t>
+            </a:r>
+            <a:r>
+              <a:rPr lang="en-GB" dirty="0" smtClean="0"/>
+              <a:t>Case Diagrams</a:t>
+            </a:r>
+            <a:endParaRPr lang="en-GB" dirty="0"/>
+          </a:p>
+          <a:p>
+            <a:r>
+              <a:rPr lang="en-GB" dirty="0"/>
+              <a:t>Activity </a:t>
+            </a:r>
+            <a:r>
+              <a:rPr lang="en-GB" dirty="0" smtClean="0"/>
+              <a:t>Diagrams</a:t>
+            </a:r>
+            <a:endParaRPr lang="en-GB" dirty="0"/>
+          </a:p>
+          <a:p>
+            <a:r>
+              <a:rPr lang="en-GB" dirty="0"/>
+              <a:t>Class </a:t>
+            </a:r>
+            <a:r>
+              <a:rPr lang="en-GB" dirty="0" smtClean="0"/>
+              <a:t>Diagrams</a:t>
+            </a:r>
+            <a:endParaRPr lang="en-GB" dirty="0"/>
+          </a:p>
+          <a:p>
+            <a:r>
+              <a:rPr lang="en-GB" dirty="0"/>
+              <a:t>Sequence </a:t>
+            </a:r>
+            <a:r>
+              <a:rPr lang="en-GB" dirty="0" smtClean="0"/>
+              <a:t>Diagrams</a:t>
+            </a:r>
+            <a:endParaRPr lang="en-GB" dirty="0"/>
+          </a:p>
+          <a:p>
+            <a:r>
+              <a:rPr lang="en-GB" dirty="0"/>
+              <a:t>Interaction </a:t>
+            </a:r>
+            <a:r>
+              <a:rPr lang="en-GB" dirty="0" smtClean="0"/>
+              <a:t>Overview Diagrams</a:t>
+            </a:r>
+            <a:endParaRPr lang="en-GB" dirty="0"/>
+          </a:p>
+          <a:p>
+            <a:r>
+              <a:rPr lang="en-GB" dirty="0"/>
+              <a:t>Composite </a:t>
+            </a:r>
+            <a:r>
+              <a:rPr lang="en-GB" dirty="0" smtClean="0"/>
+              <a:t>Structure Diagrams</a:t>
+            </a:r>
+            <a:endParaRPr lang="en-GB" dirty="0"/>
+          </a:p>
+          <a:p>
+            <a:r>
+              <a:rPr lang="en-GB" dirty="0"/>
+              <a:t>State </a:t>
+            </a:r>
+            <a:r>
+              <a:rPr lang="en-GB" dirty="0" smtClean="0"/>
+              <a:t>Machine Diagrams</a:t>
+            </a:r>
+            <a:endParaRPr lang="en-GB" dirty="0"/>
+          </a:p>
+          <a:p>
+            <a:r>
+              <a:rPr lang="en-GB" dirty="0"/>
+              <a:t>Timing </a:t>
+            </a:r>
+            <a:r>
+              <a:rPr lang="en-GB" dirty="0" smtClean="0"/>
+              <a:t>Diagrams</a:t>
+            </a:r>
+            <a:endParaRPr lang="en-GB" dirty="0"/>
+          </a:p>
+          <a:p>
+            <a:r>
+              <a:rPr lang="en-GB" dirty="0"/>
+              <a:t>Object </a:t>
+            </a:r>
+            <a:r>
+              <a:rPr lang="en-GB" dirty="0" smtClean="0"/>
+              <a:t>Diagrams</a:t>
+            </a:r>
+            <a:endParaRPr lang="en-GB" dirty="0"/>
+          </a:p>
+          <a:p>
+            <a:r>
+              <a:rPr lang="en-GB" dirty="0"/>
+              <a:t>Communication </a:t>
+            </a:r>
+            <a:r>
+              <a:rPr lang="en-GB" dirty="0" smtClean="0"/>
+              <a:t>Diagrams</a:t>
+            </a:r>
             <a:endParaRPr lang="en-GB" dirty="0"/>
           </a:p>
         </p:txBody>
@@ -7093,7 +7065,7 @@
     </p:spTree>
     <p:extLst>
       <p:ext uri="{BB962C8B-B14F-4D97-AF65-F5344CB8AC3E}">
-        <p14:creationId xmlns:p14="http://schemas.microsoft.com/office/powerpoint/2010/main" xmlns="" val="2030030676"/>
+        <p14:creationId xmlns:p14="http://schemas.microsoft.com/office/powerpoint/2010/main" val="119984085"/>
       </p:ext>
     </p:extLst>
   </p:cSld>
@@ -7139,7 +7111,7 @@
         </p:nvSpPr>
         <p:spPr>
           <a:xfrm>
-            <a:off x="533400" y="76200"/>
+            <a:off x="685800" y="304800"/>
             <a:ext cx="7772400" cy="1143000"/>
           </a:xfrm>
         </p:spPr>
@@ -7149,7 +7121,7 @@
           <a:p>
             <a:r>
               <a:rPr lang="en-GB" dirty="0" smtClean="0"/>
-              <a:t>Example</a:t>
+              <a:t>Component Diagram</a:t>
             </a:r>
             <a:endParaRPr lang="en-GB" dirty="0"/>
           </a:p>
@@ -7165,56 +7137,93 @@
             <p:ph idx="1"/>
           </p:nvPr>
         </p:nvSpPr>
-        <p:spPr/>
-        <p:txBody>
-          <a:bodyPr/>
-          <a:lstStyle/>
-          <a:p>
-            <a:endParaRPr lang="en-GB"/>
-          </a:p>
-        </p:txBody>
-      </p:sp>
-      <p:pic>
-        <p:nvPicPr>
-          <p:cNvPr id="4" name="Picture 3"/>
-          <p:cNvPicPr>
-            <a:picLocks noChangeAspect="1"/>
-          </p:cNvPicPr>
-          <p:nvPr/>
-        </p:nvPicPr>
-        <p:blipFill>
-          <a:blip r:embed="rId2"/>
-          <a:stretch>
-            <a:fillRect/>
-          </a:stretch>
-        </p:blipFill>
         <p:spPr>
           <a:xfrm>
-            <a:off x="1624012" y="1447800"/>
-            <a:ext cx="5895975" cy="4876800"/>
+            <a:off x="457200" y="1981200"/>
+            <a:ext cx="8382000" cy="4495800"/>
           </a:xfrm>
-          <a:prstGeom prst="rect">
-            <a:avLst/>
-          </a:prstGeom>
         </p:spPr>
-      </p:pic>
+        <p:txBody>
+          <a:bodyPr>
+            <a:normAutofit/>
+          </a:bodyPr>
+          <a:lstStyle/>
+          <a:p>
+            <a:r>
+              <a:rPr lang="en-GB" dirty="0"/>
+              <a:t>A component diagram shows the internal structure of components and </a:t>
+            </a:r>
+            <a:r>
+              <a:rPr lang="en-GB" dirty="0" smtClean="0"/>
+              <a:t>their dependencies </a:t>
+            </a:r>
+            <a:r>
+              <a:rPr lang="en-GB" dirty="0"/>
+              <a:t>with other </a:t>
+            </a:r>
+            <a:r>
+              <a:rPr lang="en-GB" dirty="0" smtClean="0"/>
+              <a:t>components</a:t>
+            </a:r>
+          </a:p>
+          <a:p>
+            <a:r>
+              <a:rPr lang="en-GB" dirty="0" smtClean="0"/>
+              <a:t>This </a:t>
+            </a:r>
+            <a:r>
+              <a:rPr lang="en-GB" dirty="0"/>
+              <a:t>diagram provides </a:t>
+            </a:r>
+            <a:r>
+              <a:rPr lang="en-GB" dirty="0" smtClean="0"/>
+              <a:t>the representation </a:t>
+            </a:r>
+            <a:r>
+              <a:rPr lang="en-GB" dirty="0"/>
+              <a:t>of </a:t>
+            </a:r>
+            <a:r>
+              <a:rPr lang="en-GB" dirty="0" smtClean="0"/>
+              <a:t>components, collaborating </a:t>
+            </a:r>
+            <a:r>
+              <a:rPr lang="en-GB" dirty="0"/>
+              <a:t>through </a:t>
+            </a:r>
+            <a:r>
+              <a:rPr lang="en-GB" dirty="0" smtClean="0"/>
+              <a:t>well-defined interfaces</a:t>
+            </a:r>
+            <a:r>
+              <a:rPr lang="en-GB" dirty="0"/>
+              <a:t>, to provide </a:t>
+            </a:r>
+            <a:r>
+              <a:rPr lang="en-GB" dirty="0" smtClean="0"/>
+              <a:t>system functionality</a:t>
+            </a:r>
+            <a:r>
+              <a:rPr lang="en-GB" dirty="0"/>
+              <a:t/>
+            </a:r>
+            <a:br>
+              <a:rPr lang="en-GB" dirty="0"/>
+            </a:br>
+            <a:endParaRPr lang="en-GB" dirty="0"/>
+          </a:p>
+        </p:txBody>
+      </p:sp>
     </p:spTree>
     <p:extLst>
       <p:ext uri="{BB962C8B-B14F-4D97-AF65-F5344CB8AC3E}">
-        <p14:creationId xmlns:p14="http://schemas.microsoft.com/office/powerpoint/2010/main" xmlns="" val="1740886810"/>
+        <p14:creationId xmlns:p14="http://schemas.microsoft.com/office/powerpoint/2010/main" val="2864141414"/>
       </p:ext>
     </p:extLst>
   </p:cSld>
   <p:clrMapOvr>
     <a:masterClrMapping/>
   </p:clrMapOvr>
-  <p:timing>
-    <p:tnLst>
-      <p:par>
-        <p:cTn id="1" dur="indefinite" restart="never" nodeType="tmRoot"/>
-      </p:par>
-    </p:tnLst>
-  </p:timing>
 </p:sld>
 </file>
 
@@ -7373,30 +7382,18 @@
             <p:ph type="title"/>
           </p:nvPr>
         </p:nvSpPr>
-        <p:spPr>
-          <a:xfrm>
-            <a:off x="685800" y="228600"/>
-            <a:ext cx="7772400" cy="1143000"/>
-          </a:xfrm>
-        </p:spPr>
+        <p:spPr/>
         <p:txBody>
           <a:bodyPr/>
           <a:lstStyle/>
           <a:p>
             <a:r>
               <a:rPr lang="en-GB" b="1" dirty="0"/>
-              <a:t>A Component’s Internal</a:t>
-            </a:r>
-            <a:r>
-              <a:rPr lang="en-GB" dirty="0"/>
-              <a:t/>
-            </a:r>
-            <a:br>
-              <a:rPr lang="en-GB" dirty="0"/>
-            </a:br>
+              <a:t>Component </a:t>
+            </a:r>
             <a:r>
               <a:rPr lang="en-GB" b="1" dirty="0" smtClean="0"/>
-              <a:t>Structure</a:t>
+              <a:t>Notation</a:t>
             </a:r>
             <a:endParaRPr lang="en-GB" dirty="0"/>
           </a:p>
@@ -7417,38 +7414,82 @@
           <a:bodyPr/>
           <a:lstStyle/>
           <a:p>
-            <a:endParaRPr lang="en-GB"/>
-          </a:p>
-        </p:txBody>
-      </p:sp>
-      <p:pic>
-        <p:nvPicPr>
-          <p:cNvPr id="4" name="Picture 3"/>
-          <p:cNvPicPr>
-            <a:picLocks noChangeAspect="1"/>
-          </p:cNvPicPr>
-          <p:nvPr/>
-        </p:nvPicPr>
-        <p:blipFill>
-          <a:blip r:embed="rId2"/>
-          <a:stretch>
-            <a:fillRect/>
-          </a:stretch>
-        </p:blipFill>
-        <p:spPr>
-          <a:xfrm>
-            <a:off x="1676400" y="1371600"/>
-            <a:ext cx="5638800" cy="5340749"/>
-          </a:xfrm>
-          <a:prstGeom prst="rect">
-            <a:avLst/>
-          </a:prstGeom>
-        </p:spPr>
-      </p:pic>
+            <a:r>
+              <a:rPr lang="en-GB" dirty="0"/>
+              <a:t>C</a:t>
+            </a:r>
+            <a:r>
+              <a:rPr lang="en-GB" dirty="0" smtClean="0"/>
+              <a:t>omponent </a:t>
+            </a:r>
+            <a:r>
+              <a:rPr lang="en-GB" dirty="0"/>
+              <a:t>is a structured classifier, its detailed assembly can </a:t>
+            </a:r>
+            <a:r>
+              <a:rPr lang="en-GB" dirty="0" smtClean="0"/>
+              <a:t>be shown </a:t>
+            </a:r>
+            <a:r>
+              <a:rPr lang="en-GB" dirty="0"/>
+              <a:t>with a composite structure using </a:t>
+            </a:r>
+            <a:endParaRPr lang="en-GB" dirty="0" smtClean="0"/>
+          </a:p>
+          <a:p>
+            <a:pPr lvl="1"/>
+            <a:r>
+              <a:rPr lang="en-GB" dirty="0" smtClean="0"/>
+              <a:t>Parts</a:t>
+            </a:r>
+          </a:p>
+          <a:p>
+            <a:pPr lvl="1"/>
+            <a:r>
+              <a:rPr lang="en-GB" dirty="0"/>
+              <a:t>P</a:t>
+            </a:r>
+            <a:r>
+              <a:rPr lang="en-GB" dirty="0" smtClean="0"/>
+              <a:t>orts</a:t>
+            </a:r>
+            <a:r>
+              <a:rPr lang="en-GB" dirty="0"/>
+              <a:t>, </a:t>
+            </a:r>
+            <a:r>
+              <a:rPr lang="en-GB" dirty="0" smtClean="0"/>
+              <a:t>and </a:t>
+            </a:r>
+          </a:p>
+          <a:p>
+            <a:pPr lvl="1"/>
+            <a:r>
+              <a:rPr lang="en-GB" dirty="0" smtClean="0"/>
+              <a:t>Connectors</a:t>
+            </a:r>
+            <a:r>
+              <a:rPr lang="en-GB" dirty="0"/>
+              <a:t/>
+            </a:r>
+            <a:br>
+              <a:rPr lang="en-GB" dirty="0"/>
+            </a:br>
+            <a:r>
+              <a:rPr lang="en-GB" dirty="0"/>
+              <a:t/>
+            </a:r>
+            <a:br>
+              <a:rPr lang="en-GB" dirty="0"/>
+            </a:br>
+            <a:endParaRPr lang="en-GB" dirty="0"/>
+          </a:p>
+        </p:txBody>
+      </p:sp>
     </p:spTree>
     <p:extLst>
       <p:ext uri="{BB962C8B-B14F-4D97-AF65-F5344CB8AC3E}">
-        <p14:creationId xmlns:p14="http://schemas.microsoft.com/office/powerpoint/2010/main" xmlns="" val="2393934735"/>
+        <p14:creationId xmlns:p14="http://schemas.microsoft.com/office/powerpoint/2010/main" val="2030030676"/>
       </p:ext>
     </p:extLst>
   </p:cSld>
@@ -7492,15 +7533,21 @@
             <p:ph type="title"/>
           </p:nvPr>
         </p:nvSpPr>
-        <p:spPr/>
+        <p:spPr>
+          <a:xfrm>
+            <a:off x="533400" y="76200"/>
+            <a:ext cx="7772400" cy="1143000"/>
+          </a:xfrm>
+        </p:spPr>
         <p:txBody>
           <a:bodyPr/>
           <a:lstStyle/>
           <a:p>
             <a:r>
-              <a:rPr lang="en-GB" dirty="0"/>
-              <a:t>Deployment Diagrams</a:t>
-            </a:r>
+              <a:rPr lang="en-GB" dirty="0" smtClean="0"/>
+              <a:t>Example</a:t>
+            </a:r>
+            <a:endParaRPr lang="en-GB" dirty="0"/>
           </a:p>
         </p:txBody>
       </p:sp>
@@ -7514,178 +7561,43 @@
             <p:ph idx="1"/>
           </p:nvPr>
         </p:nvSpPr>
+        <p:spPr/>
+        <p:txBody>
+          <a:bodyPr/>
+          <a:lstStyle/>
+          <a:p>
+            <a:endParaRPr lang="en-GB"/>
+          </a:p>
+        </p:txBody>
+      </p:sp>
+      <p:pic>
+        <p:nvPicPr>
+          <p:cNvPr id="4" name="Picture 3"/>
+          <p:cNvPicPr>
+            <a:picLocks noChangeAspect="1"/>
+          </p:cNvPicPr>
+          <p:nvPr/>
+        </p:nvPicPr>
+        <p:blipFill>
+          <a:blip r:embed="rId2"/>
+          <a:stretch>
+            <a:fillRect/>
+          </a:stretch>
+        </p:blipFill>
         <p:spPr>
           <a:xfrm>
-            <a:off x="685800" y="1981200"/>
-            <a:ext cx="7772400" cy="4419600"/>
+            <a:off x="1624012" y="1447800"/>
+            <a:ext cx="5895975" cy="4876800"/>
           </a:xfrm>
+          <a:prstGeom prst="rect">
+            <a:avLst/>
+          </a:prstGeom>
         </p:spPr>
-        <p:txBody>
-          <a:bodyPr>
-            <a:normAutofit fontScale="70000" lnSpcReduction="20000"/>
-          </a:bodyPr>
-          <a:lstStyle/>
-          <a:p>
-            <a:r>
-              <a:rPr lang="en-GB" dirty="0"/>
-              <a:t>Package </a:t>
-            </a:r>
-            <a:r>
-              <a:rPr lang="en-GB" dirty="0" smtClean="0"/>
-              <a:t>Diagrams</a:t>
-            </a:r>
-            <a:endParaRPr lang="en-GB" dirty="0"/>
-          </a:p>
-          <a:p>
-            <a:r>
-              <a:rPr lang="en-GB" dirty="0"/>
-              <a:t>Component </a:t>
-            </a:r>
-            <a:r>
-              <a:rPr lang="en-GB" dirty="0" smtClean="0"/>
-              <a:t>Diagrams</a:t>
-            </a:r>
-            <a:endParaRPr lang="en-GB" dirty="0"/>
-          </a:p>
-          <a:p>
-            <a:r>
-              <a:rPr lang="en-GB" b="1" dirty="0">
-                <a:solidFill>
-                  <a:srgbClr val="FF0000"/>
-                </a:solidFill>
-              </a:rPr>
-              <a:t>Deployment </a:t>
-            </a:r>
-            <a:r>
-              <a:rPr lang="en-GB" b="1" dirty="0" smtClean="0">
-                <a:solidFill>
-                  <a:srgbClr val="FF0000"/>
-                </a:solidFill>
-              </a:rPr>
-              <a:t>Diagrams</a:t>
-            </a:r>
-            <a:endParaRPr lang="en-GB" b="1" dirty="0">
-              <a:solidFill>
-                <a:srgbClr val="FF0000"/>
-              </a:solidFill>
-            </a:endParaRPr>
-          </a:p>
-          <a:p>
-            <a:r>
-              <a:rPr lang="en-GB" dirty="0"/>
-              <a:t>Use </a:t>
-            </a:r>
-            <a:r>
-              <a:rPr lang="en-GB" dirty="0" smtClean="0"/>
-              <a:t>Case Diagrams</a:t>
-            </a:r>
-            <a:endParaRPr lang="en-GB" dirty="0"/>
-          </a:p>
-          <a:p>
-            <a:r>
-              <a:rPr lang="en-GB" dirty="0"/>
-              <a:t>Activity </a:t>
-            </a:r>
-            <a:r>
-              <a:rPr lang="en-GB" dirty="0" smtClean="0"/>
-              <a:t>Diagrams</a:t>
-            </a:r>
-            <a:endParaRPr lang="en-GB" dirty="0"/>
-          </a:p>
-          <a:p>
-            <a:r>
-              <a:rPr lang="en-GB" dirty="0"/>
-              <a:t>Class </a:t>
-            </a:r>
-            <a:r>
-              <a:rPr lang="en-GB" dirty="0" smtClean="0"/>
-              <a:t>Diagrams</a:t>
-            </a:r>
-            <a:endParaRPr lang="en-GB" dirty="0"/>
-          </a:p>
-          <a:p>
-            <a:r>
-              <a:rPr lang="en-GB" dirty="0"/>
-              <a:t>Sequence </a:t>
-            </a:r>
-            <a:r>
-              <a:rPr lang="en-GB" dirty="0" smtClean="0"/>
-              <a:t>Diagrams</a:t>
-            </a:r>
-            <a:endParaRPr lang="en-GB" dirty="0"/>
-          </a:p>
-          <a:p>
-            <a:r>
-              <a:rPr lang="en-GB" dirty="0"/>
-              <a:t>Interaction </a:t>
-            </a:r>
-            <a:r>
-              <a:rPr lang="en-GB" dirty="0" smtClean="0"/>
-              <a:t>Overview Diagrams</a:t>
-            </a:r>
-            <a:endParaRPr lang="en-GB" dirty="0"/>
-          </a:p>
-          <a:p>
-            <a:r>
-              <a:rPr lang="en-GB" dirty="0"/>
-              <a:t>Composite </a:t>
-            </a:r>
-            <a:r>
-              <a:rPr lang="en-GB" dirty="0" smtClean="0"/>
-              <a:t>Structure Diagrams</a:t>
-            </a:r>
-            <a:endParaRPr lang="en-GB" dirty="0"/>
-          </a:p>
-          <a:p>
-            <a:r>
-              <a:rPr lang="en-GB" dirty="0"/>
-              <a:t>State </a:t>
-            </a:r>
-            <a:r>
-              <a:rPr lang="en-GB" dirty="0" smtClean="0"/>
-              <a:t>Machine Diagrams</a:t>
-            </a:r>
-            <a:endParaRPr lang="en-GB" dirty="0"/>
-          </a:p>
-          <a:p>
-            <a:r>
-              <a:rPr lang="en-GB" dirty="0"/>
-              <a:t>Timing </a:t>
-            </a:r>
-            <a:r>
-              <a:rPr lang="en-GB" dirty="0" smtClean="0"/>
-              <a:t>Diagrams</a:t>
-            </a:r>
-            <a:endParaRPr lang="en-GB" dirty="0"/>
-          </a:p>
-          <a:p>
-            <a:r>
-              <a:rPr lang="en-GB" dirty="0"/>
-              <a:t>Object </a:t>
-            </a:r>
-            <a:r>
-              <a:rPr lang="en-GB" dirty="0" smtClean="0"/>
-              <a:t>Diagrams</a:t>
-            </a:r>
-            <a:endParaRPr lang="en-GB" dirty="0"/>
-          </a:p>
-          <a:p>
-            <a:r>
-              <a:rPr lang="en-GB" dirty="0"/>
-              <a:t>Communication </a:t>
-            </a:r>
-            <a:r>
-              <a:rPr lang="en-GB" dirty="0" smtClean="0"/>
-              <a:t>Diagrams</a:t>
-            </a:r>
-            <a:endParaRPr lang="en-GB" dirty="0"/>
-          </a:p>
-        </p:txBody>
-      </p:sp>
+      </p:pic>
     </p:spTree>
     <p:extLst>
       <p:ext uri="{BB962C8B-B14F-4D97-AF65-F5344CB8AC3E}">
-        <p14:creationId xmlns:p14="http://schemas.microsoft.com/office/powerpoint/2010/main" xmlns="" val="3027707285"/>
+        <p14:creationId xmlns:p14="http://schemas.microsoft.com/office/powerpoint/2010/main" val="1740886810"/>
       </p:ext>
     </p:extLst>
   </p:cSld>
@@ -7731,7 +7643,7 @@
         </p:nvSpPr>
         <p:spPr>
           <a:xfrm>
-            <a:off x="685800" y="76200"/>
+            <a:off x="685800" y="228600"/>
             <a:ext cx="7772400" cy="1143000"/>
           </a:xfrm>
         </p:spPr>
@@ -7740,8 +7652,19 @@
           <a:lstStyle/>
           <a:p>
             <a:r>
-              <a:rPr lang="en-GB" dirty="0" smtClean="0"/>
-              <a:t>Deployment Diagram</a:t>
+              <a:rPr lang="en-GB" b="1" dirty="0"/>
+              <a:t>A Component’s Internal</a:t>
+            </a:r>
+            <a:r>
+              <a:rPr lang="en-GB" dirty="0"/>
+              <a:t/>
+            </a:r>
+            <a:br>
+              <a:rPr lang="en-GB" dirty="0"/>
+            </a:br>
+            <a:r>
+              <a:rPr lang="en-GB" b="1" dirty="0" smtClean="0"/>
+              <a:t>Structure</a:t>
             </a:r>
             <a:endParaRPr lang="en-GB" dirty="0"/>
           </a:p>
@@ -7757,103 +7680,43 @@
             <p:ph idx="1"/>
           </p:nvPr>
         </p:nvSpPr>
+        <p:spPr/>
+        <p:txBody>
+          <a:bodyPr/>
+          <a:lstStyle/>
+          <a:p>
+            <a:endParaRPr lang="en-GB"/>
+          </a:p>
+        </p:txBody>
+      </p:sp>
+      <p:pic>
+        <p:nvPicPr>
+          <p:cNvPr id="4" name="Picture 3"/>
+          <p:cNvPicPr>
+            <a:picLocks noChangeAspect="1"/>
+          </p:cNvPicPr>
+          <p:nvPr/>
+        </p:nvPicPr>
+        <p:blipFill>
+          <a:blip r:embed="rId2"/>
+          <a:stretch>
+            <a:fillRect/>
+          </a:stretch>
+        </p:blipFill>
         <p:spPr>
           <a:xfrm>
-            <a:off x="685800" y="1524000"/>
-            <a:ext cx="7772400" cy="4114800"/>
+            <a:off x="1676400" y="1371600"/>
+            <a:ext cx="5638800" cy="5340749"/>
           </a:xfrm>
+          <a:prstGeom prst="rect">
+            <a:avLst/>
+          </a:prstGeom>
         </p:spPr>
-        <p:txBody>
-          <a:bodyPr/>
-          <a:lstStyle/>
-          <a:p>
-            <a:r>
-              <a:rPr lang="en-GB" dirty="0"/>
-              <a:t>A deployment diagram is used to show the allocation of </a:t>
-            </a:r>
-            <a:r>
-              <a:rPr lang="en-GB" dirty="0" err="1"/>
-              <a:t>artifacts</a:t>
-            </a:r>
-            <a:r>
-              <a:rPr lang="en-GB" dirty="0"/>
-              <a:t> to nodes in the</a:t>
-            </a:r>
-            <a:br>
-              <a:rPr lang="en-GB" dirty="0"/>
-            </a:br>
-            <a:r>
-              <a:rPr lang="en-GB" dirty="0"/>
-              <a:t>physical design of a system. </a:t>
-            </a:r>
-            <a:endParaRPr lang="en-GB" dirty="0" smtClean="0"/>
-          </a:p>
-          <a:p>
-            <a:r>
-              <a:rPr lang="en-GB" dirty="0" smtClean="0"/>
-              <a:t>A </a:t>
-            </a:r>
-            <a:r>
-              <a:rPr lang="en-GB" dirty="0"/>
-              <a:t>single deployment diagram represents a view </a:t>
-            </a:r>
-            <a:r>
-              <a:rPr lang="en-GB" dirty="0" smtClean="0"/>
-              <a:t>into the </a:t>
-            </a:r>
-            <a:r>
-              <a:rPr lang="en-GB" dirty="0" err="1"/>
-              <a:t>artifact</a:t>
-            </a:r>
-            <a:r>
-              <a:rPr lang="en-GB" dirty="0"/>
-              <a:t> structure of a system. </a:t>
-            </a:r>
-            <a:endParaRPr lang="en-GB" dirty="0" smtClean="0"/>
-          </a:p>
-          <a:p>
-            <a:r>
-              <a:rPr lang="en-GB" dirty="0" smtClean="0"/>
-              <a:t>The </a:t>
-            </a:r>
-            <a:r>
-              <a:rPr lang="en-GB" dirty="0"/>
-              <a:t>three essential elements of a deployment diagram are </a:t>
-            </a:r>
-            <a:r>
-              <a:rPr lang="en-GB" dirty="0" err="1"/>
-              <a:t>artifacts</a:t>
-            </a:r>
-            <a:r>
-              <a:rPr lang="en-GB" dirty="0"/>
-              <a:t>, nodes, </a:t>
-            </a:r>
-            <a:r>
-              <a:rPr lang="en-GB" dirty="0" smtClean="0"/>
-              <a:t>and their </a:t>
-            </a:r>
-            <a:r>
-              <a:rPr lang="en-GB" dirty="0"/>
-              <a:t>connections.</a:t>
-            </a:r>
-            <a:br>
-              <a:rPr lang="en-GB" dirty="0"/>
-            </a:br>
-            <a:r>
-              <a:rPr lang="en-GB" dirty="0"/>
-              <a:t/>
-            </a:r>
-            <a:br>
-              <a:rPr lang="en-GB" dirty="0"/>
-            </a:br>
-            <a:endParaRPr lang="en-GB" dirty="0"/>
-          </a:p>
-        </p:txBody>
-      </p:sp>
+      </p:pic>
     </p:spTree>
     <p:extLst>
       <p:ext uri="{BB962C8B-B14F-4D97-AF65-F5344CB8AC3E}">
-        <p14:creationId xmlns:p14="http://schemas.microsoft.com/office/powerpoint/2010/main" xmlns="" val="442678356"/>
+        <p14:creationId xmlns:p14="http://schemas.microsoft.com/office/powerpoint/2010/main" val="2393934735"/>
       </p:ext>
     </p:extLst>
   </p:cSld>
@@ -7897,71 +7760,200 @@
             <p:ph type="title"/>
           </p:nvPr>
         </p:nvSpPr>
+        <p:spPr/>
+        <p:txBody>
+          <a:bodyPr/>
+          <a:lstStyle/>
+          <a:p>
+            <a:r>
+              <a:rPr lang="en-GB" dirty="0"/>
+              <a:t>Deployment Diagrams</a:t>
+            </a:r>
+          </a:p>
+        </p:txBody>
+      </p:sp>
+      <p:sp>
+        <p:nvSpPr>
+          <p:cNvPr id="3" name="Content Placeholder 2"/>
+          <p:cNvSpPr>
+            <a:spLocks noGrp="1"/>
+          </p:cNvSpPr>
+          <p:nvPr>
+            <p:ph idx="1"/>
+          </p:nvPr>
+        </p:nvSpPr>
         <p:spPr>
           <a:xfrm>
-            <a:off x="685800" y="0"/>
-            <a:ext cx="7772400" cy="1143000"/>
+            <a:off x="685800" y="1981200"/>
+            <a:ext cx="7772400" cy="4419600"/>
           </a:xfrm>
         </p:spPr>
         <p:txBody>
-          <a:bodyPr/>
+          <a:bodyPr>
+            <a:normAutofit fontScale="70000" lnSpcReduction="20000"/>
+          </a:bodyPr>
           <a:lstStyle/>
           <a:p>
             <a:r>
-              <a:rPr lang="en-GB" dirty="0" smtClean="0"/>
-              <a:t>Example</a:t>
-            </a:r>
-            <a:endParaRPr lang="en-GB" dirty="0"/>
-          </a:p>
-        </p:txBody>
-      </p:sp>
-      <p:sp>
-        <p:nvSpPr>
-          <p:cNvPr id="3" name="Content Placeholder 2"/>
-          <p:cNvSpPr>
-            <a:spLocks noGrp="1"/>
-          </p:cNvSpPr>
-          <p:nvPr>
-            <p:ph idx="1"/>
-          </p:nvPr>
-        </p:nvSpPr>
-        <p:spPr/>
-        <p:txBody>
-          <a:bodyPr/>
-          <a:lstStyle/>
-          <a:p>
-            <a:endParaRPr lang="en-GB"/>
-          </a:p>
-        </p:txBody>
-      </p:sp>
-      <p:pic>
-        <p:nvPicPr>
-          <p:cNvPr id="4" name="Picture 3"/>
-          <p:cNvPicPr>
-            <a:picLocks noChangeAspect="1"/>
-          </p:cNvPicPr>
-          <p:nvPr/>
-        </p:nvPicPr>
-        <p:blipFill>
-          <a:blip r:embed="rId2"/>
-          <a:stretch>
-            <a:fillRect/>
-          </a:stretch>
-        </p:blipFill>
-        <p:spPr>
-          <a:xfrm>
-            <a:off x="2667000" y="1007533"/>
-            <a:ext cx="3627383" cy="5867400"/>
-          </a:xfrm>
-          <a:prstGeom prst="rect">
-            <a:avLst/>
-          </a:prstGeom>
-        </p:spPr>
-      </p:pic>
+              <a:rPr lang="en-GB" dirty="0"/>
+              <a:t>Package </a:t>
+            </a:r>
+            <a:r>
+              <a:rPr lang="en-GB" dirty="0" smtClean="0"/>
+              <a:t>Diagrams</a:t>
+            </a:r>
+            <a:endParaRPr lang="en-GB" dirty="0"/>
+          </a:p>
+          <a:p>
+            <a:r>
+              <a:rPr lang="en-GB" dirty="0"/>
+              <a:t>Component </a:t>
+            </a:r>
+            <a:r>
+              <a:rPr lang="en-GB" dirty="0" smtClean="0"/>
+              <a:t>Diagrams</a:t>
+            </a:r>
+            <a:endParaRPr lang="en-GB" dirty="0"/>
+          </a:p>
+          <a:p>
+            <a:r>
+              <a:rPr lang="en-GB" b="1" dirty="0">
+                <a:solidFill>
+                  <a:srgbClr val="FF0000"/>
+                </a:solidFill>
+              </a:rPr>
+              <a:t>Deployment </a:t>
+            </a:r>
+            <a:r>
+              <a:rPr lang="en-GB" b="1" dirty="0" smtClean="0">
+                <a:solidFill>
+                  <a:srgbClr val="FF0000"/>
+                </a:solidFill>
+              </a:rPr>
+              <a:t>Diagrams</a:t>
+            </a:r>
+            <a:endParaRPr lang="en-GB" b="1" dirty="0">
+              <a:solidFill>
+                <a:srgbClr val="FF0000"/>
+              </a:solidFill>
+            </a:endParaRPr>
+          </a:p>
+          <a:p>
+            <a:r>
+              <a:rPr lang="en-GB" dirty="0"/>
+              <a:t>Use </a:t>
+            </a:r>
+            <a:r>
+              <a:rPr lang="en-GB" dirty="0" smtClean="0"/>
+              <a:t>Case Diagrams</a:t>
+            </a:r>
+            <a:endParaRPr lang="en-GB" dirty="0"/>
+          </a:p>
+          <a:p>
+            <a:r>
+              <a:rPr lang="en-GB" dirty="0"/>
+              <a:t>Activity </a:t>
+            </a:r>
+            <a:r>
+              <a:rPr lang="en-GB" dirty="0" smtClean="0"/>
+              <a:t>Diagrams</a:t>
+            </a:r>
+            <a:endParaRPr lang="en-GB" dirty="0"/>
+          </a:p>
+          <a:p>
+            <a:r>
+              <a:rPr lang="en-GB" dirty="0"/>
+              <a:t>Class </a:t>
+            </a:r>
+            <a:r>
+              <a:rPr lang="en-GB" dirty="0" smtClean="0"/>
+              <a:t>Diagrams</a:t>
+            </a:r>
+            <a:endParaRPr lang="en-GB" dirty="0"/>
+          </a:p>
+          <a:p>
+            <a:r>
+              <a:rPr lang="en-GB" dirty="0"/>
+              <a:t>Sequence </a:t>
+            </a:r>
+            <a:r>
+              <a:rPr lang="en-GB" dirty="0" smtClean="0"/>
+              <a:t>Diagrams</a:t>
+            </a:r>
+            <a:endParaRPr lang="en-GB" dirty="0"/>
+          </a:p>
+          <a:p>
+            <a:r>
+              <a:rPr lang="en-GB" dirty="0"/>
+              <a:t>Interaction </a:t>
+            </a:r>
+            <a:r>
+              <a:rPr lang="en-GB" dirty="0" smtClean="0"/>
+              <a:t>Overview Diagrams</a:t>
+            </a:r>
+            <a:endParaRPr lang="en-GB" dirty="0"/>
+          </a:p>
+          <a:p>
+            <a:r>
+              <a:rPr lang="en-GB" dirty="0"/>
+              <a:t>Composite </a:t>
+            </a:r>
+            <a:r>
+              <a:rPr lang="en-GB" dirty="0" smtClean="0"/>
+              <a:t>Structure Diagrams</a:t>
+            </a:r>
+            <a:endParaRPr lang="en-GB" dirty="0"/>
+          </a:p>
+          <a:p>
+            <a:r>
+              <a:rPr lang="en-GB" dirty="0"/>
+              <a:t>State </a:t>
+            </a:r>
+            <a:r>
+              <a:rPr lang="en-GB" dirty="0" smtClean="0"/>
+              <a:t>Machine Diagrams</a:t>
+            </a:r>
+            <a:endParaRPr lang="en-GB" dirty="0"/>
+          </a:p>
+          <a:p>
+            <a:r>
+              <a:rPr lang="en-GB" dirty="0"/>
+              <a:t>Timing </a:t>
+            </a:r>
+            <a:r>
+              <a:rPr lang="en-GB" dirty="0" smtClean="0"/>
+              <a:t>Diagrams</a:t>
+            </a:r>
+            <a:endParaRPr lang="en-GB" dirty="0"/>
+          </a:p>
+          <a:p>
+            <a:r>
+              <a:rPr lang="en-GB" dirty="0"/>
+              <a:t>Object </a:t>
+            </a:r>
+            <a:r>
+              <a:rPr lang="en-GB" dirty="0" smtClean="0"/>
+              <a:t>Diagrams</a:t>
+            </a:r>
+            <a:endParaRPr lang="en-GB" dirty="0"/>
+          </a:p>
+          <a:p>
+            <a:r>
+              <a:rPr lang="en-GB" dirty="0"/>
+              <a:t>Communication </a:t>
+            </a:r>
+            <a:r>
+              <a:rPr lang="en-GB" dirty="0" smtClean="0"/>
+              <a:t>Diagrams</a:t>
+            </a:r>
+            <a:endParaRPr lang="en-GB" dirty="0"/>
+          </a:p>
+        </p:txBody>
+      </p:sp>
     </p:spTree>
     <p:extLst>
       <p:ext uri="{BB962C8B-B14F-4D97-AF65-F5344CB8AC3E}">
-        <p14:creationId xmlns:p14="http://schemas.microsoft.com/office/powerpoint/2010/main" xmlns="" val="3586843277"/>
+        <p14:creationId xmlns:p14="http://schemas.microsoft.com/office/powerpoint/2010/main" val="3027707285"/>
       </p:ext>
     </p:extLst>
   </p:cSld>
@@ -8005,14 +7997,19 @@
             <p:ph type="title"/>
           </p:nvPr>
         </p:nvSpPr>
-        <p:spPr/>
+        <p:spPr>
+          <a:xfrm>
+            <a:off x="685800" y="76200"/>
+            <a:ext cx="7772400" cy="1143000"/>
+          </a:xfrm>
+        </p:spPr>
         <p:txBody>
           <a:bodyPr/>
           <a:lstStyle/>
           <a:p>
             <a:r>
               <a:rPr lang="en-GB" dirty="0" smtClean="0"/>
-              <a:t>Question</a:t>
+              <a:t>Deployment Diagram</a:t>
             </a:r>
             <a:endParaRPr lang="en-GB" dirty="0"/>
           </a:p>
@@ -8030,8 +8027,8 @@
         </p:nvSpPr>
         <p:spPr>
           <a:xfrm>
-            <a:off x="533400" y="1981200"/>
-            <a:ext cx="8077200" cy="4114800"/>
+            <a:off x="685800" y="1524000"/>
+            <a:ext cx="7772400" cy="4114800"/>
           </a:xfrm>
         </p:spPr>
         <p:txBody>
@@ -8040,37 +8037,7 @@
           <a:p>
             <a:r>
               <a:rPr lang="en-GB" dirty="0"/>
-              <a:t>The three essential elements of a deployment diagram </a:t>
-            </a:r>
-            <a:r>
-              <a:rPr lang="en-GB" dirty="0" smtClean="0"/>
-              <a:t>are:</a:t>
-            </a:r>
-          </a:p>
-          <a:p>
-            <a:endParaRPr lang="en-GB" dirty="0" smtClean="0"/>
-          </a:p>
-          <a:p>
-            <a:pPr marL="0" indent="0">
-              <a:buNone/>
-            </a:pPr>
-            <a:r>
-              <a:rPr lang="en-GB" dirty="0" smtClean="0"/>
-              <a:t>a) nodes, connections and their elements</a:t>
-            </a:r>
-            <a:endParaRPr lang="en-GB" dirty="0"/>
-          </a:p>
-          <a:p>
-            <a:pPr marL="0" indent="0">
-              <a:buNone/>
-            </a:pPr>
-            <a:r>
-              <a:rPr lang="en-GB" dirty="0"/>
-              <a:t>b</a:t>
-            </a:r>
-            <a:r>
-              <a:rPr lang="en-GB" dirty="0" smtClean="0"/>
-              <a:t>) </a:t>
+              <a:t>A deployment diagram is used to show the allocation of </a:t>
             </a:r>
             <a:r>
               <a:rPr lang="en-GB" dirty="0" err="1"/>
@@ -8078,30 +8045,75 @@
             </a:r>
             <a:r>
               <a:rPr lang="en-GB" dirty="0"/>
+              <a:t> to nodes in the</a:t>
+            </a:r>
+            <a:br>
+              <a:rPr lang="en-GB" dirty="0"/>
+            </a:br>
+            <a:r>
+              <a:rPr lang="en-GB" dirty="0"/>
+              <a:t>physical design of a system. </a:t>
+            </a:r>
+            <a:endParaRPr lang="en-GB" dirty="0" smtClean="0"/>
+          </a:p>
+          <a:p>
+            <a:r>
+              <a:rPr lang="en-GB" dirty="0" smtClean="0"/>
+              <a:t>A </a:t>
+            </a:r>
+            <a:r>
+              <a:rPr lang="en-GB" dirty="0"/>
+              <a:t>single deployment diagram represents a view </a:t>
+            </a:r>
+            <a:r>
+              <a:rPr lang="en-GB" dirty="0" smtClean="0"/>
+              <a:t>into the </a:t>
+            </a:r>
+            <a:r>
+              <a:rPr lang="en-GB" dirty="0" err="1"/>
+              <a:t>artifact</a:t>
+            </a:r>
+            <a:r>
+              <a:rPr lang="en-GB" dirty="0"/>
+              <a:t> structure of a system. </a:t>
+            </a:r>
+            <a:endParaRPr lang="en-GB" dirty="0" smtClean="0"/>
+          </a:p>
+          <a:p>
+            <a:r>
+              <a:rPr lang="en-GB" dirty="0" smtClean="0"/>
+              <a:t>The </a:t>
+            </a:r>
+            <a:r>
+              <a:rPr lang="en-GB" dirty="0"/>
+              <a:t>three essential elements of a deployment diagram are </a:t>
+            </a:r>
+            <a:r>
+              <a:rPr lang="en-GB" dirty="0" err="1"/>
+              <a:t>artifacts</a:t>
+            </a:r>
+            <a:r>
+              <a:rPr lang="en-GB" dirty="0"/>
               <a:t>, nodes, </a:t>
             </a:r>
             <a:r>
               <a:rPr lang="en-GB" dirty="0" smtClean="0"/>
-              <a:t>and their connections</a:t>
-            </a:r>
-          </a:p>
-          <a:p>
-            <a:pPr marL="0" indent="0">
-              <a:buNone/>
-            </a:pPr>
-            <a:r>
-              <a:rPr lang="en-GB" dirty="0" smtClean="0"/>
-              <a:t>c) elements, relationships and connectors</a:t>
-            </a:r>
-          </a:p>
-          <a:p>
-            <a:pPr marL="0" indent="0">
-              <a:buNone/>
-            </a:pPr>
-            <a:r>
-              <a:rPr lang="en-GB" dirty="0" smtClean="0"/>
-              <a:t>d) inheritance, relationships and connectors</a:t>
-            </a:r>
+              <a:t>and their </a:t>
+            </a:r>
+            <a:r>
+              <a:rPr lang="en-GB" dirty="0"/>
+              <a:t>connections.</a:t>
+            </a:r>
+            <a:br>
+              <a:rPr lang="en-GB" dirty="0"/>
+            </a:br>
+            <a:r>
+              <a:rPr lang="en-GB" dirty="0"/>
+              <a:t/>
+            </a:r>
+            <a:br>
+              <a:rPr lang="en-GB" dirty="0"/>
+            </a:br>
             <a:endParaRPr lang="en-GB" dirty="0"/>
           </a:p>
         </p:txBody>
@@ -8109,7 +8121,7 @@
     </p:spTree>
     <p:extLst>
       <p:ext uri="{BB962C8B-B14F-4D97-AF65-F5344CB8AC3E}">
-        <p14:creationId xmlns:p14="http://schemas.microsoft.com/office/powerpoint/2010/main" xmlns="" val="284864241"/>
+        <p14:creationId xmlns:p14="http://schemas.microsoft.com/office/powerpoint/2010/main" val="442678356"/>
       </p:ext>
     </p:extLst>
   </p:cSld>
@@ -8153,14 +8165,19 @@
             <p:ph type="title"/>
           </p:nvPr>
         </p:nvSpPr>
-        <p:spPr/>
+        <p:spPr>
+          <a:xfrm>
+            <a:off x="685800" y="0"/>
+            <a:ext cx="7772400" cy="1143000"/>
+          </a:xfrm>
+        </p:spPr>
         <p:txBody>
           <a:bodyPr/>
           <a:lstStyle/>
           <a:p>
             <a:r>
               <a:rPr lang="en-GB" dirty="0" smtClean="0"/>
-              <a:t>Answer</a:t>
+              <a:t>Example</a:t>
             </a:r>
             <a:endParaRPr lang="en-GB" dirty="0"/>
           </a:p>
@@ -8181,28 +8198,38 @@
           <a:bodyPr/>
           <a:lstStyle/>
           <a:p>
-            <a:pPr marL="0" indent="0">
-              <a:buNone/>
-            </a:pPr>
-            <a:r>
-              <a:rPr lang="en-GB" dirty="0"/>
-              <a:t>b) </a:t>
-            </a:r>
-            <a:r>
-              <a:rPr lang="en-GB" dirty="0" err="1"/>
-              <a:t>artifacts</a:t>
-            </a:r>
-            <a:r>
-              <a:rPr lang="en-GB" dirty="0"/>
-              <a:t>, nodes, and their connections</a:t>
-            </a:r>
-          </a:p>
-        </p:txBody>
-      </p:sp>
+            <a:endParaRPr lang="en-GB"/>
+          </a:p>
+        </p:txBody>
+      </p:sp>
+      <p:pic>
+        <p:nvPicPr>
+          <p:cNvPr id="4" name="Picture 3"/>
+          <p:cNvPicPr>
+            <a:picLocks noChangeAspect="1"/>
+          </p:cNvPicPr>
+          <p:nvPr/>
+        </p:nvPicPr>
+        <p:blipFill>
+          <a:blip r:embed="rId2"/>
+          <a:stretch>
+            <a:fillRect/>
+          </a:stretch>
+        </p:blipFill>
+        <p:spPr>
+          <a:xfrm>
+            <a:off x="2667000" y="1007533"/>
+            <a:ext cx="3627383" cy="5867400"/>
+          </a:xfrm>
+          <a:prstGeom prst="rect">
+            <a:avLst/>
+          </a:prstGeom>
+        </p:spPr>
+      </p:pic>
     </p:spTree>
     <p:extLst>
       <p:ext uri="{BB962C8B-B14F-4D97-AF65-F5344CB8AC3E}">
-        <p14:creationId xmlns:p14="http://schemas.microsoft.com/office/powerpoint/2010/main" xmlns="" val="799852205"/>
+        <p14:creationId xmlns:p14="http://schemas.microsoft.com/office/powerpoint/2010/main" val="3586843277"/>
       </p:ext>
     </p:extLst>
   </p:cSld>
@@ -8252,9 +8279,10 @@
           <a:lstStyle/>
           <a:p>
             <a:r>
-              <a:rPr lang="en-GB" dirty="0"/>
-              <a:t>Use Case Diagrams</a:t>
-            </a:r>
+              <a:rPr lang="en-GB" dirty="0" smtClean="0"/>
+              <a:t>Question</a:t>
+            </a:r>
+            <a:endParaRPr lang="en-GB" dirty="0"/>
           </a:p>
         </p:txBody>
       </p:sp>
@@ -8270,167 +8298,77 @@
         </p:nvSpPr>
         <p:spPr>
           <a:xfrm>
-            <a:off x="685800" y="1981200"/>
-            <a:ext cx="7772400" cy="4419600"/>
+            <a:off x="533400" y="1981200"/>
+            <a:ext cx="8077200" cy="4114800"/>
           </a:xfrm>
         </p:spPr>
         <p:txBody>
-          <a:bodyPr>
-            <a:normAutofit fontScale="70000" lnSpcReduction="20000"/>
-          </a:bodyPr>
+          <a:bodyPr/>
           <a:lstStyle/>
           <a:p>
             <a:r>
               <a:rPr lang="en-GB" dirty="0"/>
-              <a:t>Package </a:t>
-            </a:r>
-            <a:r>
-              <a:rPr lang="en-GB" dirty="0" smtClean="0"/>
-              <a:t>Diagrams</a:t>
-            </a:r>
-            <a:endParaRPr lang="en-GB" dirty="0"/>
-          </a:p>
-          <a:p>
-            <a:r>
-              <a:rPr lang="en-GB" dirty="0"/>
-              <a:t>Component </a:t>
-            </a:r>
-            <a:r>
-              <a:rPr lang="en-GB" dirty="0" smtClean="0"/>
-              <a:t>Diagrams</a:t>
-            </a:r>
-            <a:endParaRPr lang="en-GB" dirty="0"/>
-          </a:p>
-          <a:p>
-            <a:r>
-              <a:rPr lang="en-GB" dirty="0"/>
-              <a:t>Deployment </a:t>
-            </a:r>
-            <a:r>
-              <a:rPr lang="en-GB" dirty="0" smtClean="0"/>
-              <a:t>Diagrams</a:t>
-            </a:r>
-            <a:endParaRPr lang="en-GB" dirty="0"/>
-          </a:p>
-          <a:p>
-            <a:r>
-              <a:rPr lang="en-GB" b="1" dirty="0">
-                <a:solidFill>
-                  <a:srgbClr val="FF0000"/>
-                </a:solidFill>
-              </a:rPr>
-              <a:t>Use </a:t>
-            </a:r>
-            <a:r>
-              <a:rPr lang="en-GB" b="1" dirty="0" smtClean="0">
-                <a:solidFill>
-                  <a:srgbClr val="FF0000"/>
-                </a:solidFill>
-              </a:rPr>
-              <a:t>Case Diagrams</a:t>
-            </a:r>
-            <a:endParaRPr lang="en-GB" b="1" dirty="0">
-              <a:solidFill>
-                <a:srgbClr val="FF0000"/>
-              </a:solidFill>
-            </a:endParaRPr>
-          </a:p>
-          <a:p>
-            <a:r>
-              <a:rPr lang="en-GB" dirty="0"/>
-              <a:t>Activity </a:t>
-            </a:r>
-            <a:r>
-              <a:rPr lang="en-GB" dirty="0" smtClean="0"/>
-              <a:t>Diagrams</a:t>
-            </a:r>
-            <a:endParaRPr lang="en-GB" dirty="0"/>
-          </a:p>
-          <a:p>
-            <a:r>
-              <a:rPr lang="en-GB" dirty="0"/>
-              <a:t>Class </a:t>
-            </a:r>
-            <a:r>
-              <a:rPr lang="en-GB" dirty="0" smtClean="0"/>
-              <a:t>Diagrams</a:t>
-            </a:r>
-            <a:endParaRPr lang="en-GB" dirty="0"/>
-          </a:p>
-          <a:p>
-            <a:r>
-              <a:rPr lang="en-GB" dirty="0"/>
-              <a:t>Sequence </a:t>
-            </a:r>
-            <a:r>
-              <a:rPr lang="en-GB" dirty="0" smtClean="0"/>
-              <a:t>Diagrams</a:t>
-            </a:r>
-            <a:endParaRPr lang="en-GB" dirty="0"/>
-          </a:p>
-          <a:p>
-            <a:r>
-              <a:rPr lang="en-GB" dirty="0"/>
-              <a:t>Interaction </a:t>
-            </a:r>
-            <a:r>
-              <a:rPr lang="en-GB" dirty="0" smtClean="0"/>
-              <a:t>Overview Diagrams</a:t>
-            </a:r>
-            <a:endParaRPr lang="en-GB" dirty="0"/>
-          </a:p>
-          <a:p>
-            <a:r>
-              <a:rPr lang="en-GB" dirty="0"/>
-              <a:t>Composite </a:t>
-            </a:r>
-            <a:r>
-              <a:rPr lang="en-GB" dirty="0" smtClean="0"/>
-              <a:t>Structure Diagrams</a:t>
-            </a:r>
-            <a:endParaRPr lang="en-GB" dirty="0"/>
-          </a:p>
-          <a:p>
-            <a:r>
-              <a:rPr lang="en-GB" dirty="0"/>
-              <a:t>State </a:t>
-            </a:r>
-            <a:r>
-              <a:rPr lang="en-GB" dirty="0" smtClean="0"/>
-              <a:t>Machine Diagrams</a:t>
-            </a:r>
-            <a:endParaRPr lang="en-GB" dirty="0"/>
-          </a:p>
-          <a:p>
-            <a:r>
-              <a:rPr lang="en-GB" dirty="0"/>
-              <a:t>Timing </a:t>
-            </a:r>
-            <a:r>
-              <a:rPr lang="en-GB" dirty="0" smtClean="0"/>
-              <a:t>Diagrams</a:t>
-            </a:r>
-            <a:endParaRPr lang="en-GB" dirty="0"/>
-          </a:p>
-          <a:p>
-            <a:r>
-              <a:rPr lang="en-GB" dirty="0"/>
-              <a:t>Object </a:t>
-            </a:r>
-            <a:r>
-              <a:rPr lang="en-GB" dirty="0" smtClean="0"/>
-              <a:t>Diagrams</a:t>
-            </a:r>
-            <a:endParaRPr lang="en-GB" dirty="0"/>
-          </a:p>
-          <a:p>
-            <a:r>
-              <a:rPr lang="en-GB" dirty="0"/>
-              <a:t>Communication </a:t>
-            </a:r>
-            <a:r>
-              <a:rPr lang="en-GB" dirty="0" smtClean="0"/>
-              <a:t>Diagrams</a:t>
+              <a:t>The three essential elements of a deployment diagram </a:t>
+            </a:r>
+            <a:r>
+              <a:rPr lang="en-GB" dirty="0" smtClean="0"/>
+              <a:t>are:</a:t>
+            </a:r>
+          </a:p>
+          <a:p>
+            <a:endParaRPr lang="en-GB" dirty="0" smtClean="0"/>
+          </a:p>
+          <a:p>
+            <a:pPr marL="0" indent="0">
+              <a:buNone/>
+            </a:pPr>
+            <a:r>
+              <a:rPr lang="en-GB" dirty="0" smtClean="0"/>
+              <a:t>a) nodes, connections and their elements</a:t>
+            </a:r>
+            <a:endParaRPr lang="en-GB" dirty="0"/>
+          </a:p>
+          <a:p>
+            <a:pPr marL="0" indent="0">
+              <a:buNone/>
+            </a:pPr>
+            <a:r>
+              <a:rPr lang="en-GB" dirty="0"/>
+              <a:t>b</a:t>
+            </a:r>
+            <a:r>
+              <a:rPr lang="en-GB" dirty="0" smtClean="0"/>
+              <a:t>) </a:t>
+            </a:r>
+            <a:r>
+              <a:rPr lang="en-GB" dirty="0" err="1"/>
+              <a:t>artifacts</a:t>
+            </a:r>
+            <a:r>
+              <a:rPr lang="en-GB" dirty="0"/>
+              <a:t>, nodes, </a:t>
+            </a:r>
+            <a:r>
+              <a:rPr lang="en-GB" dirty="0" smtClean="0"/>
+              <a:t>and their connections</a:t>
+            </a:r>
+          </a:p>
+          <a:p>
+            <a:pPr marL="0" indent="0">
+              <a:buNone/>
+            </a:pPr>
+            <a:r>
+              <a:rPr lang="en-GB" dirty="0" smtClean="0"/>
+              <a:t>c) elements, relationships and connectors</a:t>
+            </a:r>
+          </a:p>
+          <a:p>
+            <a:pPr marL="0" indent="0">
+              <a:buNone/>
+            </a:pPr>
+            <a:r>
+              <a:rPr lang="en-GB" dirty="0" smtClean="0"/>
+              <a:t>d) inheritance, relationships and connectors</a:t>
             </a:r>
             <a:endParaRPr lang="en-GB" dirty="0"/>
           </a:p>
@@ -8439,7 +8377,7 @@
     </p:spTree>
     <p:extLst>
       <p:ext uri="{BB962C8B-B14F-4D97-AF65-F5344CB8AC3E}">
-        <p14:creationId xmlns:p14="http://schemas.microsoft.com/office/powerpoint/2010/main" xmlns="" val="2792436406"/>
+        <p14:creationId xmlns:p14="http://schemas.microsoft.com/office/powerpoint/2010/main" val="284864241"/>
       </p:ext>
     </p:extLst>
   </p:cSld>
@@ -8490,7 +8428,7 @@
           <a:p>
             <a:r>
               <a:rPr lang="en-GB" dirty="0" smtClean="0"/>
-              <a:t>Use Case Diagrams</a:t>
+              <a:t>Answer</a:t>
             </a:r>
             <a:endParaRPr lang="en-GB" dirty="0"/>
           </a:p>
@@ -8511,58 +8449,28 @@
           <a:bodyPr/>
           <a:lstStyle/>
           <a:p>
-            <a:r>
-              <a:rPr lang="en-GB" dirty="0"/>
-              <a:t>Use </a:t>
-            </a:r>
-            <a:r>
-              <a:rPr lang="en-GB" dirty="0" smtClean="0"/>
-              <a:t>case diagrams </a:t>
-            </a:r>
-            <a:r>
-              <a:rPr lang="en-GB" dirty="0"/>
-              <a:t>are used to depict the context of the system to be built and the functionality provided by that system. </a:t>
-            </a:r>
-            <a:endParaRPr lang="en-GB" dirty="0" smtClean="0"/>
-          </a:p>
-          <a:p>
-            <a:r>
-              <a:rPr lang="en-GB" dirty="0" smtClean="0"/>
-              <a:t>They </a:t>
-            </a:r>
-            <a:r>
-              <a:rPr lang="en-GB" dirty="0"/>
-              <a:t>depict who (or what) interacts with the system. </a:t>
-            </a:r>
-            <a:endParaRPr lang="en-GB" dirty="0" smtClean="0"/>
-          </a:p>
-          <a:p>
-            <a:r>
-              <a:rPr lang="en-GB" dirty="0" smtClean="0"/>
-              <a:t>They </a:t>
-            </a:r>
-            <a:r>
-              <a:rPr lang="en-GB" dirty="0"/>
-              <a:t>show what the outside world wants the system to do.</a:t>
-            </a:r>
-            <a:br>
-              <a:rPr lang="en-GB" dirty="0"/>
-            </a:br>
-            <a:r>
-              <a:rPr lang="en-GB" dirty="0"/>
-              <a:t/>
-            </a:r>
-            <a:br>
-              <a:rPr lang="en-GB" dirty="0"/>
-            </a:br>
-            <a:endParaRPr lang="en-GB" dirty="0"/>
+            <a:pPr marL="0" indent="0">
+              <a:buNone/>
+            </a:pPr>
+            <a:r>
+              <a:rPr lang="en-GB" dirty="0"/>
+              <a:t>b) </a:t>
+            </a:r>
+            <a:r>
+              <a:rPr lang="en-GB" dirty="0" err="1"/>
+              <a:t>artifacts</a:t>
+            </a:r>
+            <a:r>
+              <a:rPr lang="en-GB" dirty="0"/>
+              <a:t>, nodes, and their connections</a:t>
+            </a:r>
           </a:p>
         </p:txBody>
       </p:sp>
     </p:spTree>
     <p:extLst>
       <p:ext uri="{BB962C8B-B14F-4D97-AF65-F5344CB8AC3E}">
-        <p14:creationId xmlns:p14="http://schemas.microsoft.com/office/powerpoint/2010/main" xmlns="" val="2636626473"/>
+        <p14:creationId xmlns:p14="http://schemas.microsoft.com/office/powerpoint/2010/main" val="799852205"/>
       </p:ext>
     </p:extLst>
   </p:cSld>
@@ -8606,71 +8514,200 @@
             <p:ph type="title"/>
           </p:nvPr>
         </p:nvSpPr>
+        <p:spPr/>
+        <p:txBody>
+          <a:bodyPr/>
+          <a:lstStyle/>
+          <a:p>
+            <a:r>
+              <a:rPr lang="en-GB" dirty="0"/>
+              <a:t>Use Case Diagrams</a:t>
+            </a:r>
+          </a:p>
+        </p:txBody>
+      </p:sp>
+      <p:sp>
+        <p:nvSpPr>
+          <p:cNvPr id="3" name="Content Placeholder 2"/>
+          <p:cNvSpPr>
+            <a:spLocks noGrp="1"/>
+          </p:cNvSpPr>
+          <p:nvPr>
+            <p:ph idx="1"/>
+          </p:nvPr>
+        </p:nvSpPr>
         <p:spPr>
           <a:xfrm>
-            <a:off x="457200" y="8467"/>
-            <a:ext cx="7772400" cy="1143000"/>
+            <a:off x="685800" y="1981200"/>
+            <a:ext cx="7772400" cy="4419600"/>
           </a:xfrm>
         </p:spPr>
         <p:txBody>
-          <a:bodyPr/>
+          <a:bodyPr>
+            <a:normAutofit fontScale="70000" lnSpcReduction="20000"/>
+          </a:bodyPr>
           <a:lstStyle/>
           <a:p>
             <a:r>
-              <a:rPr lang="en-GB" dirty="0" smtClean="0"/>
-              <a:t>Example</a:t>
-            </a:r>
-            <a:endParaRPr lang="en-GB" dirty="0"/>
-          </a:p>
-        </p:txBody>
-      </p:sp>
-      <p:sp>
-        <p:nvSpPr>
-          <p:cNvPr id="3" name="Content Placeholder 2"/>
-          <p:cNvSpPr>
-            <a:spLocks noGrp="1"/>
-          </p:cNvSpPr>
-          <p:nvPr>
-            <p:ph idx="1"/>
-          </p:nvPr>
-        </p:nvSpPr>
-        <p:spPr/>
-        <p:txBody>
-          <a:bodyPr/>
-          <a:lstStyle/>
-          <a:p>
-            <a:endParaRPr lang="en-GB"/>
-          </a:p>
-        </p:txBody>
-      </p:sp>
-      <p:pic>
-        <p:nvPicPr>
-          <p:cNvPr id="4" name="Picture 3"/>
-          <p:cNvPicPr>
-            <a:picLocks noChangeAspect="1"/>
-          </p:cNvPicPr>
-          <p:nvPr/>
-        </p:nvPicPr>
-        <p:blipFill>
-          <a:blip r:embed="rId2"/>
-          <a:stretch>
-            <a:fillRect/>
-          </a:stretch>
-        </p:blipFill>
-        <p:spPr>
-          <a:xfrm>
-            <a:off x="2209800" y="1151467"/>
-            <a:ext cx="4343400" cy="5582337"/>
-          </a:xfrm>
-          <a:prstGeom prst="rect">
-            <a:avLst/>
-          </a:prstGeom>
-        </p:spPr>
-      </p:pic>
+              <a:rPr lang="en-GB" dirty="0"/>
+              <a:t>Package </a:t>
+            </a:r>
+            <a:r>
+              <a:rPr lang="en-GB" dirty="0" smtClean="0"/>
+              <a:t>Diagrams</a:t>
+            </a:r>
+            <a:endParaRPr lang="en-GB" dirty="0"/>
+          </a:p>
+          <a:p>
+            <a:r>
+              <a:rPr lang="en-GB" dirty="0"/>
+              <a:t>Component </a:t>
+            </a:r>
+            <a:r>
+              <a:rPr lang="en-GB" dirty="0" smtClean="0"/>
+              <a:t>Diagrams</a:t>
+            </a:r>
+            <a:endParaRPr lang="en-GB" dirty="0"/>
+          </a:p>
+          <a:p>
+            <a:r>
+              <a:rPr lang="en-GB" dirty="0"/>
+              <a:t>Deployment </a:t>
+            </a:r>
+            <a:r>
+              <a:rPr lang="en-GB" dirty="0" smtClean="0"/>
+              <a:t>Diagrams</a:t>
+            </a:r>
+            <a:endParaRPr lang="en-GB" dirty="0"/>
+          </a:p>
+          <a:p>
+            <a:r>
+              <a:rPr lang="en-GB" b="1" dirty="0">
+                <a:solidFill>
+                  <a:srgbClr val="FF0000"/>
+                </a:solidFill>
+              </a:rPr>
+              <a:t>Use </a:t>
+            </a:r>
+            <a:r>
+              <a:rPr lang="en-GB" b="1" dirty="0" smtClean="0">
+                <a:solidFill>
+                  <a:srgbClr val="FF0000"/>
+                </a:solidFill>
+              </a:rPr>
+              <a:t>Case Diagrams</a:t>
+            </a:r>
+            <a:endParaRPr lang="en-GB" b="1" dirty="0">
+              <a:solidFill>
+                <a:srgbClr val="FF0000"/>
+              </a:solidFill>
+            </a:endParaRPr>
+          </a:p>
+          <a:p>
+            <a:r>
+              <a:rPr lang="en-GB" dirty="0"/>
+              <a:t>Activity </a:t>
+            </a:r>
+            <a:r>
+              <a:rPr lang="en-GB" dirty="0" smtClean="0"/>
+              <a:t>Diagrams</a:t>
+            </a:r>
+            <a:endParaRPr lang="en-GB" dirty="0"/>
+          </a:p>
+          <a:p>
+            <a:r>
+              <a:rPr lang="en-GB" dirty="0"/>
+              <a:t>Class </a:t>
+            </a:r>
+            <a:r>
+              <a:rPr lang="en-GB" dirty="0" smtClean="0"/>
+              <a:t>Diagrams</a:t>
+            </a:r>
+            <a:endParaRPr lang="en-GB" dirty="0"/>
+          </a:p>
+          <a:p>
+            <a:r>
+              <a:rPr lang="en-GB" dirty="0"/>
+              <a:t>Sequence </a:t>
+            </a:r>
+            <a:r>
+              <a:rPr lang="en-GB" dirty="0" smtClean="0"/>
+              <a:t>Diagrams</a:t>
+            </a:r>
+            <a:endParaRPr lang="en-GB" dirty="0"/>
+          </a:p>
+          <a:p>
+            <a:r>
+              <a:rPr lang="en-GB" dirty="0"/>
+              <a:t>Interaction </a:t>
+            </a:r>
+            <a:r>
+              <a:rPr lang="en-GB" dirty="0" smtClean="0"/>
+              <a:t>Overview Diagrams</a:t>
+            </a:r>
+            <a:endParaRPr lang="en-GB" dirty="0"/>
+          </a:p>
+          <a:p>
+            <a:r>
+              <a:rPr lang="en-GB" dirty="0"/>
+              <a:t>Composite </a:t>
+            </a:r>
+            <a:r>
+              <a:rPr lang="en-GB" dirty="0" smtClean="0"/>
+              <a:t>Structure Diagrams</a:t>
+            </a:r>
+            <a:endParaRPr lang="en-GB" dirty="0"/>
+          </a:p>
+          <a:p>
+            <a:r>
+              <a:rPr lang="en-GB" dirty="0"/>
+              <a:t>State </a:t>
+            </a:r>
+            <a:r>
+              <a:rPr lang="en-GB" dirty="0" smtClean="0"/>
+              <a:t>Machine Diagrams</a:t>
+            </a:r>
+            <a:endParaRPr lang="en-GB" dirty="0"/>
+          </a:p>
+          <a:p>
+            <a:r>
+              <a:rPr lang="en-GB" dirty="0"/>
+              <a:t>Timing </a:t>
+            </a:r>
+            <a:r>
+              <a:rPr lang="en-GB" dirty="0" smtClean="0"/>
+              <a:t>Diagrams</a:t>
+            </a:r>
+            <a:endParaRPr lang="en-GB" dirty="0"/>
+          </a:p>
+          <a:p>
+            <a:r>
+              <a:rPr lang="en-GB" dirty="0"/>
+              <a:t>Object </a:t>
+            </a:r>
+            <a:r>
+              <a:rPr lang="en-GB" dirty="0" smtClean="0"/>
+              <a:t>Diagrams</a:t>
+            </a:r>
+            <a:endParaRPr lang="en-GB" dirty="0"/>
+          </a:p>
+          <a:p>
+            <a:r>
+              <a:rPr lang="en-GB" dirty="0"/>
+              <a:t>Communication </a:t>
+            </a:r>
+            <a:r>
+              <a:rPr lang="en-GB" dirty="0" smtClean="0"/>
+              <a:t>Diagrams</a:t>
+            </a:r>
+            <a:endParaRPr lang="en-GB" dirty="0"/>
+          </a:p>
+        </p:txBody>
+      </p:sp>
     </p:spTree>
     <p:extLst>
       <p:ext uri="{BB962C8B-B14F-4D97-AF65-F5344CB8AC3E}">
-        <p14:creationId xmlns:p14="http://schemas.microsoft.com/office/powerpoint/2010/main" xmlns="" val="3012923867"/>
+        <p14:creationId xmlns:p14="http://schemas.microsoft.com/office/powerpoint/2010/main" val="2792436406"/>
       </p:ext>
     </p:extLst>
   </p:cSld>
@@ -8720,9 +8757,10 @@
           <a:lstStyle/>
           <a:p>
             <a:r>
-              <a:rPr lang="en-GB" dirty="0"/>
-              <a:t>Activity Diagrams</a:t>
-            </a:r>
+              <a:rPr lang="en-GB" dirty="0" smtClean="0"/>
+              <a:t>Use Case Diagrams</a:t>
+            </a:r>
+            <a:endParaRPr lang="en-GB" dirty="0"/>
           </a:p>
         </p:txBody>
       </p:sp>
@@ -8736,170 +8774,55 @@
             <p:ph idx="1"/>
           </p:nvPr>
         </p:nvSpPr>
-        <p:spPr>
-          <a:xfrm>
-            <a:off x="685800" y="1981200"/>
-            <a:ext cx="7772400" cy="4419600"/>
-          </a:xfrm>
-        </p:spPr>
-        <p:txBody>
-          <a:bodyPr>
-            <a:normAutofit fontScale="70000" lnSpcReduction="20000"/>
-          </a:bodyPr>
+        <p:spPr/>
+        <p:txBody>
+          <a:bodyPr/>
           <a:lstStyle/>
           <a:p>
             <a:r>
               <a:rPr lang="en-GB" dirty="0"/>
-              <a:t>Package </a:t>
-            </a:r>
-            <a:r>
-              <a:rPr lang="en-GB" dirty="0" smtClean="0"/>
-              <a:t>Diagrams</a:t>
-            </a:r>
-            <a:endParaRPr lang="en-GB" dirty="0"/>
-          </a:p>
-          <a:p>
-            <a:r>
-              <a:rPr lang="en-GB" dirty="0"/>
-              <a:t>Component </a:t>
-            </a:r>
-            <a:r>
-              <a:rPr lang="en-GB" dirty="0" smtClean="0"/>
-              <a:t>Diagrams</a:t>
-            </a:r>
-            <a:endParaRPr lang="en-GB" dirty="0"/>
-          </a:p>
-          <a:p>
-            <a:r>
-              <a:rPr lang="en-GB" dirty="0"/>
-              <a:t>Deployment </a:t>
-            </a:r>
-            <a:r>
-              <a:rPr lang="en-GB" dirty="0" smtClean="0"/>
-              <a:t>Diagrams</a:t>
-            </a:r>
-            <a:endParaRPr lang="en-GB" dirty="0"/>
-          </a:p>
-          <a:p>
-            <a:r>
-              <a:rPr lang="en-GB" dirty="0"/>
               <a:t>Use </a:t>
             </a:r>
             <a:r>
               <a:rPr lang="en-GB" dirty="0" smtClean="0"/>
-              <a:t>Case Diagrams</a:t>
-            </a:r>
-            <a:endParaRPr lang="en-GB" dirty="0"/>
-          </a:p>
-          <a:p>
-            <a:r>
-              <a:rPr lang="en-GB" b="1" dirty="0">
-                <a:solidFill>
-                  <a:srgbClr val="FF0000"/>
-                </a:solidFill>
-              </a:rPr>
-              <a:t>Activity </a:t>
-            </a:r>
-            <a:r>
-              <a:rPr lang="en-GB" b="1" dirty="0" smtClean="0">
-                <a:solidFill>
-                  <a:srgbClr val="FF0000"/>
-                </a:solidFill>
-              </a:rPr>
-              <a:t>Diagrams</a:t>
-            </a:r>
-            <a:endParaRPr lang="en-GB" b="1" dirty="0">
-              <a:solidFill>
-                <a:srgbClr val="FF0000"/>
-              </a:solidFill>
-            </a:endParaRPr>
-          </a:p>
-          <a:p>
-            <a:r>
-              <a:rPr lang="en-GB" dirty="0"/>
-              <a:t>Class </a:t>
-            </a:r>
-            <a:r>
-              <a:rPr lang="en-GB" dirty="0" smtClean="0"/>
-              <a:t>Diagrams</a:t>
-            </a:r>
-            <a:endParaRPr lang="en-GB" dirty="0"/>
-          </a:p>
-          <a:p>
-            <a:r>
-              <a:rPr lang="en-GB" dirty="0"/>
-              <a:t>Sequence </a:t>
-            </a:r>
-            <a:r>
-              <a:rPr lang="en-GB" dirty="0" smtClean="0"/>
-              <a:t>Diagrams</a:t>
-            </a:r>
-            <a:endParaRPr lang="en-GB" dirty="0"/>
-          </a:p>
-          <a:p>
-            <a:r>
-              <a:rPr lang="en-GB" dirty="0"/>
-              <a:t>Interaction </a:t>
-            </a:r>
-            <a:r>
-              <a:rPr lang="en-GB" dirty="0" smtClean="0"/>
-              <a:t>Overview Diagrams</a:t>
-            </a:r>
-            <a:endParaRPr lang="en-GB" dirty="0"/>
-          </a:p>
-          <a:p>
-            <a:r>
-              <a:rPr lang="en-GB" dirty="0"/>
-              <a:t>Composite </a:t>
-            </a:r>
-            <a:r>
-              <a:rPr lang="en-GB" dirty="0" smtClean="0"/>
-              <a:t>Structure Diagrams</a:t>
-            </a:r>
-            <a:endParaRPr lang="en-GB" dirty="0"/>
-          </a:p>
-          <a:p>
-            <a:r>
-              <a:rPr lang="en-GB" dirty="0"/>
-              <a:t>State </a:t>
-            </a:r>
-            <a:r>
-              <a:rPr lang="en-GB" dirty="0" smtClean="0"/>
-              <a:t>Machine Diagrams</a:t>
-            </a:r>
-            <a:endParaRPr lang="en-GB" dirty="0"/>
-          </a:p>
-          <a:p>
-            <a:r>
-              <a:rPr lang="en-GB" dirty="0"/>
-              <a:t>Timing </a:t>
-            </a:r>
-            <a:r>
-              <a:rPr lang="en-GB" dirty="0" smtClean="0"/>
-              <a:t>Diagrams</a:t>
-            </a:r>
-            <a:endParaRPr lang="en-GB" dirty="0"/>
-          </a:p>
-          <a:p>
-            <a:r>
-              <a:rPr lang="en-GB" dirty="0"/>
-              <a:t>Object </a:t>
-            </a:r>
-            <a:r>
-              <a:rPr lang="en-GB" dirty="0" smtClean="0"/>
-              <a:t>Diagrams</a:t>
-            </a:r>
-            <a:endParaRPr lang="en-GB" dirty="0"/>
-          </a:p>
-          <a:p>
-            <a:r>
-              <a:rPr lang="en-GB" dirty="0"/>
-              <a:t>Communication </a:t>
-            </a:r>
-            <a:r>
-              <a:rPr lang="en-GB" dirty="0" smtClean="0"/>
-              <a:t>Diagrams</a:t>
-            </a:r>
+              <a:t>case diagrams </a:t>
+            </a:r>
+            <a:r>
+              <a:rPr lang="en-GB" dirty="0"/>
+              <a:t>are used to depict the context of the system to be built and the functionality provided by that system. </a:t>
+            </a:r>
+            <a:endParaRPr lang="en-GB" dirty="0" smtClean="0"/>
+          </a:p>
+          <a:p>
+            <a:r>
+              <a:rPr lang="en-GB" dirty="0" smtClean="0"/>
+              <a:t>They </a:t>
+            </a:r>
+            <a:r>
+              <a:rPr lang="en-GB" dirty="0"/>
+              <a:t>depict who (or what) interacts with the system. </a:t>
+            </a:r>
+            <a:endParaRPr lang="en-GB" dirty="0" smtClean="0"/>
+          </a:p>
+          <a:p>
+            <a:r>
+              <a:rPr lang="en-GB" dirty="0" smtClean="0"/>
+              <a:t>They </a:t>
+            </a:r>
+            <a:r>
+              <a:rPr lang="en-GB" dirty="0"/>
+              <a:t>show what the outside world wants the system to do.</a:t>
+            </a:r>
+            <a:br>
+              <a:rPr lang="en-GB" dirty="0"/>
+            </a:br>
+            <a:r>
+              <a:rPr lang="en-GB" dirty="0"/>
+              <a:t/>
+            </a:r>
+            <a:br>
+              <a:rPr lang="en-GB" dirty="0"/>
+            </a:br>
             <a:endParaRPr lang="en-GB" dirty="0"/>
           </a:p>
         </p:txBody>
@@ -8907,7 +8830,7 @@
     </p:spTree>
     <p:extLst>
       <p:ext uri="{BB962C8B-B14F-4D97-AF65-F5344CB8AC3E}">
-        <p14:creationId xmlns:p14="http://schemas.microsoft.com/office/powerpoint/2010/main" xmlns="" val="3957502800"/>
+        <p14:creationId xmlns:p14="http://schemas.microsoft.com/office/powerpoint/2010/main" val="2636626473"/>
       </p:ext>
     </p:extLst>
   </p:cSld>
@@ -9064,14 +8987,19 @@
             <p:ph type="title"/>
           </p:nvPr>
         </p:nvSpPr>
-        <p:spPr/>
+        <p:spPr>
+          <a:xfrm>
+            <a:off x="457200" y="8467"/>
+            <a:ext cx="7772400" cy="1143000"/>
+          </a:xfrm>
+        </p:spPr>
         <p:txBody>
           <a:bodyPr/>
           <a:lstStyle/>
           <a:p>
             <a:r>
               <a:rPr lang="en-GB" dirty="0" smtClean="0"/>
-              <a:t>Activity Diagram</a:t>
+              <a:t>Example</a:t>
             </a:r>
             <a:endParaRPr lang="en-GB" dirty="0"/>
           </a:p>
@@ -9092,57 +9020,38 @@
           <a:bodyPr/>
           <a:lstStyle/>
           <a:p>
-            <a:r>
-              <a:rPr lang="en-GB" dirty="0"/>
-              <a:t>Activity diagrams provide visual depictions of the flow of activities, whether in </a:t>
-            </a:r>
-            <a:r>
-              <a:rPr lang="en-GB" dirty="0" smtClean="0"/>
-              <a:t>a system</a:t>
-            </a:r>
-            <a:r>
-              <a:rPr lang="en-GB" dirty="0"/>
-              <a:t>, business, workflow, or other </a:t>
-            </a:r>
-            <a:r>
-              <a:rPr lang="en-GB" dirty="0" smtClean="0"/>
-              <a:t>process</a:t>
-            </a:r>
-          </a:p>
-          <a:p>
-            <a:r>
-              <a:rPr lang="en-GB" dirty="0" smtClean="0"/>
-              <a:t>These </a:t>
-            </a:r>
-            <a:r>
-              <a:rPr lang="en-GB" dirty="0"/>
-              <a:t>diagrams focus on the activities that are performed and who (or what) is responsible for the performance of</a:t>
-            </a:r>
-            <a:br>
-              <a:rPr lang="en-GB" dirty="0"/>
-            </a:br>
-            <a:r>
-              <a:rPr lang="en-GB" dirty="0"/>
-              <a:t>those activities.</a:t>
-            </a:r>
-            <a:br>
-              <a:rPr lang="en-GB" dirty="0"/>
-            </a:br>
-            <a:r>
-              <a:rPr lang="en-GB" dirty="0"/>
-              <a:t/>
-            </a:r>
-            <a:br>
-              <a:rPr lang="en-GB" dirty="0"/>
-            </a:br>
-            <a:endParaRPr lang="en-GB" dirty="0"/>
-          </a:p>
-        </p:txBody>
-      </p:sp>
+            <a:endParaRPr lang="en-GB"/>
+          </a:p>
+        </p:txBody>
+      </p:sp>
+      <p:pic>
+        <p:nvPicPr>
+          <p:cNvPr id="4" name="Picture 3"/>
+          <p:cNvPicPr>
+            <a:picLocks noChangeAspect="1"/>
+          </p:cNvPicPr>
+          <p:nvPr/>
+        </p:nvPicPr>
+        <p:blipFill>
+          <a:blip r:embed="rId2"/>
+          <a:stretch>
+            <a:fillRect/>
+          </a:stretch>
+        </p:blipFill>
+        <p:spPr>
+          <a:xfrm>
+            <a:off x="2209800" y="1151467"/>
+            <a:ext cx="4343400" cy="5582337"/>
+          </a:xfrm>
+          <a:prstGeom prst="rect">
+            <a:avLst/>
+          </a:prstGeom>
+        </p:spPr>
+      </p:pic>
     </p:spTree>
     <p:extLst>
       <p:ext uri="{BB962C8B-B14F-4D97-AF65-F5344CB8AC3E}">
-        <p14:creationId xmlns:p14="http://schemas.microsoft.com/office/powerpoint/2010/main" xmlns="" val="2226752908"/>
+        <p14:creationId xmlns:p14="http://schemas.microsoft.com/office/powerpoint/2010/main" val="3012923867"/>
       </p:ext>
     </p:extLst>
   </p:cSld>
@@ -9186,71 +9095,200 @@
             <p:ph type="title"/>
           </p:nvPr>
         </p:nvSpPr>
+        <p:spPr/>
+        <p:txBody>
+          <a:bodyPr/>
+          <a:lstStyle/>
+          <a:p>
+            <a:r>
+              <a:rPr lang="en-GB" dirty="0"/>
+              <a:t>Activity Diagrams</a:t>
+            </a:r>
+          </a:p>
+        </p:txBody>
+      </p:sp>
+      <p:sp>
+        <p:nvSpPr>
+          <p:cNvPr id="3" name="Content Placeholder 2"/>
+          <p:cNvSpPr>
+            <a:spLocks noGrp="1"/>
+          </p:cNvSpPr>
+          <p:nvPr>
+            <p:ph idx="1"/>
+          </p:nvPr>
+        </p:nvSpPr>
         <p:spPr>
           <a:xfrm>
-            <a:off x="609600" y="105833"/>
-            <a:ext cx="7772400" cy="1143000"/>
+            <a:off x="685800" y="1981200"/>
+            <a:ext cx="7772400" cy="4419600"/>
           </a:xfrm>
         </p:spPr>
         <p:txBody>
-          <a:bodyPr/>
+          <a:bodyPr>
+            <a:normAutofit fontScale="70000" lnSpcReduction="20000"/>
+          </a:bodyPr>
           <a:lstStyle/>
           <a:p>
             <a:r>
-              <a:rPr lang="en-GB" dirty="0" smtClean="0"/>
-              <a:t>Example</a:t>
-            </a:r>
-            <a:endParaRPr lang="en-GB" dirty="0"/>
-          </a:p>
-        </p:txBody>
-      </p:sp>
-      <p:sp>
-        <p:nvSpPr>
-          <p:cNvPr id="3" name="Content Placeholder 2"/>
-          <p:cNvSpPr>
-            <a:spLocks noGrp="1"/>
-          </p:cNvSpPr>
-          <p:nvPr>
-            <p:ph idx="1"/>
-          </p:nvPr>
-        </p:nvSpPr>
-        <p:spPr/>
-        <p:txBody>
-          <a:bodyPr/>
-          <a:lstStyle/>
-          <a:p>
-            <a:endParaRPr lang="en-GB"/>
-          </a:p>
-        </p:txBody>
-      </p:sp>
-      <p:pic>
-        <p:nvPicPr>
-          <p:cNvPr id="4" name="Picture 3"/>
-          <p:cNvPicPr>
-            <a:picLocks noChangeAspect="1"/>
-          </p:cNvPicPr>
-          <p:nvPr/>
-        </p:nvPicPr>
-        <p:blipFill>
-          <a:blip r:embed="rId2"/>
-          <a:stretch>
-            <a:fillRect/>
-          </a:stretch>
-        </p:blipFill>
-        <p:spPr>
-          <a:xfrm>
-            <a:off x="2047875" y="1447800"/>
-            <a:ext cx="5048250" cy="5056954"/>
-          </a:xfrm>
-          <a:prstGeom prst="rect">
-            <a:avLst/>
-          </a:prstGeom>
-        </p:spPr>
-      </p:pic>
+              <a:rPr lang="en-GB" dirty="0"/>
+              <a:t>Package </a:t>
+            </a:r>
+            <a:r>
+              <a:rPr lang="en-GB" dirty="0" smtClean="0"/>
+              <a:t>Diagrams</a:t>
+            </a:r>
+            <a:endParaRPr lang="en-GB" dirty="0"/>
+          </a:p>
+          <a:p>
+            <a:r>
+              <a:rPr lang="en-GB" dirty="0"/>
+              <a:t>Component </a:t>
+            </a:r>
+            <a:r>
+              <a:rPr lang="en-GB" dirty="0" smtClean="0"/>
+              <a:t>Diagrams</a:t>
+            </a:r>
+            <a:endParaRPr lang="en-GB" dirty="0"/>
+          </a:p>
+          <a:p>
+            <a:r>
+              <a:rPr lang="en-GB" dirty="0"/>
+              <a:t>Deployment </a:t>
+            </a:r>
+            <a:r>
+              <a:rPr lang="en-GB" dirty="0" smtClean="0"/>
+              <a:t>Diagrams</a:t>
+            </a:r>
+            <a:endParaRPr lang="en-GB" dirty="0"/>
+          </a:p>
+          <a:p>
+            <a:r>
+              <a:rPr lang="en-GB" dirty="0"/>
+              <a:t>Use </a:t>
+            </a:r>
+            <a:r>
+              <a:rPr lang="en-GB" dirty="0" smtClean="0"/>
+              <a:t>Case Diagrams</a:t>
+            </a:r>
+            <a:endParaRPr lang="en-GB" dirty="0"/>
+          </a:p>
+          <a:p>
+            <a:r>
+              <a:rPr lang="en-GB" b="1" dirty="0">
+                <a:solidFill>
+                  <a:srgbClr val="FF0000"/>
+                </a:solidFill>
+              </a:rPr>
+              <a:t>Activity </a:t>
+            </a:r>
+            <a:r>
+              <a:rPr lang="en-GB" b="1" dirty="0" smtClean="0">
+                <a:solidFill>
+                  <a:srgbClr val="FF0000"/>
+                </a:solidFill>
+              </a:rPr>
+              <a:t>Diagrams</a:t>
+            </a:r>
+            <a:endParaRPr lang="en-GB" b="1" dirty="0">
+              <a:solidFill>
+                <a:srgbClr val="FF0000"/>
+              </a:solidFill>
+            </a:endParaRPr>
+          </a:p>
+          <a:p>
+            <a:r>
+              <a:rPr lang="en-GB" dirty="0"/>
+              <a:t>Class </a:t>
+            </a:r>
+            <a:r>
+              <a:rPr lang="en-GB" dirty="0" smtClean="0"/>
+              <a:t>Diagrams</a:t>
+            </a:r>
+            <a:endParaRPr lang="en-GB" dirty="0"/>
+          </a:p>
+          <a:p>
+            <a:r>
+              <a:rPr lang="en-GB" dirty="0"/>
+              <a:t>Sequence </a:t>
+            </a:r>
+            <a:r>
+              <a:rPr lang="en-GB" dirty="0" smtClean="0"/>
+              <a:t>Diagrams</a:t>
+            </a:r>
+            <a:endParaRPr lang="en-GB" dirty="0"/>
+          </a:p>
+          <a:p>
+            <a:r>
+              <a:rPr lang="en-GB" dirty="0"/>
+              <a:t>Interaction </a:t>
+            </a:r>
+            <a:r>
+              <a:rPr lang="en-GB" dirty="0" smtClean="0"/>
+              <a:t>Overview Diagrams</a:t>
+            </a:r>
+            <a:endParaRPr lang="en-GB" dirty="0"/>
+          </a:p>
+          <a:p>
+            <a:r>
+              <a:rPr lang="en-GB" dirty="0"/>
+              <a:t>Composite </a:t>
+            </a:r>
+            <a:r>
+              <a:rPr lang="en-GB" dirty="0" smtClean="0"/>
+              <a:t>Structure Diagrams</a:t>
+            </a:r>
+            <a:endParaRPr lang="en-GB" dirty="0"/>
+          </a:p>
+          <a:p>
+            <a:r>
+              <a:rPr lang="en-GB" dirty="0"/>
+              <a:t>State </a:t>
+            </a:r>
+            <a:r>
+              <a:rPr lang="en-GB" dirty="0" smtClean="0"/>
+              <a:t>Machine Diagrams</a:t>
+            </a:r>
+            <a:endParaRPr lang="en-GB" dirty="0"/>
+          </a:p>
+          <a:p>
+            <a:r>
+              <a:rPr lang="en-GB" dirty="0"/>
+              <a:t>Timing </a:t>
+            </a:r>
+            <a:r>
+              <a:rPr lang="en-GB" dirty="0" smtClean="0"/>
+              <a:t>Diagrams</a:t>
+            </a:r>
+            <a:endParaRPr lang="en-GB" dirty="0"/>
+          </a:p>
+          <a:p>
+            <a:r>
+              <a:rPr lang="en-GB" dirty="0"/>
+              <a:t>Object </a:t>
+            </a:r>
+            <a:r>
+              <a:rPr lang="en-GB" dirty="0" smtClean="0"/>
+              <a:t>Diagrams</a:t>
+            </a:r>
+            <a:endParaRPr lang="en-GB" dirty="0"/>
+          </a:p>
+          <a:p>
+            <a:r>
+              <a:rPr lang="en-GB" dirty="0"/>
+              <a:t>Communication </a:t>
+            </a:r>
+            <a:r>
+              <a:rPr lang="en-GB" dirty="0" smtClean="0"/>
+              <a:t>Diagrams</a:t>
+            </a:r>
+            <a:endParaRPr lang="en-GB" dirty="0"/>
+          </a:p>
+        </p:txBody>
+      </p:sp>
     </p:spTree>
     <p:extLst>
       <p:ext uri="{BB962C8B-B14F-4D97-AF65-F5344CB8AC3E}">
-        <p14:creationId xmlns:p14="http://schemas.microsoft.com/office/powerpoint/2010/main" xmlns="" val="3629779096"/>
+        <p14:creationId xmlns:p14="http://schemas.microsoft.com/office/powerpoint/2010/main" val="3957502800"/>
       </p:ext>
     </p:extLst>
   </p:cSld>
@@ -9300,9 +9338,10 @@
           <a:lstStyle/>
           <a:p>
             <a:r>
-              <a:rPr lang="en-GB" dirty="0"/>
-              <a:t>Class Diagrams</a:t>
-            </a:r>
+              <a:rPr lang="en-GB" dirty="0" smtClean="0"/>
+              <a:t>Activity Diagram</a:t>
+            </a:r>
+            <a:endParaRPr lang="en-GB" dirty="0"/>
           </a:p>
         </p:txBody>
       </p:sp>
@@ -9316,170 +9355,54 @@
             <p:ph idx="1"/>
           </p:nvPr>
         </p:nvSpPr>
-        <p:spPr>
-          <a:xfrm>
-            <a:off x="685800" y="1981200"/>
-            <a:ext cx="7772400" cy="4419600"/>
-          </a:xfrm>
-        </p:spPr>
-        <p:txBody>
-          <a:bodyPr>
-            <a:normAutofit fontScale="70000" lnSpcReduction="20000"/>
-          </a:bodyPr>
+        <p:spPr/>
+        <p:txBody>
+          <a:bodyPr/>
           <a:lstStyle/>
           <a:p>
             <a:r>
               <a:rPr lang="en-GB" dirty="0"/>
-              <a:t>Package </a:t>
-            </a:r>
-            <a:r>
-              <a:rPr lang="en-GB" dirty="0" smtClean="0"/>
-              <a:t>Diagrams</a:t>
-            </a:r>
-            <a:endParaRPr lang="en-GB" dirty="0"/>
-          </a:p>
-          <a:p>
-            <a:r>
-              <a:rPr lang="en-GB" dirty="0"/>
-              <a:t>Component </a:t>
-            </a:r>
-            <a:r>
-              <a:rPr lang="en-GB" dirty="0" smtClean="0"/>
-              <a:t>Diagrams</a:t>
-            </a:r>
-            <a:endParaRPr lang="en-GB" dirty="0"/>
-          </a:p>
-          <a:p>
-            <a:r>
-              <a:rPr lang="en-GB" dirty="0"/>
-              <a:t>Deployment </a:t>
-            </a:r>
-            <a:r>
-              <a:rPr lang="en-GB" dirty="0" smtClean="0"/>
-              <a:t>Diagrams</a:t>
-            </a:r>
-            <a:endParaRPr lang="en-GB" dirty="0"/>
-          </a:p>
-          <a:p>
-            <a:r>
-              <a:rPr lang="en-GB" dirty="0"/>
-              <a:t>Use </a:t>
-            </a:r>
-            <a:r>
-              <a:rPr lang="en-GB" dirty="0" smtClean="0"/>
-              <a:t>Case Diagrams</a:t>
-            </a:r>
-            <a:endParaRPr lang="en-GB" dirty="0"/>
-          </a:p>
-          <a:p>
-            <a:r>
-              <a:rPr lang="en-GB" dirty="0"/>
-              <a:t>Activity </a:t>
-            </a:r>
-            <a:r>
-              <a:rPr lang="en-GB" dirty="0" smtClean="0"/>
-              <a:t>Diagrams</a:t>
-            </a:r>
-            <a:endParaRPr lang="en-GB" dirty="0"/>
-          </a:p>
-          <a:p>
-            <a:r>
-              <a:rPr lang="en-GB" b="1" dirty="0">
-                <a:solidFill>
-                  <a:srgbClr val="FF0000"/>
-                </a:solidFill>
-              </a:rPr>
-              <a:t>Class </a:t>
-            </a:r>
-            <a:r>
-              <a:rPr lang="en-GB" b="1" dirty="0" smtClean="0">
-                <a:solidFill>
-                  <a:srgbClr val="FF0000"/>
-                </a:solidFill>
-              </a:rPr>
-              <a:t>Diagrams</a:t>
-            </a:r>
-            <a:endParaRPr lang="en-GB" b="1" dirty="0">
-              <a:solidFill>
-                <a:srgbClr val="FF0000"/>
-              </a:solidFill>
-            </a:endParaRPr>
-          </a:p>
-          <a:p>
-            <a:r>
-              <a:rPr lang="en-GB" dirty="0"/>
-              <a:t>Sequence </a:t>
-            </a:r>
-            <a:r>
-              <a:rPr lang="en-GB" dirty="0" smtClean="0"/>
-              <a:t>Diagrams</a:t>
-            </a:r>
-            <a:endParaRPr lang="en-GB" dirty="0"/>
-          </a:p>
-          <a:p>
-            <a:r>
-              <a:rPr lang="en-GB" dirty="0"/>
-              <a:t>Interaction </a:t>
-            </a:r>
-            <a:r>
-              <a:rPr lang="en-GB" dirty="0" smtClean="0"/>
-              <a:t>Overview Diagrams</a:t>
-            </a:r>
-            <a:endParaRPr lang="en-GB" dirty="0"/>
-          </a:p>
-          <a:p>
-            <a:r>
-              <a:rPr lang="en-GB" dirty="0"/>
-              <a:t>Composite </a:t>
-            </a:r>
-            <a:r>
-              <a:rPr lang="en-GB" dirty="0" smtClean="0"/>
-              <a:t>Structure Diagrams</a:t>
-            </a:r>
-            <a:endParaRPr lang="en-GB" dirty="0"/>
-          </a:p>
-          <a:p>
-            <a:r>
-              <a:rPr lang="en-GB" dirty="0"/>
-              <a:t>State </a:t>
-            </a:r>
-            <a:r>
-              <a:rPr lang="en-GB" dirty="0" smtClean="0"/>
-              <a:t>Machine Diagrams</a:t>
-            </a:r>
-            <a:endParaRPr lang="en-GB" dirty="0"/>
-          </a:p>
-          <a:p>
-            <a:r>
-              <a:rPr lang="en-GB" dirty="0"/>
-              <a:t>Timing </a:t>
-            </a:r>
-            <a:r>
-              <a:rPr lang="en-GB" dirty="0" smtClean="0"/>
-              <a:t>Diagrams</a:t>
-            </a:r>
-            <a:endParaRPr lang="en-GB" dirty="0"/>
-          </a:p>
-          <a:p>
-            <a:r>
-              <a:rPr lang="en-GB" dirty="0"/>
-              <a:t>Object </a:t>
-            </a:r>
-            <a:r>
-              <a:rPr lang="en-GB" dirty="0" smtClean="0"/>
-              <a:t>Diagrams</a:t>
-            </a:r>
-            <a:endParaRPr lang="en-GB" dirty="0"/>
-          </a:p>
-          <a:p>
-            <a:r>
-              <a:rPr lang="en-GB" dirty="0"/>
-              <a:t>Communication </a:t>
-            </a:r>
-            <a:r>
-              <a:rPr lang="en-GB" dirty="0" smtClean="0"/>
-              <a:t>Diagrams</a:t>
-            </a:r>
+              <a:t>Activity diagrams provide visual depictions of the flow of activities, whether in </a:t>
+            </a:r>
+            <a:r>
+              <a:rPr lang="en-GB" dirty="0" smtClean="0"/>
+              <a:t>a system</a:t>
+            </a:r>
+            <a:r>
+              <a:rPr lang="en-GB" dirty="0"/>
+              <a:t>, business, workflow, or other </a:t>
+            </a:r>
+            <a:r>
+              <a:rPr lang="en-GB" dirty="0" smtClean="0"/>
+              <a:t>process</a:t>
+            </a:r>
+          </a:p>
+          <a:p>
+            <a:r>
+              <a:rPr lang="en-GB" dirty="0" smtClean="0"/>
+              <a:t>These </a:t>
+            </a:r>
+            <a:r>
+              <a:rPr lang="en-GB" dirty="0"/>
+              <a:t>diagrams focus on the activities that are performed and who (or what) is responsible for the performance of</a:t>
+            </a:r>
+            <a:br>
+              <a:rPr lang="en-GB" dirty="0"/>
+            </a:br>
+            <a:r>
+              <a:rPr lang="en-GB" dirty="0"/>
+              <a:t>those activities.</a:t>
+            </a:r>
+            <a:br>
+              <a:rPr lang="en-GB" dirty="0"/>
+            </a:br>
+            <a:r>
+              <a:rPr lang="en-GB" dirty="0"/>
+              <a:t/>
+            </a:r>
+            <a:br>
+              <a:rPr lang="en-GB" dirty="0"/>
+            </a:br>
             <a:endParaRPr lang="en-GB" dirty="0"/>
           </a:p>
         </p:txBody>
@@ -9487,7 +9410,7 @@
     </p:spTree>
     <p:extLst>
       <p:ext uri="{BB962C8B-B14F-4D97-AF65-F5344CB8AC3E}">
-        <p14:creationId xmlns:p14="http://schemas.microsoft.com/office/powerpoint/2010/main" xmlns="" val="3675479172"/>
+        <p14:creationId xmlns:p14="http://schemas.microsoft.com/office/powerpoint/2010/main" val="2226752908"/>
       </p:ext>
     </p:extLst>
   </p:cSld>
@@ -9531,14 +9454,19 @@
             <p:ph type="title"/>
           </p:nvPr>
         </p:nvSpPr>
-        <p:spPr/>
+        <p:spPr>
+          <a:xfrm>
+            <a:off x="609600" y="105833"/>
+            <a:ext cx="7772400" cy="1143000"/>
+          </a:xfrm>
+        </p:spPr>
         <p:txBody>
           <a:bodyPr/>
           <a:lstStyle/>
           <a:p>
             <a:r>
               <a:rPr lang="en-GB" dirty="0" smtClean="0"/>
-              <a:t>Class Diagram</a:t>
+              <a:t>Example</a:t>
             </a:r>
             <a:endParaRPr lang="en-GB" dirty="0"/>
           </a:p>
@@ -9559,44 +9487,38 @@
           <a:bodyPr/>
           <a:lstStyle/>
           <a:p>
-            <a:r>
-              <a:rPr lang="en-GB" dirty="0"/>
-              <a:t>A class diagram is used to show the existence of classes and their relationships </a:t>
-            </a:r>
-            <a:r>
-              <a:rPr lang="en-GB" dirty="0" smtClean="0"/>
-              <a:t>in the </a:t>
-            </a:r>
-            <a:r>
-              <a:rPr lang="en-GB" dirty="0"/>
-              <a:t>logical view of a </a:t>
-            </a:r>
-            <a:r>
-              <a:rPr lang="en-GB" dirty="0" smtClean="0"/>
-              <a:t>system</a:t>
-            </a:r>
-            <a:r>
-              <a:rPr lang="en-GB" dirty="0"/>
-              <a:t/>
-            </a:r>
-            <a:br>
-              <a:rPr lang="en-GB" dirty="0"/>
-            </a:br>
-            <a:r>
-              <a:rPr lang="en-GB" dirty="0"/>
-              <a:t/>
-            </a:r>
-            <a:br>
-              <a:rPr lang="en-GB" dirty="0"/>
-            </a:br>
-            <a:endParaRPr lang="en-GB" dirty="0"/>
-          </a:p>
-        </p:txBody>
-      </p:sp>
+            <a:endParaRPr lang="en-GB"/>
+          </a:p>
+        </p:txBody>
+      </p:sp>
+      <p:pic>
+        <p:nvPicPr>
+          <p:cNvPr id="4" name="Picture 3"/>
+          <p:cNvPicPr>
+            <a:picLocks noChangeAspect="1"/>
+          </p:cNvPicPr>
+          <p:nvPr/>
+        </p:nvPicPr>
+        <p:blipFill>
+          <a:blip r:embed="rId2"/>
+          <a:stretch>
+            <a:fillRect/>
+          </a:stretch>
+        </p:blipFill>
+        <p:spPr>
+          <a:xfrm>
+            <a:off x="2047875" y="1447800"/>
+            <a:ext cx="5048250" cy="5056954"/>
+          </a:xfrm>
+          <a:prstGeom prst="rect">
+            <a:avLst/>
+          </a:prstGeom>
+        </p:spPr>
+      </p:pic>
     </p:spTree>
     <p:extLst>
       <p:ext uri="{BB962C8B-B14F-4D97-AF65-F5344CB8AC3E}">
-        <p14:creationId xmlns:p14="http://schemas.microsoft.com/office/powerpoint/2010/main" xmlns="" val="1082515126"/>
+        <p14:creationId xmlns:p14="http://schemas.microsoft.com/office/powerpoint/2010/main" val="3629779096"/>
       </p:ext>
     </p:extLst>
   </p:cSld>
@@ -9646,10 +9568,9 @@
           <a:lstStyle/>
           <a:p>
             <a:r>
-              <a:rPr lang="en-GB" dirty="0" smtClean="0"/>
-              <a:t>Visibility</a:t>
-            </a:r>
-            <a:endParaRPr lang="en-GB" dirty="0"/>
+              <a:rPr lang="en-GB" dirty="0"/>
+              <a:t>Class Diagrams</a:t>
+            </a:r>
           </a:p>
         </p:txBody>
       </p:sp>
@@ -9663,74 +9584,170 @@
             <p:ph idx="1"/>
           </p:nvPr>
         </p:nvSpPr>
-        <p:spPr/>
-        <p:txBody>
-          <a:bodyPr/>
+        <p:spPr>
+          <a:xfrm>
+            <a:off x="685800" y="1981200"/>
+            <a:ext cx="7772400" cy="4419600"/>
+          </a:xfrm>
+        </p:spPr>
+        <p:txBody>
+          <a:bodyPr>
+            <a:normAutofit fontScale="70000" lnSpcReduction="20000"/>
+          </a:bodyPr>
           <a:lstStyle/>
           <a:p>
             <a:r>
-              <a:rPr lang="en-GB" dirty="0" smtClean="0"/>
-              <a:t>Public </a:t>
-            </a:r>
-            <a:r>
-              <a:rPr lang="en-GB" dirty="0"/>
-              <a:t>(+) Visible to any element that can see the </a:t>
-            </a:r>
-            <a:r>
-              <a:rPr lang="en-GB" dirty="0" smtClean="0"/>
-              <a:t>class</a:t>
-            </a:r>
-            <a:endParaRPr lang="en-GB" dirty="0"/>
-          </a:p>
-          <a:p>
-            <a:r>
-              <a:rPr lang="en-GB" dirty="0" smtClean="0"/>
-              <a:t>Protected </a:t>
-            </a:r>
-            <a:r>
-              <a:rPr lang="en-GB" dirty="0"/>
-              <a:t>(#) Visible to other elements within the class and to </a:t>
-            </a:r>
-            <a:r>
-              <a:rPr lang="en-GB" dirty="0" smtClean="0"/>
-              <a:t>subclasses</a:t>
-            </a:r>
-            <a:endParaRPr lang="en-GB" dirty="0"/>
-          </a:p>
-          <a:p>
-            <a:r>
-              <a:rPr lang="en-GB" dirty="0" smtClean="0"/>
-              <a:t>Private </a:t>
-            </a:r>
-            <a:r>
-              <a:rPr lang="en-GB" dirty="0"/>
-              <a:t>(-) Visible to other elements within the </a:t>
-            </a:r>
-            <a:r>
-              <a:rPr lang="en-GB" dirty="0" smtClean="0"/>
-              <a:t>class</a:t>
-            </a:r>
-            <a:endParaRPr lang="en-GB" dirty="0"/>
-          </a:p>
-          <a:p>
-            <a:r>
-              <a:rPr lang="en-GB" dirty="0" smtClean="0"/>
+              <a:rPr lang="en-GB" dirty="0"/>
               <a:t>Package </a:t>
             </a:r>
             <a:r>
-              <a:rPr lang="en-GB" dirty="0"/>
-              <a:t>(~) Visible to elements within the same package</a:t>
-            </a:r>
-            <a:br>
-              <a:rPr lang="en-GB" dirty="0"/>
-            </a:br>
-            <a:r>
-              <a:rPr lang="en-GB" dirty="0"/>
-              <a:t/>
-            </a:r>
-            <a:br>
-              <a:rPr lang="en-GB" dirty="0"/>
-            </a:br>
+              <a:rPr lang="en-GB" dirty="0" smtClean="0"/>
+              <a:t>Diagrams</a:t>
+            </a:r>
+            <a:endParaRPr lang="en-GB" dirty="0"/>
+          </a:p>
+          <a:p>
+            <a:r>
+              <a:rPr lang="en-GB" dirty="0"/>
+              <a:t>Component </a:t>
+            </a:r>
+            <a:r>
+              <a:rPr lang="en-GB" dirty="0" smtClean="0"/>
+              <a:t>Diagrams</a:t>
+            </a:r>
+            <a:endParaRPr lang="en-GB" dirty="0"/>
+          </a:p>
+          <a:p>
+            <a:r>
+              <a:rPr lang="en-GB" dirty="0"/>
+              <a:t>Deployment </a:t>
+            </a:r>
+            <a:r>
+              <a:rPr lang="en-GB" dirty="0" smtClean="0"/>
+              <a:t>Diagrams</a:t>
+            </a:r>
+            <a:endParaRPr lang="en-GB" dirty="0"/>
+          </a:p>
+          <a:p>
+            <a:r>
+              <a:rPr lang="en-GB" dirty="0"/>
+              <a:t>Use </a:t>
+            </a:r>
+            <a:r>
+              <a:rPr lang="en-GB" dirty="0" smtClean="0"/>
+              <a:t>Case Diagrams</a:t>
+            </a:r>
+            <a:endParaRPr lang="en-GB" dirty="0"/>
+          </a:p>
+          <a:p>
+            <a:r>
+              <a:rPr lang="en-GB" dirty="0"/>
+              <a:t>Activity </a:t>
+            </a:r>
+            <a:r>
+              <a:rPr lang="en-GB" dirty="0" smtClean="0"/>
+              <a:t>Diagrams</a:t>
+            </a:r>
+            <a:endParaRPr lang="en-GB" dirty="0"/>
+          </a:p>
+          <a:p>
+            <a:r>
+              <a:rPr lang="en-GB" b="1" dirty="0">
+                <a:solidFill>
+                  <a:srgbClr val="FF0000"/>
+                </a:solidFill>
+              </a:rPr>
+              <a:t>Class </a:t>
+            </a:r>
+            <a:r>
+              <a:rPr lang="en-GB" b="1" dirty="0" smtClean="0">
+                <a:solidFill>
+                  <a:srgbClr val="FF0000"/>
+                </a:solidFill>
+              </a:rPr>
+              <a:t>Diagrams</a:t>
+            </a:r>
+            <a:endParaRPr lang="en-GB" b="1" dirty="0">
+              <a:solidFill>
+                <a:srgbClr val="FF0000"/>
+              </a:solidFill>
+            </a:endParaRPr>
+          </a:p>
+          <a:p>
+            <a:r>
+              <a:rPr lang="en-GB" dirty="0"/>
+              <a:t>Sequence </a:t>
+            </a:r>
+            <a:r>
+              <a:rPr lang="en-GB" dirty="0" smtClean="0"/>
+              <a:t>Diagrams</a:t>
+            </a:r>
+            <a:endParaRPr lang="en-GB" dirty="0"/>
+          </a:p>
+          <a:p>
+            <a:r>
+              <a:rPr lang="en-GB" dirty="0"/>
+              <a:t>Interaction </a:t>
+            </a:r>
+            <a:r>
+              <a:rPr lang="en-GB" dirty="0" smtClean="0"/>
+              <a:t>Overview Diagrams</a:t>
+            </a:r>
+            <a:endParaRPr lang="en-GB" dirty="0"/>
+          </a:p>
+          <a:p>
+            <a:r>
+              <a:rPr lang="en-GB" dirty="0"/>
+              <a:t>Composite </a:t>
+            </a:r>
+            <a:r>
+              <a:rPr lang="en-GB" dirty="0" smtClean="0"/>
+              <a:t>Structure Diagrams</a:t>
+            </a:r>
+            <a:endParaRPr lang="en-GB" dirty="0"/>
+          </a:p>
+          <a:p>
+            <a:r>
+              <a:rPr lang="en-GB" dirty="0"/>
+              <a:t>State </a:t>
+            </a:r>
+            <a:r>
+              <a:rPr lang="en-GB" dirty="0" smtClean="0"/>
+              <a:t>Machine Diagrams</a:t>
+            </a:r>
+            <a:endParaRPr lang="en-GB" dirty="0"/>
+          </a:p>
+          <a:p>
+            <a:r>
+              <a:rPr lang="en-GB" dirty="0"/>
+              <a:t>Timing </a:t>
+            </a:r>
+            <a:r>
+              <a:rPr lang="en-GB" dirty="0" smtClean="0"/>
+              <a:t>Diagrams</a:t>
+            </a:r>
+            <a:endParaRPr lang="en-GB" dirty="0"/>
+          </a:p>
+          <a:p>
+            <a:r>
+              <a:rPr lang="en-GB" dirty="0"/>
+              <a:t>Object </a:t>
+            </a:r>
+            <a:r>
+              <a:rPr lang="en-GB" dirty="0" smtClean="0"/>
+              <a:t>Diagrams</a:t>
+            </a:r>
+            <a:endParaRPr lang="en-GB" dirty="0"/>
+          </a:p>
+          <a:p>
+            <a:r>
+              <a:rPr lang="en-GB" dirty="0"/>
+              <a:t>Communication </a:t>
+            </a:r>
+            <a:r>
+              <a:rPr lang="en-GB" dirty="0" smtClean="0"/>
+              <a:t>Diagrams</a:t>
+            </a:r>
             <a:endParaRPr lang="en-GB" dirty="0"/>
           </a:p>
         </p:txBody>
@@ -9738,7 +9755,7 @@
     </p:spTree>
     <p:extLst>
       <p:ext uri="{BB962C8B-B14F-4D97-AF65-F5344CB8AC3E}">
-        <p14:creationId xmlns:p14="http://schemas.microsoft.com/office/powerpoint/2010/main" xmlns="" val="738210475"/>
+        <p14:creationId xmlns:p14="http://schemas.microsoft.com/office/powerpoint/2010/main" val="3675479172"/>
       </p:ext>
     </p:extLst>
   </p:cSld>
@@ -9789,15 +9806,7 @@
           <a:p>
             <a:r>
               <a:rPr lang="en-GB" dirty="0" smtClean="0"/>
-              <a:t>Diagrammatic Representation </a:t>
-            </a:r>
-            <a:r>
-              <a:rPr lang="en-GB" dirty="0"/>
-              <a:t>of </a:t>
-            </a:r>
-            <a:r>
-              <a:rPr lang="en-GB" dirty="0" smtClean="0"/>
-              <a:t>a Class</a:t>
+              <a:t>Class Diagram</a:t>
             </a:r>
             <a:endParaRPr lang="en-GB" dirty="0"/>
           </a:p>
@@ -9815,41 +9824,87 @@
         </p:nvSpPr>
         <p:spPr/>
         <p:txBody>
-          <a:bodyPr/>
+          <a:bodyPr>
+            <a:normAutofit fontScale="92500" lnSpcReduction="20000"/>
+          </a:bodyPr>
           <a:lstStyle/>
           <a:p>
-            <a:endParaRPr lang="en-GB"/>
-          </a:p>
-        </p:txBody>
-      </p:sp>
-      <p:pic>
-        <p:nvPicPr>
-          <p:cNvPr id="4" name="Picture 3"/>
-          <p:cNvPicPr>
-            <a:picLocks noChangeAspect="1"/>
-          </p:cNvPicPr>
-          <p:nvPr/>
-        </p:nvPicPr>
-        <p:blipFill>
-          <a:blip r:embed="rId2"/>
-          <a:stretch>
-            <a:fillRect/>
-          </a:stretch>
-        </p:blipFill>
-        <p:spPr>
-          <a:xfrm>
-            <a:off x="2743200" y="2667000"/>
-            <a:ext cx="4561590" cy="2667000"/>
-          </a:xfrm>
-          <a:prstGeom prst="rect">
-            <a:avLst/>
-          </a:prstGeom>
-        </p:spPr>
-      </p:pic>
+            <a:r>
+              <a:rPr lang="en-GB" dirty="0"/>
+              <a:t>A class diagram is used to show the existence of classes and their relationships </a:t>
+            </a:r>
+            <a:r>
+              <a:rPr lang="en-GB" dirty="0" smtClean="0"/>
+              <a:t>in the </a:t>
+            </a:r>
+            <a:r>
+              <a:rPr lang="en-GB" dirty="0"/>
+              <a:t>logical view of a </a:t>
+            </a:r>
+            <a:r>
+              <a:rPr lang="en-GB" dirty="0" smtClean="0"/>
+              <a:t>system</a:t>
+            </a:r>
+          </a:p>
+          <a:p>
+            <a:r>
+              <a:rPr lang="en-GB" dirty="0"/>
+              <a:t>During analysis, class diagrams indicate </a:t>
+            </a:r>
+            <a:r>
+              <a:rPr lang="en-GB" dirty="0" smtClean="0"/>
+              <a:t>the</a:t>
+            </a:r>
+            <a:r>
+              <a:rPr lang="en-GB" dirty="0"/>
+              <a:t> </a:t>
+            </a:r>
+            <a:r>
+              <a:rPr lang="en-GB" dirty="0" smtClean="0"/>
+              <a:t>common </a:t>
+            </a:r>
+            <a:r>
+              <a:rPr lang="en-GB" dirty="0"/>
+              <a:t>roles and responsibilities of the entities that provide the system’s</a:t>
+            </a:r>
+            <a:br>
+              <a:rPr lang="en-GB" dirty="0"/>
+            </a:br>
+            <a:r>
+              <a:rPr lang="en-GB" dirty="0" err="1" smtClean="0"/>
+              <a:t>behavior</a:t>
+            </a:r>
+            <a:endParaRPr lang="en-GB" dirty="0" smtClean="0"/>
+          </a:p>
+          <a:p>
+            <a:r>
+              <a:rPr lang="en-GB" dirty="0" smtClean="0"/>
+              <a:t>During </a:t>
+            </a:r>
+            <a:r>
+              <a:rPr lang="en-GB" dirty="0"/>
+              <a:t>design, class diagrams capture the structure of the </a:t>
+            </a:r>
+            <a:r>
+              <a:rPr lang="en-GB" dirty="0" smtClean="0"/>
+              <a:t>classes that </a:t>
+            </a:r>
+            <a:r>
+              <a:rPr lang="en-GB" dirty="0"/>
+              <a:t>form the system’s </a:t>
+            </a:r>
+            <a:r>
+              <a:rPr lang="en-GB" dirty="0" smtClean="0"/>
+              <a:t>architecture</a:t>
+            </a:r>
+            <a:endParaRPr lang="en-GB" dirty="0"/>
+          </a:p>
+        </p:txBody>
+      </p:sp>
     </p:spTree>
     <p:extLst>
       <p:ext uri="{BB962C8B-B14F-4D97-AF65-F5344CB8AC3E}">
-        <p14:creationId xmlns:p14="http://schemas.microsoft.com/office/powerpoint/2010/main" xmlns="" val="4213460878"/>
+        <p14:creationId xmlns:p14="http://schemas.microsoft.com/office/powerpoint/2010/main" val="1082515126"/>
       </p:ext>
     </p:extLst>
   </p:cSld>
@@ -9893,19 +9948,14 @@
             <p:ph type="title"/>
           </p:nvPr>
         </p:nvSpPr>
-        <p:spPr>
-          <a:xfrm>
-            <a:off x="533042" y="304800"/>
-            <a:ext cx="7772400" cy="1143000"/>
-          </a:xfrm>
-        </p:spPr>
+        <p:spPr/>
         <p:txBody>
           <a:bodyPr/>
           <a:lstStyle/>
           <a:p>
             <a:r>
               <a:rPr lang="en-GB" dirty="0" smtClean="0"/>
-              <a:t>Example</a:t>
+              <a:t>Visibility</a:t>
             </a:r>
             <a:endParaRPr lang="en-GB" dirty="0"/>
           </a:p>
@@ -9926,38 +9976,77 @@
           <a:bodyPr/>
           <a:lstStyle/>
           <a:p>
-            <a:endParaRPr lang="en-GB"/>
-          </a:p>
-        </p:txBody>
-      </p:sp>
-      <p:pic>
-        <p:nvPicPr>
-          <p:cNvPr id="5" name="Picture 4"/>
-          <p:cNvPicPr>
-            <a:picLocks noChangeAspect="1"/>
-          </p:cNvPicPr>
-          <p:nvPr/>
-        </p:nvPicPr>
-        <p:blipFill>
-          <a:blip r:embed="rId2"/>
-          <a:stretch>
-            <a:fillRect/>
-          </a:stretch>
-        </p:blipFill>
-        <p:spPr>
-          <a:xfrm>
-            <a:off x="872424" y="1676400"/>
-            <a:ext cx="7399151" cy="5048250"/>
-          </a:xfrm>
-          <a:prstGeom prst="rect">
-            <a:avLst/>
-          </a:prstGeom>
-        </p:spPr>
-      </p:pic>
+            <a:r>
+              <a:rPr lang="en-GB" dirty="0" smtClean="0"/>
+              <a:t>Public </a:t>
+            </a:r>
+            <a:r>
+              <a:rPr lang="en-GB" dirty="0"/>
+              <a:t>(+) Visible to any element that can see the </a:t>
+            </a:r>
+            <a:r>
+              <a:rPr lang="en-GB" dirty="0" smtClean="0"/>
+              <a:t>class</a:t>
+            </a:r>
+            <a:endParaRPr lang="en-GB" dirty="0"/>
+          </a:p>
+          <a:p>
+            <a:r>
+              <a:rPr lang="en-GB" dirty="0" smtClean="0"/>
+              <a:t>Protected </a:t>
+            </a:r>
+            <a:r>
+              <a:rPr lang="en-GB" dirty="0"/>
+              <a:t>(#) Visible to other elements within the class and to </a:t>
+            </a:r>
+            <a:r>
+              <a:rPr lang="en-GB" dirty="0" smtClean="0"/>
+              <a:t>subclasses</a:t>
+            </a:r>
+            <a:endParaRPr lang="en-GB" dirty="0"/>
+          </a:p>
+          <a:p>
+            <a:r>
+              <a:rPr lang="en-GB" dirty="0" smtClean="0"/>
+              <a:t>Private </a:t>
+            </a:r>
+            <a:r>
+              <a:rPr lang="en-GB" dirty="0"/>
+              <a:t>(-) Visible to other elements within the </a:t>
+            </a:r>
+            <a:r>
+              <a:rPr lang="en-GB" dirty="0" smtClean="0"/>
+              <a:t>class</a:t>
+            </a:r>
+            <a:endParaRPr lang="en-GB" dirty="0"/>
+          </a:p>
+          <a:p>
+            <a:r>
+              <a:rPr lang="en-GB" dirty="0" smtClean="0"/>
+              <a:t>Package </a:t>
+            </a:r>
+            <a:r>
+              <a:rPr lang="en-GB" dirty="0"/>
+              <a:t>(~) Visible to elements within the same package</a:t>
+            </a:r>
+            <a:br>
+              <a:rPr lang="en-GB" dirty="0"/>
+            </a:br>
+            <a:r>
+              <a:rPr lang="en-GB" dirty="0"/>
+              <a:t/>
+            </a:r>
+            <a:br>
+              <a:rPr lang="en-GB" dirty="0"/>
+            </a:br>
+            <a:endParaRPr lang="en-GB" dirty="0"/>
+          </a:p>
+        </p:txBody>
+      </p:sp>
     </p:spTree>
     <p:extLst>
       <p:ext uri="{BB962C8B-B14F-4D97-AF65-F5344CB8AC3E}">
-        <p14:creationId xmlns:p14="http://schemas.microsoft.com/office/powerpoint/2010/main" xmlns="" val="4242167502"/>
+        <p14:creationId xmlns:p14="http://schemas.microsoft.com/office/powerpoint/2010/main" val="738210475"/>
       </p:ext>
     </p:extLst>
   </p:cSld>
@@ -10008,6 +10097,225 @@
           <a:p>
             <a:r>
               <a:rPr lang="en-GB" dirty="0" smtClean="0"/>
+              <a:t>Diagrammatic Representation </a:t>
+            </a:r>
+            <a:r>
+              <a:rPr lang="en-GB" dirty="0"/>
+              <a:t>of </a:t>
+            </a:r>
+            <a:r>
+              <a:rPr lang="en-GB" dirty="0" smtClean="0"/>
+              <a:t>a Class</a:t>
+            </a:r>
+            <a:endParaRPr lang="en-GB" dirty="0"/>
+          </a:p>
+        </p:txBody>
+      </p:sp>
+      <p:sp>
+        <p:nvSpPr>
+          <p:cNvPr id="3" name="Content Placeholder 2"/>
+          <p:cNvSpPr>
+            <a:spLocks noGrp="1"/>
+          </p:cNvSpPr>
+          <p:nvPr>
+            <p:ph idx="1"/>
+          </p:nvPr>
+        </p:nvSpPr>
+        <p:spPr/>
+        <p:txBody>
+          <a:bodyPr/>
+          <a:lstStyle/>
+          <a:p>
+            <a:endParaRPr lang="en-GB"/>
+          </a:p>
+        </p:txBody>
+      </p:sp>
+      <p:pic>
+        <p:nvPicPr>
+          <p:cNvPr id="4" name="Picture 3"/>
+          <p:cNvPicPr>
+            <a:picLocks noChangeAspect="1"/>
+          </p:cNvPicPr>
+          <p:nvPr/>
+        </p:nvPicPr>
+        <p:blipFill>
+          <a:blip r:embed="rId2"/>
+          <a:stretch>
+            <a:fillRect/>
+          </a:stretch>
+        </p:blipFill>
+        <p:spPr>
+          <a:xfrm>
+            <a:off x="2743200" y="2667000"/>
+            <a:ext cx="4561590" cy="2667000"/>
+          </a:xfrm>
+          <a:prstGeom prst="rect">
+            <a:avLst/>
+          </a:prstGeom>
+        </p:spPr>
+      </p:pic>
+    </p:spTree>
+    <p:extLst>
+      <p:ext uri="{BB962C8B-B14F-4D97-AF65-F5344CB8AC3E}">
+        <p14:creationId xmlns:p14="http://schemas.microsoft.com/office/powerpoint/2010/main" val="4213460878"/>
+      </p:ext>
+    </p:extLst>
+  </p:cSld>
+  <p:clrMapOvr>
+    <a:masterClrMapping/>
+  </p:clrMapOvr>
+  <p:timing>
+    <p:tnLst>
+      <p:par>
+        <p:cTn id="1" dur="indefinite" restart="never" nodeType="tmRoot"/>
+      </p:par>
+    </p:tnLst>
+  </p:timing>
+</p:sld>
+</file>
+
+<file path=ppt/slides/slide48.xml><?xml version="1.0" encoding="utf-8"?>
+<p:sld xmlns:a="http://schemas.openxmlformats.org/drawingml/2006/main" xmlns:r="http://schemas.openxmlformats.org/officeDocument/2006/relationships" xmlns:p="http://schemas.openxmlformats.org/presentationml/2006/main">
+  <p:cSld>
+    <p:spTree>
+      <p:nvGrpSpPr>
+        <p:cNvPr id="1" name=""/>
+        <p:cNvGrpSpPr/>
+        <p:nvPr/>
+      </p:nvGrpSpPr>
+      <p:grpSpPr>
+        <a:xfrm>
+          <a:off x="0" y="0"/>
+          <a:ext cx="0" cy="0"/>
+          <a:chOff x="0" y="0"/>
+          <a:chExt cx="0" cy="0"/>
+        </a:xfrm>
+      </p:grpSpPr>
+      <p:sp>
+        <p:nvSpPr>
+          <p:cNvPr id="2" name="Title 1"/>
+          <p:cNvSpPr>
+            <a:spLocks noGrp="1"/>
+          </p:cNvSpPr>
+          <p:nvPr>
+            <p:ph type="title"/>
+          </p:nvPr>
+        </p:nvSpPr>
+        <p:spPr>
+          <a:xfrm>
+            <a:off x="533042" y="304800"/>
+            <a:ext cx="7772400" cy="1143000"/>
+          </a:xfrm>
+        </p:spPr>
+        <p:txBody>
+          <a:bodyPr/>
+          <a:lstStyle/>
+          <a:p>
+            <a:r>
+              <a:rPr lang="en-GB" dirty="0" smtClean="0"/>
+              <a:t>Example</a:t>
+            </a:r>
+            <a:endParaRPr lang="en-GB" dirty="0"/>
+          </a:p>
+        </p:txBody>
+      </p:sp>
+      <p:sp>
+        <p:nvSpPr>
+          <p:cNvPr id="3" name="Content Placeholder 2"/>
+          <p:cNvSpPr>
+            <a:spLocks noGrp="1"/>
+          </p:cNvSpPr>
+          <p:nvPr>
+            <p:ph idx="1"/>
+          </p:nvPr>
+        </p:nvSpPr>
+        <p:spPr/>
+        <p:txBody>
+          <a:bodyPr/>
+          <a:lstStyle/>
+          <a:p>
+            <a:endParaRPr lang="en-GB"/>
+          </a:p>
+        </p:txBody>
+      </p:sp>
+      <p:pic>
+        <p:nvPicPr>
+          <p:cNvPr id="5" name="Picture 4"/>
+          <p:cNvPicPr>
+            <a:picLocks noChangeAspect="1"/>
+          </p:cNvPicPr>
+          <p:nvPr/>
+        </p:nvPicPr>
+        <p:blipFill>
+          <a:blip r:embed="rId2"/>
+          <a:stretch>
+            <a:fillRect/>
+          </a:stretch>
+        </p:blipFill>
+        <p:spPr>
+          <a:xfrm>
+            <a:off x="872424" y="1676400"/>
+            <a:ext cx="7399151" cy="5048250"/>
+          </a:xfrm>
+          <a:prstGeom prst="rect">
+            <a:avLst/>
+          </a:prstGeom>
+        </p:spPr>
+      </p:pic>
+    </p:spTree>
+    <p:extLst>
+      <p:ext uri="{BB962C8B-B14F-4D97-AF65-F5344CB8AC3E}">
+        <p14:creationId xmlns:p14="http://schemas.microsoft.com/office/powerpoint/2010/main" val="4242167502"/>
+      </p:ext>
+    </p:extLst>
+  </p:cSld>
+  <p:clrMapOvr>
+    <a:masterClrMapping/>
+  </p:clrMapOvr>
+  <p:timing>
+    <p:tnLst>
+      <p:par>
+        <p:cTn id="1" dur="indefinite" restart="never" nodeType="tmRoot"/>
+      </p:par>
+    </p:tnLst>
+  </p:timing>
+</p:sld>
+</file>
+
+<file path=ppt/slides/slide49.xml><?xml version="1.0" encoding="utf-8"?>
+<p:sld xmlns:a="http://schemas.openxmlformats.org/drawingml/2006/main" xmlns:r="http://schemas.openxmlformats.org/officeDocument/2006/relationships" xmlns:p="http://schemas.openxmlformats.org/presentationml/2006/main">
+  <p:cSld>
+    <p:spTree>
+      <p:nvGrpSpPr>
+        <p:cNvPr id="1" name=""/>
+        <p:cNvGrpSpPr/>
+        <p:nvPr/>
+      </p:nvGrpSpPr>
+      <p:grpSpPr>
+        <a:xfrm>
+          <a:off x="0" y="0"/>
+          <a:ext cx="0" cy="0"/>
+          <a:chOff x="0" y="0"/>
+          <a:chExt cx="0" cy="0"/>
+        </a:xfrm>
+      </p:grpSpPr>
+      <p:sp>
+        <p:nvSpPr>
+          <p:cNvPr id="2" name="Title 1"/>
+          <p:cNvSpPr>
+            <a:spLocks noGrp="1"/>
+          </p:cNvSpPr>
+          <p:nvPr>
+            <p:ph type="title"/>
+          </p:nvPr>
+        </p:nvSpPr>
+        <p:spPr/>
+        <p:txBody>
+          <a:bodyPr/>
+          <a:lstStyle/>
+          <a:p>
+            <a:r>
+              <a:rPr lang="en-GB" dirty="0" smtClean="0"/>
               <a:t>UML Diagrams</a:t>
             </a:r>
             <a:endParaRPr lang="en-GB" dirty="0"/>
@@ -10275,7 +10583,7 @@
     </p:spTree>
     <p:extLst>
       <p:ext uri="{BB962C8B-B14F-4D97-AF65-F5344CB8AC3E}">
-        <p14:creationId xmlns:p14="http://schemas.microsoft.com/office/powerpoint/2010/main" xmlns="" val="3675479172"/>
+        <p14:creationId xmlns:p14="http://schemas.microsoft.com/office/powerpoint/2010/main" val="3675479172"/>
       </p:ext>
     </p:extLst>
   </p:cSld>
@@ -10292,7 +10600,122 @@
 </p:sld>
 </file>
 
-<file path=ppt/slides/slide48.xml><?xml version="1.0" encoding="utf-8"?>
+<file path=ppt/slides/slide5.xml><?xml version="1.0" encoding="utf-8"?>
+<p:sld xmlns:a="http://schemas.openxmlformats.org/drawingml/2006/main" xmlns:r="http://schemas.openxmlformats.org/officeDocument/2006/relationships" xmlns:p="http://schemas.openxmlformats.org/presentationml/2006/main">
+  <p:cSld>
+    <p:spTree>
+      <p:nvGrpSpPr>
+        <p:cNvPr id="1" name=""/>
+        <p:cNvGrpSpPr/>
+        <p:nvPr/>
+      </p:nvGrpSpPr>
+      <p:grpSpPr>
+        <a:xfrm>
+          <a:off x="0" y="0"/>
+          <a:ext cx="0" cy="0"/>
+          <a:chOff x="0" y="0"/>
+          <a:chExt cx="0" cy="0"/>
+        </a:xfrm>
+      </p:grpSpPr>
+      <p:sp>
+        <p:nvSpPr>
+          <p:cNvPr id="13314" name="Title 1"/>
+          <p:cNvSpPr>
+            <a:spLocks noGrp="1"/>
+          </p:cNvSpPr>
+          <p:nvPr>
+            <p:ph type="title"/>
+          </p:nvPr>
+        </p:nvSpPr>
+        <p:spPr/>
+        <p:txBody>
+          <a:bodyPr/>
+          <a:lstStyle/>
+          <a:p>
+            <a:r>
+              <a:rPr lang="en-GB" altLang="en-US" smtClean="0"/>
+              <a:t>Question</a:t>
+            </a:r>
+          </a:p>
+        </p:txBody>
+      </p:sp>
+      <p:sp>
+        <p:nvSpPr>
+          <p:cNvPr id="3" name="Content Placeholder 2"/>
+          <p:cNvSpPr>
+            <a:spLocks noGrp="1"/>
+          </p:cNvSpPr>
+          <p:nvPr>
+            <p:ph idx="1"/>
+          </p:nvPr>
+        </p:nvSpPr>
+        <p:spPr/>
+        <p:txBody>
+          <a:bodyPr/>
+          <a:lstStyle/>
+          <a:p>
+            <a:pPr>
+              <a:defRPr/>
+            </a:pPr>
+            <a:r>
+              <a:rPr lang="en-GB" dirty="0" smtClean="0"/>
+              <a:t>Requirements should specify ‘what’ but not ‘how’.</a:t>
+            </a:r>
+          </a:p>
+          <a:p>
+            <a:pPr>
+              <a:defRPr/>
+            </a:pPr>
+            <a:endParaRPr lang="en-GB" dirty="0" smtClean="0"/>
+          </a:p>
+          <a:p>
+            <a:pPr marL="0" indent="0">
+              <a:buFontTx/>
+              <a:buNone/>
+              <a:defRPr/>
+            </a:pPr>
+            <a:r>
+              <a:rPr lang="en-GB" dirty="0" smtClean="0"/>
+              <a:t>a) True</a:t>
+            </a:r>
+          </a:p>
+          <a:p>
+            <a:pPr marL="0" indent="0">
+              <a:buFontTx/>
+              <a:buNone/>
+              <a:defRPr/>
+            </a:pPr>
+            <a:r>
+              <a:rPr lang="en-GB" dirty="0" smtClean="0"/>
+              <a:t>b) False</a:t>
+            </a:r>
+          </a:p>
+          <a:p>
+            <a:pPr marL="0" indent="0">
+              <a:buFontTx/>
+              <a:buNone/>
+              <a:defRPr/>
+            </a:pPr>
+            <a:endParaRPr lang="en-GB" dirty="0" smtClean="0"/>
+          </a:p>
+        </p:txBody>
+      </p:sp>
+    </p:spTree>
+  </p:cSld>
+  <p:clrMapOvr>
+    <a:masterClrMapping/>
+  </p:clrMapOvr>
+  <p:timing>
+    <p:tnLst>
+      <p:par>
+        <p:cTn id="1" dur="indefinite" restart="never" nodeType="tmRoot"/>
+      </p:par>
+    </p:tnLst>
+  </p:timing>
+</p:sld>
+</file>
+
+<file path=ppt/slides/slide50.xml><?xml version="1.0" encoding="utf-8"?>
 <p:sld xmlns:a="http://schemas.openxmlformats.org/drawingml/2006/main" xmlns:r="http://schemas.openxmlformats.org/officeDocument/2006/relationships" xmlns:p="http://schemas.openxmlformats.org/presentationml/2006/main">
   <p:cSld>
     <p:spTree>
@@ -10451,7 +10874,7 @@
 </p:sld>
 </file>
 
-<file path=ppt/slides/slide49.xml><?xml version="1.0" encoding="utf-8"?>
+<file path=ppt/slides/slide51.xml><?xml version="1.0" encoding="utf-8"?>
 <p:sld xmlns:a="http://schemas.openxmlformats.org/drawingml/2006/main" xmlns:r="http://schemas.openxmlformats.org/officeDocument/2006/relationships" xmlns:p="http://schemas.openxmlformats.org/presentationml/2006/main">
   <p:cSld>
     <p:spTree>
@@ -10545,122 +10968,7 @@
 </p:sld>
 </file>
 
-<file path=ppt/slides/slide5.xml><?xml version="1.0" encoding="utf-8"?>
-<p:sld xmlns:a="http://schemas.openxmlformats.org/drawingml/2006/main" xmlns:r="http://schemas.openxmlformats.org/officeDocument/2006/relationships" xmlns:p="http://schemas.openxmlformats.org/presentationml/2006/main">
-  <p:cSld>
-    <p:spTree>
-      <p:nvGrpSpPr>
-        <p:cNvPr id="1" name=""/>
-        <p:cNvGrpSpPr/>
-        <p:nvPr/>
-      </p:nvGrpSpPr>
-      <p:grpSpPr>
-        <a:xfrm>
-          <a:off x="0" y="0"/>
-          <a:ext cx="0" cy="0"/>
-          <a:chOff x="0" y="0"/>
-          <a:chExt cx="0" cy="0"/>
-        </a:xfrm>
-      </p:grpSpPr>
-      <p:sp>
-        <p:nvSpPr>
-          <p:cNvPr id="13314" name="Title 1"/>
-          <p:cNvSpPr>
-            <a:spLocks noGrp="1"/>
-          </p:cNvSpPr>
-          <p:nvPr>
-            <p:ph type="title"/>
-          </p:nvPr>
-        </p:nvSpPr>
-        <p:spPr/>
-        <p:txBody>
-          <a:bodyPr/>
-          <a:lstStyle/>
-          <a:p>
-            <a:r>
-              <a:rPr lang="en-GB" altLang="en-US" smtClean="0"/>
-              <a:t>Question</a:t>
-            </a:r>
-          </a:p>
-        </p:txBody>
-      </p:sp>
-      <p:sp>
-        <p:nvSpPr>
-          <p:cNvPr id="3" name="Content Placeholder 2"/>
-          <p:cNvSpPr>
-            <a:spLocks noGrp="1"/>
-          </p:cNvSpPr>
-          <p:nvPr>
-            <p:ph idx="1"/>
-          </p:nvPr>
-        </p:nvSpPr>
-        <p:spPr/>
-        <p:txBody>
-          <a:bodyPr/>
-          <a:lstStyle/>
-          <a:p>
-            <a:pPr>
-              <a:defRPr/>
-            </a:pPr>
-            <a:r>
-              <a:rPr lang="en-GB" dirty="0" smtClean="0"/>
-              <a:t>Requirements should specify ‘what’ but not ‘how’.</a:t>
-            </a:r>
-          </a:p>
-          <a:p>
-            <a:pPr>
-              <a:defRPr/>
-            </a:pPr>
-            <a:endParaRPr lang="en-GB" dirty="0" smtClean="0"/>
-          </a:p>
-          <a:p>
-            <a:pPr marL="0" indent="0">
-              <a:buFontTx/>
-              <a:buNone/>
-              <a:defRPr/>
-            </a:pPr>
-            <a:r>
-              <a:rPr lang="en-GB" dirty="0" smtClean="0"/>
-              <a:t>a) True</a:t>
-            </a:r>
-          </a:p>
-          <a:p>
-            <a:pPr marL="0" indent="0">
-              <a:buFontTx/>
-              <a:buNone/>
-              <a:defRPr/>
-            </a:pPr>
-            <a:r>
-              <a:rPr lang="en-GB" dirty="0" smtClean="0"/>
-              <a:t>b) False</a:t>
-            </a:r>
-          </a:p>
-          <a:p>
-            <a:pPr marL="0" indent="0">
-              <a:buFontTx/>
-              <a:buNone/>
-              <a:defRPr/>
-            </a:pPr>
-            <a:endParaRPr lang="en-GB" dirty="0" smtClean="0"/>
-          </a:p>
-        </p:txBody>
-      </p:sp>
-    </p:spTree>
-  </p:cSld>
-  <p:clrMapOvr>
-    <a:masterClrMapping/>
-  </p:clrMapOvr>
-  <p:timing>
-    <p:tnLst>
-      <p:par>
-        <p:cTn id="1" dur="indefinite" restart="never" nodeType="tmRoot"/>
-      </p:par>
-    </p:tnLst>
-  </p:timing>
-</p:sld>
-</file>
-
-<file path=ppt/slides/slide50.xml><?xml version="1.0" encoding="utf-8"?>
+<file path=ppt/slides/slide52.xml><?xml version="1.0" encoding="utf-8"?>
 <p:sld xmlns:a="http://schemas.openxmlformats.org/drawingml/2006/main" xmlns:r="http://schemas.openxmlformats.org/officeDocument/2006/relationships" xmlns:p="http://schemas.openxmlformats.org/presentationml/2006/main">
   <p:cSld>
     <p:spTree>
@@ -11175,7 +11483,7 @@
     </p:spTree>
     <p:extLst>
       <p:ext uri="{BB962C8B-B14F-4D97-AF65-F5344CB8AC3E}">
-        <p14:creationId xmlns:p14="http://schemas.microsoft.com/office/powerpoint/2010/main" xmlns="" val="3259374729"/>
+        <p14:creationId xmlns:p14="http://schemas.microsoft.com/office/powerpoint/2010/main" val="3259374729"/>
       </p:ext>
     </p:extLst>
   </p:cSld>
@@ -11675,7 +11983,7 @@
   </a:extraClrSchemeLst>
   <a:extLst>
     <a:ext uri="{05A4C25C-085E-4340-85A3-A5531E510DB2}">
-      <thm15:themeFamily xmlns:thm15="http://schemas.microsoft.com/office/thememl/2012/main" xmlns="" name="Office Theme" id="{62F939B6-93AF-4DB8-9C6B-D6C7DFDC589F}" vid="{4A3C46E8-61CC-4603-A589-7422A47A8E4A}"/>
+      <thm15:themeFamily xmlns:thm15="http://schemas.microsoft.com/office/thememl/2012/main" name="Office Theme" id="{62F939B6-93AF-4DB8-9C6B-D6C7DFDC589F}" vid="{4A3C46E8-61CC-4603-A589-7422A47A8E4A}"/>
     </a:ext>
   </a:extLst>
 </a:theme>
@@ -11936,7 +12244,7 @@
   <a:extraClrSchemeLst/>
   <a:extLst>
     <a:ext uri="{05A4C25C-085E-4340-85A3-A5531E510DB2}">
-      <thm15:themeFamily xmlns:thm15="http://schemas.microsoft.com/office/thememl/2012/main" xmlns="" name="Office Theme" id="{62F939B6-93AF-4DB8-9C6B-D6C7DFDC589F}" vid="{4A3C46E8-61CC-4603-A589-7422A47A8E4A}"/>
+      <thm15:themeFamily xmlns:thm15="http://schemas.microsoft.com/office/thememl/2012/main" name="Office Theme" id="{62F939B6-93AF-4DB8-9C6B-D6C7DFDC589F}" vid="{4A3C46E8-61CC-4603-A589-7422A47A8E4A}"/>
     </a:ext>
   </a:extLst>
 </a:theme>

--- a/OOAD/lectures/060--Notation.Part.1.pptx
+++ b/OOAD/lectures/060--Notation.Part.1.pptx
@@ -5,61 +5,65 @@
     <p:sldMasterId id="2147483648" r:id="rId1"/>
   </p:sldMasterIdLst>
   <p:notesMasterIdLst>
-    <p:notesMasterId r:id="rId54"/>
+    <p:notesMasterId r:id="rId58"/>
   </p:notesMasterIdLst>
   <p:sldIdLst>
     <p:sldId id="267" r:id="rId2"/>
-    <p:sldId id="274" r:id="rId3"/>
-    <p:sldId id="295" r:id="rId4"/>
-    <p:sldId id="296" r:id="rId5"/>
-    <p:sldId id="297" r:id="rId6"/>
-    <p:sldId id="298" r:id="rId7"/>
-    <p:sldId id="292" r:id="rId8"/>
-    <p:sldId id="294" r:id="rId9"/>
-    <p:sldId id="338" r:id="rId10"/>
-    <p:sldId id="301" r:id="rId11"/>
-    <p:sldId id="300" r:id="rId12"/>
-    <p:sldId id="293" r:id="rId13"/>
-    <p:sldId id="299" r:id="rId14"/>
-    <p:sldId id="302" r:id="rId15"/>
-    <p:sldId id="305" r:id="rId16"/>
-    <p:sldId id="306" r:id="rId17"/>
-    <p:sldId id="307" r:id="rId18"/>
-    <p:sldId id="309" r:id="rId19"/>
-    <p:sldId id="310" r:id="rId20"/>
-    <p:sldId id="320" r:id="rId21"/>
-    <p:sldId id="321" r:id="rId22"/>
-    <p:sldId id="318" r:id="rId23"/>
-    <p:sldId id="356" r:id="rId24"/>
-    <p:sldId id="334" r:id="rId25"/>
-    <p:sldId id="335" r:id="rId26"/>
-    <p:sldId id="336" r:id="rId27"/>
-    <p:sldId id="337" r:id="rId28"/>
-    <p:sldId id="322" r:id="rId29"/>
-    <p:sldId id="357" r:id="rId30"/>
-    <p:sldId id="339" r:id="rId31"/>
-    <p:sldId id="340" r:id="rId32"/>
-    <p:sldId id="341" r:id="rId33"/>
-    <p:sldId id="323" r:id="rId34"/>
-    <p:sldId id="343" r:id="rId35"/>
-    <p:sldId id="342" r:id="rId36"/>
-    <p:sldId id="344" r:id="rId37"/>
-    <p:sldId id="345" r:id="rId38"/>
-    <p:sldId id="324" r:id="rId39"/>
-    <p:sldId id="347" r:id="rId40"/>
-    <p:sldId id="346" r:id="rId41"/>
-    <p:sldId id="325" r:id="rId42"/>
-    <p:sldId id="348" r:id="rId43"/>
-    <p:sldId id="349" r:id="rId44"/>
-    <p:sldId id="326" r:id="rId45"/>
-    <p:sldId id="350" r:id="rId46"/>
-    <p:sldId id="351" r:id="rId47"/>
-    <p:sldId id="353" r:id="rId48"/>
-    <p:sldId id="352" r:id="rId49"/>
-    <p:sldId id="355" r:id="rId50"/>
-    <p:sldId id="272" r:id="rId51"/>
-    <p:sldId id="291" r:id="rId52"/>
-    <p:sldId id="268" r:id="rId53"/>
+    <p:sldId id="361" r:id="rId3"/>
+    <p:sldId id="274" r:id="rId4"/>
+    <p:sldId id="295" r:id="rId5"/>
+    <p:sldId id="296" r:id="rId6"/>
+    <p:sldId id="297" r:id="rId7"/>
+    <p:sldId id="298" r:id="rId8"/>
+    <p:sldId id="292" r:id="rId9"/>
+    <p:sldId id="294" r:id="rId10"/>
+    <p:sldId id="338" r:id="rId11"/>
+    <p:sldId id="301" r:id="rId12"/>
+    <p:sldId id="300" r:id="rId13"/>
+    <p:sldId id="293" r:id="rId14"/>
+    <p:sldId id="299" r:id="rId15"/>
+    <p:sldId id="302" r:id="rId16"/>
+    <p:sldId id="305" r:id="rId17"/>
+    <p:sldId id="306" r:id="rId18"/>
+    <p:sldId id="307" r:id="rId19"/>
+    <p:sldId id="309" r:id="rId20"/>
+    <p:sldId id="310" r:id="rId21"/>
+    <p:sldId id="320" r:id="rId22"/>
+    <p:sldId id="321" r:id="rId23"/>
+    <p:sldId id="318" r:id="rId24"/>
+    <p:sldId id="356" r:id="rId25"/>
+    <p:sldId id="359" r:id="rId26"/>
+    <p:sldId id="360" r:id="rId27"/>
+    <p:sldId id="334" r:id="rId28"/>
+    <p:sldId id="335" r:id="rId29"/>
+    <p:sldId id="336" r:id="rId30"/>
+    <p:sldId id="337" r:id="rId31"/>
+    <p:sldId id="322" r:id="rId32"/>
+    <p:sldId id="357" r:id="rId33"/>
+    <p:sldId id="339" r:id="rId34"/>
+    <p:sldId id="340" r:id="rId35"/>
+    <p:sldId id="341" r:id="rId36"/>
+    <p:sldId id="323" r:id="rId37"/>
+    <p:sldId id="343" r:id="rId38"/>
+    <p:sldId id="342" r:id="rId39"/>
+    <p:sldId id="344" r:id="rId40"/>
+    <p:sldId id="345" r:id="rId41"/>
+    <p:sldId id="324" r:id="rId42"/>
+    <p:sldId id="347" r:id="rId43"/>
+    <p:sldId id="346" r:id="rId44"/>
+    <p:sldId id="325" r:id="rId45"/>
+    <p:sldId id="348" r:id="rId46"/>
+    <p:sldId id="349" r:id="rId47"/>
+    <p:sldId id="326" r:id="rId48"/>
+    <p:sldId id="350" r:id="rId49"/>
+    <p:sldId id="351" r:id="rId50"/>
+    <p:sldId id="353" r:id="rId51"/>
+    <p:sldId id="352" r:id="rId52"/>
+    <p:sldId id="355" r:id="rId53"/>
+    <p:sldId id="358" r:id="rId54"/>
+    <p:sldId id="272" r:id="rId55"/>
+    <p:sldId id="291" r:id="rId56"/>
+    <p:sldId id="268" r:id="rId57"/>
   </p:sldIdLst>
   <p:sldSz cx="9144000" cy="6858000" type="screen4x3"/>
   <p:notesSz cx="6858000" cy="9144000"/>
@@ -1057,7 +1061,7 @@
               <a:pPr>
                 <a:defRPr/>
               </a:pPr>
-              <a:t>10/29/2017</a:t>
+              <a:t>10/31/2017</a:t>
             </a:fld>
             <a:endParaRPr lang="en-US" altLang="en-US"/>
           </a:p>
@@ -1291,7 +1295,7 @@
               <a:pPr>
                 <a:defRPr/>
               </a:pPr>
-              <a:t>10/29/2017</a:t>
+              <a:t>10/31/2017</a:t>
             </a:fld>
             <a:endParaRPr lang="en-US" altLang="en-US"/>
           </a:p>
@@ -2164,7 +2168,7 @@
               <a:pPr>
                 <a:defRPr/>
               </a:pPr>
-              <a:t>10/29/2017</a:t>
+              <a:t>10/31/2017</a:t>
             </a:fld>
             <a:endParaRPr lang="en-US" altLang="en-US"/>
           </a:p>
@@ -2313,7 +2317,7 @@
               <a:pPr>
                 <a:defRPr/>
               </a:pPr>
-              <a:t>10/29/2017</a:t>
+              <a:t>10/31/2017</a:t>
             </a:fld>
             <a:endParaRPr lang="en-US" altLang="en-US"/>
           </a:p>
@@ -2644,7 +2648,7 @@
               <a:pPr>
                 <a:defRPr/>
               </a:pPr>
-              <a:t>10/29/2017</a:t>
+              <a:t>10/31/2017</a:t>
             </a:fld>
             <a:endParaRPr lang="en-US" altLang="en-US"/>
           </a:p>
@@ -2952,7 +2956,7 @@
               <a:pPr>
                 <a:defRPr/>
               </a:pPr>
-              <a:t>10/29/2017</a:t>
+              <a:t>10/31/2017</a:t>
             </a:fld>
             <a:endParaRPr lang="en-US" altLang="en-US"/>
           </a:p>
@@ -3917,6 +3921,105 @@
 <file path=ppt/slides/slide10.xml><?xml version="1.0" encoding="utf-8"?>
 <p:sld xmlns:a="http://schemas.openxmlformats.org/drawingml/2006/main" xmlns:r="http://schemas.openxmlformats.org/officeDocument/2006/relationships" xmlns:p="http://schemas.openxmlformats.org/presentationml/2006/main">
   <p:cSld>
+    <p:spTree>
+      <p:nvGrpSpPr>
+        <p:cNvPr id="1" name=""/>
+        <p:cNvGrpSpPr/>
+        <p:nvPr/>
+      </p:nvGrpSpPr>
+      <p:grpSpPr>
+        <a:xfrm>
+          <a:off x="0" y="0"/>
+          <a:ext cx="0" cy="0"/>
+          <a:chOff x="0" y="0"/>
+          <a:chExt cx="0" cy="0"/>
+        </a:xfrm>
+      </p:grpSpPr>
+      <p:sp>
+        <p:nvSpPr>
+          <p:cNvPr id="2" name="Title 1"/>
+          <p:cNvSpPr>
+            <a:spLocks noGrp="1"/>
+          </p:cNvSpPr>
+          <p:nvPr>
+            <p:ph type="title"/>
+          </p:nvPr>
+        </p:nvSpPr>
+        <p:spPr/>
+        <p:txBody>
+          <a:bodyPr/>
+          <a:lstStyle/>
+          <a:p>
+            <a:endParaRPr lang="en-GB"/>
+          </a:p>
+        </p:txBody>
+      </p:sp>
+      <p:sp>
+        <p:nvSpPr>
+          <p:cNvPr id="3" name="Content Placeholder 2"/>
+          <p:cNvSpPr>
+            <a:spLocks noGrp="1"/>
+          </p:cNvSpPr>
+          <p:nvPr>
+            <p:ph idx="1"/>
+          </p:nvPr>
+        </p:nvSpPr>
+        <p:spPr/>
+        <p:txBody>
+          <a:bodyPr/>
+          <a:lstStyle/>
+          <a:p>
+            <a:endParaRPr lang="en-GB"/>
+          </a:p>
+        </p:txBody>
+      </p:sp>
+      <p:pic>
+        <p:nvPicPr>
+          <p:cNvPr id="5" name="Picture 4"/>
+          <p:cNvPicPr>
+            <a:picLocks noChangeAspect="1"/>
+          </p:cNvPicPr>
+          <p:nvPr/>
+        </p:nvPicPr>
+        <p:blipFill>
+          <a:blip r:embed="rId2"/>
+          <a:stretch>
+            <a:fillRect/>
+          </a:stretch>
+        </p:blipFill>
+        <p:spPr>
+          <a:xfrm>
+            <a:off x="0" y="152400"/>
+            <a:ext cx="9144000" cy="6484620"/>
+          </a:xfrm>
+          <a:prstGeom prst="rect">
+            <a:avLst/>
+          </a:prstGeom>
+        </p:spPr>
+      </p:pic>
+    </p:spTree>
+    <p:extLst>
+      <p:ext uri="{BB962C8B-B14F-4D97-AF65-F5344CB8AC3E}">
+        <p14:creationId xmlns:p14="http://schemas.microsoft.com/office/powerpoint/2010/main" val="3259374729"/>
+      </p:ext>
+    </p:extLst>
+  </p:cSld>
+  <p:clrMapOvr>
+    <a:masterClrMapping/>
+  </p:clrMapOvr>
+  <p:timing>
+    <p:tnLst>
+      <p:par>
+        <p:cTn id="1" dur="indefinite" restart="never" nodeType="tmRoot"/>
+      </p:par>
+    </p:tnLst>
+  </p:timing>
+</p:sld>
+</file>
+
+<file path=ppt/slides/slide11.xml><?xml version="1.0" encoding="utf-8"?>
+<p:sld xmlns:a="http://schemas.openxmlformats.org/drawingml/2006/main" xmlns:r="http://schemas.openxmlformats.org/officeDocument/2006/relationships" xmlns:p="http://schemas.openxmlformats.org/presentationml/2006/main">
+  <p:cSld>
     <p:bg>
       <p:bgPr>
         <a:blipFill dpi="0" rotWithShape="1">
@@ -4079,7 +4182,7 @@
 </p:sld>
 </file>
 
-<file path=ppt/slides/slide11.xml><?xml version="1.0" encoding="utf-8"?>
+<file path=ppt/slides/slide12.xml><?xml version="1.0" encoding="utf-8"?>
 <p:sld xmlns:a="http://schemas.openxmlformats.org/drawingml/2006/main" xmlns:r="http://schemas.openxmlformats.org/officeDocument/2006/relationships" xmlns:p="http://schemas.openxmlformats.org/presentationml/2006/main">
   <p:cSld>
     <p:spTree>
@@ -4266,7 +4369,7 @@
 </p:sld>
 </file>
 
-<file path=ppt/slides/slide12.xml><?xml version="1.0" encoding="utf-8"?>
+<file path=ppt/slides/slide13.xml><?xml version="1.0" encoding="utf-8"?>
 <p:sld xmlns:a="http://schemas.openxmlformats.org/drawingml/2006/main" xmlns:r="http://schemas.openxmlformats.org/officeDocument/2006/relationships" xmlns:p="http://schemas.openxmlformats.org/presentationml/2006/main">
   <p:cSld>
     <p:spTree>
@@ -4373,7 +4476,7 @@
 </p:sld>
 </file>
 
-<file path=ppt/slides/slide13.xml><?xml version="1.0" encoding="utf-8"?>
+<file path=ppt/slides/slide14.xml><?xml version="1.0" encoding="utf-8"?>
 <p:sld xmlns:a="http://schemas.openxmlformats.org/drawingml/2006/main" xmlns:r="http://schemas.openxmlformats.org/officeDocument/2006/relationships" xmlns:p="http://schemas.openxmlformats.org/presentationml/2006/main">
   <p:cSld>
     <p:spTree>
@@ -4481,161 +4584,6 @@
 </p:sld>
 </file>
 
-<file path=ppt/slides/slide14.xml><?xml version="1.0" encoding="utf-8"?>
-<p:sld xmlns:a="http://schemas.openxmlformats.org/drawingml/2006/main" xmlns:r="http://schemas.openxmlformats.org/officeDocument/2006/relationships" xmlns:p="http://schemas.openxmlformats.org/presentationml/2006/main">
-  <p:cSld>
-    <p:spTree>
-      <p:nvGrpSpPr>
-        <p:cNvPr id="1" name=""/>
-        <p:cNvGrpSpPr/>
-        <p:nvPr/>
-      </p:nvGrpSpPr>
-      <p:grpSpPr>
-        <a:xfrm>
-          <a:off x="0" y="0"/>
-          <a:ext cx="0" cy="0"/>
-          <a:chOff x="0" y="0"/>
-          <a:chExt cx="0" cy="0"/>
-        </a:xfrm>
-      </p:grpSpPr>
-      <p:sp>
-        <p:nvSpPr>
-          <p:cNvPr id="2" name="Title 1"/>
-          <p:cNvSpPr>
-            <a:spLocks noGrp="1"/>
-          </p:cNvSpPr>
-          <p:nvPr>
-            <p:ph type="title"/>
-          </p:nvPr>
-        </p:nvSpPr>
-        <p:spPr/>
-        <p:txBody>
-          <a:bodyPr/>
-          <a:lstStyle/>
-          <a:p>
-            <a:r>
-              <a:rPr lang="en-GB" dirty="0" smtClean="0"/>
-              <a:t>Two UML Views </a:t>
-            </a:r>
-            <a:br>
-              <a:rPr lang="en-GB" dirty="0" smtClean="0"/>
-            </a:br>
-            <a:r>
-              <a:rPr lang="en-GB" dirty="0" smtClean="0"/>
-              <a:t>of System Model</a:t>
-            </a:r>
-            <a:endParaRPr lang="en-GB" dirty="0"/>
-          </a:p>
-        </p:txBody>
-      </p:sp>
-      <p:sp>
-        <p:nvSpPr>
-          <p:cNvPr id="3" name="Content Placeholder 2"/>
-          <p:cNvSpPr>
-            <a:spLocks noGrp="1"/>
-          </p:cNvSpPr>
-          <p:nvPr>
-            <p:ph idx="1"/>
-          </p:nvPr>
-        </p:nvSpPr>
-        <p:spPr>
-          <a:xfrm>
-            <a:off x="685800" y="1981200"/>
-            <a:ext cx="7772400" cy="4343400"/>
-          </a:xfrm>
-        </p:spPr>
-        <p:txBody>
-          <a:bodyPr>
-            <a:normAutofit fontScale="85000" lnSpcReduction="10000"/>
-          </a:bodyPr>
-          <a:lstStyle/>
-          <a:p>
-            <a:r>
-              <a:rPr lang="en-GB" b="1" dirty="0" smtClean="0">
-                <a:solidFill>
-                  <a:srgbClr val="FF0000"/>
-                </a:solidFill>
-              </a:rPr>
-              <a:t>Static </a:t>
-            </a:r>
-            <a:r>
-              <a:rPr lang="en-GB" b="1" dirty="0">
-                <a:solidFill>
-                  <a:srgbClr val="FF0000"/>
-                </a:solidFill>
-              </a:rPr>
-              <a:t>(or structural) </a:t>
-            </a:r>
-            <a:r>
-              <a:rPr lang="en-GB" dirty="0"/>
-              <a:t>view: emphasizes the static structure of the system using objects, attributes, operations and relationships. It includes class diagrams and composite structure diagrams.</a:t>
-            </a:r>
-          </a:p>
-          <a:p>
-            <a:r>
-              <a:rPr lang="en-GB" b="1" dirty="0">
-                <a:solidFill>
-                  <a:srgbClr val="FF0000"/>
-                </a:solidFill>
-              </a:rPr>
-              <a:t>Dynamic (or </a:t>
-            </a:r>
-            <a:r>
-              <a:rPr lang="en-GB" b="1" dirty="0" err="1">
-                <a:solidFill>
-                  <a:srgbClr val="FF0000"/>
-                </a:solidFill>
-              </a:rPr>
-              <a:t>behavioral</a:t>
-            </a:r>
-            <a:r>
-              <a:rPr lang="en-GB" b="1" dirty="0">
-                <a:solidFill>
-                  <a:srgbClr val="FF0000"/>
-                </a:solidFill>
-              </a:rPr>
-              <a:t>) </a:t>
-            </a:r>
-            <a:r>
-              <a:rPr lang="en-GB" dirty="0"/>
-              <a:t>view: emphasizes the dynamic </a:t>
-            </a:r>
-            <a:r>
-              <a:rPr lang="en-GB" dirty="0" err="1"/>
-              <a:t>behavior</a:t>
-            </a:r>
-            <a:r>
-              <a:rPr lang="en-GB" dirty="0"/>
-              <a:t> of the system by showing collaborations among objects and changes to the internal states of objects. This view includes sequence diagrams, activity diagrams and state machine </a:t>
-            </a:r>
-            <a:r>
-              <a:rPr lang="en-GB" dirty="0" smtClean="0"/>
-              <a:t>diagrams</a:t>
-            </a:r>
-            <a:endParaRPr lang="en-GB" dirty="0"/>
-          </a:p>
-        </p:txBody>
-      </p:sp>
-    </p:spTree>
-    <p:extLst>
-      <p:ext uri="{BB962C8B-B14F-4D97-AF65-F5344CB8AC3E}">
-        <p14:creationId xmlns:p14="http://schemas.microsoft.com/office/powerpoint/2010/main" val="981174009"/>
-      </p:ext>
-    </p:extLst>
-  </p:cSld>
-  <p:clrMapOvr>
-    <a:masterClrMapping/>
-  </p:clrMapOvr>
-  <p:timing>
-    <p:tnLst>
-      <p:par>
-        <p:cTn id="1" dur="indefinite" restart="never" nodeType="tmRoot"/>
-      </p:par>
-    </p:tnLst>
-  </p:timing>
-</p:sld>
-</file>
-
 <file path=ppt/slides/slide15.xml><?xml version="1.0" encoding="utf-8"?>
 <p:sld xmlns:a="http://schemas.openxmlformats.org/drawingml/2006/main" xmlns:r="http://schemas.openxmlformats.org/officeDocument/2006/relationships" xmlns:p="http://schemas.openxmlformats.org/presentationml/2006/main">
   <p:cSld>
@@ -4669,65 +4617,36 @@
           <a:lstStyle/>
           <a:p>
             <a:r>
-              <a:rPr lang="en-GB" dirty="0"/>
+              <a:rPr lang="en-GB" dirty="0" smtClean="0"/>
               <a:t>Two UML Views </a:t>
             </a:r>
             <a:br>
-              <a:rPr lang="en-GB" dirty="0"/>
+              <a:rPr lang="en-GB" dirty="0" smtClean="0"/>
             </a:br>
             <a:r>
-              <a:rPr lang="en-GB" dirty="0"/>
-              <a:t>of </a:t>
-            </a:r>
-            <a:r>
-              <a:rPr lang="en-GB" dirty="0" smtClean="0"/>
-              <a:t>the System </a:t>
-            </a:r>
-            <a:r>
-              <a:rPr lang="en-GB" dirty="0"/>
-              <a:t>Model</a:t>
-            </a:r>
-          </a:p>
-        </p:txBody>
-      </p:sp>
-      <p:sp>
-        <p:nvSpPr>
-          <p:cNvPr id="3" name="Text Placeholder 2"/>
-          <p:cNvSpPr>
-            <a:spLocks noGrp="1"/>
-          </p:cNvSpPr>
-          <p:nvPr>
-            <p:ph type="body" idx="1"/>
-          </p:nvPr>
-        </p:nvSpPr>
-        <p:spPr/>
-        <p:txBody>
-          <a:bodyPr/>
-          <a:lstStyle/>
-          <a:p>
-            <a:r>
-              <a:rPr lang="en-GB" dirty="0"/>
-              <a:t>Structure </a:t>
-            </a:r>
-            <a:r>
-              <a:rPr lang="en-GB" dirty="0" smtClean="0"/>
-              <a:t>Diagrams</a:t>
-            </a:r>
-            <a:endParaRPr lang="en-GB" dirty="0"/>
-          </a:p>
-        </p:txBody>
-      </p:sp>
-      <p:sp>
-        <p:nvSpPr>
-          <p:cNvPr id="4" name="Content Placeholder 3"/>
-          <p:cNvSpPr>
-            <a:spLocks noGrp="1"/>
-          </p:cNvSpPr>
-          <p:nvPr>
-            <p:ph sz="half" idx="2"/>
-          </p:nvPr>
-        </p:nvSpPr>
-        <p:spPr/>
+              <a:rPr lang="en-GB" dirty="0" smtClean="0"/>
+              <a:t>of System Model</a:t>
+            </a:r>
+            <a:endParaRPr lang="en-GB" dirty="0"/>
+          </a:p>
+        </p:txBody>
+      </p:sp>
+      <p:sp>
+        <p:nvSpPr>
+          <p:cNvPr id="3" name="Content Placeholder 2"/>
+          <p:cNvSpPr>
+            <a:spLocks noGrp="1"/>
+          </p:cNvSpPr>
+          <p:nvPr>
+            <p:ph idx="1"/>
+          </p:nvPr>
+        </p:nvSpPr>
+        <p:spPr>
+          <a:xfrm>
+            <a:off x="685800" y="1981200"/>
+            <a:ext cx="7772400" cy="4343400"/>
+          </a:xfrm>
+        </p:spPr>
         <p:txBody>
           <a:bodyPr>
             <a:normAutofit fontScale="85000" lnSpcReduction="10000"/>
@@ -4735,205 +4654,75 @@
           <a:lstStyle/>
           <a:p>
             <a:r>
-              <a:rPr lang="en-GB" dirty="0" smtClean="0"/>
-              <a:t>Package </a:t>
-            </a:r>
-            <a:r>
-              <a:rPr lang="en-GB" dirty="0"/>
-              <a:t>Diagram</a:t>
-            </a:r>
-          </a:p>
-          <a:p>
-            <a:r>
-              <a:rPr lang="en-GB" dirty="0" smtClean="0"/>
-              <a:t>Component </a:t>
-            </a:r>
-            <a:r>
-              <a:rPr lang="en-GB" dirty="0"/>
-              <a:t>Diagram</a:t>
-            </a:r>
-          </a:p>
-          <a:p>
-            <a:r>
-              <a:rPr lang="en-GB" dirty="0" smtClean="0"/>
-              <a:t>Deployment </a:t>
-            </a:r>
-            <a:r>
-              <a:rPr lang="en-GB" dirty="0"/>
-              <a:t>Diagram</a:t>
-            </a:r>
-          </a:p>
-          <a:p>
-            <a:r>
-              <a:rPr lang="en-GB" dirty="0" smtClean="0"/>
-              <a:t>Composite </a:t>
-            </a:r>
-            <a:r>
-              <a:rPr lang="en-GB" dirty="0"/>
-              <a:t>Structure Diagrams</a:t>
-            </a:r>
-          </a:p>
-          <a:p>
-            <a:r>
-              <a:rPr lang="en-GB" dirty="0" smtClean="0"/>
-              <a:t>Class </a:t>
-            </a:r>
-            <a:r>
-              <a:rPr lang="en-GB" dirty="0"/>
-              <a:t>Diagram</a:t>
-            </a:r>
-          </a:p>
-          <a:p>
-            <a:r>
-              <a:rPr lang="en-GB" dirty="0" smtClean="0"/>
-              <a:t>Sequence </a:t>
-            </a:r>
-            <a:r>
-              <a:rPr lang="en-GB" dirty="0"/>
-              <a:t>Diagram</a:t>
-            </a:r>
-          </a:p>
-          <a:p>
-            <a:r>
-              <a:rPr lang="en-GB" dirty="0" smtClean="0"/>
-              <a:t>Object </a:t>
-            </a:r>
-            <a:r>
-              <a:rPr lang="en-GB" dirty="0"/>
-              <a:t>Diagrams</a:t>
-            </a:r>
-          </a:p>
-        </p:txBody>
-      </p:sp>
-      <p:sp>
-        <p:nvSpPr>
-          <p:cNvPr id="5" name="Text Placeholder 4"/>
-          <p:cNvSpPr>
-            <a:spLocks noGrp="1"/>
-          </p:cNvSpPr>
-          <p:nvPr>
-            <p:ph type="body" sz="quarter" idx="3"/>
-          </p:nvPr>
-        </p:nvSpPr>
-        <p:spPr/>
-        <p:txBody>
-          <a:bodyPr/>
-          <a:lstStyle/>
-          <a:p>
+              <a:rPr lang="en-GB" b="1" dirty="0" smtClean="0">
+                <a:solidFill>
+                  <a:srgbClr val="FF0000"/>
+                </a:solidFill>
+              </a:rPr>
+              <a:t>Static </a:t>
+            </a:r>
+            <a:r>
+              <a:rPr lang="en-GB" b="1" dirty="0">
+                <a:solidFill>
+                  <a:srgbClr val="FF0000"/>
+                </a:solidFill>
+              </a:rPr>
+              <a:t>(or structural) </a:t>
+            </a:r>
+            <a:r>
+              <a:rPr lang="en-GB" dirty="0"/>
+              <a:t>view: emphasizes the static structure of the system using objects, attributes, operations and relationships. It includes class diagrams and composite structure diagrams.</a:t>
+            </a:r>
+          </a:p>
+          <a:p>
+            <a:r>
+              <a:rPr lang="en-GB" b="1" dirty="0">
+                <a:solidFill>
+                  <a:srgbClr val="FF0000"/>
+                </a:solidFill>
+              </a:rPr>
+              <a:t>Dynamic (or </a:t>
+            </a:r>
+            <a:r>
+              <a:rPr lang="en-GB" b="1" dirty="0" err="1">
+                <a:solidFill>
+                  <a:srgbClr val="FF0000"/>
+                </a:solidFill>
+              </a:rPr>
+              <a:t>behavioral</a:t>
+            </a:r>
+            <a:r>
+              <a:rPr lang="en-GB" b="1" dirty="0">
+                <a:solidFill>
+                  <a:srgbClr val="FF0000"/>
+                </a:solidFill>
+              </a:rPr>
+              <a:t>) </a:t>
+            </a:r>
+            <a:r>
+              <a:rPr lang="en-GB" dirty="0"/>
+              <a:t>view: emphasizes the dynamic </a:t>
+            </a:r>
             <a:r>
               <a:rPr lang="en-GB" dirty="0" err="1"/>
-              <a:t>Behavior</a:t>
-            </a:r>
-            <a:r>
-              <a:rPr lang="en-GB" dirty="0"/>
-              <a:t> Diagrams</a:t>
-            </a:r>
-          </a:p>
-        </p:txBody>
-      </p:sp>
-      <p:sp>
-        <p:nvSpPr>
-          <p:cNvPr id="6" name="Content Placeholder 5"/>
-          <p:cNvSpPr>
-            <a:spLocks noGrp="1"/>
-          </p:cNvSpPr>
-          <p:nvPr>
-            <p:ph sz="quarter" idx="4"/>
-          </p:nvPr>
-        </p:nvSpPr>
-        <p:spPr>
-          <a:xfrm>
-            <a:off x="4629150" y="2505075"/>
-            <a:ext cx="4362450" cy="3684588"/>
-          </a:xfrm>
-        </p:spPr>
-        <p:txBody>
-          <a:bodyPr>
-            <a:normAutofit fontScale="77500" lnSpcReduction="20000"/>
-          </a:bodyPr>
-          <a:lstStyle/>
-          <a:p>
-            <a:r>
-              <a:rPr lang="en-GB" dirty="0" smtClean="0"/>
-              <a:t>Use </a:t>
-            </a:r>
-            <a:r>
-              <a:rPr lang="en-GB" dirty="0"/>
-              <a:t>Case Diagram</a:t>
-            </a:r>
-          </a:p>
-          <a:p>
-            <a:r>
-              <a:rPr lang="en-GB" dirty="0" smtClean="0"/>
-              <a:t>Activity </a:t>
-            </a:r>
-            <a:r>
-              <a:rPr lang="en-GB" dirty="0"/>
-              <a:t>Diagram</a:t>
-            </a:r>
-          </a:p>
-          <a:p>
-            <a:r>
-              <a:rPr lang="en-GB" dirty="0" smtClean="0"/>
-              <a:t>State </a:t>
-            </a:r>
-            <a:r>
-              <a:rPr lang="en-GB" dirty="0"/>
-              <a:t>Machine Diagrams</a:t>
-            </a:r>
-          </a:p>
-          <a:p>
-            <a:endParaRPr lang="en-GB" dirty="0" smtClean="0"/>
-          </a:p>
-          <a:p>
-            <a:pPr marL="0" indent="0">
-              <a:buNone/>
-            </a:pPr>
-            <a:r>
-              <a:rPr lang="en-GB" b="1" dirty="0" smtClean="0"/>
-              <a:t>Interaction </a:t>
-            </a:r>
-            <a:r>
-              <a:rPr lang="en-GB" b="1" dirty="0"/>
-              <a:t>Diagrams</a:t>
-            </a:r>
-          </a:p>
-          <a:p>
-            <a:r>
-              <a:rPr lang="en-GB" dirty="0" smtClean="0"/>
-              <a:t>Communication </a:t>
-            </a:r>
-            <a:r>
-              <a:rPr lang="en-GB" dirty="0"/>
-              <a:t>Diagrams</a:t>
-            </a:r>
-          </a:p>
-          <a:p>
-            <a:r>
-              <a:rPr lang="en-GB" dirty="0" smtClean="0"/>
-              <a:t>Interaction </a:t>
-            </a:r>
-            <a:r>
-              <a:rPr lang="en-GB" dirty="0"/>
-              <a:t>Overview Diagrams</a:t>
-            </a:r>
-          </a:p>
-          <a:p>
-            <a:r>
-              <a:rPr lang="en-GB" dirty="0" smtClean="0"/>
-              <a:t>Timing </a:t>
-            </a:r>
-            <a:r>
-              <a:rPr lang="en-GB" dirty="0"/>
-              <a:t>Diagrams</a:t>
-            </a:r>
+              <a:t>behavior</a:t>
+            </a:r>
+            <a:r>
+              <a:rPr lang="en-GB" dirty="0"/>
+              <a:t> of the system by showing collaborations among objects and changes to the internal states of objects. This view includes sequence diagrams, activity diagrams and state machine </a:t>
+            </a:r>
+            <a:r>
+              <a:rPr lang="en-GB" dirty="0" smtClean="0"/>
+              <a:t>diagrams</a:t>
+            </a:r>
+            <a:endParaRPr lang="en-GB" dirty="0"/>
           </a:p>
         </p:txBody>
       </p:sp>
     </p:spTree>
     <p:extLst>
       <p:ext uri="{BB962C8B-B14F-4D97-AF65-F5344CB8AC3E}">
-        <p14:creationId xmlns:p14="http://schemas.microsoft.com/office/powerpoint/2010/main" val="1819123726"/>
+        <p14:creationId xmlns:p14="http://schemas.microsoft.com/office/powerpoint/2010/main" val="981174009"/>
       </p:ext>
     </p:extLst>
   </p:cSld>
@@ -4983,21 +4772,35 @@
           <a:lstStyle/>
           <a:p>
             <a:r>
-              <a:rPr lang="en-GB" dirty="0" smtClean="0"/>
-              <a:t>Question</a:t>
-            </a:r>
-            <a:endParaRPr lang="en-GB" dirty="0"/>
-          </a:p>
-        </p:txBody>
-      </p:sp>
-      <p:sp>
-        <p:nvSpPr>
-          <p:cNvPr id="3" name="Content Placeholder 2"/>
-          <p:cNvSpPr>
-            <a:spLocks noGrp="1"/>
-          </p:cNvSpPr>
-          <p:nvPr>
-            <p:ph idx="1"/>
+              <a:rPr lang="en-GB" dirty="0"/>
+              <a:t>Two UML Views </a:t>
+            </a:r>
+            <a:br>
+              <a:rPr lang="en-GB" dirty="0"/>
+            </a:br>
+            <a:r>
+              <a:rPr lang="en-GB" dirty="0"/>
+              <a:t>of </a:t>
+            </a:r>
+            <a:r>
+              <a:rPr lang="en-GB" dirty="0" smtClean="0"/>
+              <a:t>the System </a:t>
+            </a:r>
+            <a:r>
+              <a:rPr lang="en-GB" dirty="0"/>
+              <a:t>Model</a:t>
+            </a:r>
+          </a:p>
+        </p:txBody>
+      </p:sp>
+      <p:sp>
+        <p:nvSpPr>
+          <p:cNvPr id="3" name="Text Placeholder 2"/>
+          <p:cNvSpPr>
+            <a:spLocks noGrp="1"/>
+          </p:cNvSpPr>
+          <p:nvPr>
+            <p:ph type="body" idx="1"/>
           </p:nvPr>
         </p:nvSpPr>
         <p:spPr/>
@@ -5006,77 +4809,234 @@
           <a:lstStyle/>
           <a:p>
             <a:r>
-              <a:rPr lang="en-GB" dirty="0" smtClean="0"/>
-              <a:t>Is a “Class Diagram” a static or dynamic system model view?</a:t>
-            </a:r>
-          </a:p>
-          <a:p>
-            <a:endParaRPr lang="en-GB" dirty="0"/>
-          </a:p>
-          <a:p>
-            <a:pPr marL="514350" indent="-514350">
-              <a:buAutoNum type="alphaLcParenR"/>
+              <a:rPr lang="en-GB" dirty="0"/>
+              <a:t>Structure </a:t>
+            </a:r>
+            <a:r>
+              <a:rPr lang="en-GB" dirty="0" smtClean="0"/>
+              <a:t>Diagrams</a:t>
+            </a:r>
+            <a:endParaRPr lang="en-GB" dirty="0"/>
+          </a:p>
+        </p:txBody>
+      </p:sp>
+      <p:sp>
+        <p:nvSpPr>
+          <p:cNvPr id="4" name="Content Placeholder 3"/>
+          <p:cNvSpPr>
+            <a:spLocks noGrp="1"/>
+          </p:cNvSpPr>
+          <p:nvPr>
+            <p:ph sz="half" idx="2"/>
+          </p:nvPr>
+        </p:nvSpPr>
+        <p:spPr/>
+        <p:txBody>
+          <a:bodyPr>
+            <a:normAutofit fontScale="85000" lnSpcReduction="10000"/>
+          </a:bodyPr>
+          <a:lstStyle/>
+          <a:p>
+            <a:r>
+              <a:rPr lang="en-GB" dirty="0" smtClean="0"/>
+              <a:t>Package </a:t>
+            </a:r>
+            <a:r>
+              <a:rPr lang="en-GB" dirty="0"/>
+              <a:t>Diagram</a:t>
+            </a:r>
+          </a:p>
+          <a:p>
+            <a:r>
+              <a:rPr lang="en-GB" dirty="0" smtClean="0"/>
+              <a:t>Component </a:t>
+            </a:r>
+            <a:r>
+              <a:rPr lang="en-GB" dirty="0"/>
+              <a:t>Diagram</a:t>
+            </a:r>
+          </a:p>
+          <a:p>
+            <a:r>
+              <a:rPr lang="en-GB" dirty="0" smtClean="0"/>
+              <a:t>Deployment </a:t>
+            </a:r>
+            <a:r>
+              <a:rPr lang="en-GB" dirty="0"/>
+              <a:t>Diagram</a:t>
+            </a:r>
+          </a:p>
+          <a:p>
+            <a:r>
+              <a:rPr lang="en-GB" dirty="0" smtClean="0"/>
+              <a:t>Composite </a:t>
+            </a:r>
+            <a:r>
+              <a:rPr lang="en-GB" dirty="0"/>
+              <a:t>Structure Diagrams</a:t>
+            </a:r>
+          </a:p>
+          <a:p>
+            <a:r>
+              <a:rPr lang="en-GB" dirty="0" smtClean="0"/>
+              <a:t>Class </a:t>
+            </a:r>
+            <a:r>
+              <a:rPr lang="en-GB" dirty="0"/>
+              <a:t>Diagram</a:t>
+            </a:r>
+          </a:p>
+          <a:p>
+            <a:r>
+              <a:rPr lang="en-GB" dirty="0" smtClean="0"/>
+              <a:t>Sequence </a:t>
+            </a:r>
+            <a:r>
+              <a:rPr lang="en-GB" dirty="0"/>
+              <a:t>Diagram</a:t>
+            </a:r>
+          </a:p>
+          <a:p>
+            <a:r>
+              <a:rPr lang="en-GB" dirty="0" smtClean="0"/>
+              <a:t>Object </a:t>
+            </a:r>
+            <a:r>
+              <a:rPr lang="en-GB" dirty="0"/>
+              <a:t>Diagrams</a:t>
+            </a:r>
+          </a:p>
+        </p:txBody>
+      </p:sp>
+      <p:sp>
+        <p:nvSpPr>
+          <p:cNvPr id="5" name="Text Placeholder 4"/>
+          <p:cNvSpPr>
+            <a:spLocks noGrp="1"/>
+          </p:cNvSpPr>
+          <p:nvPr>
+            <p:ph type="body" sz="quarter" idx="3"/>
+          </p:nvPr>
+        </p:nvSpPr>
+        <p:spPr/>
+        <p:txBody>
+          <a:bodyPr/>
+          <a:lstStyle/>
+          <a:p>
+            <a:r>
+              <a:rPr lang="en-GB" dirty="0" err="1"/>
+              <a:t>Behavior</a:t>
+            </a:r>
+            <a:r>
+              <a:rPr lang="en-GB" dirty="0"/>
+              <a:t> Diagrams</a:t>
+            </a:r>
+          </a:p>
+        </p:txBody>
+      </p:sp>
+      <p:sp>
+        <p:nvSpPr>
+          <p:cNvPr id="6" name="Content Placeholder 5"/>
+          <p:cNvSpPr>
+            <a:spLocks noGrp="1"/>
+          </p:cNvSpPr>
+          <p:nvPr>
+            <p:ph sz="quarter" idx="4"/>
+          </p:nvPr>
+        </p:nvSpPr>
+        <p:spPr>
+          <a:xfrm>
+            <a:off x="4629150" y="2505075"/>
+            <a:ext cx="4362450" cy="3684588"/>
+          </a:xfrm>
+        </p:spPr>
+        <p:txBody>
+          <a:bodyPr>
+            <a:normAutofit fontScale="77500" lnSpcReduction="20000"/>
+          </a:bodyPr>
+          <a:lstStyle/>
+          <a:p>
+            <a:r>
+              <a:rPr lang="en-GB" dirty="0" smtClean="0"/>
+              <a:t>Use </a:t>
+            </a:r>
+            <a:r>
+              <a:rPr lang="en-GB" dirty="0"/>
+              <a:t>Case Diagram</a:t>
+            </a:r>
+          </a:p>
+          <a:p>
+            <a:r>
+              <a:rPr lang="en-GB" dirty="0" smtClean="0"/>
+              <a:t>Activity </a:t>
+            </a:r>
+            <a:r>
+              <a:rPr lang="en-GB" dirty="0"/>
+              <a:t>Diagram</a:t>
+            </a:r>
+          </a:p>
+          <a:p>
+            <a:r>
+              <a:rPr lang="en-GB" dirty="0" smtClean="0"/>
+              <a:t>State </a:t>
+            </a:r>
+            <a:r>
+              <a:rPr lang="en-GB" dirty="0"/>
+              <a:t>Machine Diagrams</a:t>
+            </a:r>
+          </a:p>
+          <a:p>
+            <a:endParaRPr lang="en-GB" dirty="0" smtClean="0"/>
+          </a:p>
+          <a:p>
+            <a:pPr marL="0" indent="0">
+              <a:buNone/>
             </a:pPr>
             <a:r>
-              <a:rPr lang="en-GB" dirty="0" smtClean="0"/>
-              <a:t>Static (or Structural)</a:t>
-            </a:r>
-          </a:p>
-          <a:p>
-            <a:pPr marL="514350" indent="-514350">
-              <a:buAutoNum type="alphaLcParenR"/>
-            </a:pPr>
-            <a:r>
-              <a:rPr lang="en-GB" dirty="0" smtClean="0"/>
-              <a:t>Dynamic (</a:t>
-            </a:r>
-            <a:r>
-              <a:rPr lang="en-GB" dirty="0" smtClean="0">
-                <a:solidFill>
-                  <a:schemeClr val="bg2"/>
-                </a:solidFill>
-              </a:rPr>
-              <a:t>or </a:t>
-            </a:r>
-            <a:r>
-              <a:rPr lang="en-GB" dirty="0" err="1">
-                <a:solidFill>
-                  <a:schemeClr val="bg2"/>
-                </a:solidFill>
-              </a:rPr>
-              <a:t>B</a:t>
-            </a:r>
-            <a:r>
-              <a:rPr lang="en-GB" dirty="0" err="1" smtClean="0">
-                <a:solidFill>
-                  <a:schemeClr val="bg2"/>
-                </a:solidFill>
-              </a:rPr>
-              <a:t>ehavioral</a:t>
-            </a:r>
-            <a:r>
-              <a:rPr lang="en-GB" b="1" dirty="0" smtClean="0">
-                <a:solidFill>
-                  <a:schemeClr val="bg2"/>
-                </a:solidFill>
-              </a:rPr>
-              <a:t>)</a:t>
-            </a:r>
-            <a:endParaRPr lang="en-GB" dirty="0">
-              <a:solidFill>
-                <a:schemeClr val="bg2"/>
-              </a:solidFill>
-            </a:endParaRPr>
-          </a:p>
-          <a:p>
-            <a:endParaRPr lang="en-GB" dirty="0"/>
+              <a:rPr lang="en-GB" b="1" dirty="0" smtClean="0"/>
+              <a:t>Interaction </a:t>
+            </a:r>
+            <a:r>
+              <a:rPr lang="en-GB" b="1" dirty="0"/>
+              <a:t>Diagrams</a:t>
+            </a:r>
+          </a:p>
+          <a:p>
+            <a:r>
+              <a:rPr lang="en-GB" dirty="0" smtClean="0"/>
+              <a:t>Communication </a:t>
+            </a:r>
+            <a:r>
+              <a:rPr lang="en-GB" dirty="0"/>
+              <a:t>Diagrams</a:t>
+            </a:r>
+          </a:p>
+          <a:p>
+            <a:r>
+              <a:rPr lang="en-GB" dirty="0" smtClean="0"/>
+              <a:t>Interaction </a:t>
+            </a:r>
+            <a:r>
+              <a:rPr lang="en-GB" dirty="0"/>
+              <a:t>Overview Diagrams</a:t>
+            </a:r>
+          </a:p>
+          <a:p>
+            <a:r>
+              <a:rPr lang="en-GB" dirty="0" smtClean="0"/>
+              <a:t>Timing </a:t>
+            </a:r>
+            <a:r>
+              <a:rPr lang="en-GB" dirty="0"/>
+              <a:t>Diagrams</a:t>
+            </a:r>
           </a:p>
         </p:txBody>
       </p:sp>
     </p:spTree>
     <p:extLst>
       <p:ext uri="{BB962C8B-B14F-4D97-AF65-F5344CB8AC3E}">
-        <p14:creationId xmlns:p14="http://schemas.microsoft.com/office/powerpoint/2010/main" val="810396881"/>
+        <p14:creationId xmlns:p14="http://schemas.microsoft.com/office/powerpoint/2010/main" val="1819123726"/>
       </p:ext>
     </p:extLst>
   </p:cSld>
@@ -5127,6 +5087,149 @@
           <a:p>
             <a:r>
               <a:rPr lang="en-GB" dirty="0" smtClean="0"/>
+              <a:t>Question</a:t>
+            </a:r>
+            <a:endParaRPr lang="en-GB" dirty="0"/>
+          </a:p>
+        </p:txBody>
+      </p:sp>
+      <p:sp>
+        <p:nvSpPr>
+          <p:cNvPr id="3" name="Content Placeholder 2"/>
+          <p:cNvSpPr>
+            <a:spLocks noGrp="1"/>
+          </p:cNvSpPr>
+          <p:nvPr>
+            <p:ph idx="1"/>
+          </p:nvPr>
+        </p:nvSpPr>
+        <p:spPr/>
+        <p:txBody>
+          <a:bodyPr/>
+          <a:lstStyle/>
+          <a:p>
+            <a:r>
+              <a:rPr lang="en-GB" dirty="0" smtClean="0"/>
+              <a:t>Is a “Class Diagram” a static or dynamic system model view?</a:t>
+            </a:r>
+          </a:p>
+          <a:p>
+            <a:endParaRPr lang="en-GB" dirty="0"/>
+          </a:p>
+          <a:p>
+            <a:pPr marL="514350" indent="-514350">
+              <a:buAutoNum type="alphaLcParenR"/>
+            </a:pPr>
+            <a:r>
+              <a:rPr lang="en-GB" dirty="0" smtClean="0"/>
+              <a:t>Static (or Structural)</a:t>
+            </a:r>
+          </a:p>
+          <a:p>
+            <a:pPr marL="514350" indent="-514350">
+              <a:buAutoNum type="alphaLcParenR"/>
+            </a:pPr>
+            <a:r>
+              <a:rPr lang="en-GB" dirty="0" smtClean="0"/>
+              <a:t>Dynamic (</a:t>
+            </a:r>
+            <a:r>
+              <a:rPr lang="en-GB" dirty="0" smtClean="0">
+                <a:solidFill>
+                  <a:schemeClr val="bg2"/>
+                </a:solidFill>
+              </a:rPr>
+              <a:t>or </a:t>
+            </a:r>
+            <a:r>
+              <a:rPr lang="en-GB" dirty="0" err="1">
+                <a:solidFill>
+                  <a:schemeClr val="bg2"/>
+                </a:solidFill>
+              </a:rPr>
+              <a:t>B</a:t>
+            </a:r>
+            <a:r>
+              <a:rPr lang="en-GB" dirty="0" err="1" smtClean="0">
+                <a:solidFill>
+                  <a:schemeClr val="bg2"/>
+                </a:solidFill>
+              </a:rPr>
+              <a:t>ehavioral</a:t>
+            </a:r>
+            <a:r>
+              <a:rPr lang="en-GB" b="1" dirty="0" smtClean="0">
+                <a:solidFill>
+                  <a:schemeClr val="bg2"/>
+                </a:solidFill>
+              </a:rPr>
+              <a:t>)</a:t>
+            </a:r>
+            <a:endParaRPr lang="en-GB" dirty="0">
+              <a:solidFill>
+                <a:schemeClr val="bg2"/>
+              </a:solidFill>
+            </a:endParaRPr>
+          </a:p>
+          <a:p>
+            <a:endParaRPr lang="en-GB" dirty="0"/>
+          </a:p>
+        </p:txBody>
+      </p:sp>
+    </p:spTree>
+    <p:extLst>
+      <p:ext uri="{BB962C8B-B14F-4D97-AF65-F5344CB8AC3E}">
+        <p14:creationId xmlns:p14="http://schemas.microsoft.com/office/powerpoint/2010/main" val="810396881"/>
+      </p:ext>
+    </p:extLst>
+  </p:cSld>
+  <p:clrMapOvr>
+    <a:masterClrMapping/>
+  </p:clrMapOvr>
+  <p:timing>
+    <p:tnLst>
+      <p:par>
+        <p:cTn id="1" dur="indefinite" restart="never" nodeType="tmRoot"/>
+      </p:par>
+    </p:tnLst>
+  </p:timing>
+</p:sld>
+</file>
+
+<file path=ppt/slides/slide18.xml><?xml version="1.0" encoding="utf-8"?>
+<p:sld xmlns:a="http://schemas.openxmlformats.org/drawingml/2006/main" xmlns:r="http://schemas.openxmlformats.org/officeDocument/2006/relationships" xmlns:p="http://schemas.openxmlformats.org/presentationml/2006/main">
+  <p:cSld>
+    <p:spTree>
+      <p:nvGrpSpPr>
+        <p:cNvPr id="1" name=""/>
+        <p:cNvGrpSpPr/>
+        <p:nvPr/>
+      </p:nvGrpSpPr>
+      <p:grpSpPr>
+        <a:xfrm>
+          <a:off x="0" y="0"/>
+          <a:ext cx="0" cy="0"/>
+          <a:chOff x="0" y="0"/>
+          <a:chExt cx="0" cy="0"/>
+        </a:xfrm>
+      </p:grpSpPr>
+      <p:sp>
+        <p:nvSpPr>
+          <p:cNvPr id="2" name="Title 1"/>
+          <p:cNvSpPr>
+            <a:spLocks noGrp="1"/>
+          </p:cNvSpPr>
+          <p:nvPr>
+            <p:ph type="title"/>
+          </p:nvPr>
+        </p:nvSpPr>
+        <p:spPr/>
+        <p:txBody>
+          <a:bodyPr/>
+          <a:lstStyle/>
+          <a:p>
+            <a:r>
+              <a:rPr lang="en-GB" dirty="0" smtClean="0"/>
               <a:t>Answer</a:t>
             </a:r>
             <a:endParaRPr lang="en-GB" dirty="0"/>
@@ -5178,7 +5281,7 @@
 </p:sld>
 </file>
 
-<file path=ppt/slides/slide18.xml><?xml version="1.0" encoding="utf-8"?>
+<file path=ppt/slides/slide19.xml><?xml version="1.0" encoding="utf-8"?>
 <p:sld xmlns:a="http://schemas.openxmlformats.org/drawingml/2006/main" xmlns:r="http://schemas.openxmlformats.org/officeDocument/2006/relationships" xmlns:p="http://schemas.openxmlformats.org/presentationml/2006/main">
   <p:cSld>
     <p:spTree>
@@ -5343,7 +5446,250 @@
 </p:sld>
 </file>
 
-<file path=ppt/slides/slide19.xml><?xml version="1.0" encoding="utf-8"?>
+<file path=ppt/slides/slide2.xml><?xml version="1.0" encoding="utf-8"?>
+<p:sld xmlns:a="http://schemas.openxmlformats.org/drawingml/2006/main" xmlns:r="http://schemas.openxmlformats.org/officeDocument/2006/relationships" xmlns:p="http://schemas.openxmlformats.org/presentationml/2006/main">
+  <p:cSld>
+    <p:spTree>
+      <p:nvGrpSpPr>
+        <p:cNvPr id="1" name=""/>
+        <p:cNvGrpSpPr/>
+        <p:nvPr/>
+      </p:nvGrpSpPr>
+      <p:grpSpPr>
+        <a:xfrm>
+          <a:off x="0" y="0"/>
+          <a:ext cx="0" cy="0"/>
+          <a:chOff x="0" y="0"/>
+          <a:chExt cx="0" cy="0"/>
+        </a:xfrm>
+      </p:grpSpPr>
+      <p:sp>
+        <p:nvSpPr>
+          <p:cNvPr id="2" name="Title 1"/>
+          <p:cNvSpPr>
+            <a:spLocks noGrp="1"/>
+          </p:cNvSpPr>
+          <p:nvPr>
+            <p:ph type="title"/>
+          </p:nvPr>
+        </p:nvSpPr>
+        <p:spPr>
+          <a:xfrm>
+            <a:off x="685800" y="152400"/>
+            <a:ext cx="7772400" cy="1143000"/>
+          </a:xfrm>
+        </p:spPr>
+        <p:txBody>
+          <a:bodyPr/>
+          <a:lstStyle/>
+          <a:p>
+            <a:r>
+              <a:rPr lang="en-GB" dirty="0" smtClean="0"/>
+              <a:t>Version Control</a:t>
+            </a:r>
+            <a:endParaRPr lang="en-GB" dirty="0"/>
+          </a:p>
+        </p:txBody>
+      </p:sp>
+      <p:sp>
+        <p:nvSpPr>
+          <p:cNvPr id="3" name="Content Placeholder 2"/>
+          <p:cNvSpPr>
+            <a:spLocks noGrp="1"/>
+          </p:cNvSpPr>
+          <p:nvPr>
+            <p:ph idx="1"/>
+          </p:nvPr>
+        </p:nvSpPr>
+        <p:spPr>
+          <a:xfrm>
+            <a:off x="533400" y="1371600"/>
+            <a:ext cx="8153400" cy="4724400"/>
+          </a:xfrm>
+        </p:spPr>
+        <p:txBody>
+          <a:bodyPr>
+            <a:normAutofit fontScale="77500" lnSpcReduction="20000"/>
+          </a:bodyPr>
+          <a:lstStyle/>
+          <a:p>
+            <a:r>
+              <a:rPr lang="en-GB" dirty="0" smtClean="0"/>
+              <a:t>Example</a:t>
+            </a:r>
+          </a:p>
+          <a:p>
+            <a:pPr marL="0" indent="0">
+              <a:buNone/>
+            </a:pPr>
+            <a:r>
+              <a:rPr lang="en-GB" dirty="0" smtClean="0"/>
+              <a:t>Team Princess</a:t>
+            </a:r>
+          </a:p>
+          <a:p>
+            <a:pPr marL="400050" lvl="1" indent="0">
+              <a:buNone/>
+            </a:pPr>
+            <a:r>
+              <a:rPr lang="en-GB" dirty="0" smtClean="0"/>
+              <a:t>3 Members</a:t>
+            </a:r>
+          </a:p>
+          <a:p>
+            <a:pPr marL="400050" lvl="1" indent="0">
+              <a:buNone/>
+            </a:pPr>
+            <a:r>
+              <a:rPr lang="en-GB" dirty="0" smtClean="0"/>
+              <a:t>3 </a:t>
+            </a:r>
+            <a:r>
+              <a:rPr lang="en-GB" dirty="0" err="1" smtClean="0"/>
+              <a:t>Github</a:t>
+            </a:r>
+            <a:r>
+              <a:rPr lang="en-GB" dirty="0" smtClean="0"/>
+              <a:t> Users</a:t>
+            </a:r>
+          </a:p>
+          <a:p>
+            <a:pPr marL="0" indent="0">
+              <a:buNone/>
+            </a:pPr>
+            <a:r>
+              <a:rPr lang="en-GB" dirty="0" smtClean="0"/>
+              <a:t>e.g</a:t>
+            </a:r>
+            <a:r>
+              <a:rPr lang="en-GB" dirty="0"/>
+              <a:t>., </a:t>
+            </a:r>
+            <a:endParaRPr lang="en-GB" dirty="0" smtClean="0"/>
+          </a:p>
+          <a:p>
+            <a:pPr marL="0" indent="0">
+              <a:buNone/>
+            </a:pPr>
+            <a:r>
+              <a:rPr lang="en-GB" dirty="0"/>
+              <a:t>	</a:t>
+            </a:r>
+            <a:r>
+              <a:rPr lang="en-GB" dirty="0" smtClean="0"/>
+              <a:t>Elva1997</a:t>
+            </a:r>
+            <a:r>
+              <a:rPr lang="en-GB" dirty="0"/>
+              <a:t>, </a:t>
+            </a:r>
+            <a:endParaRPr lang="en-GB" dirty="0" smtClean="0"/>
+          </a:p>
+          <a:p>
+            <a:pPr marL="0" indent="0">
+              <a:buNone/>
+            </a:pPr>
+            <a:r>
+              <a:rPr lang="en-GB" dirty="0"/>
+              <a:t>	</a:t>
+            </a:r>
+            <a:r>
+              <a:rPr lang="en-GB" dirty="0" smtClean="0"/>
+              <a:t>michelle0924hhx</a:t>
+            </a:r>
+            <a:r>
+              <a:rPr lang="en-GB" dirty="0"/>
+              <a:t>, </a:t>
+            </a:r>
+            <a:endParaRPr lang="en-GB" dirty="0" smtClean="0"/>
+          </a:p>
+          <a:p>
+            <a:pPr marL="0" indent="0">
+              <a:buNone/>
+            </a:pPr>
+            <a:r>
+              <a:rPr lang="en-GB" dirty="0"/>
+              <a:t>	</a:t>
+            </a:r>
+            <a:r>
+              <a:rPr lang="en-GB" dirty="0" err="1" smtClean="0"/>
+              <a:t>KimJaeHwang</a:t>
+            </a:r>
+            <a:endParaRPr lang="en-GB" dirty="0" smtClean="0"/>
+          </a:p>
+          <a:p>
+            <a:pPr marL="0" indent="0">
+              <a:buNone/>
+            </a:pPr>
+            <a:r>
+              <a:rPr lang="en-GB" dirty="0" smtClean="0"/>
+              <a:t>Each user can join and have lots of repositories.</a:t>
+            </a:r>
+          </a:p>
+          <a:p>
+            <a:pPr marL="0" indent="0">
+              <a:buNone/>
+            </a:pPr>
+            <a:endParaRPr lang="en-GB" dirty="0" smtClean="0"/>
+          </a:p>
+          <a:p>
+            <a:pPr marL="0" indent="0">
+              <a:buNone/>
+            </a:pPr>
+            <a:r>
+              <a:rPr lang="en-GB" sz="3400" dirty="0"/>
+              <a:t>All members of the </a:t>
+            </a:r>
+            <a:r>
+              <a:rPr lang="en-GB" sz="3400" dirty="0" smtClean="0"/>
+              <a:t>common team repository</a:t>
+            </a:r>
+          </a:p>
+          <a:p>
+            <a:pPr marL="0" indent="0">
+              <a:buNone/>
+            </a:pPr>
+            <a:r>
+              <a:rPr lang="en-GB" sz="3400" dirty="0"/>
+              <a:t>	</a:t>
+            </a:r>
+            <a:r>
+              <a:rPr lang="en-GB" sz="3400" dirty="0" smtClean="0"/>
+              <a:t>https</a:t>
+            </a:r>
+            <a:r>
+              <a:rPr lang="en-GB" sz="3400" dirty="0"/>
+              <a:t>://github.com/princess2017</a:t>
+            </a:r>
+          </a:p>
+          <a:p>
+            <a:pPr marL="0" indent="0">
+              <a:buNone/>
+            </a:pPr>
+            <a:endParaRPr lang="en-GB" dirty="0" smtClean="0"/>
+          </a:p>
+          <a:p>
+            <a:pPr marL="0" indent="0">
+              <a:buNone/>
+            </a:pPr>
+            <a:endParaRPr lang="en-GB" dirty="0" smtClean="0"/>
+          </a:p>
+        </p:txBody>
+      </p:sp>
+    </p:spTree>
+    <p:extLst>
+      <p:ext uri="{BB962C8B-B14F-4D97-AF65-F5344CB8AC3E}">
+        <p14:creationId xmlns:p14="http://schemas.microsoft.com/office/powerpoint/2010/main" val="122881447"/>
+      </p:ext>
+    </p:extLst>
+  </p:cSld>
+  <p:clrMapOvr>
+    <a:masterClrMapping/>
+  </p:clrMapOvr>
+</p:sld>
+</file>
+
+<file path=ppt/slides/slide20.xml><?xml version="1.0" encoding="utf-8"?>
 <p:sld xmlns:a="http://schemas.openxmlformats.org/drawingml/2006/main" xmlns:r="http://schemas.openxmlformats.org/officeDocument/2006/relationships" xmlns:p="http://schemas.openxmlformats.org/presentationml/2006/main">
   <p:cSld>
     <p:spTree>
@@ -5532,7 +5878,1450 @@
 </p:sld>
 </file>
 
-<file path=ppt/slides/slide2.xml><?xml version="1.0" encoding="utf-8"?>
+<file path=ppt/slides/slide21.xml><?xml version="1.0" encoding="utf-8"?>
+<p:sld xmlns:a="http://schemas.openxmlformats.org/drawingml/2006/main" xmlns:r="http://schemas.openxmlformats.org/officeDocument/2006/relationships" xmlns:p="http://schemas.openxmlformats.org/presentationml/2006/main">
+  <p:cSld>
+    <p:spTree>
+      <p:nvGrpSpPr>
+        <p:cNvPr id="1" name=""/>
+        <p:cNvGrpSpPr/>
+        <p:nvPr/>
+      </p:nvGrpSpPr>
+      <p:grpSpPr>
+        <a:xfrm>
+          <a:off x="0" y="0"/>
+          <a:ext cx="0" cy="0"/>
+          <a:chOff x="0" y="0"/>
+          <a:chExt cx="0" cy="0"/>
+        </a:xfrm>
+      </p:grpSpPr>
+      <p:sp>
+        <p:nvSpPr>
+          <p:cNvPr id="2" name="Title 1"/>
+          <p:cNvSpPr>
+            <a:spLocks noGrp="1"/>
+          </p:cNvSpPr>
+          <p:nvPr>
+            <p:ph type="title"/>
+          </p:nvPr>
+        </p:nvSpPr>
+        <p:spPr>
+          <a:xfrm>
+            <a:off x="533400" y="76200"/>
+            <a:ext cx="7772400" cy="1143000"/>
+          </a:xfrm>
+        </p:spPr>
+        <p:txBody>
+          <a:bodyPr/>
+          <a:lstStyle/>
+          <a:p>
+            <a:r>
+              <a:rPr lang="en-GB" dirty="0" err="1"/>
+              <a:t>Behavior</a:t>
+            </a:r>
+            <a:r>
+              <a:rPr lang="en-GB" dirty="0"/>
+              <a:t> </a:t>
+            </a:r>
+            <a:r>
+              <a:rPr lang="en-GB" dirty="0" smtClean="0"/>
+              <a:t>Diagrams</a:t>
+            </a:r>
+            <a:endParaRPr lang="en-GB" dirty="0"/>
+          </a:p>
+        </p:txBody>
+      </p:sp>
+      <p:sp>
+        <p:nvSpPr>
+          <p:cNvPr id="3" name="Content Placeholder 2"/>
+          <p:cNvSpPr>
+            <a:spLocks noGrp="1"/>
+          </p:cNvSpPr>
+          <p:nvPr>
+            <p:ph idx="1"/>
+          </p:nvPr>
+        </p:nvSpPr>
+        <p:spPr>
+          <a:xfrm>
+            <a:off x="685800" y="1524000"/>
+            <a:ext cx="7772400" cy="4953000"/>
+          </a:xfrm>
+        </p:spPr>
+        <p:txBody>
+          <a:bodyPr>
+            <a:normAutofit fontScale="92500"/>
+          </a:bodyPr>
+          <a:lstStyle/>
+          <a:p>
+            <a:r>
+              <a:rPr lang="en-GB" dirty="0" err="1"/>
+              <a:t>Behavior</a:t>
+            </a:r>
+            <a:r>
+              <a:rPr lang="en-GB" dirty="0"/>
+              <a:t> diagrams emphasize what must </a:t>
+            </a:r>
+            <a:r>
+              <a:rPr lang="en-GB" b="1" dirty="0">
+                <a:solidFill>
+                  <a:srgbClr val="FF0000"/>
+                </a:solidFill>
+              </a:rPr>
+              <a:t>happen</a:t>
+            </a:r>
+            <a:r>
+              <a:rPr lang="en-GB" dirty="0"/>
+              <a:t> in the system being </a:t>
+            </a:r>
+            <a:r>
+              <a:rPr lang="en-GB" dirty="0" smtClean="0"/>
+              <a:t>modelled</a:t>
+            </a:r>
+          </a:p>
+          <a:p>
+            <a:r>
+              <a:rPr lang="en-GB" dirty="0" smtClean="0"/>
+              <a:t>Since </a:t>
+            </a:r>
+            <a:r>
+              <a:rPr lang="en-GB" dirty="0" err="1"/>
+              <a:t>behavior</a:t>
+            </a:r>
+            <a:r>
+              <a:rPr lang="en-GB" dirty="0"/>
+              <a:t> diagrams illustrate the </a:t>
+            </a:r>
+            <a:r>
+              <a:rPr lang="en-GB" dirty="0" err="1"/>
+              <a:t>behavior</a:t>
+            </a:r>
+            <a:r>
+              <a:rPr lang="en-GB" dirty="0"/>
+              <a:t> of a system, they are used extensively to describe the </a:t>
+            </a:r>
+            <a:r>
+              <a:rPr lang="en-GB" dirty="0">
+                <a:solidFill>
+                  <a:srgbClr val="FF0000"/>
+                </a:solidFill>
+              </a:rPr>
+              <a:t>functionality </a:t>
+            </a:r>
+            <a:r>
+              <a:rPr lang="en-GB" dirty="0"/>
+              <a:t>of software </a:t>
+            </a:r>
+            <a:r>
+              <a:rPr lang="en-GB" dirty="0" smtClean="0"/>
+              <a:t>systems</a:t>
+            </a:r>
+          </a:p>
+          <a:p>
+            <a:r>
+              <a:rPr lang="en-GB" dirty="0" smtClean="0"/>
+              <a:t>As </a:t>
+            </a:r>
+            <a:r>
+              <a:rPr lang="en-GB" dirty="0"/>
+              <a:t>an example, the activity diagram describes the business and operational step-by-step </a:t>
+            </a:r>
+            <a:r>
+              <a:rPr lang="en-GB" dirty="0">
+                <a:solidFill>
+                  <a:srgbClr val="FF0000"/>
+                </a:solidFill>
+              </a:rPr>
+              <a:t>activities</a:t>
+            </a:r>
+            <a:r>
+              <a:rPr lang="en-GB" dirty="0"/>
+              <a:t> of the components in a </a:t>
+            </a:r>
+            <a:r>
+              <a:rPr lang="en-GB" dirty="0" smtClean="0"/>
+              <a:t>system</a:t>
+            </a:r>
+            <a:endParaRPr lang="en-GB" dirty="0"/>
+          </a:p>
+        </p:txBody>
+      </p:sp>
+    </p:spTree>
+    <p:extLst>
+      <p:ext uri="{BB962C8B-B14F-4D97-AF65-F5344CB8AC3E}">
+        <p14:creationId xmlns:p14="http://schemas.microsoft.com/office/powerpoint/2010/main" val="2944694768"/>
+      </p:ext>
+    </p:extLst>
+  </p:cSld>
+  <p:clrMapOvr>
+    <a:masterClrMapping/>
+  </p:clrMapOvr>
+  <p:timing>
+    <p:tnLst>
+      <p:par>
+        <p:cTn id="1" dur="indefinite" restart="never" nodeType="tmRoot"/>
+      </p:par>
+    </p:tnLst>
+  </p:timing>
+</p:sld>
+</file>
+
+<file path=ppt/slides/slide22.xml><?xml version="1.0" encoding="utf-8"?>
+<p:sld xmlns:a="http://schemas.openxmlformats.org/drawingml/2006/main" xmlns:r="http://schemas.openxmlformats.org/officeDocument/2006/relationships" xmlns:p="http://schemas.openxmlformats.org/presentationml/2006/main">
+  <p:cSld>
+    <p:spTree>
+      <p:nvGrpSpPr>
+        <p:cNvPr id="1" name=""/>
+        <p:cNvGrpSpPr/>
+        <p:nvPr/>
+      </p:nvGrpSpPr>
+      <p:grpSpPr>
+        <a:xfrm>
+          <a:off x="0" y="0"/>
+          <a:ext cx="0" cy="0"/>
+          <a:chOff x="0" y="0"/>
+          <a:chExt cx="0" cy="0"/>
+        </a:xfrm>
+      </p:grpSpPr>
+      <p:sp>
+        <p:nvSpPr>
+          <p:cNvPr id="2" name="Title 1"/>
+          <p:cNvSpPr>
+            <a:spLocks noGrp="1"/>
+          </p:cNvSpPr>
+          <p:nvPr>
+            <p:ph type="title"/>
+          </p:nvPr>
+        </p:nvSpPr>
+        <p:spPr/>
+        <p:txBody>
+          <a:bodyPr/>
+          <a:lstStyle/>
+          <a:p>
+            <a:r>
+              <a:rPr lang="en-GB" dirty="0" smtClean="0"/>
+              <a:t>Plan</a:t>
+            </a:r>
+            <a:endParaRPr lang="en-GB" dirty="0"/>
+          </a:p>
+        </p:txBody>
+      </p:sp>
+      <p:sp>
+        <p:nvSpPr>
+          <p:cNvPr id="3" name="Content Placeholder 2"/>
+          <p:cNvSpPr>
+            <a:spLocks noGrp="1"/>
+          </p:cNvSpPr>
+          <p:nvPr>
+            <p:ph idx="1"/>
+          </p:nvPr>
+        </p:nvSpPr>
+        <p:spPr/>
+        <p:txBody>
+          <a:bodyPr/>
+          <a:lstStyle/>
+          <a:p>
+            <a:r>
+              <a:rPr lang="en-GB" dirty="0" smtClean="0"/>
+              <a:t>Review diagrams </a:t>
+            </a:r>
+            <a:r>
+              <a:rPr lang="en-GB" dirty="0"/>
+              <a:t>in </a:t>
+            </a:r>
+            <a:r>
+              <a:rPr lang="en-GB" dirty="0" smtClean="0"/>
+              <a:t>an order </a:t>
+            </a:r>
+            <a:r>
+              <a:rPr lang="en-GB" dirty="0"/>
+              <a:t>in which one might typically develop </a:t>
+            </a:r>
+            <a:r>
+              <a:rPr lang="en-GB" dirty="0" smtClean="0"/>
+              <a:t>them</a:t>
+            </a:r>
+          </a:p>
+          <a:p>
+            <a:pPr lvl="1"/>
+            <a:r>
+              <a:rPr lang="en-GB" dirty="0" smtClean="0"/>
+              <a:t>i.e., instead of reviewing all the structural and then </a:t>
+            </a:r>
+            <a:r>
+              <a:rPr lang="en-GB" dirty="0" err="1" smtClean="0"/>
+              <a:t>behavioral</a:t>
+            </a:r>
+            <a:r>
+              <a:rPr lang="en-GB" dirty="0" smtClean="0"/>
+              <a:t> diagrams </a:t>
+            </a:r>
+            <a:r>
+              <a:rPr lang="en-GB" dirty="0" err="1" smtClean="0"/>
+              <a:t>seperately</a:t>
+            </a:r>
+            <a:endParaRPr lang="en-GB" dirty="0"/>
+          </a:p>
+        </p:txBody>
+      </p:sp>
+    </p:spTree>
+    <p:extLst>
+      <p:ext uri="{BB962C8B-B14F-4D97-AF65-F5344CB8AC3E}">
+        <p14:creationId xmlns:p14="http://schemas.microsoft.com/office/powerpoint/2010/main" val="3562105673"/>
+      </p:ext>
+    </p:extLst>
+  </p:cSld>
+  <p:clrMapOvr>
+    <a:masterClrMapping/>
+  </p:clrMapOvr>
+  <p:timing>
+    <p:tnLst>
+      <p:par>
+        <p:cTn id="1" dur="indefinite" restart="never" nodeType="tmRoot"/>
+      </p:par>
+    </p:tnLst>
+  </p:timing>
+</p:sld>
+</file>
+
+<file path=ppt/slides/slide23.xml><?xml version="1.0" encoding="utf-8"?>
+<p:sld xmlns:a="http://schemas.openxmlformats.org/drawingml/2006/main" xmlns:r="http://schemas.openxmlformats.org/officeDocument/2006/relationships" xmlns:p="http://schemas.openxmlformats.org/presentationml/2006/main">
+  <p:cSld>
+    <p:spTree>
+      <p:nvGrpSpPr>
+        <p:cNvPr id="1" name=""/>
+        <p:cNvGrpSpPr/>
+        <p:nvPr/>
+      </p:nvGrpSpPr>
+      <p:grpSpPr>
+        <a:xfrm>
+          <a:off x="0" y="0"/>
+          <a:ext cx="0" cy="0"/>
+          <a:chOff x="0" y="0"/>
+          <a:chExt cx="0" cy="0"/>
+        </a:xfrm>
+      </p:grpSpPr>
+      <p:sp>
+        <p:nvSpPr>
+          <p:cNvPr id="2" name="Title 1"/>
+          <p:cNvSpPr>
+            <a:spLocks noGrp="1"/>
+          </p:cNvSpPr>
+          <p:nvPr>
+            <p:ph type="title"/>
+          </p:nvPr>
+        </p:nvSpPr>
+        <p:spPr/>
+        <p:txBody>
+          <a:bodyPr/>
+          <a:lstStyle/>
+          <a:p>
+            <a:r>
+              <a:rPr lang="en-GB" dirty="0"/>
+              <a:t>Package </a:t>
+            </a:r>
+            <a:r>
+              <a:rPr lang="en-GB" dirty="0" smtClean="0"/>
+              <a:t>Diagrams</a:t>
+            </a:r>
+            <a:endParaRPr lang="en-GB" dirty="0"/>
+          </a:p>
+        </p:txBody>
+      </p:sp>
+      <p:sp>
+        <p:nvSpPr>
+          <p:cNvPr id="3" name="Content Placeholder 2"/>
+          <p:cNvSpPr>
+            <a:spLocks noGrp="1"/>
+          </p:cNvSpPr>
+          <p:nvPr>
+            <p:ph idx="1"/>
+          </p:nvPr>
+        </p:nvSpPr>
+        <p:spPr>
+          <a:xfrm>
+            <a:off x="685800" y="1981200"/>
+            <a:ext cx="7772400" cy="4419600"/>
+          </a:xfrm>
+        </p:spPr>
+        <p:txBody>
+          <a:bodyPr>
+            <a:normAutofit fontScale="70000" lnSpcReduction="20000"/>
+          </a:bodyPr>
+          <a:lstStyle/>
+          <a:p>
+            <a:r>
+              <a:rPr lang="en-GB" b="1" dirty="0">
+                <a:solidFill>
+                  <a:srgbClr val="FF0000"/>
+                </a:solidFill>
+              </a:rPr>
+              <a:t>Package </a:t>
+            </a:r>
+            <a:r>
+              <a:rPr lang="en-GB" b="1" dirty="0" smtClean="0">
+                <a:solidFill>
+                  <a:srgbClr val="FF0000"/>
+                </a:solidFill>
+              </a:rPr>
+              <a:t>Diagrams</a:t>
+            </a:r>
+            <a:endParaRPr lang="en-GB" b="1" dirty="0">
+              <a:solidFill>
+                <a:srgbClr val="FF0000"/>
+              </a:solidFill>
+            </a:endParaRPr>
+          </a:p>
+          <a:p>
+            <a:r>
+              <a:rPr lang="en-GB" dirty="0"/>
+              <a:t>Component </a:t>
+            </a:r>
+            <a:r>
+              <a:rPr lang="en-GB" dirty="0" smtClean="0"/>
+              <a:t>Diagrams</a:t>
+            </a:r>
+            <a:endParaRPr lang="en-GB" dirty="0"/>
+          </a:p>
+          <a:p>
+            <a:r>
+              <a:rPr lang="en-GB" dirty="0"/>
+              <a:t>Deployment </a:t>
+            </a:r>
+            <a:r>
+              <a:rPr lang="en-GB" dirty="0" smtClean="0"/>
+              <a:t>Diagrams</a:t>
+            </a:r>
+            <a:endParaRPr lang="en-GB" dirty="0"/>
+          </a:p>
+          <a:p>
+            <a:r>
+              <a:rPr lang="en-GB" dirty="0"/>
+              <a:t>Use </a:t>
+            </a:r>
+            <a:r>
+              <a:rPr lang="en-GB" dirty="0" smtClean="0"/>
+              <a:t>Case Diagrams</a:t>
+            </a:r>
+            <a:endParaRPr lang="en-GB" dirty="0"/>
+          </a:p>
+          <a:p>
+            <a:r>
+              <a:rPr lang="en-GB" dirty="0"/>
+              <a:t>Activity </a:t>
+            </a:r>
+            <a:r>
+              <a:rPr lang="en-GB" dirty="0" smtClean="0"/>
+              <a:t>Diagrams</a:t>
+            </a:r>
+            <a:endParaRPr lang="en-GB" dirty="0"/>
+          </a:p>
+          <a:p>
+            <a:r>
+              <a:rPr lang="en-GB" dirty="0"/>
+              <a:t>Class </a:t>
+            </a:r>
+            <a:r>
+              <a:rPr lang="en-GB" dirty="0" smtClean="0"/>
+              <a:t>Diagrams</a:t>
+            </a:r>
+            <a:endParaRPr lang="en-GB" dirty="0"/>
+          </a:p>
+          <a:p>
+            <a:r>
+              <a:rPr lang="en-GB" dirty="0"/>
+              <a:t>Sequence </a:t>
+            </a:r>
+            <a:r>
+              <a:rPr lang="en-GB" dirty="0" smtClean="0"/>
+              <a:t>Diagrams</a:t>
+            </a:r>
+            <a:endParaRPr lang="en-GB" dirty="0"/>
+          </a:p>
+          <a:p>
+            <a:r>
+              <a:rPr lang="en-GB" dirty="0"/>
+              <a:t>Interaction </a:t>
+            </a:r>
+            <a:r>
+              <a:rPr lang="en-GB" dirty="0" smtClean="0"/>
+              <a:t>Overview Diagrams</a:t>
+            </a:r>
+            <a:endParaRPr lang="en-GB" dirty="0"/>
+          </a:p>
+          <a:p>
+            <a:r>
+              <a:rPr lang="en-GB" dirty="0"/>
+              <a:t>Composite </a:t>
+            </a:r>
+            <a:r>
+              <a:rPr lang="en-GB" dirty="0" smtClean="0"/>
+              <a:t>Structure Diagrams</a:t>
+            </a:r>
+            <a:endParaRPr lang="en-GB" dirty="0"/>
+          </a:p>
+          <a:p>
+            <a:r>
+              <a:rPr lang="en-GB" dirty="0"/>
+              <a:t>State </a:t>
+            </a:r>
+            <a:r>
+              <a:rPr lang="en-GB" dirty="0" smtClean="0"/>
+              <a:t>Machine Diagrams</a:t>
+            </a:r>
+            <a:endParaRPr lang="en-GB" dirty="0"/>
+          </a:p>
+          <a:p>
+            <a:r>
+              <a:rPr lang="en-GB" dirty="0"/>
+              <a:t>Timing </a:t>
+            </a:r>
+            <a:r>
+              <a:rPr lang="en-GB" dirty="0" smtClean="0"/>
+              <a:t>Diagrams</a:t>
+            </a:r>
+            <a:endParaRPr lang="en-GB" dirty="0"/>
+          </a:p>
+          <a:p>
+            <a:r>
+              <a:rPr lang="en-GB" dirty="0"/>
+              <a:t>Object </a:t>
+            </a:r>
+            <a:r>
+              <a:rPr lang="en-GB" dirty="0" smtClean="0"/>
+              <a:t>Diagrams</a:t>
+            </a:r>
+            <a:endParaRPr lang="en-GB" dirty="0"/>
+          </a:p>
+          <a:p>
+            <a:r>
+              <a:rPr lang="en-GB" dirty="0"/>
+              <a:t>Communication </a:t>
+            </a:r>
+            <a:r>
+              <a:rPr lang="en-GB" dirty="0" smtClean="0"/>
+              <a:t>Diagrams</a:t>
+            </a:r>
+            <a:endParaRPr lang="en-GB" dirty="0"/>
+          </a:p>
+        </p:txBody>
+      </p:sp>
+      <p:pic>
+        <p:nvPicPr>
+          <p:cNvPr id="5" name="Picture 4"/>
+          <p:cNvPicPr>
+            <a:picLocks noChangeAspect="1"/>
+          </p:cNvPicPr>
+          <p:nvPr/>
+        </p:nvPicPr>
+        <p:blipFill>
+          <a:blip r:embed="rId2"/>
+          <a:stretch>
+            <a:fillRect/>
+          </a:stretch>
+        </p:blipFill>
+        <p:spPr>
+          <a:xfrm>
+            <a:off x="5146998" y="2209800"/>
+            <a:ext cx="3336602" cy="3429000"/>
+          </a:xfrm>
+          <a:prstGeom prst="rect">
+            <a:avLst/>
+          </a:prstGeom>
+        </p:spPr>
+      </p:pic>
+    </p:spTree>
+    <p:extLst>
+      <p:ext uri="{BB962C8B-B14F-4D97-AF65-F5344CB8AC3E}">
+        <p14:creationId xmlns:p14="http://schemas.microsoft.com/office/powerpoint/2010/main" val="2749213653"/>
+      </p:ext>
+    </p:extLst>
+  </p:cSld>
+  <p:clrMapOvr>
+    <a:masterClrMapping/>
+  </p:clrMapOvr>
+  <p:timing>
+    <p:tnLst>
+      <p:par>
+        <p:cTn id="1" dur="indefinite" restart="never" nodeType="tmRoot"/>
+      </p:par>
+    </p:tnLst>
+  </p:timing>
+</p:sld>
+</file>
+
+<file path=ppt/slides/slide24.xml><?xml version="1.0" encoding="utf-8"?>
+<p:sld xmlns:a="http://schemas.openxmlformats.org/drawingml/2006/main" xmlns:r="http://schemas.openxmlformats.org/officeDocument/2006/relationships" xmlns:p="http://schemas.openxmlformats.org/presentationml/2006/main">
+  <p:cSld>
+    <p:spTree>
+      <p:nvGrpSpPr>
+        <p:cNvPr id="1" name=""/>
+        <p:cNvGrpSpPr/>
+        <p:nvPr/>
+      </p:nvGrpSpPr>
+      <p:grpSpPr>
+        <a:xfrm>
+          <a:off x="0" y="0"/>
+          <a:ext cx="0" cy="0"/>
+          <a:chOff x="0" y="0"/>
+          <a:chExt cx="0" cy="0"/>
+        </a:xfrm>
+      </p:grpSpPr>
+      <p:sp>
+        <p:nvSpPr>
+          <p:cNvPr id="2" name="Title 1"/>
+          <p:cNvSpPr>
+            <a:spLocks noGrp="1"/>
+          </p:cNvSpPr>
+          <p:nvPr>
+            <p:ph type="title"/>
+          </p:nvPr>
+        </p:nvSpPr>
+        <p:spPr/>
+        <p:txBody>
+          <a:bodyPr/>
+          <a:lstStyle/>
+          <a:p>
+            <a:r>
+              <a:rPr lang="en-GB" dirty="0" smtClean="0"/>
+              <a:t>Package Diagram</a:t>
+            </a:r>
+            <a:endParaRPr lang="en-GB" dirty="0"/>
+          </a:p>
+        </p:txBody>
+      </p:sp>
+      <p:sp>
+        <p:nvSpPr>
+          <p:cNvPr id="3" name="Content Placeholder 2"/>
+          <p:cNvSpPr>
+            <a:spLocks noGrp="1"/>
+          </p:cNvSpPr>
+          <p:nvPr>
+            <p:ph idx="1"/>
+          </p:nvPr>
+        </p:nvSpPr>
+        <p:spPr/>
+        <p:txBody>
+          <a:bodyPr>
+            <a:normAutofit fontScale="92500" lnSpcReduction="20000"/>
+          </a:bodyPr>
+          <a:lstStyle/>
+          <a:p>
+            <a:r>
+              <a:rPr lang="en-GB" dirty="0"/>
+              <a:t>A package diagram provides the means to </a:t>
+            </a:r>
+            <a:r>
+              <a:rPr lang="en-GB" b="1" dirty="0">
+                <a:solidFill>
+                  <a:srgbClr val="FF0000"/>
+                </a:solidFill>
+              </a:rPr>
+              <a:t>organize the </a:t>
+            </a:r>
+            <a:r>
+              <a:rPr lang="en-GB" b="1" dirty="0" err="1">
+                <a:solidFill>
+                  <a:srgbClr val="FF0000"/>
+                </a:solidFill>
+              </a:rPr>
+              <a:t>artifacts</a:t>
+            </a:r>
+            <a:r>
+              <a:rPr lang="en-GB" b="1" dirty="0">
+                <a:solidFill>
+                  <a:srgbClr val="FF0000"/>
+                </a:solidFill>
+              </a:rPr>
+              <a:t> </a:t>
+            </a:r>
+            <a:r>
+              <a:rPr lang="en-GB" dirty="0"/>
+              <a:t>of </a:t>
+            </a:r>
+            <a:r>
+              <a:rPr lang="en-GB" dirty="0" smtClean="0"/>
+              <a:t>the development </a:t>
+            </a:r>
+            <a:r>
+              <a:rPr lang="en-GB" dirty="0"/>
+              <a:t>process to clearly present the analysis of the </a:t>
+            </a:r>
+            <a:r>
+              <a:rPr lang="en-GB" b="1" dirty="0">
+                <a:solidFill>
+                  <a:srgbClr val="FF0000"/>
+                </a:solidFill>
+              </a:rPr>
+              <a:t>problem </a:t>
+            </a:r>
+            <a:r>
+              <a:rPr lang="en-GB" b="1" dirty="0" smtClean="0">
+                <a:solidFill>
+                  <a:srgbClr val="FF0000"/>
+                </a:solidFill>
+              </a:rPr>
+              <a:t>space </a:t>
+            </a:r>
+            <a:r>
+              <a:rPr lang="en-GB" dirty="0" smtClean="0"/>
+              <a:t>and </a:t>
+            </a:r>
+            <a:r>
+              <a:rPr lang="en-GB" dirty="0"/>
+              <a:t>the associated </a:t>
+            </a:r>
+            <a:r>
+              <a:rPr lang="en-GB" dirty="0" smtClean="0"/>
+              <a:t>design</a:t>
+            </a:r>
+          </a:p>
+          <a:p>
+            <a:r>
+              <a:rPr lang="en-GB" dirty="0" smtClean="0"/>
+              <a:t>The </a:t>
+            </a:r>
+            <a:r>
+              <a:rPr lang="en-GB" dirty="0"/>
+              <a:t>specific reasons will be varied but will </a:t>
+            </a:r>
+            <a:r>
+              <a:rPr lang="en-GB" dirty="0" smtClean="0"/>
+              <a:t>either focus </a:t>
+            </a:r>
+            <a:r>
+              <a:rPr lang="en-GB" dirty="0"/>
+              <a:t>on </a:t>
+            </a:r>
+            <a:r>
+              <a:rPr lang="en-GB" dirty="0">
+                <a:solidFill>
+                  <a:srgbClr val="FF0000"/>
+                </a:solidFill>
+              </a:rPr>
+              <a:t>physically</a:t>
+            </a:r>
+            <a:r>
+              <a:rPr lang="en-GB" dirty="0"/>
+              <a:t> structuring the visual model itself or on </a:t>
+            </a:r>
+            <a:r>
+              <a:rPr lang="en-GB" dirty="0" smtClean="0"/>
+              <a:t>clearly representing </a:t>
+            </a:r>
+            <a:r>
+              <a:rPr lang="en-GB" dirty="0"/>
+              <a:t>the model elements through multiple </a:t>
+            </a:r>
+            <a:r>
+              <a:rPr lang="en-GB" dirty="0" smtClean="0"/>
+              <a:t>views</a:t>
+            </a:r>
+            <a:endParaRPr lang="en-GB" dirty="0"/>
+          </a:p>
+        </p:txBody>
+      </p:sp>
+    </p:spTree>
+    <p:extLst>
+      <p:ext uri="{BB962C8B-B14F-4D97-AF65-F5344CB8AC3E}">
+        <p14:creationId xmlns:p14="http://schemas.microsoft.com/office/powerpoint/2010/main" val="1981870939"/>
+      </p:ext>
+    </p:extLst>
+  </p:cSld>
+  <p:clrMapOvr>
+    <a:masterClrMapping/>
+  </p:clrMapOvr>
+</p:sld>
+</file>
+
+<file path=ppt/slides/slide25.xml><?xml version="1.0" encoding="utf-8"?>
+<p:sld xmlns:a="http://schemas.openxmlformats.org/drawingml/2006/main" xmlns:r="http://schemas.openxmlformats.org/officeDocument/2006/relationships" xmlns:p="http://schemas.openxmlformats.org/presentationml/2006/main">
+  <p:cSld>
+    <p:spTree>
+      <p:nvGrpSpPr>
+        <p:cNvPr id="1" name=""/>
+        <p:cNvGrpSpPr/>
+        <p:nvPr/>
+      </p:nvGrpSpPr>
+      <p:grpSpPr>
+        <a:xfrm>
+          <a:off x="0" y="0"/>
+          <a:ext cx="0" cy="0"/>
+          <a:chOff x="0" y="0"/>
+          <a:chExt cx="0" cy="0"/>
+        </a:xfrm>
+      </p:grpSpPr>
+      <p:sp>
+        <p:nvSpPr>
+          <p:cNvPr id="2" name="Title 1"/>
+          <p:cNvSpPr>
+            <a:spLocks noGrp="1"/>
+          </p:cNvSpPr>
+          <p:nvPr>
+            <p:ph type="title"/>
+          </p:nvPr>
+        </p:nvSpPr>
+        <p:spPr/>
+        <p:txBody>
+          <a:bodyPr/>
+          <a:lstStyle/>
+          <a:p>
+            <a:r>
+              <a:rPr lang="en-GB" dirty="0" smtClean="0"/>
+              <a:t>Problem </a:t>
+            </a:r>
+            <a:br>
+              <a:rPr lang="en-GB" dirty="0" smtClean="0"/>
+            </a:br>
+            <a:r>
+              <a:rPr lang="en-GB" sz="3600" dirty="0" smtClean="0"/>
+              <a:t>(Rational for  Package Diagrams)</a:t>
+            </a:r>
+            <a:endParaRPr lang="en-GB" dirty="0"/>
+          </a:p>
+        </p:txBody>
+      </p:sp>
+      <p:sp>
+        <p:nvSpPr>
+          <p:cNvPr id="3" name="Content Placeholder 2"/>
+          <p:cNvSpPr>
+            <a:spLocks noGrp="1"/>
+          </p:cNvSpPr>
+          <p:nvPr>
+            <p:ph idx="1"/>
+          </p:nvPr>
+        </p:nvSpPr>
+        <p:spPr/>
+        <p:txBody>
+          <a:bodyPr>
+            <a:normAutofit fontScale="92500" lnSpcReduction="20000"/>
+          </a:bodyPr>
+          <a:lstStyle/>
+          <a:p>
+            <a:r>
+              <a:rPr lang="en-GB" dirty="0"/>
+              <a:t>At the beginning of the project, you only have a limited number of </a:t>
+            </a:r>
+            <a:r>
+              <a:rPr lang="en-GB" dirty="0" smtClean="0"/>
+              <a:t>components and </a:t>
+            </a:r>
+            <a:r>
+              <a:rPr lang="en-GB" dirty="0"/>
+              <a:t>everything is </a:t>
+            </a:r>
+            <a:r>
+              <a:rPr lang="en-GB" b="1" dirty="0">
+                <a:solidFill>
+                  <a:srgbClr val="FF0000"/>
+                </a:solidFill>
+              </a:rPr>
+              <a:t>simple and </a:t>
+            </a:r>
+            <a:r>
+              <a:rPr lang="en-GB" b="1" dirty="0" smtClean="0">
+                <a:solidFill>
+                  <a:srgbClr val="FF0000"/>
+                </a:solidFill>
+              </a:rPr>
+              <a:t>beautiful</a:t>
+            </a:r>
+          </a:p>
+          <a:p>
+            <a:r>
+              <a:rPr lang="en-GB" dirty="0" smtClean="0"/>
+              <a:t>However</a:t>
+            </a:r>
+            <a:r>
+              <a:rPr lang="en-GB" dirty="0"/>
+              <a:t>, when time flies, more and more </a:t>
+            </a:r>
+            <a:r>
+              <a:rPr lang="en-GB" dirty="0" smtClean="0"/>
+              <a:t>components have </a:t>
+            </a:r>
+            <a:r>
+              <a:rPr lang="en-GB" dirty="0"/>
+              <a:t>been created and they start to become </a:t>
+            </a:r>
+            <a:r>
+              <a:rPr lang="en-GB" dirty="0" smtClean="0">
+                <a:solidFill>
+                  <a:srgbClr val="FF0000"/>
+                </a:solidFill>
+              </a:rPr>
+              <a:t>unmanageable</a:t>
+            </a:r>
+          </a:p>
+          <a:p>
+            <a:r>
+              <a:rPr lang="en-GB" dirty="0" smtClean="0"/>
+              <a:t>As </a:t>
+            </a:r>
+            <a:r>
+              <a:rPr lang="en-GB" dirty="0"/>
+              <a:t>a result, your project becomes </a:t>
+            </a:r>
+            <a:r>
+              <a:rPr lang="en-GB" b="1" dirty="0">
+                <a:solidFill>
+                  <a:srgbClr val="FF0000"/>
+                </a:solidFill>
+              </a:rPr>
+              <a:t>hard to navigate</a:t>
+            </a:r>
+            <a:r>
+              <a:rPr lang="en-GB" dirty="0"/>
+              <a:t> and </a:t>
+            </a:r>
+            <a:r>
+              <a:rPr lang="en-GB" dirty="0" smtClean="0"/>
+              <a:t>components become </a:t>
+            </a:r>
+            <a:r>
+              <a:rPr lang="en-GB" dirty="0"/>
+              <a:t>difficult to locate when you want to review or make </a:t>
+            </a:r>
+            <a:r>
+              <a:rPr lang="en-GB" dirty="0" smtClean="0"/>
+              <a:t>changes</a:t>
+            </a:r>
+            <a:endParaRPr lang="en-GB" dirty="0"/>
+          </a:p>
+        </p:txBody>
+      </p:sp>
+    </p:spTree>
+    <p:extLst>
+      <p:ext uri="{BB962C8B-B14F-4D97-AF65-F5344CB8AC3E}">
+        <p14:creationId xmlns:p14="http://schemas.microsoft.com/office/powerpoint/2010/main" val="3999943515"/>
+      </p:ext>
+    </p:extLst>
+  </p:cSld>
+  <p:clrMapOvr>
+    <a:masterClrMapping/>
+  </p:clrMapOvr>
+</p:sld>
+</file>
+
+<file path=ppt/slides/slide26.xml><?xml version="1.0" encoding="utf-8"?>
+<p:sld xmlns:a="http://schemas.openxmlformats.org/drawingml/2006/main" xmlns:r="http://schemas.openxmlformats.org/officeDocument/2006/relationships" xmlns:p="http://schemas.openxmlformats.org/presentationml/2006/main">
+  <p:cSld>
+    <p:spTree>
+      <p:nvGrpSpPr>
+        <p:cNvPr id="1" name=""/>
+        <p:cNvGrpSpPr/>
+        <p:nvPr/>
+      </p:nvGrpSpPr>
+      <p:grpSpPr>
+        <a:xfrm>
+          <a:off x="0" y="0"/>
+          <a:ext cx="0" cy="0"/>
+          <a:chOff x="0" y="0"/>
+          <a:chExt cx="0" cy="0"/>
+        </a:xfrm>
+      </p:grpSpPr>
+      <p:sp>
+        <p:nvSpPr>
+          <p:cNvPr id="2" name="Title 1"/>
+          <p:cNvSpPr>
+            <a:spLocks noGrp="1"/>
+          </p:cNvSpPr>
+          <p:nvPr>
+            <p:ph type="title"/>
+          </p:nvPr>
+        </p:nvSpPr>
+        <p:spPr/>
+        <p:txBody>
+          <a:bodyPr/>
+          <a:lstStyle/>
+          <a:p>
+            <a:r>
+              <a:rPr lang="en-GB" dirty="0"/>
+              <a:t>Package </a:t>
+            </a:r>
+            <a:r>
+              <a:rPr lang="en-GB" dirty="0" smtClean="0"/>
+              <a:t>Diagrams </a:t>
+            </a:r>
+            <a:br>
+              <a:rPr lang="en-GB" dirty="0" smtClean="0"/>
+            </a:br>
+            <a:r>
+              <a:rPr lang="en-GB" dirty="0" smtClean="0"/>
+              <a:t>to the Rescue</a:t>
+            </a:r>
+            <a:endParaRPr lang="en-GB" dirty="0"/>
+          </a:p>
+        </p:txBody>
+      </p:sp>
+      <p:sp>
+        <p:nvSpPr>
+          <p:cNvPr id="3" name="Content Placeholder 2"/>
+          <p:cNvSpPr>
+            <a:spLocks noGrp="1"/>
+          </p:cNvSpPr>
+          <p:nvPr>
+            <p:ph idx="1"/>
+          </p:nvPr>
+        </p:nvSpPr>
+        <p:spPr/>
+        <p:txBody>
+          <a:bodyPr/>
+          <a:lstStyle/>
+          <a:p>
+            <a:r>
+              <a:rPr lang="en-GB" dirty="0"/>
+              <a:t>How can we fix </a:t>
+            </a:r>
+            <a:r>
+              <a:rPr lang="en-GB" dirty="0" smtClean="0"/>
+              <a:t>this problem? </a:t>
+            </a:r>
+          </a:p>
+          <a:p>
+            <a:r>
+              <a:rPr lang="en-GB" dirty="0" smtClean="0"/>
+              <a:t>We </a:t>
+            </a:r>
+            <a:r>
+              <a:rPr lang="en-GB" dirty="0"/>
+              <a:t>can make use of </a:t>
+            </a:r>
+            <a:r>
+              <a:rPr lang="en-GB" dirty="0" smtClean="0"/>
+              <a:t>Package Diagrams </a:t>
+            </a:r>
+            <a:r>
+              <a:rPr lang="en-GB" dirty="0"/>
+              <a:t>to organize </a:t>
+            </a:r>
+            <a:r>
+              <a:rPr lang="en-GB" dirty="0" smtClean="0"/>
+              <a:t>the components into </a:t>
+            </a:r>
+            <a:r>
+              <a:rPr lang="en-GB" dirty="0"/>
+              <a:t>different </a:t>
+            </a:r>
+            <a:r>
+              <a:rPr lang="en-GB" dirty="0" smtClean="0"/>
+              <a:t>packages</a:t>
+            </a:r>
+          </a:p>
+          <a:p>
+            <a:r>
+              <a:rPr lang="en-GB" dirty="0" smtClean="0"/>
+              <a:t>This </a:t>
+            </a:r>
+            <a:r>
+              <a:rPr lang="en-GB" dirty="0"/>
+              <a:t>helps </a:t>
+            </a:r>
+            <a:r>
+              <a:rPr lang="en-GB" dirty="0" smtClean="0"/>
+              <a:t>us categorizing our components according </a:t>
+            </a:r>
+            <a:r>
+              <a:rPr lang="en-GB" dirty="0"/>
+              <a:t>to their natures, making them easier to </a:t>
+            </a:r>
+            <a:r>
+              <a:rPr lang="en-GB" dirty="0" smtClean="0"/>
+              <a:t>navigated </a:t>
+            </a:r>
+            <a:r>
+              <a:rPr lang="en-GB" dirty="0"/>
+              <a:t>and </a:t>
+            </a:r>
+            <a:r>
+              <a:rPr lang="en-GB" dirty="0" smtClean="0"/>
+              <a:t>locate</a:t>
+            </a:r>
+            <a:endParaRPr lang="en-GB" dirty="0"/>
+          </a:p>
+        </p:txBody>
+      </p:sp>
+    </p:spTree>
+    <p:extLst>
+      <p:ext uri="{BB962C8B-B14F-4D97-AF65-F5344CB8AC3E}">
+        <p14:creationId xmlns:p14="http://schemas.microsoft.com/office/powerpoint/2010/main" val="633742111"/>
+      </p:ext>
+    </p:extLst>
+  </p:cSld>
+  <p:clrMapOvr>
+    <a:masterClrMapping/>
+  </p:clrMapOvr>
+</p:sld>
+</file>
+
+<file path=ppt/slides/slide27.xml><?xml version="1.0" encoding="utf-8"?>
+<p:sld xmlns:a="http://schemas.openxmlformats.org/drawingml/2006/main" xmlns:r="http://schemas.openxmlformats.org/officeDocument/2006/relationships" xmlns:p="http://schemas.openxmlformats.org/presentationml/2006/main">
+  <p:cSld>
+    <p:spTree>
+      <p:nvGrpSpPr>
+        <p:cNvPr id="1" name=""/>
+        <p:cNvGrpSpPr/>
+        <p:nvPr/>
+      </p:nvGrpSpPr>
+      <p:grpSpPr>
+        <a:xfrm>
+          <a:off x="0" y="0"/>
+          <a:ext cx="0" cy="0"/>
+          <a:chOff x="0" y="0"/>
+          <a:chExt cx="0" cy="0"/>
+        </a:xfrm>
+      </p:grpSpPr>
+      <p:sp>
+        <p:nvSpPr>
+          <p:cNvPr id="2" name="Title 1"/>
+          <p:cNvSpPr>
+            <a:spLocks noGrp="1"/>
+          </p:cNvSpPr>
+          <p:nvPr>
+            <p:ph type="title"/>
+          </p:nvPr>
+        </p:nvSpPr>
+        <p:spPr/>
+        <p:txBody>
+          <a:bodyPr/>
+          <a:lstStyle/>
+          <a:p>
+            <a:r>
+              <a:rPr lang="en-GB" b="1" dirty="0" smtClean="0"/>
+              <a:t>Visibility</a:t>
+            </a:r>
+            <a:endParaRPr lang="en-GB" dirty="0"/>
+          </a:p>
+        </p:txBody>
+      </p:sp>
+      <p:sp>
+        <p:nvSpPr>
+          <p:cNvPr id="3" name="Content Placeholder 2"/>
+          <p:cNvSpPr>
+            <a:spLocks noGrp="1"/>
+          </p:cNvSpPr>
+          <p:nvPr>
+            <p:ph idx="1"/>
+          </p:nvPr>
+        </p:nvSpPr>
+        <p:spPr/>
+        <p:txBody>
+          <a:bodyPr/>
+          <a:lstStyle/>
+          <a:p>
+            <a:r>
+              <a:rPr lang="en-GB" dirty="0" smtClean="0"/>
+              <a:t>Public </a:t>
+            </a:r>
+            <a:r>
+              <a:rPr lang="en-GB" dirty="0"/>
+              <a:t>(+) Visible to elements within its containing package, including</a:t>
+            </a:r>
+            <a:br>
+              <a:rPr lang="en-GB" dirty="0"/>
+            </a:br>
+            <a:r>
+              <a:rPr lang="en-GB" dirty="0"/>
+              <a:t>nested packages, and to external </a:t>
+            </a:r>
+            <a:r>
+              <a:rPr lang="en-GB" dirty="0" smtClean="0"/>
+              <a:t>elements</a:t>
+            </a:r>
+            <a:endParaRPr lang="en-GB" dirty="0"/>
+          </a:p>
+          <a:p>
+            <a:r>
+              <a:rPr lang="en-GB" dirty="0" smtClean="0"/>
+              <a:t>Private </a:t>
+            </a:r>
+            <a:r>
+              <a:rPr lang="en-GB" dirty="0"/>
+              <a:t>(-) Visible only to elements within its containing package and to</a:t>
+            </a:r>
+            <a:br>
+              <a:rPr lang="en-GB" dirty="0"/>
+            </a:br>
+            <a:r>
+              <a:rPr lang="en-GB" dirty="0"/>
+              <a:t>nested packages</a:t>
+            </a:r>
+            <a:br>
+              <a:rPr lang="en-GB" dirty="0"/>
+            </a:br>
+            <a:r>
+              <a:rPr lang="en-GB" dirty="0"/>
+              <a:t/>
+            </a:r>
+            <a:br>
+              <a:rPr lang="en-GB" dirty="0"/>
+            </a:br>
+            <a:endParaRPr lang="en-GB" dirty="0"/>
+          </a:p>
+        </p:txBody>
+      </p:sp>
+    </p:spTree>
+    <p:extLst>
+      <p:ext uri="{BB962C8B-B14F-4D97-AF65-F5344CB8AC3E}">
+        <p14:creationId xmlns:p14="http://schemas.microsoft.com/office/powerpoint/2010/main" val="1834563505"/>
+      </p:ext>
+    </p:extLst>
+  </p:cSld>
+  <p:clrMapOvr>
+    <a:masterClrMapping/>
+  </p:clrMapOvr>
+  <p:timing>
+    <p:tnLst>
+      <p:par>
+        <p:cTn id="1" dur="indefinite" restart="never" nodeType="tmRoot"/>
+      </p:par>
+    </p:tnLst>
+  </p:timing>
+</p:sld>
+</file>
+
+<file path=ppt/slides/slide28.xml><?xml version="1.0" encoding="utf-8"?>
+<p:sld xmlns:a="http://schemas.openxmlformats.org/drawingml/2006/main" xmlns:r="http://schemas.openxmlformats.org/officeDocument/2006/relationships" xmlns:p="http://schemas.openxmlformats.org/presentationml/2006/main">
+  <p:cSld>
+    <p:spTree>
+      <p:nvGrpSpPr>
+        <p:cNvPr id="1" name=""/>
+        <p:cNvGrpSpPr/>
+        <p:nvPr/>
+      </p:nvGrpSpPr>
+      <p:grpSpPr>
+        <a:xfrm>
+          <a:off x="0" y="0"/>
+          <a:ext cx="0" cy="0"/>
+          <a:chOff x="0" y="0"/>
+          <a:chExt cx="0" cy="0"/>
+        </a:xfrm>
+      </p:grpSpPr>
+      <p:sp>
+        <p:nvSpPr>
+          <p:cNvPr id="2" name="Title 1"/>
+          <p:cNvSpPr>
+            <a:spLocks noGrp="1"/>
+          </p:cNvSpPr>
+          <p:nvPr>
+            <p:ph type="title"/>
+          </p:nvPr>
+        </p:nvSpPr>
+        <p:spPr/>
+        <p:txBody>
+          <a:bodyPr/>
+          <a:lstStyle/>
+          <a:p>
+            <a:r>
+              <a:rPr lang="en-GB" dirty="0" smtClean="0"/>
+              <a:t>Example</a:t>
+            </a:r>
+            <a:endParaRPr lang="en-GB" dirty="0"/>
+          </a:p>
+        </p:txBody>
+      </p:sp>
+      <p:sp>
+        <p:nvSpPr>
+          <p:cNvPr id="3" name="Content Placeholder 2"/>
+          <p:cNvSpPr>
+            <a:spLocks noGrp="1"/>
+          </p:cNvSpPr>
+          <p:nvPr>
+            <p:ph idx="1"/>
+          </p:nvPr>
+        </p:nvSpPr>
+        <p:spPr/>
+        <p:txBody>
+          <a:bodyPr/>
+          <a:lstStyle/>
+          <a:p>
+            <a:endParaRPr lang="en-GB"/>
+          </a:p>
+        </p:txBody>
+      </p:sp>
+      <p:pic>
+        <p:nvPicPr>
+          <p:cNvPr id="4" name="Picture 3"/>
+          <p:cNvPicPr>
+            <a:picLocks noChangeAspect="1"/>
+          </p:cNvPicPr>
+          <p:nvPr/>
+        </p:nvPicPr>
+        <p:blipFill>
+          <a:blip r:embed="rId2"/>
+          <a:stretch>
+            <a:fillRect/>
+          </a:stretch>
+        </p:blipFill>
+        <p:spPr>
+          <a:xfrm>
+            <a:off x="1524000" y="2209800"/>
+            <a:ext cx="6729908" cy="3248025"/>
+          </a:xfrm>
+          <a:prstGeom prst="rect">
+            <a:avLst/>
+          </a:prstGeom>
+        </p:spPr>
+      </p:pic>
+    </p:spTree>
+    <p:extLst>
+      <p:ext uri="{BB962C8B-B14F-4D97-AF65-F5344CB8AC3E}">
+        <p14:creationId xmlns:p14="http://schemas.microsoft.com/office/powerpoint/2010/main" val="1873844678"/>
+      </p:ext>
+    </p:extLst>
+  </p:cSld>
+  <p:clrMapOvr>
+    <a:masterClrMapping/>
+  </p:clrMapOvr>
+  <p:timing>
+    <p:tnLst>
+      <p:par>
+        <p:cTn id="1" dur="indefinite" restart="never" nodeType="tmRoot"/>
+      </p:par>
+    </p:tnLst>
+  </p:timing>
+</p:sld>
+</file>
+
+<file path=ppt/slides/slide29.xml><?xml version="1.0" encoding="utf-8"?>
+<p:sld xmlns:a="http://schemas.openxmlformats.org/drawingml/2006/main" xmlns:r="http://schemas.openxmlformats.org/officeDocument/2006/relationships" xmlns:p="http://schemas.openxmlformats.org/presentationml/2006/main">
+  <p:cSld>
+    <p:spTree>
+      <p:nvGrpSpPr>
+        <p:cNvPr id="1" name=""/>
+        <p:cNvGrpSpPr/>
+        <p:nvPr/>
+      </p:nvGrpSpPr>
+      <p:grpSpPr>
+        <a:xfrm>
+          <a:off x="0" y="0"/>
+          <a:ext cx="0" cy="0"/>
+          <a:chOff x="0" y="0"/>
+          <a:chExt cx="0" cy="0"/>
+        </a:xfrm>
+      </p:grpSpPr>
+      <p:sp>
+        <p:nvSpPr>
+          <p:cNvPr id="2" name="Title 1"/>
+          <p:cNvSpPr>
+            <a:spLocks noGrp="1"/>
+          </p:cNvSpPr>
+          <p:nvPr>
+            <p:ph type="title"/>
+          </p:nvPr>
+        </p:nvSpPr>
+        <p:spPr>
+          <a:xfrm>
+            <a:off x="381000" y="609600"/>
+            <a:ext cx="8458200" cy="1143000"/>
+          </a:xfrm>
+        </p:spPr>
+        <p:txBody>
+          <a:bodyPr/>
+          <a:lstStyle/>
+          <a:p>
+            <a:r>
+              <a:rPr lang="en-GB" dirty="0"/>
+              <a:t>Dependencies between UML elements (including </a:t>
+            </a:r>
+            <a:r>
+              <a:rPr lang="en-GB" i="1" dirty="0">
+                <a:solidFill>
+                  <a:srgbClr val="FF0000"/>
+                </a:solidFill>
+              </a:rPr>
+              <a:t>P</a:t>
+            </a:r>
+            <a:r>
+              <a:rPr lang="en-GB" i="1" dirty="0" smtClean="0">
+                <a:solidFill>
+                  <a:srgbClr val="FF0000"/>
+                </a:solidFill>
+              </a:rPr>
+              <a:t>ackages</a:t>
+            </a:r>
+            <a:r>
+              <a:rPr lang="en-GB" dirty="0" smtClean="0"/>
+              <a:t>)</a:t>
+            </a:r>
+            <a:endParaRPr lang="en-GB" dirty="0"/>
+          </a:p>
+        </p:txBody>
+      </p:sp>
+      <p:sp>
+        <p:nvSpPr>
+          <p:cNvPr id="3" name="Content Placeholder 2"/>
+          <p:cNvSpPr>
+            <a:spLocks noGrp="1"/>
+          </p:cNvSpPr>
+          <p:nvPr>
+            <p:ph idx="1"/>
+          </p:nvPr>
+        </p:nvSpPr>
+        <p:spPr/>
+        <p:txBody>
+          <a:bodyPr/>
+          <a:lstStyle/>
+          <a:p>
+            <a:r>
+              <a:rPr lang="en-GB" dirty="0"/>
+              <a:t>N</a:t>
+            </a:r>
+            <a:r>
+              <a:rPr lang="en-GB" dirty="0" smtClean="0"/>
+              <a:t>otations </a:t>
+            </a:r>
+            <a:r>
+              <a:rPr lang="en-GB" dirty="0"/>
+              <a:t>for the different types of relationships are as follows</a:t>
+            </a:r>
+          </a:p>
+        </p:txBody>
+      </p:sp>
+      <p:pic>
+        <p:nvPicPr>
+          <p:cNvPr id="4" name="Picture 3"/>
+          <p:cNvPicPr>
+            <a:picLocks noChangeAspect="1"/>
+          </p:cNvPicPr>
+          <p:nvPr/>
+        </p:nvPicPr>
+        <p:blipFill>
+          <a:blip r:embed="rId2"/>
+          <a:stretch>
+            <a:fillRect/>
+          </a:stretch>
+        </p:blipFill>
+        <p:spPr>
+          <a:xfrm>
+            <a:off x="2286000" y="3288626"/>
+            <a:ext cx="4191000" cy="3069841"/>
+          </a:xfrm>
+          <a:prstGeom prst="rect">
+            <a:avLst/>
+          </a:prstGeom>
+        </p:spPr>
+      </p:pic>
+    </p:spTree>
+    <p:extLst>
+      <p:ext uri="{BB962C8B-B14F-4D97-AF65-F5344CB8AC3E}">
+        <p14:creationId xmlns:p14="http://schemas.microsoft.com/office/powerpoint/2010/main" val="605885047"/>
+      </p:ext>
+    </p:extLst>
+  </p:cSld>
+  <p:clrMapOvr>
+    <a:masterClrMapping/>
+  </p:clrMapOvr>
+  <p:timing>
+    <p:tnLst>
+      <p:par>
+        <p:cTn id="1" dur="indefinite" restart="never" nodeType="tmRoot"/>
+      </p:par>
+    </p:tnLst>
+  </p:timing>
+</p:sld>
+</file>
+
+<file path=ppt/slides/slide3.xml><?xml version="1.0" encoding="utf-8"?>
 <p:sld xmlns:a="http://schemas.openxmlformats.org/drawingml/2006/main" xmlns:r="http://schemas.openxmlformats.org/officeDocument/2006/relationships" xmlns:p="http://schemas.openxmlformats.org/presentationml/2006/main">
   <p:cSld>
     <p:spTree>
@@ -5702,1042 +7491,7 @@
 </p:sld>
 </file>
 
-<file path=ppt/slides/slide20.xml><?xml version="1.0" encoding="utf-8"?>
-<p:sld xmlns:a="http://schemas.openxmlformats.org/drawingml/2006/main" xmlns:r="http://schemas.openxmlformats.org/officeDocument/2006/relationships" xmlns:p="http://schemas.openxmlformats.org/presentationml/2006/main">
-  <p:cSld>
-    <p:spTree>
-      <p:nvGrpSpPr>
-        <p:cNvPr id="1" name=""/>
-        <p:cNvGrpSpPr/>
-        <p:nvPr/>
-      </p:nvGrpSpPr>
-      <p:grpSpPr>
-        <a:xfrm>
-          <a:off x="0" y="0"/>
-          <a:ext cx="0" cy="0"/>
-          <a:chOff x="0" y="0"/>
-          <a:chExt cx="0" cy="0"/>
-        </a:xfrm>
-      </p:grpSpPr>
-      <p:sp>
-        <p:nvSpPr>
-          <p:cNvPr id="2" name="Title 1"/>
-          <p:cNvSpPr>
-            <a:spLocks noGrp="1"/>
-          </p:cNvSpPr>
-          <p:nvPr>
-            <p:ph type="title"/>
-          </p:nvPr>
-        </p:nvSpPr>
-        <p:spPr>
-          <a:xfrm>
-            <a:off x="533400" y="76200"/>
-            <a:ext cx="7772400" cy="1143000"/>
-          </a:xfrm>
-        </p:spPr>
-        <p:txBody>
-          <a:bodyPr/>
-          <a:lstStyle/>
-          <a:p>
-            <a:r>
-              <a:rPr lang="en-GB" dirty="0" err="1"/>
-              <a:t>Behavior</a:t>
-            </a:r>
-            <a:r>
-              <a:rPr lang="en-GB" dirty="0"/>
-              <a:t> </a:t>
-            </a:r>
-            <a:r>
-              <a:rPr lang="en-GB" dirty="0" smtClean="0"/>
-              <a:t>Diagrams</a:t>
-            </a:r>
-            <a:endParaRPr lang="en-GB" dirty="0"/>
-          </a:p>
-        </p:txBody>
-      </p:sp>
-      <p:sp>
-        <p:nvSpPr>
-          <p:cNvPr id="3" name="Content Placeholder 2"/>
-          <p:cNvSpPr>
-            <a:spLocks noGrp="1"/>
-          </p:cNvSpPr>
-          <p:nvPr>
-            <p:ph idx="1"/>
-          </p:nvPr>
-        </p:nvSpPr>
-        <p:spPr>
-          <a:xfrm>
-            <a:off x="685800" y="1524000"/>
-            <a:ext cx="7772400" cy="4953000"/>
-          </a:xfrm>
-        </p:spPr>
-        <p:txBody>
-          <a:bodyPr>
-            <a:normAutofit fontScale="92500"/>
-          </a:bodyPr>
-          <a:lstStyle/>
-          <a:p>
-            <a:r>
-              <a:rPr lang="en-GB" dirty="0" err="1"/>
-              <a:t>Behavior</a:t>
-            </a:r>
-            <a:r>
-              <a:rPr lang="en-GB" dirty="0"/>
-              <a:t> diagrams emphasize what must </a:t>
-            </a:r>
-            <a:r>
-              <a:rPr lang="en-GB" b="1" dirty="0">
-                <a:solidFill>
-                  <a:srgbClr val="FF0000"/>
-                </a:solidFill>
-              </a:rPr>
-              <a:t>happen</a:t>
-            </a:r>
-            <a:r>
-              <a:rPr lang="en-GB" dirty="0"/>
-              <a:t> in the system being </a:t>
-            </a:r>
-            <a:r>
-              <a:rPr lang="en-GB" dirty="0" smtClean="0"/>
-              <a:t>modelled</a:t>
-            </a:r>
-          </a:p>
-          <a:p>
-            <a:r>
-              <a:rPr lang="en-GB" dirty="0" smtClean="0"/>
-              <a:t>Since </a:t>
-            </a:r>
-            <a:r>
-              <a:rPr lang="en-GB" dirty="0" err="1"/>
-              <a:t>behavior</a:t>
-            </a:r>
-            <a:r>
-              <a:rPr lang="en-GB" dirty="0"/>
-              <a:t> diagrams illustrate the </a:t>
-            </a:r>
-            <a:r>
-              <a:rPr lang="en-GB" dirty="0" err="1"/>
-              <a:t>behavior</a:t>
-            </a:r>
-            <a:r>
-              <a:rPr lang="en-GB" dirty="0"/>
-              <a:t> of a system, they are used extensively to describe the </a:t>
-            </a:r>
-            <a:r>
-              <a:rPr lang="en-GB" dirty="0">
-                <a:solidFill>
-                  <a:srgbClr val="FF0000"/>
-                </a:solidFill>
-              </a:rPr>
-              <a:t>functionality </a:t>
-            </a:r>
-            <a:r>
-              <a:rPr lang="en-GB" dirty="0"/>
-              <a:t>of software </a:t>
-            </a:r>
-            <a:r>
-              <a:rPr lang="en-GB" dirty="0" smtClean="0"/>
-              <a:t>systems</a:t>
-            </a:r>
-          </a:p>
-          <a:p>
-            <a:r>
-              <a:rPr lang="en-GB" dirty="0" smtClean="0"/>
-              <a:t>As </a:t>
-            </a:r>
-            <a:r>
-              <a:rPr lang="en-GB" dirty="0"/>
-              <a:t>an example, the activity diagram describes the business and operational step-by-step </a:t>
-            </a:r>
-            <a:r>
-              <a:rPr lang="en-GB" dirty="0">
-                <a:solidFill>
-                  <a:srgbClr val="FF0000"/>
-                </a:solidFill>
-              </a:rPr>
-              <a:t>activities</a:t>
-            </a:r>
-            <a:r>
-              <a:rPr lang="en-GB" dirty="0"/>
-              <a:t> of the components in a </a:t>
-            </a:r>
-            <a:r>
-              <a:rPr lang="en-GB" dirty="0" smtClean="0"/>
-              <a:t>system</a:t>
-            </a:r>
-            <a:endParaRPr lang="en-GB" dirty="0"/>
-          </a:p>
-        </p:txBody>
-      </p:sp>
-    </p:spTree>
-    <p:extLst>
-      <p:ext uri="{BB962C8B-B14F-4D97-AF65-F5344CB8AC3E}">
-        <p14:creationId xmlns:p14="http://schemas.microsoft.com/office/powerpoint/2010/main" val="2944694768"/>
-      </p:ext>
-    </p:extLst>
-  </p:cSld>
-  <p:clrMapOvr>
-    <a:masterClrMapping/>
-  </p:clrMapOvr>
-  <p:timing>
-    <p:tnLst>
-      <p:par>
-        <p:cTn id="1" dur="indefinite" restart="never" nodeType="tmRoot"/>
-      </p:par>
-    </p:tnLst>
-  </p:timing>
-</p:sld>
-</file>
-
-<file path=ppt/slides/slide21.xml><?xml version="1.0" encoding="utf-8"?>
-<p:sld xmlns:a="http://schemas.openxmlformats.org/drawingml/2006/main" xmlns:r="http://schemas.openxmlformats.org/officeDocument/2006/relationships" xmlns:p="http://schemas.openxmlformats.org/presentationml/2006/main">
-  <p:cSld>
-    <p:spTree>
-      <p:nvGrpSpPr>
-        <p:cNvPr id="1" name=""/>
-        <p:cNvGrpSpPr/>
-        <p:nvPr/>
-      </p:nvGrpSpPr>
-      <p:grpSpPr>
-        <a:xfrm>
-          <a:off x="0" y="0"/>
-          <a:ext cx="0" cy="0"/>
-          <a:chOff x="0" y="0"/>
-          <a:chExt cx="0" cy="0"/>
-        </a:xfrm>
-      </p:grpSpPr>
-      <p:sp>
-        <p:nvSpPr>
-          <p:cNvPr id="2" name="Title 1"/>
-          <p:cNvSpPr>
-            <a:spLocks noGrp="1"/>
-          </p:cNvSpPr>
-          <p:nvPr>
-            <p:ph type="title"/>
-          </p:nvPr>
-        </p:nvSpPr>
-        <p:spPr/>
-        <p:txBody>
-          <a:bodyPr/>
-          <a:lstStyle/>
-          <a:p>
-            <a:r>
-              <a:rPr lang="en-GB" dirty="0" smtClean="0"/>
-              <a:t>Plan</a:t>
-            </a:r>
-            <a:endParaRPr lang="en-GB" dirty="0"/>
-          </a:p>
-        </p:txBody>
-      </p:sp>
-      <p:sp>
-        <p:nvSpPr>
-          <p:cNvPr id="3" name="Content Placeholder 2"/>
-          <p:cNvSpPr>
-            <a:spLocks noGrp="1"/>
-          </p:cNvSpPr>
-          <p:nvPr>
-            <p:ph idx="1"/>
-          </p:nvPr>
-        </p:nvSpPr>
-        <p:spPr/>
-        <p:txBody>
-          <a:bodyPr/>
-          <a:lstStyle/>
-          <a:p>
-            <a:r>
-              <a:rPr lang="en-GB" dirty="0" smtClean="0"/>
-              <a:t>Review diagrams </a:t>
-            </a:r>
-            <a:r>
-              <a:rPr lang="en-GB" dirty="0"/>
-              <a:t>in </a:t>
-            </a:r>
-            <a:r>
-              <a:rPr lang="en-GB" dirty="0" smtClean="0"/>
-              <a:t>an order </a:t>
-            </a:r>
-            <a:r>
-              <a:rPr lang="en-GB" dirty="0"/>
-              <a:t>in which one might typically develop </a:t>
-            </a:r>
-            <a:r>
-              <a:rPr lang="en-GB" dirty="0" smtClean="0"/>
-              <a:t>them</a:t>
-            </a:r>
-          </a:p>
-          <a:p>
-            <a:pPr lvl="1"/>
-            <a:r>
-              <a:rPr lang="en-GB" dirty="0" smtClean="0"/>
-              <a:t>i.e., instead of reviewing all the structural and then </a:t>
-            </a:r>
-            <a:r>
-              <a:rPr lang="en-GB" dirty="0" err="1" smtClean="0"/>
-              <a:t>behavioral</a:t>
-            </a:r>
-            <a:r>
-              <a:rPr lang="en-GB" dirty="0" smtClean="0"/>
-              <a:t> diagrams </a:t>
-            </a:r>
-            <a:r>
-              <a:rPr lang="en-GB" dirty="0" err="1" smtClean="0"/>
-              <a:t>seperately</a:t>
-            </a:r>
-            <a:endParaRPr lang="en-GB" dirty="0"/>
-          </a:p>
-        </p:txBody>
-      </p:sp>
-    </p:spTree>
-    <p:extLst>
-      <p:ext uri="{BB962C8B-B14F-4D97-AF65-F5344CB8AC3E}">
-        <p14:creationId xmlns:p14="http://schemas.microsoft.com/office/powerpoint/2010/main" val="3562105673"/>
-      </p:ext>
-    </p:extLst>
-  </p:cSld>
-  <p:clrMapOvr>
-    <a:masterClrMapping/>
-  </p:clrMapOvr>
-  <p:timing>
-    <p:tnLst>
-      <p:par>
-        <p:cTn id="1" dur="indefinite" restart="never" nodeType="tmRoot"/>
-      </p:par>
-    </p:tnLst>
-  </p:timing>
-</p:sld>
-</file>
-
-<file path=ppt/slides/slide22.xml><?xml version="1.0" encoding="utf-8"?>
-<p:sld xmlns:a="http://schemas.openxmlformats.org/drawingml/2006/main" xmlns:r="http://schemas.openxmlformats.org/officeDocument/2006/relationships" xmlns:p="http://schemas.openxmlformats.org/presentationml/2006/main">
-  <p:cSld>
-    <p:spTree>
-      <p:nvGrpSpPr>
-        <p:cNvPr id="1" name=""/>
-        <p:cNvGrpSpPr/>
-        <p:nvPr/>
-      </p:nvGrpSpPr>
-      <p:grpSpPr>
-        <a:xfrm>
-          <a:off x="0" y="0"/>
-          <a:ext cx="0" cy="0"/>
-          <a:chOff x="0" y="0"/>
-          <a:chExt cx="0" cy="0"/>
-        </a:xfrm>
-      </p:grpSpPr>
-      <p:sp>
-        <p:nvSpPr>
-          <p:cNvPr id="2" name="Title 1"/>
-          <p:cNvSpPr>
-            <a:spLocks noGrp="1"/>
-          </p:cNvSpPr>
-          <p:nvPr>
-            <p:ph type="title"/>
-          </p:nvPr>
-        </p:nvSpPr>
-        <p:spPr/>
-        <p:txBody>
-          <a:bodyPr/>
-          <a:lstStyle/>
-          <a:p>
-            <a:r>
-              <a:rPr lang="en-GB" dirty="0"/>
-              <a:t>Package </a:t>
-            </a:r>
-            <a:r>
-              <a:rPr lang="en-GB" dirty="0" smtClean="0"/>
-              <a:t>Diagrams</a:t>
-            </a:r>
-            <a:endParaRPr lang="en-GB" dirty="0"/>
-          </a:p>
-        </p:txBody>
-      </p:sp>
-      <p:sp>
-        <p:nvSpPr>
-          <p:cNvPr id="3" name="Content Placeholder 2"/>
-          <p:cNvSpPr>
-            <a:spLocks noGrp="1"/>
-          </p:cNvSpPr>
-          <p:nvPr>
-            <p:ph idx="1"/>
-          </p:nvPr>
-        </p:nvSpPr>
-        <p:spPr>
-          <a:xfrm>
-            <a:off x="685800" y="1981200"/>
-            <a:ext cx="7772400" cy="4419600"/>
-          </a:xfrm>
-        </p:spPr>
-        <p:txBody>
-          <a:bodyPr>
-            <a:normAutofit fontScale="70000" lnSpcReduction="20000"/>
-          </a:bodyPr>
-          <a:lstStyle/>
-          <a:p>
-            <a:r>
-              <a:rPr lang="en-GB" b="1" dirty="0">
-                <a:solidFill>
-                  <a:srgbClr val="FF0000"/>
-                </a:solidFill>
-              </a:rPr>
-              <a:t>Package </a:t>
-            </a:r>
-            <a:r>
-              <a:rPr lang="en-GB" b="1" dirty="0" smtClean="0">
-                <a:solidFill>
-                  <a:srgbClr val="FF0000"/>
-                </a:solidFill>
-              </a:rPr>
-              <a:t>Diagrams</a:t>
-            </a:r>
-            <a:endParaRPr lang="en-GB" b="1" dirty="0">
-              <a:solidFill>
-                <a:srgbClr val="FF0000"/>
-              </a:solidFill>
-            </a:endParaRPr>
-          </a:p>
-          <a:p>
-            <a:r>
-              <a:rPr lang="en-GB" dirty="0"/>
-              <a:t>Component </a:t>
-            </a:r>
-            <a:r>
-              <a:rPr lang="en-GB" dirty="0" smtClean="0"/>
-              <a:t>Diagrams</a:t>
-            </a:r>
-            <a:endParaRPr lang="en-GB" dirty="0"/>
-          </a:p>
-          <a:p>
-            <a:r>
-              <a:rPr lang="en-GB" dirty="0"/>
-              <a:t>Deployment </a:t>
-            </a:r>
-            <a:r>
-              <a:rPr lang="en-GB" dirty="0" smtClean="0"/>
-              <a:t>Diagrams</a:t>
-            </a:r>
-            <a:endParaRPr lang="en-GB" dirty="0"/>
-          </a:p>
-          <a:p>
-            <a:r>
-              <a:rPr lang="en-GB" dirty="0"/>
-              <a:t>Use </a:t>
-            </a:r>
-            <a:r>
-              <a:rPr lang="en-GB" dirty="0" smtClean="0"/>
-              <a:t>Case Diagrams</a:t>
-            </a:r>
-            <a:endParaRPr lang="en-GB" dirty="0"/>
-          </a:p>
-          <a:p>
-            <a:r>
-              <a:rPr lang="en-GB" dirty="0"/>
-              <a:t>Activity </a:t>
-            </a:r>
-            <a:r>
-              <a:rPr lang="en-GB" dirty="0" smtClean="0"/>
-              <a:t>Diagrams</a:t>
-            </a:r>
-            <a:endParaRPr lang="en-GB" dirty="0"/>
-          </a:p>
-          <a:p>
-            <a:r>
-              <a:rPr lang="en-GB" dirty="0"/>
-              <a:t>Class </a:t>
-            </a:r>
-            <a:r>
-              <a:rPr lang="en-GB" dirty="0" smtClean="0"/>
-              <a:t>Diagrams</a:t>
-            </a:r>
-            <a:endParaRPr lang="en-GB" dirty="0"/>
-          </a:p>
-          <a:p>
-            <a:r>
-              <a:rPr lang="en-GB" dirty="0"/>
-              <a:t>Sequence </a:t>
-            </a:r>
-            <a:r>
-              <a:rPr lang="en-GB" dirty="0" smtClean="0"/>
-              <a:t>Diagrams</a:t>
-            </a:r>
-            <a:endParaRPr lang="en-GB" dirty="0"/>
-          </a:p>
-          <a:p>
-            <a:r>
-              <a:rPr lang="en-GB" dirty="0"/>
-              <a:t>Interaction </a:t>
-            </a:r>
-            <a:r>
-              <a:rPr lang="en-GB" dirty="0" smtClean="0"/>
-              <a:t>Overview Diagrams</a:t>
-            </a:r>
-            <a:endParaRPr lang="en-GB" dirty="0"/>
-          </a:p>
-          <a:p>
-            <a:r>
-              <a:rPr lang="en-GB" dirty="0"/>
-              <a:t>Composite </a:t>
-            </a:r>
-            <a:r>
-              <a:rPr lang="en-GB" dirty="0" smtClean="0"/>
-              <a:t>Structure Diagrams</a:t>
-            </a:r>
-            <a:endParaRPr lang="en-GB" dirty="0"/>
-          </a:p>
-          <a:p>
-            <a:r>
-              <a:rPr lang="en-GB" dirty="0"/>
-              <a:t>State </a:t>
-            </a:r>
-            <a:r>
-              <a:rPr lang="en-GB" dirty="0" smtClean="0"/>
-              <a:t>Machine Diagrams</a:t>
-            </a:r>
-            <a:endParaRPr lang="en-GB" dirty="0"/>
-          </a:p>
-          <a:p>
-            <a:r>
-              <a:rPr lang="en-GB" dirty="0"/>
-              <a:t>Timing </a:t>
-            </a:r>
-            <a:r>
-              <a:rPr lang="en-GB" dirty="0" smtClean="0"/>
-              <a:t>Diagrams</a:t>
-            </a:r>
-            <a:endParaRPr lang="en-GB" dirty="0"/>
-          </a:p>
-          <a:p>
-            <a:r>
-              <a:rPr lang="en-GB" dirty="0"/>
-              <a:t>Object </a:t>
-            </a:r>
-            <a:r>
-              <a:rPr lang="en-GB" dirty="0" smtClean="0"/>
-              <a:t>Diagrams</a:t>
-            </a:r>
-            <a:endParaRPr lang="en-GB" dirty="0"/>
-          </a:p>
-          <a:p>
-            <a:r>
-              <a:rPr lang="en-GB" dirty="0"/>
-              <a:t>Communication </a:t>
-            </a:r>
-            <a:r>
-              <a:rPr lang="en-GB" dirty="0" smtClean="0"/>
-              <a:t>Diagrams</a:t>
-            </a:r>
-            <a:endParaRPr lang="en-GB" dirty="0"/>
-          </a:p>
-        </p:txBody>
-      </p:sp>
-    </p:spTree>
-    <p:extLst>
-      <p:ext uri="{BB962C8B-B14F-4D97-AF65-F5344CB8AC3E}">
-        <p14:creationId xmlns:p14="http://schemas.microsoft.com/office/powerpoint/2010/main" val="2749213653"/>
-      </p:ext>
-    </p:extLst>
-  </p:cSld>
-  <p:clrMapOvr>
-    <a:masterClrMapping/>
-  </p:clrMapOvr>
-  <p:timing>
-    <p:tnLst>
-      <p:par>
-        <p:cTn id="1" dur="indefinite" restart="never" nodeType="tmRoot"/>
-      </p:par>
-    </p:tnLst>
-  </p:timing>
-</p:sld>
-</file>
-
-<file path=ppt/slides/slide23.xml><?xml version="1.0" encoding="utf-8"?>
-<p:sld xmlns:a="http://schemas.openxmlformats.org/drawingml/2006/main" xmlns:r="http://schemas.openxmlformats.org/officeDocument/2006/relationships" xmlns:p="http://schemas.openxmlformats.org/presentationml/2006/main">
-  <p:cSld>
-    <p:spTree>
-      <p:nvGrpSpPr>
-        <p:cNvPr id="1" name=""/>
-        <p:cNvGrpSpPr/>
-        <p:nvPr/>
-      </p:nvGrpSpPr>
-      <p:grpSpPr>
-        <a:xfrm>
-          <a:off x="0" y="0"/>
-          <a:ext cx="0" cy="0"/>
-          <a:chOff x="0" y="0"/>
-          <a:chExt cx="0" cy="0"/>
-        </a:xfrm>
-      </p:grpSpPr>
-      <p:sp>
-        <p:nvSpPr>
-          <p:cNvPr id="2" name="Title 1"/>
-          <p:cNvSpPr>
-            <a:spLocks noGrp="1"/>
-          </p:cNvSpPr>
-          <p:nvPr>
-            <p:ph type="title"/>
-          </p:nvPr>
-        </p:nvSpPr>
-        <p:spPr/>
-        <p:txBody>
-          <a:bodyPr/>
-          <a:lstStyle/>
-          <a:p>
-            <a:r>
-              <a:rPr lang="en-GB" dirty="0" smtClean="0"/>
-              <a:t>Package Diagram</a:t>
-            </a:r>
-            <a:endParaRPr lang="en-GB" dirty="0"/>
-          </a:p>
-        </p:txBody>
-      </p:sp>
-      <p:sp>
-        <p:nvSpPr>
-          <p:cNvPr id="3" name="Content Placeholder 2"/>
-          <p:cNvSpPr>
-            <a:spLocks noGrp="1"/>
-          </p:cNvSpPr>
-          <p:nvPr>
-            <p:ph idx="1"/>
-          </p:nvPr>
-        </p:nvSpPr>
-        <p:spPr/>
-        <p:txBody>
-          <a:bodyPr>
-            <a:normAutofit fontScale="92500" lnSpcReduction="20000"/>
-          </a:bodyPr>
-          <a:lstStyle/>
-          <a:p>
-            <a:r>
-              <a:rPr lang="en-GB" dirty="0"/>
-              <a:t>A package diagram provides the means to organize the </a:t>
-            </a:r>
-            <a:r>
-              <a:rPr lang="en-GB" dirty="0" err="1"/>
-              <a:t>artifacts</a:t>
-            </a:r>
-            <a:r>
-              <a:rPr lang="en-GB" dirty="0"/>
-              <a:t> of </a:t>
-            </a:r>
-            <a:r>
-              <a:rPr lang="en-GB" dirty="0" smtClean="0"/>
-              <a:t>the development </a:t>
-            </a:r>
-            <a:r>
-              <a:rPr lang="en-GB" dirty="0"/>
-              <a:t>process to clearly present the analysis of the problem </a:t>
-            </a:r>
-            <a:r>
-              <a:rPr lang="en-GB" dirty="0" smtClean="0"/>
-              <a:t>space and </a:t>
-            </a:r>
-            <a:r>
-              <a:rPr lang="en-GB" dirty="0"/>
-              <a:t>the associated </a:t>
-            </a:r>
-            <a:r>
-              <a:rPr lang="en-GB" dirty="0" smtClean="0"/>
-              <a:t>design</a:t>
-            </a:r>
-          </a:p>
-          <a:p>
-            <a:r>
-              <a:rPr lang="en-GB" dirty="0" smtClean="0"/>
-              <a:t>The </a:t>
-            </a:r>
-            <a:r>
-              <a:rPr lang="en-GB" dirty="0"/>
-              <a:t>specific reasons will be varied but will </a:t>
-            </a:r>
-            <a:r>
-              <a:rPr lang="en-GB" dirty="0" smtClean="0"/>
-              <a:t>either focus </a:t>
-            </a:r>
-            <a:r>
-              <a:rPr lang="en-GB" dirty="0"/>
-              <a:t>on physically structuring the visual model itself or on </a:t>
-            </a:r>
-            <a:r>
-              <a:rPr lang="en-GB" dirty="0" smtClean="0"/>
-              <a:t>clearly representing </a:t>
-            </a:r>
-            <a:r>
-              <a:rPr lang="en-GB" dirty="0"/>
-              <a:t>the model elements through multiple </a:t>
-            </a:r>
-            <a:r>
-              <a:rPr lang="en-GB" dirty="0" smtClean="0"/>
-              <a:t>views</a:t>
-            </a:r>
-            <a:endParaRPr lang="en-GB" dirty="0"/>
-          </a:p>
-        </p:txBody>
-      </p:sp>
-    </p:spTree>
-    <p:extLst>
-      <p:ext uri="{BB962C8B-B14F-4D97-AF65-F5344CB8AC3E}">
-        <p14:creationId xmlns:p14="http://schemas.microsoft.com/office/powerpoint/2010/main" val="1981870939"/>
-      </p:ext>
-    </p:extLst>
-  </p:cSld>
-  <p:clrMapOvr>
-    <a:masterClrMapping/>
-  </p:clrMapOvr>
-</p:sld>
-</file>
-
-<file path=ppt/slides/slide24.xml><?xml version="1.0" encoding="utf-8"?>
-<p:sld xmlns:a="http://schemas.openxmlformats.org/drawingml/2006/main" xmlns:r="http://schemas.openxmlformats.org/officeDocument/2006/relationships" xmlns:p="http://schemas.openxmlformats.org/presentationml/2006/main">
-  <p:cSld>
-    <p:spTree>
-      <p:nvGrpSpPr>
-        <p:cNvPr id="1" name=""/>
-        <p:cNvGrpSpPr/>
-        <p:nvPr/>
-      </p:nvGrpSpPr>
-      <p:grpSpPr>
-        <a:xfrm>
-          <a:off x="0" y="0"/>
-          <a:ext cx="0" cy="0"/>
-          <a:chOff x="0" y="0"/>
-          <a:chExt cx="0" cy="0"/>
-        </a:xfrm>
-      </p:grpSpPr>
-      <p:sp>
-        <p:nvSpPr>
-          <p:cNvPr id="2" name="Title 1"/>
-          <p:cNvSpPr>
-            <a:spLocks noGrp="1"/>
-          </p:cNvSpPr>
-          <p:nvPr>
-            <p:ph type="title"/>
-          </p:nvPr>
-        </p:nvSpPr>
-        <p:spPr/>
-        <p:txBody>
-          <a:bodyPr/>
-          <a:lstStyle/>
-          <a:p>
-            <a:r>
-              <a:rPr lang="en-GB" b="1" dirty="0" smtClean="0"/>
-              <a:t>Visibility</a:t>
-            </a:r>
-            <a:endParaRPr lang="en-GB" dirty="0"/>
-          </a:p>
-        </p:txBody>
-      </p:sp>
-      <p:sp>
-        <p:nvSpPr>
-          <p:cNvPr id="3" name="Content Placeholder 2"/>
-          <p:cNvSpPr>
-            <a:spLocks noGrp="1"/>
-          </p:cNvSpPr>
-          <p:nvPr>
-            <p:ph idx="1"/>
-          </p:nvPr>
-        </p:nvSpPr>
-        <p:spPr/>
-        <p:txBody>
-          <a:bodyPr/>
-          <a:lstStyle/>
-          <a:p>
-            <a:r>
-              <a:rPr lang="en-GB" dirty="0" smtClean="0"/>
-              <a:t>Public </a:t>
-            </a:r>
-            <a:r>
-              <a:rPr lang="en-GB" dirty="0"/>
-              <a:t>(+) Visible to elements within its containing package, including</a:t>
-            </a:r>
-            <a:br>
-              <a:rPr lang="en-GB" dirty="0"/>
-            </a:br>
-            <a:r>
-              <a:rPr lang="en-GB" dirty="0"/>
-              <a:t>nested packages, and to external </a:t>
-            </a:r>
-            <a:r>
-              <a:rPr lang="en-GB" dirty="0" smtClean="0"/>
-              <a:t>elements</a:t>
-            </a:r>
-            <a:endParaRPr lang="en-GB" dirty="0"/>
-          </a:p>
-          <a:p>
-            <a:r>
-              <a:rPr lang="en-GB" dirty="0" smtClean="0"/>
-              <a:t>Private </a:t>
-            </a:r>
-            <a:r>
-              <a:rPr lang="en-GB" dirty="0"/>
-              <a:t>(-) Visible only to elements within its containing package and to</a:t>
-            </a:r>
-            <a:br>
-              <a:rPr lang="en-GB" dirty="0"/>
-            </a:br>
-            <a:r>
-              <a:rPr lang="en-GB" dirty="0"/>
-              <a:t>nested packages</a:t>
-            </a:r>
-            <a:br>
-              <a:rPr lang="en-GB" dirty="0"/>
-            </a:br>
-            <a:r>
-              <a:rPr lang="en-GB" dirty="0"/>
-              <a:t/>
-            </a:r>
-            <a:br>
-              <a:rPr lang="en-GB" dirty="0"/>
-            </a:br>
-            <a:endParaRPr lang="en-GB" dirty="0"/>
-          </a:p>
-        </p:txBody>
-      </p:sp>
-    </p:spTree>
-    <p:extLst>
-      <p:ext uri="{BB962C8B-B14F-4D97-AF65-F5344CB8AC3E}">
-        <p14:creationId xmlns:p14="http://schemas.microsoft.com/office/powerpoint/2010/main" val="1834563505"/>
-      </p:ext>
-    </p:extLst>
-  </p:cSld>
-  <p:clrMapOvr>
-    <a:masterClrMapping/>
-  </p:clrMapOvr>
-  <p:timing>
-    <p:tnLst>
-      <p:par>
-        <p:cTn id="1" dur="indefinite" restart="never" nodeType="tmRoot"/>
-      </p:par>
-    </p:tnLst>
-  </p:timing>
-</p:sld>
-</file>
-
-<file path=ppt/slides/slide25.xml><?xml version="1.0" encoding="utf-8"?>
-<p:sld xmlns:a="http://schemas.openxmlformats.org/drawingml/2006/main" xmlns:r="http://schemas.openxmlformats.org/officeDocument/2006/relationships" xmlns:p="http://schemas.openxmlformats.org/presentationml/2006/main">
-  <p:cSld>
-    <p:spTree>
-      <p:nvGrpSpPr>
-        <p:cNvPr id="1" name=""/>
-        <p:cNvGrpSpPr/>
-        <p:nvPr/>
-      </p:nvGrpSpPr>
-      <p:grpSpPr>
-        <a:xfrm>
-          <a:off x="0" y="0"/>
-          <a:ext cx="0" cy="0"/>
-          <a:chOff x="0" y="0"/>
-          <a:chExt cx="0" cy="0"/>
-        </a:xfrm>
-      </p:grpSpPr>
-      <p:sp>
-        <p:nvSpPr>
-          <p:cNvPr id="2" name="Title 1"/>
-          <p:cNvSpPr>
-            <a:spLocks noGrp="1"/>
-          </p:cNvSpPr>
-          <p:nvPr>
-            <p:ph type="title"/>
-          </p:nvPr>
-        </p:nvSpPr>
-        <p:spPr/>
-        <p:txBody>
-          <a:bodyPr/>
-          <a:lstStyle/>
-          <a:p>
-            <a:r>
-              <a:rPr lang="en-GB" dirty="0" smtClean="0"/>
-              <a:t>Example</a:t>
-            </a:r>
-            <a:endParaRPr lang="en-GB" dirty="0"/>
-          </a:p>
-        </p:txBody>
-      </p:sp>
-      <p:sp>
-        <p:nvSpPr>
-          <p:cNvPr id="3" name="Content Placeholder 2"/>
-          <p:cNvSpPr>
-            <a:spLocks noGrp="1"/>
-          </p:cNvSpPr>
-          <p:nvPr>
-            <p:ph idx="1"/>
-          </p:nvPr>
-        </p:nvSpPr>
-        <p:spPr/>
-        <p:txBody>
-          <a:bodyPr/>
-          <a:lstStyle/>
-          <a:p>
-            <a:endParaRPr lang="en-GB"/>
-          </a:p>
-        </p:txBody>
-      </p:sp>
-      <p:pic>
-        <p:nvPicPr>
-          <p:cNvPr id="4" name="Picture 3"/>
-          <p:cNvPicPr>
-            <a:picLocks noChangeAspect="1"/>
-          </p:cNvPicPr>
-          <p:nvPr/>
-        </p:nvPicPr>
-        <p:blipFill>
-          <a:blip r:embed="rId2"/>
-          <a:stretch>
-            <a:fillRect/>
-          </a:stretch>
-        </p:blipFill>
-        <p:spPr>
-          <a:xfrm>
-            <a:off x="1524000" y="2209800"/>
-            <a:ext cx="6729908" cy="3248025"/>
-          </a:xfrm>
-          <a:prstGeom prst="rect">
-            <a:avLst/>
-          </a:prstGeom>
-        </p:spPr>
-      </p:pic>
-    </p:spTree>
-    <p:extLst>
-      <p:ext uri="{BB962C8B-B14F-4D97-AF65-F5344CB8AC3E}">
-        <p14:creationId xmlns:p14="http://schemas.microsoft.com/office/powerpoint/2010/main" val="1873844678"/>
-      </p:ext>
-    </p:extLst>
-  </p:cSld>
-  <p:clrMapOvr>
-    <a:masterClrMapping/>
-  </p:clrMapOvr>
-  <p:timing>
-    <p:tnLst>
-      <p:par>
-        <p:cTn id="1" dur="indefinite" restart="never" nodeType="tmRoot"/>
-      </p:par>
-    </p:tnLst>
-  </p:timing>
-</p:sld>
-</file>
-
-<file path=ppt/slides/slide26.xml><?xml version="1.0" encoding="utf-8"?>
-<p:sld xmlns:a="http://schemas.openxmlformats.org/drawingml/2006/main" xmlns:r="http://schemas.openxmlformats.org/officeDocument/2006/relationships" xmlns:p="http://schemas.openxmlformats.org/presentationml/2006/main">
-  <p:cSld>
-    <p:spTree>
-      <p:nvGrpSpPr>
-        <p:cNvPr id="1" name=""/>
-        <p:cNvGrpSpPr/>
-        <p:nvPr/>
-      </p:nvGrpSpPr>
-      <p:grpSpPr>
-        <a:xfrm>
-          <a:off x="0" y="0"/>
-          <a:ext cx="0" cy="0"/>
-          <a:chOff x="0" y="0"/>
-          <a:chExt cx="0" cy="0"/>
-        </a:xfrm>
-      </p:grpSpPr>
-      <p:sp>
-        <p:nvSpPr>
-          <p:cNvPr id="2" name="Title 1"/>
-          <p:cNvSpPr>
-            <a:spLocks noGrp="1"/>
-          </p:cNvSpPr>
-          <p:nvPr>
-            <p:ph type="title"/>
-          </p:nvPr>
-        </p:nvSpPr>
-        <p:spPr>
-          <a:xfrm>
-            <a:off x="381000" y="609600"/>
-            <a:ext cx="8458200" cy="1143000"/>
-          </a:xfrm>
-        </p:spPr>
-        <p:txBody>
-          <a:bodyPr/>
-          <a:lstStyle/>
-          <a:p>
-            <a:r>
-              <a:rPr lang="en-GB" dirty="0"/>
-              <a:t>Dependencies between UML elements (including P</a:t>
-            </a:r>
-            <a:r>
-              <a:rPr lang="en-GB" dirty="0" smtClean="0"/>
-              <a:t>ackages)</a:t>
-            </a:r>
-            <a:endParaRPr lang="en-GB" dirty="0"/>
-          </a:p>
-        </p:txBody>
-      </p:sp>
-      <p:sp>
-        <p:nvSpPr>
-          <p:cNvPr id="3" name="Content Placeholder 2"/>
-          <p:cNvSpPr>
-            <a:spLocks noGrp="1"/>
-          </p:cNvSpPr>
-          <p:nvPr>
-            <p:ph idx="1"/>
-          </p:nvPr>
-        </p:nvSpPr>
-        <p:spPr/>
-        <p:txBody>
-          <a:bodyPr/>
-          <a:lstStyle/>
-          <a:p>
-            <a:r>
-              <a:rPr lang="en-GB" dirty="0"/>
-              <a:t>N</a:t>
-            </a:r>
-            <a:r>
-              <a:rPr lang="en-GB" dirty="0" smtClean="0"/>
-              <a:t>otations </a:t>
-            </a:r>
-            <a:r>
-              <a:rPr lang="en-GB" dirty="0"/>
-              <a:t>for the different types of relationships are as follows</a:t>
-            </a:r>
-          </a:p>
-        </p:txBody>
-      </p:sp>
-      <p:pic>
-        <p:nvPicPr>
-          <p:cNvPr id="4" name="Picture 3"/>
-          <p:cNvPicPr>
-            <a:picLocks noChangeAspect="1"/>
-          </p:cNvPicPr>
-          <p:nvPr/>
-        </p:nvPicPr>
-        <p:blipFill>
-          <a:blip r:embed="rId2"/>
-          <a:stretch>
-            <a:fillRect/>
-          </a:stretch>
-        </p:blipFill>
-        <p:spPr>
-          <a:xfrm>
-            <a:off x="2286000" y="3288626"/>
-            <a:ext cx="4191000" cy="3069841"/>
-          </a:xfrm>
-          <a:prstGeom prst="rect">
-            <a:avLst/>
-          </a:prstGeom>
-        </p:spPr>
-      </p:pic>
-    </p:spTree>
-    <p:extLst>
-      <p:ext uri="{BB962C8B-B14F-4D97-AF65-F5344CB8AC3E}">
-        <p14:creationId xmlns:p14="http://schemas.microsoft.com/office/powerpoint/2010/main" val="605885047"/>
-      </p:ext>
-    </p:extLst>
-  </p:cSld>
-  <p:clrMapOvr>
-    <a:masterClrMapping/>
-  </p:clrMapOvr>
-  <p:timing>
-    <p:tnLst>
-      <p:par>
-        <p:cTn id="1" dur="indefinite" restart="never" nodeType="tmRoot"/>
-      </p:par>
-    </p:tnLst>
-  </p:timing>
-</p:sld>
-</file>
-
-<file path=ppt/slides/slide27.xml><?xml version="1.0" encoding="utf-8"?>
+<file path=ppt/slides/slide30.xml><?xml version="1.0" encoding="utf-8"?>
 <p:sld xmlns:a="http://schemas.openxmlformats.org/drawingml/2006/main" xmlns:r="http://schemas.openxmlformats.org/officeDocument/2006/relationships" xmlns:p="http://schemas.openxmlformats.org/presentationml/2006/main">
   <p:cSld>
     <p:spTree>
@@ -6845,7 +7599,7 @@
 </p:sld>
 </file>
 
-<file path=ppt/slides/slide28.xml><?xml version="1.0" encoding="utf-8"?>
+<file path=ppt/slides/slide31.xml><?xml version="1.0" encoding="utf-8"?>
 <p:sld xmlns:a="http://schemas.openxmlformats.org/drawingml/2006/main" xmlns:r="http://schemas.openxmlformats.org/officeDocument/2006/relationships" xmlns:p="http://schemas.openxmlformats.org/presentationml/2006/main">
   <p:cSld>
     <p:spTree>
@@ -7062,6 +7816,30 @@
           </a:p>
         </p:txBody>
       </p:sp>
+      <p:pic>
+        <p:nvPicPr>
+          <p:cNvPr id="5" name="Picture 4"/>
+          <p:cNvPicPr>
+            <a:picLocks noChangeAspect="1"/>
+          </p:cNvPicPr>
+          <p:nvPr/>
+        </p:nvPicPr>
+        <p:blipFill>
+          <a:blip r:embed="rId2"/>
+          <a:stretch>
+            <a:fillRect/>
+          </a:stretch>
+        </p:blipFill>
+        <p:spPr>
+          <a:xfrm>
+            <a:off x="5146998" y="2209800"/>
+            <a:ext cx="3336602" cy="3429000"/>
+          </a:xfrm>
+          <a:prstGeom prst="rect">
+            <a:avLst/>
+          </a:prstGeom>
+        </p:spPr>
+      </p:pic>
     </p:spTree>
     <p:extLst>
       <p:ext uri="{BB962C8B-B14F-4D97-AF65-F5344CB8AC3E}">
@@ -7082,7 +7860,7 @@
 </p:sld>
 </file>
 
-<file path=ppt/slides/slide29.xml><?xml version="1.0" encoding="utf-8"?>
+<file path=ppt/slides/slide32.xml><?xml version="1.0" encoding="utf-8"?>
 <p:sld xmlns:a="http://schemas.openxmlformats.org/drawingml/2006/main" xmlns:r="http://schemas.openxmlformats.org/officeDocument/2006/relationships" xmlns:p="http://schemas.openxmlformats.org/presentationml/2006/main">
   <p:cSld>
     <p:spTree>
@@ -7227,135 +8005,7 @@
 </p:sld>
 </file>
 
-<file path=ppt/slides/slide3.xml><?xml version="1.0" encoding="utf-8"?>
-<p:sld xmlns:a="http://schemas.openxmlformats.org/drawingml/2006/main" xmlns:r="http://schemas.openxmlformats.org/officeDocument/2006/relationships" xmlns:p="http://schemas.openxmlformats.org/presentationml/2006/main">
-  <p:cSld>
-    <p:spTree>
-      <p:nvGrpSpPr>
-        <p:cNvPr id="1" name=""/>
-        <p:cNvGrpSpPr/>
-        <p:nvPr/>
-      </p:nvGrpSpPr>
-      <p:grpSpPr>
-        <a:xfrm>
-          <a:off x="0" y="0"/>
-          <a:ext cx="0" cy="0"/>
-          <a:chOff x="0" y="0"/>
-          <a:chExt cx="0" cy="0"/>
-        </a:xfrm>
-      </p:grpSpPr>
-      <p:sp>
-        <p:nvSpPr>
-          <p:cNvPr id="11266" name="Title 1"/>
-          <p:cNvSpPr>
-            <a:spLocks noGrp="1"/>
-          </p:cNvSpPr>
-          <p:nvPr>
-            <p:ph type="title"/>
-          </p:nvPr>
-        </p:nvSpPr>
-        <p:spPr/>
-        <p:txBody>
-          <a:bodyPr/>
-          <a:lstStyle/>
-          <a:p>
-            <a:r>
-              <a:rPr lang="en-GB" altLang="en-US" smtClean="0"/>
-              <a:t>Revision Question</a:t>
-            </a:r>
-          </a:p>
-        </p:txBody>
-      </p:sp>
-      <p:sp>
-        <p:nvSpPr>
-          <p:cNvPr id="3" name="Content Placeholder 2"/>
-          <p:cNvSpPr>
-            <a:spLocks noGrp="1"/>
-          </p:cNvSpPr>
-          <p:nvPr>
-            <p:ph idx="1"/>
-          </p:nvPr>
-        </p:nvSpPr>
-        <p:spPr/>
-        <p:txBody>
-          <a:bodyPr/>
-          <a:lstStyle/>
-          <a:p>
-            <a:pPr>
-              <a:defRPr/>
-            </a:pPr>
-            <a:r>
-              <a:rPr lang="en-GB" dirty="0" smtClean="0"/>
-              <a:t>Requirements analysis is critical to the success of a development project.</a:t>
-            </a:r>
-          </a:p>
-          <a:p>
-            <a:pPr marL="0" indent="0">
-              <a:buFontTx/>
-              <a:buNone/>
-              <a:defRPr/>
-            </a:pPr>
-            <a:endParaRPr lang="en-GB" dirty="0" smtClean="0"/>
-          </a:p>
-          <a:p>
-            <a:pPr marL="0" indent="0">
-              <a:buFontTx/>
-              <a:buNone/>
-              <a:defRPr/>
-            </a:pPr>
-            <a:r>
-              <a:rPr lang="en-GB" dirty="0" smtClean="0"/>
-              <a:t>a) True</a:t>
-            </a:r>
-          </a:p>
-          <a:p>
-            <a:pPr marL="0" indent="0">
-              <a:buFontTx/>
-              <a:buNone/>
-              <a:defRPr/>
-            </a:pPr>
-            <a:r>
-              <a:rPr lang="en-GB" dirty="0" smtClean="0"/>
-              <a:t>b) False</a:t>
-            </a:r>
-          </a:p>
-          <a:p>
-            <a:pPr marL="0" indent="0">
-              <a:buFontTx/>
-              <a:buNone/>
-              <a:defRPr/>
-            </a:pPr>
-            <a:r>
-              <a:rPr lang="en-GB" dirty="0" smtClean="0"/>
-              <a:t>c) Depends upon the size of project</a:t>
-            </a:r>
-          </a:p>
-          <a:p>
-            <a:pPr marL="0" indent="0">
-              <a:buFontTx/>
-              <a:buNone/>
-              <a:defRPr/>
-            </a:pPr>
-            <a:endParaRPr lang="en-GB" dirty="0" smtClean="0"/>
-          </a:p>
-        </p:txBody>
-      </p:sp>
-    </p:spTree>
-  </p:cSld>
-  <p:clrMapOvr>
-    <a:masterClrMapping/>
-  </p:clrMapOvr>
-  <p:timing>
-    <p:tnLst>
-      <p:par>
-        <p:cTn id="1" dur="indefinite" restart="never" nodeType="tmRoot"/>
-      </p:par>
-    </p:tnLst>
-  </p:timing>
-</p:sld>
-</file>
-
-<file path=ppt/slides/slide30.xml><?xml version="1.0" encoding="utf-8"?>
+<file path=ppt/slides/slide33.xml><?xml version="1.0" encoding="utf-8"?>
 <p:sld xmlns:a="http://schemas.openxmlformats.org/drawingml/2006/main" xmlns:r="http://schemas.openxmlformats.org/officeDocument/2006/relationships" xmlns:p="http://schemas.openxmlformats.org/presentationml/2006/main">
   <p:cSld>
     <p:spTree>
@@ -7506,7 +8156,7 @@
 </p:sld>
 </file>
 
-<file path=ppt/slides/slide31.xml><?xml version="1.0" encoding="utf-8"?>
+<file path=ppt/slides/slide34.xml><?xml version="1.0" encoding="utf-8"?>
 <p:sld xmlns:a="http://schemas.openxmlformats.org/drawingml/2006/main" xmlns:r="http://schemas.openxmlformats.org/officeDocument/2006/relationships" xmlns:p="http://schemas.openxmlformats.org/presentationml/2006/main">
   <p:cSld>
     <p:spTree>
@@ -7614,7 +8264,7 @@
 </p:sld>
 </file>
 
-<file path=ppt/slides/slide32.xml><?xml version="1.0" encoding="utf-8"?>
+<file path=ppt/slides/slide35.xml><?xml version="1.0" encoding="utf-8"?>
 <p:sld xmlns:a="http://schemas.openxmlformats.org/drawingml/2006/main" xmlns:r="http://schemas.openxmlformats.org/officeDocument/2006/relationships" xmlns:p="http://schemas.openxmlformats.org/presentationml/2006/main">
   <p:cSld>
     <p:spTree>
@@ -7733,7 +8383,7 @@
 </p:sld>
 </file>
 
-<file path=ppt/slides/slide33.xml><?xml version="1.0" encoding="utf-8"?>
+<file path=ppt/slides/slide36.xml><?xml version="1.0" encoding="utf-8"?>
 <p:sld xmlns:a="http://schemas.openxmlformats.org/drawingml/2006/main" xmlns:r="http://schemas.openxmlformats.org/officeDocument/2006/relationships" xmlns:p="http://schemas.openxmlformats.org/presentationml/2006/main">
   <p:cSld>
     <p:spTree>
@@ -7950,6 +8600,30 @@
           </a:p>
         </p:txBody>
       </p:sp>
+      <p:pic>
+        <p:nvPicPr>
+          <p:cNvPr id="4" name="Picture 3"/>
+          <p:cNvPicPr>
+            <a:picLocks noChangeAspect="1"/>
+          </p:cNvPicPr>
+          <p:nvPr/>
+        </p:nvPicPr>
+        <p:blipFill>
+          <a:blip r:embed="rId2"/>
+          <a:stretch>
+            <a:fillRect/>
+          </a:stretch>
+        </p:blipFill>
+        <p:spPr>
+          <a:xfrm>
+            <a:off x="5146998" y="2209800"/>
+            <a:ext cx="3336602" cy="3429000"/>
+          </a:xfrm>
+          <a:prstGeom prst="rect">
+            <a:avLst/>
+          </a:prstGeom>
+        </p:spPr>
+      </p:pic>
     </p:spTree>
     <p:extLst>
       <p:ext uri="{BB962C8B-B14F-4D97-AF65-F5344CB8AC3E}">
@@ -7970,7 +8644,7 @@
 </p:sld>
 </file>
 
-<file path=ppt/slides/slide34.xml><?xml version="1.0" encoding="utf-8"?>
+<file path=ppt/slides/slide37.xml><?xml version="1.0" encoding="utf-8"?>
 <p:sld xmlns:a="http://schemas.openxmlformats.org/drawingml/2006/main" xmlns:r="http://schemas.openxmlformats.org/officeDocument/2006/relationships" xmlns:p="http://schemas.openxmlformats.org/presentationml/2006/main">
   <p:cSld>
     <p:spTree>
@@ -8138,7 +8812,7 @@
 </p:sld>
 </file>
 
-<file path=ppt/slides/slide35.xml><?xml version="1.0" encoding="utf-8"?>
+<file path=ppt/slides/slide38.xml><?xml version="1.0" encoding="utf-8"?>
 <p:sld xmlns:a="http://schemas.openxmlformats.org/drawingml/2006/main" xmlns:r="http://schemas.openxmlformats.org/officeDocument/2006/relationships" xmlns:p="http://schemas.openxmlformats.org/presentationml/2006/main">
   <p:cSld>
     <p:spTree>
@@ -8246,484 +8920,6 @@
 </p:sld>
 </file>
 
-<file path=ppt/slides/slide36.xml><?xml version="1.0" encoding="utf-8"?>
-<p:sld xmlns:a="http://schemas.openxmlformats.org/drawingml/2006/main" xmlns:r="http://schemas.openxmlformats.org/officeDocument/2006/relationships" xmlns:p="http://schemas.openxmlformats.org/presentationml/2006/main">
-  <p:cSld>
-    <p:spTree>
-      <p:nvGrpSpPr>
-        <p:cNvPr id="1" name=""/>
-        <p:cNvGrpSpPr/>
-        <p:nvPr/>
-      </p:nvGrpSpPr>
-      <p:grpSpPr>
-        <a:xfrm>
-          <a:off x="0" y="0"/>
-          <a:ext cx="0" cy="0"/>
-          <a:chOff x="0" y="0"/>
-          <a:chExt cx="0" cy="0"/>
-        </a:xfrm>
-      </p:grpSpPr>
-      <p:sp>
-        <p:nvSpPr>
-          <p:cNvPr id="2" name="Title 1"/>
-          <p:cNvSpPr>
-            <a:spLocks noGrp="1"/>
-          </p:cNvSpPr>
-          <p:nvPr>
-            <p:ph type="title"/>
-          </p:nvPr>
-        </p:nvSpPr>
-        <p:spPr/>
-        <p:txBody>
-          <a:bodyPr/>
-          <a:lstStyle/>
-          <a:p>
-            <a:r>
-              <a:rPr lang="en-GB" dirty="0" smtClean="0"/>
-              <a:t>Question</a:t>
-            </a:r>
-            <a:endParaRPr lang="en-GB" dirty="0"/>
-          </a:p>
-        </p:txBody>
-      </p:sp>
-      <p:sp>
-        <p:nvSpPr>
-          <p:cNvPr id="3" name="Content Placeholder 2"/>
-          <p:cNvSpPr>
-            <a:spLocks noGrp="1"/>
-          </p:cNvSpPr>
-          <p:nvPr>
-            <p:ph idx="1"/>
-          </p:nvPr>
-        </p:nvSpPr>
-        <p:spPr>
-          <a:xfrm>
-            <a:off x="533400" y="1981200"/>
-            <a:ext cx="8077200" cy="4114800"/>
-          </a:xfrm>
-        </p:spPr>
-        <p:txBody>
-          <a:bodyPr/>
-          <a:lstStyle/>
-          <a:p>
-            <a:r>
-              <a:rPr lang="en-GB" dirty="0"/>
-              <a:t>The three essential elements of a deployment diagram </a:t>
-            </a:r>
-            <a:r>
-              <a:rPr lang="en-GB" dirty="0" smtClean="0"/>
-              <a:t>are:</a:t>
-            </a:r>
-          </a:p>
-          <a:p>
-            <a:endParaRPr lang="en-GB" dirty="0" smtClean="0"/>
-          </a:p>
-          <a:p>
-            <a:pPr marL="0" indent="0">
-              <a:buNone/>
-            </a:pPr>
-            <a:r>
-              <a:rPr lang="en-GB" dirty="0" smtClean="0"/>
-              <a:t>a) nodes, connections and their elements</a:t>
-            </a:r>
-            <a:endParaRPr lang="en-GB" dirty="0"/>
-          </a:p>
-          <a:p>
-            <a:pPr marL="0" indent="0">
-              <a:buNone/>
-            </a:pPr>
-            <a:r>
-              <a:rPr lang="en-GB" dirty="0"/>
-              <a:t>b</a:t>
-            </a:r>
-            <a:r>
-              <a:rPr lang="en-GB" dirty="0" smtClean="0"/>
-              <a:t>) </a:t>
-            </a:r>
-            <a:r>
-              <a:rPr lang="en-GB" dirty="0" err="1"/>
-              <a:t>artifacts</a:t>
-            </a:r>
-            <a:r>
-              <a:rPr lang="en-GB" dirty="0"/>
-              <a:t>, nodes, </a:t>
-            </a:r>
-            <a:r>
-              <a:rPr lang="en-GB" dirty="0" smtClean="0"/>
-              <a:t>and their connections</a:t>
-            </a:r>
-          </a:p>
-          <a:p>
-            <a:pPr marL="0" indent="0">
-              <a:buNone/>
-            </a:pPr>
-            <a:r>
-              <a:rPr lang="en-GB" dirty="0" smtClean="0"/>
-              <a:t>c) elements, relationships and connectors</a:t>
-            </a:r>
-          </a:p>
-          <a:p>
-            <a:pPr marL="0" indent="0">
-              <a:buNone/>
-            </a:pPr>
-            <a:r>
-              <a:rPr lang="en-GB" dirty="0" smtClean="0"/>
-              <a:t>d) inheritance, relationships and connectors</a:t>
-            </a:r>
-            <a:endParaRPr lang="en-GB" dirty="0"/>
-          </a:p>
-        </p:txBody>
-      </p:sp>
-    </p:spTree>
-    <p:extLst>
-      <p:ext uri="{BB962C8B-B14F-4D97-AF65-F5344CB8AC3E}">
-        <p14:creationId xmlns:p14="http://schemas.microsoft.com/office/powerpoint/2010/main" val="284864241"/>
-      </p:ext>
-    </p:extLst>
-  </p:cSld>
-  <p:clrMapOvr>
-    <a:masterClrMapping/>
-  </p:clrMapOvr>
-  <p:timing>
-    <p:tnLst>
-      <p:par>
-        <p:cTn id="1" dur="indefinite" restart="never" nodeType="tmRoot"/>
-      </p:par>
-    </p:tnLst>
-  </p:timing>
-</p:sld>
-</file>
-
-<file path=ppt/slides/slide37.xml><?xml version="1.0" encoding="utf-8"?>
-<p:sld xmlns:a="http://schemas.openxmlformats.org/drawingml/2006/main" xmlns:r="http://schemas.openxmlformats.org/officeDocument/2006/relationships" xmlns:p="http://schemas.openxmlformats.org/presentationml/2006/main">
-  <p:cSld>
-    <p:spTree>
-      <p:nvGrpSpPr>
-        <p:cNvPr id="1" name=""/>
-        <p:cNvGrpSpPr/>
-        <p:nvPr/>
-      </p:nvGrpSpPr>
-      <p:grpSpPr>
-        <a:xfrm>
-          <a:off x="0" y="0"/>
-          <a:ext cx="0" cy="0"/>
-          <a:chOff x="0" y="0"/>
-          <a:chExt cx="0" cy="0"/>
-        </a:xfrm>
-      </p:grpSpPr>
-      <p:sp>
-        <p:nvSpPr>
-          <p:cNvPr id="2" name="Title 1"/>
-          <p:cNvSpPr>
-            <a:spLocks noGrp="1"/>
-          </p:cNvSpPr>
-          <p:nvPr>
-            <p:ph type="title"/>
-          </p:nvPr>
-        </p:nvSpPr>
-        <p:spPr/>
-        <p:txBody>
-          <a:bodyPr/>
-          <a:lstStyle/>
-          <a:p>
-            <a:r>
-              <a:rPr lang="en-GB" dirty="0" smtClean="0"/>
-              <a:t>Answer</a:t>
-            </a:r>
-            <a:endParaRPr lang="en-GB" dirty="0"/>
-          </a:p>
-        </p:txBody>
-      </p:sp>
-      <p:sp>
-        <p:nvSpPr>
-          <p:cNvPr id="3" name="Content Placeholder 2"/>
-          <p:cNvSpPr>
-            <a:spLocks noGrp="1"/>
-          </p:cNvSpPr>
-          <p:nvPr>
-            <p:ph idx="1"/>
-          </p:nvPr>
-        </p:nvSpPr>
-        <p:spPr/>
-        <p:txBody>
-          <a:bodyPr/>
-          <a:lstStyle/>
-          <a:p>
-            <a:pPr marL="0" indent="0">
-              <a:buNone/>
-            </a:pPr>
-            <a:r>
-              <a:rPr lang="en-GB" dirty="0"/>
-              <a:t>b) </a:t>
-            </a:r>
-            <a:r>
-              <a:rPr lang="en-GB" dirty="0" err="1"/>
-              <a:t>artifacts</a:t>
-            </a:r>
-            <a:r>
-              <a:rPr lang="en-GB" dirty="0"/>
-              <a:t>, nodes, and their connections</a:t>
-            </a:r>
-          </a:p>
-        </p:txBody>
-      </p:sp>
-    </p:spTree>
-    <p:extLst>
-      <p:ext uri="{BB962C8B-B14F-4D97-AF65-F5344CB8AC3E}">
-        <p14:creationId xmlns:p14="http://schemas.microsoft.com/office/powerpoint/2010/main" val="799852205"/>
-      </p:ext>
-    </p:extLst>
-  </p:cSld>
-  <p:clrMapOvr>
-    <a:masterClrMapping/>
-  </p:clrMapOvr>
-  <p:timing>
-    <p:tnLst>
-      <p:par>
-        <p:cTn id="1" dur="indefinite" restart="never" nodeType="tmRoot"/>
-      </p:par>
-    </p:tnLst>
-  </p:timing>
-</p:sld>
-</file>
-
-<file path=ppt/slides/slide38.xml><?xml version="1.0" encoding="utf-8"?>
-<p:sld xmlns:a="http://schemas.openxmlformats.org/drawingml/2006/main" xmlns:r="http://schemas.openxmlformats.org/officeDocument/2006/relationships" xmlns:p="http://schemas.openxmlformats.org/presentationml/2006/main">
-  <p:cSld>
-    <p:spTree>
-      <p:nvGrpSpPr>
-        <p:cNvPr id="1" name=""/>
-        <p:cNvGrpSpPr/>
-        <p:nvPr/>
-      </p:nvGrpSpPr>
-      <p:grpSpPr>
-        <a:xfrm>
-          <a:off x="0" y="0"/>
-          <a:ext cx="0" cy="0"/>
-          <a:chOff x="0" y="0"/>
-          <a:chExt cx="0" cy="0"/>
-        </a:xfrm>
-      </p:grpSpPr>
-      <p:sp>
-        <p:nvSpPr>
-          <p:cNvPr id="2" name="Title 1"/>
-          <p:cNvSpPr>
-            <a:spLocks noGrp="1"/>
-          </p:cNvSpPr>
-          <p:nvPr>
-            <p:ph type="title"/>
-          </p:nvPr>
-        </p:nvSpPr>
-        <p:spPr/>
-        <p:txBody>
-          <a:bodyPr/>
-          <a:lstStyle/>
-          <a:p>
-            <a:r>
-              <a:rPr lang="en-GB" dirty="0"/>
-              <a:t>Use Case Diagrams</a:t>
-            </a:r>
-          </a:p>
-        </p:txBody>
-      </p:sp>
-      <p:sp>
-        <p:nvSpPr>
-          <p:cNvPr id="3" name="Content Placeholder 2"/>
-          <p:cNvSpPr>
-            <a:spLocks noGrp="1"/>
-          </p:cNvSpPr>
-          <p:nvPr>
-            <p:ph idx="1"/>
-          </p:nvPr>
-        </p:nvSpPr>
-        <p:spPr>
-          <a:xfrm>
-            <a:off x="685800" y="1981200"/>
-            <a:ext cx="7772400" cy="4419600"/>
-          </a:xfrm>
-        </p:spPr>
-        <p:txBody>
-          <a:bodyPr>
-            <a:normAutofit fontScale="70000" lnSpcReduction="20000"/>
-          </a:bodyPr>
-          <a:lstStyle/>
-          <a:p>
-            <a:r>
-              <a:rPr lang="en-GB" dirty="0"/>
-              <a:t>Package </a:t>
-            </a:r>
-            <a:r>
-              <a:rPr lang="en-GB" dirty="0" smtClean="0"/>
-              <a:t>Diagrams</a:t>
-            </a:r>
-            <a:endParaRPr lang="en-GB" dirty="0"/>
-          </a:p>
-          <a:p>
-            <a:r>
-              <a:rPr lang="en-GB" dirty="0"/>
-              <a:t>Component </a:t>
-            </a:r>
-            <a:r>
-              <a:rPr lang="en-GB" dirty="0" smtClean="0"/>
-              <a:t>Diagrams</a:t>
-            </a:r>
-            <a:endParaRPr lang="en-GB" dirty="0"/>
-          </a:p>
-          <a:p>
-            <a:r>
-              <a:rPr lang="en-GB" dirty="0"/>
-              <a:t>Deployment </a:t>
-            </a:r>
-            <a:r>
-              <a:rPr lang="en-GB" dirty="0" smtClean="0"/>
-              <a:t>Diagrams</a:t>
-            </a:r>
-            <a:endParaRPr lang="en-GB" dirty="0"/>
-          </a:p>
-          <a:p>
-            <a:r>
-              <a:rPr lang="en-GB" b="1" dirty="0">
-                <a:solidFill>
-                  <a:srgbClr val="FF0000"/>
-                </a:solidFill>
-              </a:rPr>
-              <a:t>Use </a:t>
-            </a:r>
-            <a:r>
-              <a:rPr lang="en-GB" b="1" dirty="0" smtClean="0">
-                <a:solidFill>
-                  <a:srgbClr val="FF0000"/>
-                </a:solidFill>
-              </a:rPr>
-              <a:t>Case Diagrams</a:t>
-            </a:r>
-            <a:endParaRPr lang="en-GB" b="1" dirty="0">
-              <a:solidFill>
-                <a:srgbClr val="FF0000"/>
-              </a:solidFill>
-            </a:endParaRPr>
-          </a:p>
-          <a:p>
-            <a:r>
-              <a:rPr lang="en-GB" dirty="0"/>
-              <a:t>Activity </a:t>
-            </a:r>
-            <a:r>
-              <a:rPr lang="en-GB" dirty="0" smtClean="0"/>
-              <a:t>Diagrams</a:t>
-            </a:r>
-            <a:endParaRPr lang="en-GB" dirty="0"/>
-          </a:p>
-          <a:p>
-            <a:r>
-              <a:rPr lang="en-GB" dirty="0"/>
-              <a:t>Class </a:t>
-            </a:r>
-            <a:r>
-              <a:rPr lang="en-GB" dirty="0" smtClean="0"/>
-              <a:t>Diagrams</a:t>
-            </a:r>
-            <a:endParaRPr lang="en-GB" dirty="0"/>
-          </a:p>
-          <a:p>
-            <a:r>
-              <a:rPr lang="en-GB" dirty="0"/>
-              <a:t>Sequence </a:t>
-            </a:r>
-            <a:r>
-              <a:rPr lang="en-GB" dirty="0" smtClean="0"/>
-              <a:t>Diagrams</a:t>
-            </a:r>
-            <a:endParaRPr lang="en-GB" dirty="0"/>
-          </a:p>
-          <a:p>
-            <a:r>
-              <a:rPr lang="en-GB" dirty="0"/>
-              <a:t>Interaction </a:t>
-            </a:r>
-            <a:r>
-              <a:rPr lang="en-GB" dirty="0" smtClean="0"/>
-              <a:t>Overview Diagrams</a:t>
-            </a:r>
-            <a:endParaRPr lang="en-GB" dirty="0"/>
-          </a:p>
-          <a:p>
-            <a:r>
-              <a:rPr lang="en-GB" dirty="0"/>
-              <a:t>Composite </a:t>
-            </a:r>
-            <a:r>
-              <a:rPr lang="en-GB" dirty="0" smtClean="0"/>
-              <a:t>Structure Diagrams</a:t>
-            </a:r>
-            <a:endParaRPr lang="en-GB" dirty="0"/>
-          </a:p>
-          <a:p>
-            <a:r>
-              <a:rPr lang="en-GB" dirty="0"/>
-              <a:t>State </a:t>
-            </a:r>
-            <a:r>
-              <a:rPr lang="en-GB" dirty="0" smtClean="0"/>
-              <a:t>Machine Diagrams</a:t>
-            </a:r>
-            <a:endParaRPr lang="en-GB" dirty="0"/>
-          </a:p>
-          <a:p>
-            <a:r>
-              <a:rPr lang="en-GB" dirty="0"/>
-              <a:t>Timing </a:t>
-            </a:r>
-            <a:r>
-              <a:rPr lang="en-GB" dirty="0" smtClean="0"/>
-              <a:t>Diagrams</a:t>
-            </a:r>
-            <a:endParaRPr lang="en-GB" dirty="0"/>
-          </a:p>
-          <a:p>
-            <a:r>
-              <a:rPr lang="en-GB" dirty="0"/>
-              <a:t>Object </a:t>
-            </a:r>
-            <a:r>
-              <a:rPr lang="en-GB" dirty="0" smtClean="0"/>
-              <a:t>Diagrams</a:t>
-            </a:r>
-            <a:endParaRPr lang="en-GB" dirty="0"/>
-          </a:p>
-          <a:p>
-            <a:r>
-              <a:rPr lang="en-GB" dirty="0"/>
-              <a:t>Communication </a:t>
-            </a:r>
-            <a:r>
-              <a:rPr lang="en-GB" dirty="0" smtClean="0"/>
-              <a:t>Diagrams</a:t>
-            </a:r>
-            <a:endParaRPr lang="en-GB" dirty="0"/>
-          </a:p>
-        </p:txBody>
-      </p:sp>
-    </p:spTree>
-    <p:extLst>
-      <p:ext uri="{BB962C8B-B14F-4D97-AF65-F5344CB8AC3E}">
-        <p14:creationId xmlns:p14="http://schemas.microsoft.com/office/powerpoint/2010/main" val="2792436406"/>
-      </p:ext>
-    </p:extLst>
-  </p:cSld>
-  <p:clrMapOvr>
-    <a:masterClrMapping/>
-  </p:clrMapOvr>
-  <p:timing>
-    <p:tnLst>
-      <p:par>
-        <p:cTn id="1" dur="indefinite" restart="never" nodeType="tmRoot"/>
-      </p:par>
-    </p:tnLst>
-  </p:timing>
-</p:sld>
-</file>
-
 <file path=ppt/slides/slide39.xml><?xml version="1.0" encoding="utf-8"?>
 <p:sld xmlns:a="http://schemas.openxmlformats.org/drawingml/2006/main" xmlns:r="http://schemas.openxmlformats.org/officeDocument/2006/relationships" xmlns:p="http://schemas.openxmlformats.org/presentationml/2006/main">
   <p:cSld>
@@ -8758,7 +8954,7 @@
           <a:p>
             <a:r>
               <a:rPr lang="en-GB" dirty="0" smtClean="0"/>
-              <a:t>Use Case Diagrams</a:t>
+              <a:t>Question</a:t>
             </a:r>
             <a:endParaRPr lang="en-GB" dirty="0"/>
           </a:p>
@@ -8774,55 +8970,80 @@
             <p:ph idx="1"/>
           </p:nvPr>
         </p:nvSpPr>
-        <p:spPr/>
+        <p:spPr>
+          <a:xfrm>
+            <a:off x="533400" y="1981200"/>
+            <a:ext cx="8077200" cy="4114800"/>
+          </a:xfrm>
+        </p:spPr>
         <p:txBody>
           <a:bodyPr/>
           <a:lstStyle/>
           <a:p>
             <a:r>
               <a:rPr lang="en-GB" dirty="0"/>
-              <a:t>Use </a:t>
-            </a:r>
-            <a:r>
-              <a:rPr lang="en-GB" dirty="0" smtClean="0"/>
-              <a:t>case diagrams </a:t>
-            </a:r>
-            <a:r>
-              <a:rPr lang="en-GB" dirty="0"/>
-              <a:t>are used to depict the context of the system to be built and the functionality provided by that system. </a:t>
-            </a:r>
+              <a:t>The three essential elements of a deployment diagram </a:t>
+            </a:r>
+            <a:r>
+              <a:rPr lang="en-GB" dirty="0" smtClean="0"/>
+              <a:t>are:</a:t>
+            </a:r>
+          </a:p>
+          <a:p>
             <a:endParaRPr lang="en-GB" dirty="0" smtClean="0"/>
           </a:p>
           <a:p>
-            <a:r>
-              <a:rPr lang="en-GB" dirty="0" smtClean="0"/>
-              <a:t>They </a:t>
-            </a:r>
-            <a:r>
-              <a:rPr lang="en-GB" dirty="0"/>
-              <a:t>depict who (or what) interacts with the system. </a:t>
-            </a:r>
-            <a:endParaRPr lang="en-GB" dirty="0" smtClean="0"/>
-          </a:p>
-          <a:p>
-            <a:r>
-              <a:rPr lang="en-GB" dirty="0" smtClean="0"/>
-              <a:t>They </a:t>
-            </a:r>
-            <a:r>
-              <a:rPr lang="en-GB" dirty="0"/>
-              <a:t>show what the outside world wants the system to do.</a:t>
-            </a:r>
-            <a:br>
-              <a:rPr lang="en-GB" dirty="0"/>
-            </a:br>
-            <a:r>
-              <a:rPr lang="en-GB" dirty="0"/>
-              <a:t/>
-            </a:r>
-            <a:br>
-              <a:rPr lang="en-GB" dirty="0"/>
-            </a:br>
+            <a:pPr marL="0" indent="0">
+              <a:buNone/>
+            </a:pPr>
+            <a:r>
+              <a:rPr lang="en-GB" dirty="0" smtClean="0"/>
+              <a:t>a) nodes, connections and their elements</a:t>
+            </a:r>
+            <a:endParaRPr lang="en-GB" dirty="0"/>
+          </a:p>
+          <a:p>
+            <a:pPr marL="0" indent="0">
+              <a:buNone/>
+            </a:pPr>
+            <a:r>
+              <a:rPr lang="en-GB" dirty="0"/>
+              <a:t>b</a:t>
+            </a:r>
+            <a:r>
+              <a:rPr lang="en-GB" dirty="0" smtClean="0"/>
+              <a:t>) </a:t>
+            </a:r>
+            <a:r>
+              <a:rPr lang="en-GB" dirty="0" err="1"/>
+              <a:t>artifacts</a:t>
+            </a:r>
+            <a:r>
+              <a:rPr lang="en-GB" dirty="0"/>
+              <a:t>, nodes, </a:t>
+            </a:r>
+            <a:r>
+              <a:rPr lang="en-GB" dirty="0" smtClean="0"/>
+              <a:t>and their connections</a:t>
+            </a:r>
+          </a:p>
+          <a:p>
+            <a:pPr marL="0" indent="0">
+              <a:buNone/>
+            </a:pPr>
+            <a:r>
+              <a:rPr lang="en-GB" dirty="0" smtClean="0"/>
+              <a:t>c) elements, relationships and connectors</a:t>
+            </a:r>
+          </a:p>
+          <a:p>
+            <a:pPr marL="0" indent="0">
+              <a:buNone/>
+            </a:pPr>
+            <a:r>
+              <a:rPr lang="en-GB" dirty="0" smtClean="0"/>
+              <a:t>d) inheritance, relationships and connectors</a:t>
+            </a:r>
             <a:endParaRPr lang="en-GB" dirty="0"/>
           </a:p>
         </p:txBody>
@@ -8830,7 +9051,7 @@
     </p:spTree>
     <p:extLst>
       <p:ext uri="{BB962C8B-B14F-4D97-AF65-F5344CB8AC3E}">
-        <p14:creationId xmlns:p14="http://schemas.microsoft.com/office/powerpoint/2010/main" val="2636626473"/>
+        <p14:creationId xmlns:p14="http://schemas.microsoft.com/office/powerpoint/2010/main" val="284864241"/>
       </p:ext>
     </p:extLst>
   </p:cSld>
@@ -8866,7 +9087,7 @@
       </p:grpSpPr>
       <p:sp>
         <p:nvSpPr>
-          <p:cNvPr id="12290" name="Title 1"/>
+          <p:cNvPr id="11266" name="Title 1"/>
           <p:cNvSpPr>
             <a:spLocks noGrp="1"/>
           </p:cNvSpPr>
@@ -8881,7 +9102,7 @@
           <a:p>
             <a:r>
               <a:rPr lang="en-GB" altLang="en-US" smtClean="0"/>
-              <a:t>Answer</a:t>
+              <a:t>Revision Question</a:t>
             </a:r>
           </a:p>
         </p:txBody>
@@ -8905,18 +9126,9 @@
               <a:defRPr/>
             </a:pPr>
             <a:r>
-              <a:rPr lang="en-GB" smtClean="0"/>
-              <a:t>Answer</a:t>
-            </a:r>
-            <a:r>
-              <a:rPr lang="en-GB"/>
-              <a:t> </a:t>
-            </a:r>
-            <a:r>
-              <a:rPr lang="en-GB" smtClean="0"/>
-              <a:t>a)</a:t>
-            </a:r>
-            <a:endParaRPr lang="en-GB" dirty="0" smtClean="0"/>
+              <a:rPr lang="en-GB" dirty="0" smtClean="0"/>
+              <a:t>Requirements analysis is critical to the success of a development project.</a:t>
+            </a:r>
           </a:p>
           <a:p>
             <a:pPr marL="0" indent="0">
@@ -8934,14 +9146,38 @@
             </a:pPr>
             <a:r>
               <a:rPr lang="en-GB" dirty="0" smtClean="0"/>
-              <a:t>Explanation: Requirements must be actionable, measurable, testable, related to identified business needs or opportunities, and defined to a level of detail sufficient for system design</a:t>
-            </a:r>
-          </a:p>
-          <a:p>
-            <a:pPr>
+              <a:t>a) True</a:t>
+            </a:r>
+          </a:p>
+          <a:p>
+            <a:pPr marL="0" indent="0">
+              <a:buFontTx/>
+              <a:buNone/>
               <a:defRPr/>
             </a:pPr>
-            <a:endParaRPr lang="en-GB" dirty="0"/>
+            <a:r>
+              <a:rPr lang="en-GB" dirty="0" smtClean="0"/>
+              <a:t>b) False</a:t>
+            </a:r>
+          </a:p>
+          <a:p>
+            <a:pPr marL="0" indent="0">
+              <a:buFontTx/>
+              <a:buNone/>
+              <a:defRPr/>
+            </a:pPr>
+            <a:r>
+              <a:rPr lang="en-GB" dirty="0" smtClean="0"/>
+              <a:t>c) Depends upon the size of project</a:t>
+            </a:r>
+          </a:p>
+          <a:p>
+            <a:pPr marL="0" indent="0">
+              <a:buFontTx/>
+              <a:buNone/>
+              <a:defRPr/>
+            </a:pPr>
+            <a:endParaRPr lang="en-GB" dirty="0" smtClean="0"/>
           </a:p>
         </p:txBody>
       </p:sp>
@@ -8961,6 +9197,483 @@
 </file>
 
 <file path=ppt/slides/slide40.xml><?xml version="1.0" encoding="utf-8"?>
+<p:sld xmlns:a="http://schemas.openxmlformats.org/drawingml/2006/main" xmlns:r="http://schemas.openxmlformats.org/officeDocument/2006/relationships" xmlns:p="http://schemas.openxmlformats.org/presentationml/2006/main">
+  <p:cSld>
+    <p:spTree>
+      <p:nvGrpSpPr>
+        <p:cNvPr id="1" name=""/>
+        <p:cNvGrpSpPr/>
+        <p:nvPr/>
+      </p:nvGrpSpPr>
+      <p:grpSpPr>
+        <a:xfrm>
+          <a:off x="0" y="0"/>
+          <a:ext cx="0" cy="0"/>
+          <a:chOff x="0" y="0"/>
+          <a:chExt cx="0" cy="0"/>
+        </a:xfrm>
+      </p:grpSpPr>
+      <p:sp>
+        <p:nvSpPr>
+          <p:cNvPr id="2" name="Title 1"/>
+          <p:cNvSpPr>
+            <a:spLocks noGrp="1"/>
+          </p:cNvSpPr>
+          <p:nvPr>
+            <p:ph type="title"/>
+          </p:nvPr>
+        </p:nvSpPr>
+        <p:spPr/>
+        <p:txBody>
+          <a:bodyPr/>
+          <a:lstStyle/>
+          <a:p>
+            <a:r>
+              <a:rPr lang="en-GB" dirty="0" smtClean="0"/>
+              <a:t>Answer</a:t>
+            </a:r>
+            <a:endParaRPr lang="en-GB" dirty="0"/>
+          </a:p>
+        </p:txBody>
+      </p:sp>
+      <p:sp>
+        <p:nvSpPr>
+          <p:cNvPr id="3" name="Content Placeholder 2"/>
+          <p:cNvSpPr>
+            <a:spLocks noGrp="1"/>
+          </p:cNvSpPr>
+          <p:nvPr>
+            <p:ph idx="1"/>
+          </p:nvPr>
+        </p:nvSpPr>
+        <p:spPr/>
+        <p:txBody>
+          <a:bodyPr/>
+          <a:lstStyle/>
+          <a:p>
+            <a:pPr marL="0" indent="0">
+              <a:buNone/>
+            </a:pPr>
+            <a:r>
+              <a:rPr lang="en-GB" dirty="0"/>
+              <a:t>b) </a:t>
+            </a:r>
+            <a:r>
+              <a:rPr lang="en-GB" dirty="0" err="1"/>
+              <a:t>artifacts</a:t>
+            </a:r>
+            <a:r>
+              <a:rPr lang="en-GB" dirty="0"/>
+              <a:t>, nodes, and their connections</a:t>
+            </a:r>
+          </a:p>
+        </p:txBody>
+      </p:sp>
+    </p:spTree>
+    <p:extLst>
+      <p:ext uri="{BB962C8B-B14F-4D97-AF65-F5344CB8AC3E}">
+        <p14:creationId xmlns:p14="http://schemas.microsoft.com/office/powerpoint/2010/main" val="799852205"/>
+      </p:ext>
+    </p:extLst>
+  </p:cSld>
+  <p:clrMapOvr>
+    <a:masterClrMapping/>
+  </p:clrMapOvr>
+  <p:timing>
+    <p:tnLst>
+      <p:par>
+        <p:cTn id="1" dur="indefinite" restart="never" nodeType="tmRoot"/>
+      </p:par>
+    </p:tnLst>
+  </p:timing>
+</p:sld>
+</file>
+
+<file path=ppt/slides/slide41.xml><?xml version="1.0" encoding="utf-8"?>
+<p:sld xmlns:a="http://schemas.openxmlformats.org/drawingml/2006/main" xmlns:r="http://schemas.openxmlformats.org/officeDocument/2006/relationships" xmlns:p="http://schemas.openxmlformats.org/presentationml/2006/main">
+  <p:cSld>
+    <p:spTree>
+      <p:nvGrpSpPr>
+        <p:cNvPr id="1" name=""/>
+        <p:cNvGrpSpPr/>
+        <p:nvPr/>
+      </p:nvGrpSpPr>
+      <p:grpSpPr>
+        <a:xfrm>
+          <a:off x="0" y="0"/>
+          <a:ext cx="0" cy="0"/>
+          <a:chOff x="0" y="0"/>
+          <a:chExt cx="0" cy="0"/>
+        </a:xfrm>
+      </p:grpSpPr>
+      <p:sp>
+        <p:nvSpPr>
+          <p:cNvPr id="2" name="Title 1"/>
+          <p:cNvSpPr>
+            <a:spLocks noGrp="1"/>
+          </p:cNvSpPr>
+          <p:nvPr>
+            <p:ph type="title"/>
+          </p:nvPr>
+        </p:nvSpPr>
+        <p:spPr/>
+        <p:txBody>
+          <a:bodyPr/>
+          <a:lstStyle/>
+          <a:p>
+            <a:r>
+              <a:rPr lang="en-GB" dirty="0"/>
+              <a:t>Use Case Diagrams</a:t>
+            </a:r>
+          </a:p>
+        </p:txBody>
+      </p:sp>
+      <p:sp>
+        <p:nvSpPr>
+          <p:cNvPr id="3" name="Content Placeholder 2"/>
+          <p:cNvSpPr>
+            <a:spLocks noGrp="1"/>
+          </p:cNvSpPr>
+          <p:nvPr>
+            <p:ph idx="1"/>
+          </p:nvPr>
+        </p:nvSpPr>
+        <p:spPr>
+          <a:xfrm>
+            <a:off x="685800" y="1981200"/>
+            <a:ext cx="7772400" cy="4419600"/>
+          </a:xfrm>
+        </p:spPr>
+        <p:txBody>
+          <a:bodyPr>
+            <a:normAutofit fontScale="70000" lnSpcReduction="20000"/>
+          </a:bodyPr>
+          <a:lstStyle/>
+          <a:p>
+            <a:r>
+              <a:rPr lang="en-GB" dirty="0"/>
+              <a:t>Package </a:t>
+            </a:r>
+            <a:r>
+              <a:rPr lang="en-GB" dirty="0" smtClean="0"/>
+              <a:t>Diagrams</a:t>
+            </a:r>
+            <a:endParaRPr lang="en-GB" dirty="0"/>
+          </a:p>
+          <a:p>
+            <a:r>
+              <a:rPr lang="en-GB" dirty="0"/>
+              <a:t>Component </a:t>
+            </a:r>
+            <a:r>
+              <a:rPr lang="en-GB" dirty="0" smtClean="0"/>
+              <a:t>Diagrams</a:t>
+            </a:r>
+            <a:endParaRPr lang="en-GB" dirty="0"/>
+          </a:p>
+          <a:p>
+            <a:r>
+              <a:rPr lang="en-GB" dirty="0"/>
+              <a:t>Deployment </a:t>
+            </a:r>
+            <a:r>
+              <a:rPr lang="en-GB" dirty="0" smtClean="0"/>
+              <a:t>Diagrams</a:t>
+            </a:r>
+            <a:endParaRPr lang="en-GB" dirty="0"/>
+          </a:p>
+          <a:p>
+            <a:r>
+              <a:rPr lang="en-GB" b="1" dirty="0">
+                <a:solidFill>
+                  <a:srgbClr val="FF0000"/>
+                </a:solidFill>
+              </a:rPr>
+              <a:t>Use </a:t>
+            </a:r>
+            <a:r>
+              <a:rPr lang="en-GB" b="1" dirty="0" smtClean="0">
+                <a:solidFill>
+                  <a:srgbClr val="FF0000"/>
+                </a:solidFill>
+              </a:rPr>
+              <a:t>Case Diagrams</a:t>
+            </a:r>
+            <a:endParaRPr lang="en-GB" b="1" dirty="0">
+              <a:solidFill>
+                <a:srgbClr val="FF0000"/>
+              </a:solidFill>
+            </a:endParaRPr>
+          </a:p>
+          <a:p>
+            <a:r>
+              <a:rPr lang="en-GB" dirty="0"/>
+              <a:t>Activity </a:t>
+            </a:r>
+            <a:r>
+              <a:rPr lang="en-GB" dirty="0" smtClean="0"/>
+              <a:t>Diagrams</a:t>
+            </a:r>
+            <a:endParaRPr lang="en-GB" dirty="0"/>
+          </a:p>
+          <a:p>
+            <a:r>
+              <a:rPr lang="en-GB" dirty="0"/>
+              <a:t>Class </a:t>
+            </a:r>
+            <a:r>
+              <a:rPr lang="en-GB" dirty="0" smtClean="0"/>
+              <a:t>Diagrams</a:t>
+            </a:r>
+            <a:endParaRPr lang="en-GB" dirty="0"/>
+          </a:p>
+          <a:p>
+            <a:r>
+              <a:rPr lang="en-GB" dirty="0"/>
+              <a:t>Sequence </a:t>
+            </a:r>
+            <a:r>
+              <a:rPr lang="en-GB" dirty="0" smtClean="0"/>
+              <a:t>Diagrams</a:t>
+            </a:r>
+            <a:endParaRPr lang="en-GB" dirty="0"/>
+          </a:p>
+          <a:p>
+            <a:r>
+              <a:rPr lang="en-GB" dirty="0"/>
+              <a:t>Interaction </a:t>
+            </a:r>
+            <a:r>
+              <a:rPr lang="en-GB" dirty="0" smtClean="0"/>
+              <a:t>Overview Diagrams</a:t>
+            </a:r>
+            <a:endParaRPr lang="en-GB" dirty="0"/>
+          </a:p>
+          <a:p>
+            <a:r>
+              <a:rPr lang="en-GB" dirty="0"/>
+              <a:t>Composite </a:t>
+            </a:r>
+            <a:r>
+              <a:rPr lang="en-GB" dirty="0" smtClean="0"/>
+              <a:t>Structure Diagrams</a:t>
+            </a:r>
+            <a:endParaRPr lang="en-GB" dirty="0"/>
+          </a:p>
+          <a:p>
+            <a:r>
+              <a:rPr lang="en-GB" dirty="0"/>
+              <a:t>State </a:t>
+            </a:r>
+            <a:r>
+              <a:rPr lang="en-GB" dirty="0" smtClean="0"/>
+              <a:t>Machine Diagrams</a:t>
+            </a:r>
+            <a:endParaRPr lang="en-GB" dirty="0"/>
+          </a:p>
+          <a:p>
+            <a:r>
+              <a:rPr lang="en-GB" dirty="0"/>
+              <a:t>Timing </a:t>
+            </a:r>
+            <a:r>
+              <a:rPr lang="en-GB" dirty="0" smtClean="0"/>
+              <a:t>Diagrams</a:t>
+            </a:r>
+            <a:endParaRPr lang="en-GB" dirty="0"/>
+          </a:p>
+          <a:p>
+            <a:r>
+              <a:rPr lang="en-GB" dirty="0"/>
+              <a:t>Object </a:t>
+            </a:r>
+            <a:r>
+              <a:rPr lang="en-GB" dirty="0" smtClean="0"/>
+              <a:t>Diagrams</a:t>
+            </a:r>
+            <a:endParaRPr lang="en-GB" dirty="0"/>
+          </a:p>
+          <a:p>
+            <a:r>
+              <a:rPr lang="en-GB" dirty="0"/>
+              <a:t>Communication </a:t>
+            </a:r>
+            <a:r>
+              <a:rPr lang="en-GB" dirty="0" smtClean="0"/>
+              <a:t>Diagrams</a:t>
+            </a:r>
+            <a:endParaRPr lang="en-GB" dirty="0"/>
+          </a:p>
+        </p:txBody>
+      </p:sp>
+      <p:pic>
+        <p:nvPicPr>
+          <p:cNvPr id="4" name="Picture 3"/>
+          <p:cNvPicPr>
+            <a:picLocks noChangeAspect="1"/>
+          </p:cNvPicPr>
+          <p:nvPr/>
+        </p:nvPicPr>
+        <p:blipFill>
+          <a:blip r:embed="rId2"/>
+          <a:stretch>
+            <a:fillRect/>
+          </a:stretch>
+        </p:blipFill>
+        <p:spPr>
+          <a:xfrm>
+            <a:off x="5334000" y="2286000"/>
+            <a:ext cx="3336602" cy="3429000"/>
+          </a:xfrm>
+          <a:prstGeom prst="rect">
+            <a:avLst/>
+          </a:prstGeom>
+        </p:spPr>
+      </p:pic>
+    </p:spTree>
+    <p:extLst>
+      <p:ext uri="{BB962C8B-B14F-4D97-AF65-F5344CB8AC3E}">
+        <p14:creationId xmlns:p14="http://schemas.microsoft.com/office/powerpoint/2010/main" val="2792436406"/>
+      </p:ext>
+    </p:extLst>
+  </p:cSld>
+  <p:clrMapOvr>
+    <a:masterClrMapping/>
+  </p:clrMapOvr>
+  <p:timing>
+    <p:tnLst>
+      <p:par>
+        <p:cTn id="1" dur="indefinite" restart="never" nodeType="tmRoot"/>
+      </p:par>
+    </p:tnLst>
+  </p:timing>
+</p:sld>
+</file>
+
+<file path=ppt/slides/slide42.xml><?xml version="1.0" encoding="utf-8"?>
+<p:sld xmlns:a="http://schemas.openxmlformats.org/drawingml/2006/main" xmlns:r="http://schemas.openxmlformats.org/officeDocument/2006/relationships" xmlns:p="http://schemas.openxmlformats.org/presentationml/2006/main">
+  <p:cSld>
+    <p:spTree>
+      <p:nvGrpSpPr>
+        <p:cNvPr id="1" name=""/>
+        <p:cNvGrpSpPr/>
+        <p:nvPr/>
+      </p:nvGrpSpPr>
+      <p:grpSpPr>
+        <a:xfrm>
+          <a:off x="0" y="0"/>
+          <a:ext cx="0" cy="0"/>
+          <a:chOff x="0" y="0"/>
+          <a:chExt cx="0" cy="0"/>
+        </a:xfrm>
+      </p:grpSpPr>
+      <p:sp>
+        <p:nvSpPr>
+          <p:cNvPr id="2" name="Title 1"/>
+          <p:cNvSpPr>
+            <a:spLocks noGrp="1"/>
+          </p:cNvSpPr>
+          <p:nvPr>
+            <p:ph type="title"/>
+          </p:nvPr>
+        </p:nvSpPr>
+        <p:spPr/>
+        <p:txBody>
+          <a:bodyPr/>
+          <a:lstStyle/>
+          <a:p>
+            <a:r>
+              <a:rPr lang="en-GB" dirty="0" smtClean="0"/>
+              <a:t>Use Case Diagrams</a:t>
+            </a:r>
+            <a:endParaRPr lang="en-GB" dirty="0"/>
+          </a:p>
+        </p:txBody>
+      </p:sp>
+      <p:sp>
+        <p:nvSpPr>
+          <p:cNvPr id="3" name="Content Placeholder 2"/>
+          <p:cNvSpPr>
+            <a:spLocks noGrp="1"/>
+          </p:cNvSpPr>
+          <p:nvPr>
+            <p:ph idx="1"/>
+          </p:nvPr>
+        </p:nvSpPr>
+        <p:spPr/>
+        <p:txBody>
+          <a:bodyPr/>
+          <a:lstStyle/>
+          <a:p>
+            <a:r>
+              <a:rPr lang="en-GB" dirty="0"/>
+              <a:t>Use </a:t>
+            </a:r>
+            <a:r>
+              <a:rPr lang="en-GB" dirty="0" smtClean="0"/>
+              <a:t>case diagrams </a:t>
+            </a:r>
+            <a:r>
+              <a:rPr lang="en-GB" dirty="0"/>
+              <a:t>are used to depict the context of the system to be built and the functionality provided by that system. </a:t>
+            </a:r>
+            <a:endParaRPr lang="en-GB" dirty="0" smtClean="0"/>
+          </a:p>
+          <a:p>
+            <a:r>
+              <a:rPr lang="en-GB" dirty="0" smtClean="0"/>
+              <a:t>They </a:t>
+            </a:r>
+            <a:r>
+              <a:rPr lang="en-GB" dirty="0"/>
+              <a:t>depict who (or what) interacts with the system. </a:t>
+            </a:r>
+            <a:endParaRPr lang="en-GB" dirty="0" smtClean="0"/>
+          </a:p>
+          <a:p>
+            <a:r>
+              <a:rPr lang="en-GB" dirty="0" smtClean="0"/>
+              <a:t>They </a:t>
+            </a:r>
+            <a:r>
+              <a:rPr lang="en-GB" dirty="0"/>
+              <a:t>show what the outside world wants the system to do.</a:t>
+            </a:r>
+            <a:br>
+              <a:rPr lang="en-GB" dirty="0"/>
+            </a:br>
+            <a:r>
+              <a:rPr lang="en-GB" dirty="0"/>
+              <a:t/>
+            </a:r>
+            <a:br>
+              <a:rPr lang="en-GB" dirty="0"/>
+            </a:br>
+            <a:endParaRPr lang="en-GB" dirty="0"/>
+          </a:p>
+        </p:txBody>
+      </p:sp>
+    </p:spTree>
+    <p:extLst>
+      <p:ext uri="{BB962C8B-B14F-4D97-AF65-F5344CB8AC3E}">
+        <p14:creationId xmlns:p14="http://schemas.microsoft.com/office/powerpoint/2010/main" val="2636626473"/>
+      </p:ext>
+    </p:extLst>
+  </p:cSld>
+  <p:clrMapOvr>
+    <a:masterClrMapping/>
+  </p:clrMapOvr>
+  <p:timing>
+    <p:tnLst>
+      <p:par>
+        <p:cTn id="1" dur="indefinite" restart="never" nodeType="tmRoot"/>
+      </p:par>
+    </p:tnLst>
+  </p:timing>
+</p:sld>
+</file>
+
+<file path=ppt/slides/slide43.xml><?xml version="1.0" encoding="utf-8"?>
 <p:sld xmlns:a="http://schemas.openxmlformats.org/drawingml/2006/main" xmlns:r="http://schemas.openxmlformats.org/officeDocument/2006/relationships" xmlns:p="http://schemas.openxmlformats.org/presentationml/2006/main">
   <p:cSld>
     <p:spTree>
@@ -9068,7 +9781,7 @@
 </p:sld>
 </file>
 
-<file path=ppt/slides/slide41.xml><?xml version="1.0" encoding="utf-8"?>
+<file path=ppt/slides/slide44.xml><?xml version="1.0" encoding="utf-8"?>
 <p:sld xmlns:a="http://schemas.openxmlformats.org/drawingml/2006/main" xmlns:r="http://schemas.openxmlformats.org/officeDocument/2006/relationships" xmlns:p="http://schemas.openxmlformats.org/presentationml/2006/main">
   <p:cSld>
     <p:spTree>
@@ -9285,6 +9998,30 @@
           </a:p>
         </p:txBody>
       </p:sp>
+      <p:pic>
+        <p:nvPicPr>
+          <p:cNvPr id="4" name="Picture 3"/>
+          <p:cNvPicPr>
+            <a:picLocks noChangeAspect="1"/>
+          </p:cNvPicPr>
+          <p:nvPr/>
+        </p:nvPicPr>
+        <p:blipFill>
+          <a:blip r:embed="rId2"/>
+          <a:stretch>
+            <a:fillRect/>
+          </a:stretch>
+        </p:blipFill>
+        <p:spPr>
+          <a:xfrm>
+            <a:off x="5334000" y="2286000"/>
+            <a:ext cx="3336602" cy="3429000"/>
+          </a:xfrm>
+          <a:prstGeom prst="rect">
+            <a:avLst/>
+          </a:prstGeom>
+        </p:spPr>
+      </p:pic>
     </p:spTree>
     <p:extLst>
       <p:ext uri="{BB962C8B-B14F-4D97-AF65-F5344CB8AC3E}">
@@ -9305,7 +10042,7 @@
 </p:sld>
 </file>
 
-<file path=ppt/slides/slide42.xml><?xml version="1.0" encoding="utf-8"?>
+<file path=ppt/slides/slide45.xml><?xml version="1.0" encoding="utf-8"?>
 <p:sld xmlns:a="http://schemas.openxmlformats.org/drawingml/2006/main" xmlns:r="http://schemas.openxmlformats.org/officeDocument/2006/relationships" xmlns:p="http://schemas.openxmlformats.org/presentationml/2006/main">
   <p:cSld>
     <p:spTree>
@@ -9427,7 +10164,7 @@
 </p:sld>
 </file>
 
-<file path=ppt/slides/slide43.xml><?xml version="1.0" encoding="utf-8"?>
+<file path=ppt/slides/slide46.xml><?xml version="1.0" encoding="utf-8"?>
 <p:sld xmlns:a="http://schemas.openxmlformats.org/drawingml/2006/main" xmlns:r="http://schemas.openxmlformats.org/officeDocument/2006/relationships" xmlns:p="http://schemas.openxmlformats.org/presentationml/2006/main">
   <p:cSld>
     <p:spTree>
@@ -9535,7 +10272,7 @@
 </p:sld>
 </file>
 
-<file path=ppt/slides/slide44.xml><?xml version="1.0" encoding="utf-8"?>
+<file path=ppt/slides/slide47.xml><?xml version="1.0" encoding="utf-8"?>
 <p:sld xmlns:a="http://schemas.openxmlformats.org/drawingml/2006/main" xmlns:r="http://schemas.openxmlformats.org/officeDocument/2006/relationships" xmlns:p="http://schemas.openxmlformats.org/presentationml/2006/main">
   <p:cSld>
     <p:spTree>
@@ -9752,6 +10489,30 @@
           </a:p>
         </p:txBody>
       </p:sp>
+      <p:pic>
+        <p:nvPicPr>
+          <p:cNvPr id="4" name="Picture 3"/>
+          <p:cNvPicPr>
+            <a:picLocks noChangeAspect="1"/>
+          </p:cNvPicPr>
+          <p:nvPr/>
+        </p:nvPicPr>
+        <p:blipFill>
+          <a:blip r:embed="rId2"/>
+          <a:stretch>
+            <a:fillRect/>
+          </a:stretch>
+        </p:blipFill>
+        <p:spPr>
+          <a:xfrm>
+            <a:off x="5334000" y="2362200"/>
+            <a:ext cx="3336602" cy="3429000"/>
+          </a:xfrm>
+          <a:prstGeom prst="rect">
+            <a:avLst/>
+          </a:prstGeom>
+        </p:spPr>
+      </p:pic>
     </p:spTree>
     <p:extLst>
       <p:ext uri="{BB962C8B-B14F-4D97-AF65-F5344CB8AC3E}">
@@ -9772,7 +10533,7 @@
 </p:sld>
 </file>
 
-<file path=ppt/slides/slide45.xml><?xml version="1.0" encoding="utf-8"?>
+<file path=ppt/slides/slide48.xml><?xml version="1.0" encoding="utf-8"?>
 <p:sld xmlns:a="http://schemas.openxmlformats.org/drawingml/2006/main" xmlns:r="http://schemas.openxmlformats.org/officeDocument/2006/relationships" xmlns:p="http://schemas.openxmlformats.org/presentationml/2006/main">
   <p:cSld>
     <p:spTree>
@@ -9921,7 +10682,7 @@
 </p:sld>
 </file>
 
-<file path=ppt/slides/slide46.xml><?xml version="1.0" encoding="utf-8"?>
+<file path=ppt/slides/slide49.xml><?xml version="1.0" encoding="utf-8"?>
 <p:sld xmlns:a="http://schemas.openxmlformats.org/drawingml/2006/main" xmlns:r="http://schemas.openxmlformats.org/officeDocument/2006/relationships" xmlns:p="http://schemas.openxmlformats.org/presentationml/2006/main">
   <p:cSld>
     <p:spTree>
@@ -10063,7 +10824,120 @@
 </p:sld>
 </file>
 
-<file path=ppt/slides/slide47.xml><?xml version="1.0" encoding="utf-8"?>
+<file path=ppt/slides/slide5.xml><?xml version="1.0" encoding="utf-8"?>
+<p:sld xmlns:a="http://schemas.openxmlformats.org/drawingml/2006/main" xmlns:r="http://schemas.openxmlformats.org/officeDocument/2006/relationships" xmlns:p="http://schemas.openxmlformats.org/presentationml/2006/main">
+  <p:cSld>
+    <p:spTree>
+      <p:nvGrpSpPr>
+        <p:cNvPr id="1" name=""/>
+        <p:cNvGrpSpPr/>
+        <p:nvPr/>
+      </p:nvGrpSpPr>
+      <p:grpSpPr>
+        <a:xfrm>
+          <a:off x="0" y="0"/>
+          <a:ext cx="0" cy="0"/>
+          <a:chOff x="0" y="0"/>
+          <a:chExt cx="0" cy="0"/>
+        </a:xfrm>
+      </p:grpSpPr>
+      <p:sp>
+        <p:nvSpPr>
+          <p:cNvPr id="12290" name="Title 1"/>
+          <p:cNvSpPr>
+            <a:spLocks noGrp="1"/>
+          </p:cNvSpPr>
+          <p:nvPr>
+            <p:ph type="title"/>
+          </p:nvPr>
+        </p:nvSpPr>
+        <p:spPr/>
+        <p:txBody>
+          <a:bodyPr/>
+          <a:lstStyle/>
+          <a:p>
+            <a:r>
+              <a:rPr lang="en-GB" altLang="en-US" smtClean="0"/>
+              <a:t>Answer</a:t>
+            </a:r>
+          </a:p>
+        </p:txBody>
+      </p:sp>
+      <p:sp>
+        <p:nvSpPr>
+          <p:cNvPr id="3" name="Content Placeholder 2"/>
+          <p:cNvSpPr>
+            <a:spLocks noGrp="1"/>
+          </p:cNvSpPr>
+          <p:nvPr>
+            <p:ph idx="1"/>
+          </p:nvPr>
+        </p:nvSpPr>
+        <p:spPr/>
+        <p:txBody>
+          <a:bodyPr/>
+          <a:lstStyle/>
+          <a:p>
+            <a:pPr>
+              <a:defRPr/>
+            </a:pPr>
+            <a:r>
+              <a:rPr lang="en-GB" smtClean="0"/>
+              <a:t>Answer</a:t>
+            </a:r>
+            <a:r>
+              <a:rPr lang="en-GB"/>
+              <a:t> </a:t>
+            </a:r>
+            <a:r>
+              <a:rPr lang="en-GB" smtClean="0"/>
+              <a:t>a)</a:t>
+            </a:r>
+            <a:endParaRPr lang="en-GB" dirty="0" smtClean="0"/>
+          </a:p>
+          <a:p>
+            <a:pPr marL="0" indent="0">
+              <a:buFontTx/>
+              <a:buNone/>
+              <a:defRPr/>
+            </a:pPr>
+            <a:endParaRPr lang="en-GB" dirty="0" smtClean="0"/>
+          </a:p>
+          <a:p>
+            <a:pPr marL="0" indent="0">
+              <a:buFontTx/>
+              <a:buNone/>
+              <a:defRPr/>
+            </a:pPr>
+            <a:r>
+              <a:rPr lang="en-GB" dirty="0" smtClean="0"/>
+              <a:t>Explanation: Requirements must be actionable, measurable, testable, related to identified business needs or opportunities, and defined to a level of detail sufficient for system design</a:t>
+            </a:r>
+          </a:p>
+          <a:p>
+            <a:pPr>
+              <a:defRPr/>
+            </a:pPr>
+            <a:endParaRPr lang="en-GB" dirty="0"/>
+          </a:p>
+        </p:txBody>
+      </p:sp>
+    </p:spTree>
+  </p:cSld>
+  <p:clrMapOvr>
+    <a:masterClrMapping/>
+  </p:clrMapOvr>
+  <p:timing>
+    <p:tnLst>
+      <p:par>
+        <p:cTn id="1" dur="indefinite" restart="never" nodeType="tmRoot"/>
+      </p:par>
+    </p:tnLst>
+  </p:timing>
+</p:sld>
+</file>
+
+<file path=ppt/slides/slide50.xml><?xml version="1.0" encoding="utf-8"?>
 <p:sld xmlns:a="http://schemas.openxmlformats.org/drawingml/2006/main" xmlns:r="http://schemas.openxmlformats.org/officeDocument/2006/relationships" xmlns:p="http://schemas.openxmlformats.org/presentationml/2006/main">
   <p:cSld>
     <p:spTree>
@@ -10174,7 +11048,7 @@
 </p:sld>
 </file>
 
-<file path=ppt/slides/slide48.xml><?xml version="1.0" encoding="utf-8"?>
+<file path=ppt/slides/slide51.xml><?xml version="1.0" encoding="utf-8"?>
 <p:sld xmlns:a="http://schemas.openxmlformats.org/drawingml/2006/main" xmlns:r="http://schemas.openxmlformats.org/officeDocument/2006/relationships" xmlns:p="http://schemas.openxmlformats.org/presentationml/2006/main">
   <p:cSld>
     <p:spTree>
@@ -10282,7 +11156,7 @@
 </p:sld>
 </file>
 
-<file path=ppt/slides/slide49.xml><?xml version="1.0" encoding="utf-8"?>
+<file path=ppt/slides/slide52.xml><?xml version="1.0" encoding="utf-8"?>
 <p:sld xmlns:a="http://schemas.openxmlformats.org/drawingml/2006/main" xmlns:r="http://schemas.openxmlformats.org/officeDocument/2006/relationships" xmlns:p="http://schemas.openxmlformats.org/presentationml/2006/main">
   <p:cSld>
     <p:spTree>
@@ -10299,6 +11173,30 @@
           <a:chExt cx="0" cy="0"/>
         </a:xfrm>
       </p:grpSpPr>
+      <p:pic>
+        <p:nvPicPr>
+          <p:cNvPr id="6" name="Picture 5"/>
+          <p:cNvPicPr>
+            <a:picLocks noChangeAspect="1"/>
+          </p:cNvPicPr>
+          <p:nvPr/>
+        </p:nvPicPr>
+        <p:blipFill>
+          <a:blip r:embed="rId2"/>
+          <a:stretch>
+            <a:fillRect/>
+          </a:stretch>
+        </p:blipFill>
+        <p:spPr>
+          <a:xfrm>
+            <a:off x="5146998" y="2133600"/>
+            <a:ext cx="3336602" cy="3429000"/>
+          </a:xfrm>
+          <a:prstGeom prst="rect">
+            <a:avLst/>
+          </a:prstGeom>
+        </p:spPr>
+      </p:pic>
       <p:sp>
         <p:nvSpPr>
           <p:cNvPr id="2" name="Title 1"/>
@@ -10600,7 +11498,7 @@
 </p:sld>
 </file>
 
-<file path=ppt/slides/slide5.xml><?xml version="1.0" encoding="utf-8"?>
+<file path=ppt/slides/slide53.xml><?xml version="1.0" encoding="utf-8"?>
 <p:sld xmlns:a="http://schemas.openxmlformats.org/drawingml/2006/main" xmlns:r="http://schemas.openxmlformats.org/officeDocument/2006/relationships" xmlns:p="http://schemas.openxmlformats.org/presentationml/2006/main">
   <p:cSld>
     <p:spTree>
@@ -10619,7 +11517,7 @@
       </p:grpSpPr>
       <p:sp>
         <p:nvSpPr>
-          <p:cNvPr id="13314" name="Title 1"/>
+          <p:cNvPr id="2" name="Title 1"/>
           <p:cNvSpPr>
             <a:spLocks noGrp="1"/>
           </p:cNvSpPr>
@@ -10633,9 +11531,10 @@
           <a:lstStyle/>
           <a:p>
             <a:r>
-              <a:rPr lang="en-GB" altLang="en-US" smtClean="0"/>
-              <a:t>Question</a:t>
-            </a:r>
+              <a:rPr lang="en-GB" dirty="0" smtClean="0"/>
+              <a:t>Remember</a:t>
+            </a:r>
+            <a:endParaRPr lang="en-GB" dirty="0"/>
           </a:p>
         </p:txBody>
       </p:sp>
@@ -10651,71 +11550,121 @@
         </p:nvSpPr>
         <p:spPr/>
         <p:txBody>
-          <a:bodyPr/>
+          <a:bodyPr>
+            <a:normAutofit fontScale="92500"/>
+          </a:bodyPr>
           <a:lstStyle/>
           <a:p>
-            <a:pPr>
-              <a:defRPr/>
-            </a:pPr>
-            <a:r>
-              <a:rPr lang="en-GB" dirty="0" smtClean="0"/>
-              <a:t>Requirements should specify ‘what’ but not ‘how’.</a:t>
-            </a:r>
-          </a:p>
-          <a:p>
-            <a:pPr>
-              <a:defRPr/>
-            </a:pPr>
-            <a:endParaRPr lang="en-GB" dirty="0" smtClean="0"/>
-          </a:p>
-          <a:p>
-            <a:pPr marL="0" indent="0">
-              <a:buFontTx/>
-              <a:buNone/>
-              <a:defRPr/>
-            </a:pPr>
-            <a:r>
-              <a:rPr lang="en-GB" dirty="0" smtClean="0"/>
-              <a:t>a) True</a:t>
-            </a:r>
-          </a:p>
-          <a:p>
-            <a:pPr marL="0" indent="0">
-              <a:buFontTx/>
-              <a:buNone/>
-              <a:defRPr/>
-            </a:pPr>
-            <a:r>
-              <a:rPr lang="en-GB" dirty="0" smtClean="0"/>
-              <a:t>b) False</a:t>
-            </a:r>
-          </a:p>
-          <a:p>
-            <a:pPr marL="0" indent="0">
-              <a:buFontTx/>
-              <a:buNone/>
-              <a:defRPr/>
-            </a:pPr>
-            <a:endParaRPr lang="en-GB" dirty="0" smtClean="0"/>
+            <a:r>
+              <a:rPr lang="en-GB" dirty="0"/>
+              <a:t>The limitations of UML are the same as any </a:t>
+            </a:r>
+            <a:r>
+              <a:rPr lang="en-GB" b="1" dirty="0">
+                <a:solidFill>
+                  <a:srgbClr val="FF0000"/>
+                </a:solidFill>
+              </a:rPr>
+              <a:t>form of </a:t>
+            </a:r>
+            <a:r>
+              <a:rPr lang="en-GB" b="1" dirty="0" smtClean="0">
+                <a:solidFill>
+                  <a:srgbClr val="FF0000"/>
+                </a:solidFill>
+              </a:rPr>
+              <a:t>communication</a:t>
+            </a:r>
+          </a:p>
+          <a:p>
+            <a:r>
+              <a:rPr lang="en-GB" dirty="0" smtClean="0"/>
+              <a:t>The </a:t>
+            </a:r>
+            <a:r>
+              <a:rPr lang="en-GB" dirty="0"/>
+              <a:t>simpler your language, the fewer things you can communicate and the </a:t>
+            </a:r>
+            <a:r>
+              <a:rPr lang="en-GB" dirty="0">
+                <a:solidFill>
+                  <a:srgbClr val="FF0000"/>
+                </a:solidFill>
+              </a:rPr>
+              <a:t>clearer</a:t>
+            </a:r>
+            <a:r>
+              <a:rPr lang="en-GB" dirty="0"/>
+              <a:t> your communications will </a:t>
+            </a:r>
+            <a:r>
+              <a:rPr lang="en-GB" dirty="0" smtClean="0"/>
+              <a:t>become</a:t>
+            </a:r>
+          </a:p>
+          <a:p>
+            <a:r>
+              <a:rPr lang="en-GB" dirty="0" smtClean="0"/>
+              <a:t>A </a:t>
+            </a:r>
+            <a:r>
+              <a:rPr lang="en-GB" dirty="0">
+                <a:solidFill>
+                  <a:srgbClr val="FF0000"/>
+                </a:solidFill>
+              </a:rPr>
+              <a:t>shape</a:t>
+            </a:r>
+            <a:r>
+              <a:rPr lang="en-GB" dirty="0"/>
+              <a:t> like a square or circle identifies a structure, a </a:t>
+            </a:r>
+            <a:r>
+              <a:rPr lang="en-GB" dirty="0">
+                <a:solidFill>
+                  <a:srgbClr val="FF0000"/>
+                </a:solidFill>
+              </a:rPr>
+              <a:t>line</a:t>
+            </a:r>
+            <a:r>
+              <a:rPr lang="en-GB" dirty="0"/>
+              <a:t> indicates relationship, an </a:t>
+            </a:r>
+            <a:r>
+              <a:rPr lang="en-GB" dirty="0">
+                <a:solidFill>
+                  <a:srgbClr val="FF0000"/>
+                </a:solidFill>
+              </a:rPr>
+              <a:t>arrow</a:t>
+            </a:r>
+            <a:r>
+              <a:rPr lang="en-GB" dirty="0"/>
+              <a:t> indicates movement, or </a:t>
+            </a:r>
+            <a:r>
+              <a:rPr lang="en-GB" dirty="0" smtClean="0"/>
+              <a:t>flow</a:t>
+            </a:r>
+            <a:endParaRPr lang="en-GB" dirty="0"/>
           </a:p>
         </p:txBody>
       </p:sp>
     </p:spTree>
+    <p:extLst>
+      <p:ext uri="{BB962C8B-B14F-4D97-AF65-F5344CB8AC3E}">
+        <p14:creationId xmlns:p14="http://schemas.microsoft.com/office/powerpoint/2010/main" val="652428509"/>
+      </p:ext>
+    </p:extLst>
   </p:cSld>
   <p:clrMapOvr>
     <a:masterClrMapping/>
   </p:clrMapOvr>
-  <p:timing>
-    <p:tnLst>
-      <p:par>
-        <p:cTn id="1" dur="indefinite" restart="never" nodeType="tmRoot"/>
-      </p:par>
-    </p:tnLst>
-  </p:timing>
 </p:sld>
 </file>
 
-<file path=ppt/slides/slide50.xml><?xml version="1.0" encoding="utf-8"?>
+<file path=ppt/slides/slide54.xml><?xml version="1.0" encoding="utf-8"?>
 <p:sld xmlns:a="http://schemas.openxmlformats.org/drawingml/2006/main" xmlns:r="http://schemas.openxmlformats.org/officeDocument/2006/relationships" xmlns:p="http://schemas.openxmlformats.org/presentationml/2006/main">
   <p:cSld>
     <p:spTree>
@@ -10874,7 +11823,7 @@
 </p:sld>
 </file>
 
-<file path=ppt/slides/slide51.xml><?xml version="1.0" encoding="utf-8"?>
+<file path=ppt/slides/slide55.xml><?xml version="1.0" encoding="utf-8"?>
 <p:sld xmlns:a="http://schemas.openxmlformats.org/drawingml/2006/main" xmlns:r="http://schemas.openxmlformats.org/officeDocument/2006/relationships" xmlns:p="http://schemas.openxmlformats.org/presentationml/2006/main">
   <p:cSld>
     <p:spTree>
@@ -10968,7 +11917,7 @@
 </p:sld>
 </file>
 
-<file path=ppt/slides/slide52.xml><?xml version="1.0" encoding="utf-8"?>
+<file path=ppt/slides/slide56.xml><?xml version="1.0" encoding="utf-8"?>
 <p:sld xmlns:a="http://schemas.openxmlformats.org/drawingml/2006/main" xmlns:r="http://schemas.openxmlformats.org/officeDocument/2006/relationships" xmlns:p="http://schemas.openxmlformats.org/presentationml/2006/main">
   <p:cSld>
     <p:spTree>
@@ -11062,7 +12011,7 @@
       </p:grpSpPr>
       <p:sp>
         <p:nvSpPr>
-          <p:cNvPr id="14338" name="Title 1"/>
+          <p:cNvPr id="13314" name="Title 1"/>
           <p:cNvSpPr>
             <a:spLocks noGrp="1"/>
           </p:cNvSpPr>
@@ -11077,7 +12026,7 @@
           <a:p>
             <a:r>
               <a:rPr lang="en-GB" altLang="en-US" smtClean="0"/>
-              <a:t>Answer</a:t>
+              <a:t>Question</a:t>
             </a:r>
           </a:p>
         </p:txBody>
@@ -11102,7 +12051,35 @@
             </a:pPr>
             <a:r>
               <a:rPr lang="en-GB" dirty="0" smtClean="0"/>
-              <a:t>Answer: a)</a:t>
+              <a:t>Requirements should specify ‘what’ but not ‘how’.</a:t>
+            </a:r>
+          </a:p>
+          <a:p>
+            <a:pPr>
+              <a:defRPr/>
+            </a:pPr>
+            <a:endParaRPr lang="en-GB" dirty="0" smtClean="0"/>
+          </a:p>
+          <a:p>
+            <a:pPr marL="0" indent="0">
+              <a:buFontTx/>
+              <a:buNone/>
+              <a:defRPr/>
+            </a:pPr>
+            <a:r>
+              <a:rPr lang="en-GB" dirty="0" smtClean="0"/>
+              <a:t>a) True</a:t>
+            </a:r>
+          </a:p>
+          <a:p>
+            <a:pPr marL="0" indent="0">
+              <a:buFontTx/>
+              <a:buNone/>
+              <a:defRPr/>
+            </a:pPr>
+            <a:r>
+              <a:rPr lang="en-GB" dirty="0" smtClean="0"/>
+              <a:t>b) False</a:t>
             </a:r>
           </a:p>
           <a:p>
@@ -11112,31 +12089,6 @@
               <a:defRPr/>
             </a:pPr>
             <a:endParaRPr lang="en-GB" dirty="0" smtClean="0"/>
-          </a:p>
-          <a:p>
-            <a:pPr marL="0" indent="0">
-              <a:buFontTx/>
-              <a:buNone/>
-              <a:defRPr/>
-            </a:pPr>
-            <a:r>
-              <a:rPr lang="en-GB" dirty="0" smtClean="0"/>
-              <a:t>Explanation: ‘What’ refers to a system’s purpose, while ‘How’ refers to a system’s structure and </a:t>
-            </a:r>
-            <a:r>
-              <a:rPr lang="en-GB" dirty="0" err="1" smtClean="0"/>
-              <a:t>behavior</a:t>
-            </a:r>
-            <a:r>
-              <a:rPr lang="en-GB" dirty="0" smtClean="0"/>
-              <a:t>.</a:t>
-            </a:r>
-          </a:p>
-          <a:p>
-            <a:pPr>
-              <a:defRPr/>
-            </a:pPr>
-            <a:endParaRPr lang="en-GB" dirty="0"/>
           </a:p>
         </p:txBody>
       </p:sp>
@@ -11156,6 +12108,118 @@
 </file>
 
 <file path=ppt/slides/slide7.xml><?xml version="1.0" encoding="utf-8"?>
+<p:sld xmlns:a="http://schemas.openxmlformats.org/drawingml/2006/main" xmlns:r="http://schemas.openxmlformats.org/officeDocument/2006/relationships" xmlns:p="http://schemas.openxmlformats.org/presentationml/2006/main">
+  <p:cSld>
+    <p:spTree>
+      <p:nvGrpSpPr>
+        <p:cNvPr id="1" name=""/>
+        <p:cNvGrpSpPr/>
+        <p:nvPr/>
+      </p:nvGrpSpPr>
+      <p:grpSpPr>
+        <a:xfrm>
+          <a:off x="0" y="0"/>
+          <a:ext cx="0" cy="0"/>
+          <a:chOff x="0" y="0"/>
+          <a:chExt cx="0" cy="0"/>
+        </a:xfrm>
+      </p:grpSpPr>
+      <p:sp>
+        <p:nvSpPr>
+          <p:cNvPr id="14338" name="Title 1"/>
+          <p:cNvSpPr>
+            <a:spLocks noGrp="1"/>
+          </p:cNvSpPr>
+          <p:nvPr>
+            <p:ph type="title"/>
+          </p:nvPr>
+        </p:nvSpPr>
+        <p:spPr/>
+        <p:txBody>
+          <a:bodyPr/>
+          <a:lstStyle/>
+          <a:p>
+            <a:r>
+              <a:rPr lang="en-GB" altLang="en-US" smtClean="0"/>
+              <a:t>Answer</a:t>
+            </a:r>
+          </a:p>
+        </p:txBody>
+      </p:sp>
+      <p:sp>
+        <p:nvSpPr>
+          <p:cNvPr id="3" name="Content Placeholder 2"/>
+          <p:cNvSpPr>
+            <a:spLocks noGrp="1"/>
+          </p:cNvSpPr>
+          <p:nvPr>
+            <p:ph idx="1"/>
+          </p:nvPr>
+        </p:nvSpPr>
+        <p:spPr/>
+        <p:txBody>
+          <a:bodyPr/>
+          <a:lstStyle/>
+          <a:p>
+            <a:pPr>
+              <a:defRPr/>
+            </a:pPr>
+            <a:r>
+              <a:rPr lang="en-GB" dirty="0" smtClean="0"/>
+              <a:t>Answer: a)</a:t>
+            </a:r>
+          </a:p>
+          <a:p>
+            <a:pPr marL="0" indent="0">
+              <a:buFontTx/>
+              <a:buNone/>
+              <a:defRPr/>
+            </a:pPr>
+            <a:endParaRPr lang="en-GB" dirty="0" smtClean="0"/>
+          </a:p>
+          <a:p>
+            <a:pPr marL="0" indent="0">
+              <a:buFontTx/>
+              <a:buNone/>
+              <a:defRPr/>
+            </a:pPr>
+            <a:r>
+              <a:rPr lang="en-GB" dirty="0" smtClean="0"/>
+              <a:t>Explanation: ‘What’ refers to a system’s purpose, while ‘How’ refers to a system’s structure and </a:t>
+            </a:r>
+            <a:r>
+              <a:rPr lang="en-GB" dirty="0" err="1" smtClean="0"/>
+              <a:t>behavior</a:t>
+            </a:r>
+            <a:r>
+              <a:rPr lang="en-GB" dirty="0" smtClean="0"/>
+              <a:t>.</a:t>
+            </a:r>
+          </a:p>
+          <a:p>
+            <a:pPr>
+              <a:defRPr/>
+            </a:pPr>
+            <a:endParaRPr lang="en-GB" dirty="0"/>
+          </a:p>
+        </p:txBody>
+      </p:sp>
+    </p:spTree>
+  </p:cSld>
+  <p:clrMapOvr>
+    <a:masterClrMapping/>
+  </p:clrMapOvr>
+  <p:timing>
+    <p:tnLst>
+      <p:par>
+        <p:cTn id="1" dur="indefinite" restart="never" nodeType="tmRoot"/>
+      </p:par>
+    </p:tnLst>
+  </p:timing>
+</p:sld>
+</file>
+
+<file path=ppt/slides/slide8.xml><?xml version="1.0" encoding="utf-8"?>
 <p:sld xmlns:a="http://schemas.openxmlformats.org/drawingml/2006/main" xmlns:r="http://schemas.openxmlformats.org/officeDocument/2006/relationships" xmlns:p="http://schemas.openxmlformats.org/presentationml/2006/main">
   <p:cSld>
     <p:spTree>
@@ -11295,112 +12359,6 @@
 </p:sld>
 </file>
 
-<file path=ppt/slides/slide8.xml><?xml version="1.0" encoding="utf-8"?>
-<p:sld xmlns:a="http://schemas.openxmlformats.org/drawingml/2006/main" xmlns:r="http://schemas.openxmlformats.org/officeDocument/2006/relationships" xmlns:p="http://schemas.openxmlformats.org/presentationml/2006/main">
-  <p:cSld>
-    <p:spTree>
-      <p:nvGrpSpPr>
-        <p:cNvPr id="1" name=""/>
-        <p:cNvGrpSpPr/>
-        <p:nvPr/>
-      </p:nvGrpSpPr>
-      <p:grpSpPr>
-        <a:xfrm>
-          <a:off x="0" y="0"/>
-          <a:ext cx="0" cy="0"/>
-          <a:chOff x="0" y="0"/>
-          <a:chExt cx="0" cy="0"/>
-        </a:xfrm>
-      </p:grpSpPr>
-      <p:sp>
-        <p:nvSpPr>
-          <p:cNvPr id="16386" name="Title 1"/>
-          <p:cNvSpPr>
-            <a:spLocks noGrp="1"/>
-          </p:cNvSpPr>
-          <p:nvPr>
-            <p:ph type="title"/>
-          </p:nvPr>
-        </p:nvSpPr>
-        <p:spPr/>
-        <p:txBody>
-          <a:bodyPr/>
-          <a:lstStyle/>
-          <a:p>
-            <a:r>
-              <a:rPr lang="en-GB" altLang="en-US" smtClean="0"/>
-              <a:t>The Unified Modeling Language (UML)</a:t>
-            </a:r>
-          </a:p>
-        </p:txBody>
-      </p:sp>
-      <p:sp>
-        <p:nvSpPr>
-          <p:cNvPr id="16387" name="Content Placeholder 2"/>
-          <p:cNvSpPr>
-            <a:spLocks noGrp="1"/>
-          </p:cNvSpPr>
-          <p:nvPr>
-            <p:ph idx="1"/>
-          </p:nvPr>
-        </p:nvSpPr>
-        <p:spPr/>
-        <p:txBody>
-          <a:bodyPr/>
-          <a:lstStyle/>
-          <a:p>
-            <a:r>
-              <a:rPr lang="en-GB" altLang="en-US" b="1" dirty="0" smtClean="0">
-                <a:solidFill>
-                  <a:srgbClr val="FF0000"/>
-                </a:solidFill>
-              </a:rPr>
-              <a:t>Primary</a:t>
-            </a:r>
-            <a:r>
-              <a:rPr lang="en-GB" altLang="en-US" dirty="0" smtClean="0"/>
-              <a:t> </a:t>
-            </a:r>
-            <a:r>
-              <a:rPr lang="en-GB" altLang="en-US" dirty="0" err="1" smtClean="0"/>
-              <a:t>modeling</a:t>
-            </a:r>
-            <a:r>
-              <a:rPr lang="en-GB" altLang="en-US" dirty="0" smtClean="0"/>
-              <a:t> language used to </a:t>
-            </a:r>
-            <a:r>
-              <a:rPr lang="en-GB" altLang="en-US" dirty="0" err="1" smtClean="0"/>
-              <a:t>analyze</a:t>
-            </a:r>
-            <a:r>
-              <a:rPr lang="en-GB" altLang="en-US" dirty="0" smtClean="0"/>
-              <a:t>, specify and design software systems</a:t>
-            </a:r>
-          </a:p>
-          <a:p>
-            <a:r>
-              <a:rPr lang="en-GB" altLang="en-US" dirty="0" smtClean="0"/>
-              <a:t>UML is used to model (i.e., represent) the system being built</a:t>
-            </a:r>
-          </a:p>
-        </p:txBody>
-      </p:sp>
-    </p:spTree>
-  </p:cSld>
-  <p:clrMapOvr>
-    <a:masterClrMapping/>
-  </p:clrMapOvr>
-  <p:timing>
-    <p:tnLst>
-      <p:par>
-        <p:cTn id="1" dur="indefinite" restart="never" nodeType="tmRoot"/>
-      </p:par>
-    </p:tnLst>
-  </p:timing>
-</p:sld>
-</file>
-
 <file path=ppt/slides/slide9.xml><?xml version="1.0" encoding="utf-8"?>
 <p:sld xmlns:a="http://schemas.openxmlformats.org/drawingml/2006/main" xmlns:r="http://schemas.openxmlformats.org/officeDocument/2006/relationships" xmlns:p="http://schemas.openxmlformats.org/presentationml/2006/main">
   <p:cSld>
@@ -11420,7 +12378,7 @@
       </p:grpSpPr>
       <p:sp>
         <p:nvSpPr>
-          <p:cNvPr id="2" name="Title 1"/>
+          <p:cNvPr id="16386" name="Title 1"/>
           <p:cNvSpPr>
             <a:spLocks noGrp="1"/>
           </p:cNvSpPr>
@@ -11433,13 +12391,16 @@
           <a:bodyPr/>
           <a:lstStyle/>
           <a:p>
-            <a:endParaRPr lang="en-GB"/>
-          </a:p>
-        </p:txBody>
-      </p:sp>
-      <p:sp>
-        <p:nvSpPr>
-          <p:cNvPr id="3" name="Content Placeholder 2"/>
+            <a:r>
+              <a:rPr lang="en-GB" altLang="en-US" smtClean="0"/>
+              <a:t>The Unified Modeling Language (UML)</a:t>
+            </a:r>
+          </a:p>
+        </p:txBody>
+      </p:sp>
+      <p:sp>
+        <p:nvSpPr>
+          <p:cNvPr id="16387" name="Content Placeholder 2"/>
           <p:cNvSpPr>
             <a:spLocks noGrp="1"/>
           </p:cNvSpPr>
@@ -11452,40 +12413,44 @@
           <a:bodyPr/>
           <a:lstStyle/>
           <a:p>
-            <a:endParaRPr lang="en-GB"/>
-          </a:p>
-        </p:txBody>
-      </p:sp>
-      <p:pic>
-        <p:nvPicPr>
-          <p:cNvPr id="5" name="Picture 4"/>
-          <p:cNvPicPr>
-            <a:picLocks noChangeAspect="1"/>
-          </p:cNvPicPr>
-          <p:nvPr/>
-        </p:nvPicPr>
-        <p:blipFill>
-          <a:blip r:embed="rId2"/>
-          <a:stretch>
-            <a:fillRect/>
-          </a:stretch>
-        </p:blipFill>
-        <p:spPr>
-          <a:xfrm>
-            <a:off x="0" y="152400"/>
-            <a:ext cx="9144000" cy="6484620"/>
-          </a:xfrm>
-          <a:prstGeom prst="rect">
-            <a:avLst/>
-          </a:prstGeom>
-        </p:spPr>
-      </p:pic>
+            <a:r>
+              <a:rPr lang="en-GB" altLang="en-US" b="1" dirty="0" smtClean="0">
+                <a:solidFill>
+                  <a:srgbClr val="FF0000"/>
+                </a:solidFill>
+              </a:rPr>
+              <a:t>Primary</a:t>
+            </a:r>
+            <a:r>
+              <a:rPr lang="en-GB" altLang="en-US" dirty="0" smtClean="0"/>
+              <a:t> </a:t>
+            </a:r>
+            <a:r>
+              <a:rPr lang="en-GB" altLang="en-US" dirty="0" err="1" smtClean="0"/>
+              <a:t>modeling</a:t>
+            </a:r>
+            <a:r>
+              <a:rPr lang="en-GB" altLang="en-US" dirty="0" smtClean="0"/>
+              <a:t> language used to </a:t>
+            </a:r>
+            <a:r>
+              <a:rPr lang="en-GB" altLang="en-US" dirty="0" err="1" smtClean="0"/>
+              <a:t>analyze</a:t>
+            </a:r>
+            <a:r>
+              <a:rPr lang="en-GB" altLang="en-US" dirty="0" smtClean="0"/>
+              <a:t>, specify and design software systems</a:t>
+            </a:r>
+          </a:p>
+          <a:p>
+            <a:r>
+              <a:rPr lang="en-GB" altLang="en-US" dirty="0" smtClean="0"/>
+              <a:t>UML is used to model (i.e., represent) the system being built</a:t>
+            </a:r>
+          </a:p>
+        </p:txBody>
+      </p:sp>
     </p:spTree>
-    <p:extLst>
-      <p:ext uri="{BB962C8B-B14F-4D97-AF65-F5344CB8AC3E}">
-        <p14:creationId xmlns:p14="http://schemas.microsoft.com/office/powerpoint/2010/main" val="3259374729"/>
-      </p:ext>
-    </p:extLst>
   </p:cSld>
   <p:clrMapOvr>
     <a:masterClrMapping/>
